--- a/apresentacao/apresentacao.pptx
+++ b/apresentacao/apresentacao.pptx
@@ -8,6 +8,7 @@
     <p:sldId id="256" r:id="rId2"/>
     <p:sldId id="257" r:id="rId3"/>
     <p:sldId id="258" r:id="rId4"/>
+    <p:sldId id="259" r:id="rId5"/>
   </p:sldIdLst>
   <p:sldSz cx="12192000" cy="6858000"/>
   <p:notesSz cx="6858000" cy="9144000"/>
@@ -106,6 +107,11 @@
       </a:defRPr>
     </a:lvl9pPr>
   </p:defaultTextStyle>
+  <p:extLst>
+    <p:ext uri="{EFAFB233-063F-42B5-8137-9DF3F51BA10A}">
+      <p15:sldGuideLst xmlns:p15="http://schemas.microsoft.com/office/powerpoint/2012/main"/>
+    </p:ext>
+  </p:extLst>
 </p:presentation>
 </file>
 
@@ -256,7 +262,7 @@
           <a:p>
             <a:fld id="{1F1FAA24-82E9-47BA-A53E-AEAD71F0EE56}" type="datetimeFigureOut">
               <a:rPr lang="pt-BR" smtClean="0"/>
-              <a:t>24/11/2019</a:t>
+              <a:t>02/02/2020</a:t>
             </a:fld>
             <a:endParaRPr lang="pt-BR"/>
           </a:p>
@@ -454,7 +460,7 @@
           <a:p>
             <a:fld id="{1F1FAA24-82E9-47BA-A53E-AEAD71F0EE56}" type="datetimeFigureOut">
               <a:rPr lang="pt-BR" smtClean="0"/>
-              <a:t>24/11/2019</a:t>
+              <a:t>02/02/2020</a:t>
             </a:fld>
             <a:endParaRPr lang="pt-BR"/>
           </a:p>
@@ -662,7 +668,7 @@
           <a:p>
             <a:fld id="{1F1FAA24-82E9-47BA-A53E-AEAD71F0EE56}" type="datetimeFigureOut">
               <a:rPr lang="pt-BR" smtClean="0"/>
-              <a:t>24/11/2019</a:t>
+              <a:t>02/02/2020</a:t>
             </a:fld>
             <a:endParaRPr lang="pt-BR"/>
           </a:p>
@@ -860,7 +866,7 @@
           <a:p>
             <a:fld id="{1F1FAA24-82E9-47BA-A53E-AEAD71F0EE56}" type="datetimeFigureOut">
               <a:rPr lang="pt-BR" smtClean="0"/>
-              <a:t>24/11/2019</a:t>
+              <a:t>02/02/2020</a:t>
             </a:fld>
             <a:endParaRPr lang="pt-BR"/>
           </a:p>
@@ -1135,7 +1141,7 @@
           <a:p>
             <a:fld id="{1F1FAA24-82E9-47BA-A53E-AEAD71F0EE56}" type="datetimeFigureOut">
               <a:rPr lang="pt-BR" smtClean="0"/>
-              <a:t>24/11/2019</a:t>
+              <a:t>02/02/2020</a:t>
             </a:fld>
             <a:endParaRPr lang="pt-BR"/>
           </a:p>
@@ -1400,7 +1406,7 @@
           <a:p>
             <a:fld id="{1F1FAA24-82E9-47BA-A53E-AEAD71F0EE56}" type="datetimeFigureOut">
               <a:rPr lang="pt-BR" smtClean="0"/>
-              <a:t>24/11/2019</a:t>
+              <a:t>02/02/2020</a:t>
             </a:fld>
             <a:endParaRPr lang="pt-BR"/>
           </a:p>
@@ -1812,7 +1818,7 @@
           <a:p>
             <a:fld id="{1F1FAA24-82E9-47BA-A53E-AEAD71F0EE56}" type="datetimeFigureOut">
               <a:rPr lang="pt-BR" smtClean="0"/>
-              <a:t>24/11/2019</a:t>
+              <a:t>02/02/2020</a:t>
             </a:fld>
             <a:endParaRPr lang="pt-BR"/>
           </a:p>
@@ -1953,7 +1959,7 @@
           <a:p>
             <a:fld id="{1F1FAA24-82E9-47BA-A53E-AEAD71F0EE56}" type="datetimeFigureOut">
               <a:rPr lang="pt-BR" smtClean="0"/>
-              <a:t>24/11/2019</a:t>
+              <a:t>02/02/2020</a:t>
             </a:fld>
             <a:endParaRPr lang="pt-BR"/>
           </a:p>
@@ -2066,7 +2072,7 @@
           <a:p>
             <a:fld id="{1F1FAA24-82E9-47BA-A53E-AEAD71F0EE56}" type="datetimeFigureOut">
               <a:rPr lang="pt-BR" smtClean="0"/>
-              <a:t>24/11/2019</a:t>
+              <a:t>02/02/2020</a:t>
             </a:fld>
             <a:endParaRPr lang="pt-BR"/>
           </a:p>
@@ -2377,7 +2383,7 @@
           <a:p>
             <a:fld id="{1F1FAA24-82E9-47BA-A53E-AEAD71F0EE56}" type="datetimeFigureOut">
               <a:rPr lang="pt-BR" smtClean="0"/>
-              <a:t>24/11/2019</a:t>
+              <a:t>02/02/2020</a:t>
             </a:fld>
             <a:endParaRPr lang="pt-BR"/>
           </a:p>
@@ -2665,7 +2671,7 @@
           <a:p>
             <a:fld id="{1F1FAA24-82E9-47BA-A53E-AEAD71F0EE56}" type="datetimeFigureOut">
               <a:rPr lang="pt-BR" smtClean="0"/>
-              <a:t>24/11/2019</a:t>
+              <a:t>02/02/2020</a:t>
             </a:fld>
             <a:endParaRPr lang="pt-BR"/>
           </a:p>
@@ -2906,7 +2912,7 @@
           <a:p>
             <a:fld id="{1F1FAA24-82E9-47BA-A53E-AEAD71F0EE56}" type="datetimeFigureOut">
               <a:rPr lang="pt-BR" smtClean="0"/>
-              <a:t>24/11/2019</a:t>
+              <a:t>02/02/2020</a:t>
             </a:fld>
             <a:endParaRPr lang="pt-BR"/>
           </a:p>
@@ -3325,10 +3331,10 @@
       </p:grpSpPr>
       <p:pic>
         <p:nvPicPr>
-          <p:cNvPr id="9" name="Imagem 8" descr="Uma imagem contendo natureza, céu noturno&#10;&#10;Descrição gerada automaticamente">
-            <a:extLst>
-              <a:ext uri="{FF2B5EF4-FFF2-40B4-BE49-F238E27FC236}">
-                <a16:creationId xmlns:a16="http://schemas.microsoft.com/office/drawing/2014/main" id="{05376024-CB16-4D40-B8B8-DEC0BF472064}"/>
+          <p:cNvPr id="3" name="Imagem 2">
+            <a:extLst>
+              <a:ext uri="{FF2B5EF4-FFF2-40B4-BE49-F238E27FC236}">
+                <a16:creationId xmlns:a16="http://schemas.microsoft.com/office/drawing/2014/main" id="{F9BA872D-2A10-4471-9390-99ACB8A8D402}"/>
               </a:ext>
             </a:extLst>
           </p:cNvPr>
@@ -3391,10 +3397,10 @@
       </p:grpSpPr>
       <p:pic>
         <p:nvPicPr>
-          <p:cNvPr id="5" name="Imagem 4">
-            <a:extLst>
-              <a:ext uri="{FF2B5EF4-FFF2-40B4-BE49-F238E27FC236}">
-                <a16:creationId xmlns:a16="http://schemas.microsoft.com/office/drawing/2014/main" id="{DA561A6E-3B19-48E3-8040-53BD0D558A49}"/>
+          <p:cNvPr id="8" name="Imagem 7" descr="Tela de celular com publicação numa rede social&#10;&#10;Descrição gerada automaticamente">
+            <a:extLst>
+              <a:ext uri="{FF2B5EF4-FFF2-40B4-BE49-F238E27FC236}">
+                <a16:creationId xmlns:a16="http://schemas.microsoft.com/office/drawing/2014/main" id="{9FA7623C-0891-4859-A547-2A0FFCB7143A}"/>
               </a:ext>
             </a:extLst>
           </p:cNvPr>
@@ -3457,10 +3463,10 @@
       </p:grpSpPr>
       <p:pic>
         <p:nvPicPr>
-          <p:cNvPr id="7" name="Imagem 6" descr="Uma imagem contendo pessoa, mulher, jovem&#10;&#10;Descrição gerada automaticamente">
-            <a:extLst>
-              <a:ext uri="{FF2B5EF4-FFF2-40B4-BE49-F238E27FC236}">
-                <a16:creationId xmlns:a16="http://schemas.microsoft.com/office/drawing/2014/main" id="{654E85B8-DA95-4687-99BA-644655D7E7F3}"/>
+          <p:cNvPr id="5" name="Imagem 4" descr="Tela de celular com texto preto sobre fundo branco&#10;&#10;Descrição gerada automaticamente">
+            <a:extLst>
+              <a:ext uri="{FF2B5EF4-FFF2-40B4-BE49-F238E27FC236}">
+                <a16:creationId xmlns:a16="http://schemas.microsoft.com/office/drawing/2014/main" id="{69A4904F-0D2D-4FD9-A097-628AF17A821B}"/>
               </a:ext>
             </a:extLst>
           </p:cNvPr>
@@ -3495,6 +3501,72 @@
     <p:extLst>
       <p:ext uri="{BB962C8B-B14F-4D97-AF65-F5344CB8AC3E}">
         <p14:creationId xmlns:p14="http://schemas.microsoft.com/office/powerpoint/2010/main" val="2943105770"/>
+      </p:ext>
+    </p:extLst>
+  </p:cSld>
+  <p:clrMapOvr>
+    <a:masterClrMapping/>
+  </p:clrMapOvr>
+</p:sld>
+</file>
+
+<file path=ppt/slides/slide4.xml><?xml version="1.0" encoding="utf-8"?>
+<p:sld xmlns:a="http://schemas.openxmlformats.org/drawingml/2006/main" xmlns:r="http://schemas.openxmlformats.org/officeDocument/2006/relationships" xmlns:p="http://schemas.openxmlformats.org/presentationml/2006/main">
+  <p:cSld>
+    <p:spTree>
+      <p:nvGrpSpPr>
+        <p:cNvPr id="1" name=""/>
+        <p:cNvGrpSpPr/>
+        <p:nvPr/>
+      </p:nvGrpSpPr>
+      <p:grpSpPr>
+        <a:xfrm>
+          <a:off x="0" y="0"/>
+          <a:ext cx="0" cy="0"/>
+          <a:chOff x="0" y="0"/>
+          <a:chExt cx="0" cy="0"/>
+        </a:xfrm>
+      </p:grpSpPr>
+      <p:pic>
+        <p:nvPicPr>
+          <p:cNvPr id="9" name="Imagem 8" descr="Uma imagem contendo texto&#10;&#10;Descrição gerada automaticamente">
+            <a:extLst>
+              <a:ext uri="{FF2B5EF4-FFF2-40B4-BE49-F238E27FC236}">
+                <a16:creationId xmlns:a16="http://schemas.microsoft.com/office/drawing/2014/main" id="{6D79B008-D041-4EC0-B2EF-1E608AC18620}"/>
+              </a:ext>
+            </a:extLst>
+          </p:cNvPr>
+          <p:cNvPicPr>
+            <a:picLocks noChangeAspect="1"/>
+          </p:cNvPicPr>
+          <p:nvPr/>
+        </p:nvPicPr>
+        <p:blipFill>
+          <a:blip r:embed="rId2">
+            <a:extLst>
+              <a:ext uri="{28A0092B-C50C-407E-A947-70E740481C1C}">
+                <a14:useLocalDpi xmlns:a14="http://schemas.microsoft.com/office/drawing/2010/main" val="0"/>
+              </a:ext>
+            </a:extLst>
+          </a:blip>
+          <a:stretch>
+            <a:fillRect/>
+          </a:stretch>
+        </p:blipFill>
+        <p:spPr>
+          <a:xfrm>
+            <a:off x="0" y="0"/>
+            <a:ext cx="12192000" cy="6858000"/>
+          </a:xfrm>
+          <a:prstGeom prst="rect">
+            <a:avLst/>
+          </a:prstGeom>
+        </p:spPr>
+      </p:pic>
+    </p:spTree>
+    <p:extLst>
+      <p:ext uri="{BB962C8B-B14F-4D97-AF65-F5344CB8AC3E}">
+        <p14:creationId xmlns:p14="http://schemas.microsoft.com/office/powerpoint/2010/main" val="4087358166"/>
       </p:ext>
     </p:extLst>
   </p:cSld>

--- a/apresentacao/apresentacao.pptx
+++ b/apresentacao/apresentacao.pptx
@@ -9,6 +9,7 @@
     <p:sldId id="257" r:id="rId3"/>
     <p:sldId id="258" r:id="rId4"/>
     <p:sldId id="259" r:id="rId5"/>
+    <p:sldId id="260" r:id="rId6"/>
   </p:sldIdLst>
   <p:sldSz cx="12192000" cy="6858000"/>
   <p:notesSz cx="6858000" cy="9144000"/>
@@ -3529,10 +3530,10 @@
       </p:grpSpPr>
       <p:pic>
         <p:nvPicPr>
-          <p:cNvPr id="9" name="Imagem 8" descr="Uma imagem contendo texto&#10;&#10;Descrição gerada automaticamente">
-            <a:extLst>
-              <a:ext uri="{FF2B5EF4-FFF2-40B4-BE49-F238E27FC236}">
-                <a16:creationId xmlns:a16="http://schemas.microsoft.com/office/drawing/2014/main" id="{6D79B008-D041-4EC0-B2EF-1E608AC18620}"/>
+          <p:cNvPr id="4" name="Imagem 3" descr="Texto preto sobre fundo branco&#10;&#10;Descrição gerada automaticamente">
+            <a:extLst>
+              <a:ext uri="{FF2B5EF4-FFF2-40B4-BE49-F238E27FC236}">
+                <a16:creationId xmlns:a16="http://schemas.microsoft.com/office/drawing/2014/main" id="{37FAD47E-4268-45A4-A9E6-AE291DFC32B5}"/>
               </a:ext>
             </a:extLst>
           </p:cNvPr>
@@ -3567,6 +3568,72 @@
     <p:extLst>
       <p:ext uri="{BB962C8B-B14F-4D97-AF65-F5344CB8AC3E}">
         <p14:creationId xmlns:p14="http://schemas.microsoft.com/office/powerpoint/2010/main" val="4087358166"/>
+      </p:ext>
+    </p:extLst>
+  </p:cSld>
+  <p:clrMapOvr>
+    <a:masterClrMapping/>
+  </p:clrMapOvr>
+</p:sld>
+</file>
+
+<file path=ppt/slides/slide5.xml><?xml version="1.0" encoding="utf-8"?>
+<p:sld xmlns:a="http://schemas.openxmlformats.org/drawingml/2006/main" xmlns:r="http://schemas.openxmlformats.org/officeDocument/2006/relationships" xmlns:p="http://schemas.openxmlformats.org/presentationml/2006/main">
+  <p:cSld>
+    <p:spTree>
+      <p:nvGrpSpPr>
+        <p:cNvPr id="1" name=""/>
+        <p:cNvGrpSpPr/>
+        <p:nvPr/>
+      </p:nvGrpSpPr>
+      <p:grpSpPr>
+        <a:xfrm>
+          <a:off x="0" y="0"/>
+          <a:ext cx="0" cy="0"/>
+          <a:chOff x="0" y="0"/>
+          <a:chExt cx="0" cy="0"/>
+        </a:xfrm>
+      </p:grpSpPr>
+      <p:pic>
+        <p:nvPicPr>
+          <p:cNvPr id="7" name="Imagem 6">
+            <a:extLst>
+              <a:ext uri="{FF2B5EF4-FFF2-40B4-BE49-F238E27FC236}">
+                <a16:creationId xmlns:a16="http://schemas.microsoft.com/office/drawing/2014/main" id="{2D583E17-4902-42C2-808B-746278C5E691}"/>
+              </a:ext>
+            </a:extLst>
+          </p:cNvPr>
+          <p:cNvPicPr>
+            <a:picLocks noChangeAspect="1"/>
+          </p:cNvPicPr>
+          <p:nvPr/>
+        </p:nvPicPr>
+        <p:blipFill>
+          <a:blip r:embed="rId2">
+            <a:extLst>
+              <a:ext uri="{28A0092B-C50C-407E-A947-70E740481C1C}">
+                <a14:useLocalDpi xmlns:a14="http://schemas.microsoft.com/office/drawing/2010/main" val="0"/>
+              </a:ext>
+            </a:extLst>
+          </a:blip>
+          <a:stretch>
+            <a:fillRect/>
+          </a:stretch>
+        </p:blipFill>
+        <p:spPr>
+          <a:xfrm>
+            <a:off x="0" y="0"/>
+            <a:ext cx="12192000" cy="6858000"/>
+          </a:xfrm>
+          <a:prstGeom prst="rect">
+            <a:avLst/>
+          </a:prstGeom>
+        </p:spPr>
+      </p:pic>
+    </p:spTree>
+    <p:extLst>
+      <p:ext uri="{BB962C8B-B14F-4D97-AF65-F5344CB8AC3E}">
+        <p14:creationId xmlns:p14="http://schemas.microsoft.com/office/powerpoint/2010/main" val="3961196042"/>
       </p:ext>
     </p:extLst>
   </p:cSld>

--- a/apresentacao/apresentacao.pptx
+++ b/apresentacao/apresentacao.pptx
@@ -263,7 +263,7 @@
           <a:p>
             <a:fld id="{1F1FAA24-82E9-47BA-A53E-AEAD71F0EE56}" type="datetimeFigureOut">
               <a:rPr lang="pt-BR" smtClean="0"/>
-              <a:t>02/02/2020</a:t>
+              <a:t>03/02/2020</a:t>
             </a:fld>
             <a:endParaRPr lang="pt-BR"/>
           </a:p>
@@ -461,7 +461,7 @@
           <a:p>
             <a:fld id="{1F1FAA24-82E9-47BA-A53E-AEAD71F0EE56}" type="datetimeFigureOut">
               <a:rPr lang="pt-BR" smtClean="0"/>
-              <a:t>02/02/2020</a:t>
+              <a:t>03/02/2020</a:t>
             </a:fld>
             <a:endParaRPr lang="pt-BR"/>
           </a:p>
@@ -669,7 +669,7 @@
           <a:p>
             <a:fld id="{1F1FAA24-82E9-47BA-A53E-AEAD71F0EE56}" type="datetimeFigureOut">
               <a:rPr lang="pt-BR" smtClean="0"/>
-              <a:t>02/02/2020</a:t>
+              <a:t>03/02/2020</a:t>
             </a:fld>
             <a:endParaRPr lang="pt-BR"/>
           </a:p>
@@ -867,7 +867,7 @@
           <a:p>
             <a:fld id="{1F1FAA24-82E9-47BA-A53E-AEAD71F0EE56}" type="datetimeFigureOut">
               <a:rPr lang="pt-BR" smtClean="0"/>
-              <a:t>02/02/2020</a:t>
+              <a:t>03/02/2020</a:t>
             </a:fld>
             <a:endParaRPr lang="pt-BR"/>
           </a:p>
@@ -1142,7 +1142,7 @@
           <a:p>
             <a:fld id="{1F1FAA24-82E9-47BA-A53E-AEAD71F0EE56}" type="datetimeFigureOut">
               <a:rPr lang="pt-BR" smtClean="0"/>
-              <a:t>02/02/2020</a:t>
+              <a:t>03/02/2020</a:t>
             </a:fld>
             <a:endParaRPr lang="pt-BR"/>
           </a:p>
@@ -1407,7 +1407,7 @@
           <a:p>
             <a:fld id="{1F1FAA24-82E9-47BA-A53E-AEAD71F0EE56}" type="datetimeFigureOut">
               <a:rPr lang="pt-BR" smtClean="0"/>
-              <a:t>02/02/2020</a:t>
+              <a:t>03/02/2020</a:t>
             </a:fld>
             <a:endParaRPr lang="pt-BR"/>
           </a:p>
@@ -1819,7 +1819,7 @@
           <a:p>
             <a:fld id="{1F1FAA24-82E9-47BA-A53E-AEAD71F0EE56}" type="datetimeFigureOut">
               <a:rPr lang="pt-BR" smtClean="0"/>
-              <a:t>02/02/2020</a:t>
+              <a:t>03/02/2020</a:t>
             </a:fld>
             <a:endParaRPr lang="pt-BR"/>
           </a:p>
@@ -1960,7 +1960,7 @@
           <a:p>
             <a:fld id="{1F1FAA24-82E9-47BA-A53E-AEAD71F0EE56}" type="datetimeFigureOut">
               <a:rPr lang="pt-BR" smtClean="0"/>
-              <a:t>02/02/2020</a:t>
+              <a:t>03/02/2020</a:t>
             </a:fld>
             <a:endParaRPr lang="pt-BR"/>
           </a:p>
@@ -2073,7 +2073,7 @@
           <a:p>
             <a:fld id="{1F1FAA24-82E9-47BA-A53E-AEAD71F0EE56}" type="datetimeFigureOut">
               <a:rPr lang="pt-BR" smtClean="0"/>
-              <a:t>02/02/2020</a:t>
+              <a:t>03/02/2020</a:t>
             </a:fld>
             <a:endParaRPr lang="pt-BR"/>
           </a:p>
@@ -2384,7 +2384,7 @@
           <a:p>
             <a:fld id="{1F1FAA24-82E9-47BA-A53E-AEAD71F0EE56}" type="datetimeFigureOut">
               <a:rPr lang="pt-BR" smtClean="0"/>
-              <a:t>02/02/2020</a:t>
+              <a:t>03/02/2020</a:t>
             </a:fld>
             <a:endParaRPr lang="pt-BR"/>
           </a:p>
@@ -2672,7 +2672,7 @@
           <a:p>
             <a:fld id="{1F1FAA24-82E9-47BA-A53E-AEAD71F0EE56}" type="datetimeFigureOut">
               <a:rPr lang="pt-BR" smtClean="0"/>
-              <a:t>02/02/2020</a:t>
+              <a:t>03/02/2020</a:t>
             </a:fld>
             <a:endParaRPr lang="pt-BR"/>
           </a:p>
@@ -2913,7 +2913,7 @@
           <a:p>
             <a:fld id="{1F1FAA24-82E9-47BA-A53E-AEAD71F0EE56}" type="datetimeFigureOut">
               <a:rPr lang="pt-BR" smtClean="0"/>
-              <a:t>02/02/2020</a:t>
+              <a:t>03/02/2020</a:t>
             </a:fld>
             <a:endParaRPr lang="pt-BR"/>
           </a:p>
@@ -3596,10 +3596,10 @@
       </p:grpSpPr>
       <p:pic>
         <p:nvPicPr>
-          <p:cNvPr id="7" name="Imagem 6">
-            <a:extLst>
-              <a:ext uri="{FF2B5EF4-FFF2-40B4-BE49-F238E27FC236}">
-                <a16:creationId xmlns:a16="http://schemas.microsoft.com/office/drawing/2014/main" id="{2D583E17-4902-42C2-808B-746278C5E691}"/>
+          <p:cNvPr id="5" name="Imagem 4">
+            <a:extLst>
+              <a:ext uri="{FF2B5EF4-FFF2-40B4-BE49-F238E27FC236}">
+                <a16:creationId xmlns:a16="http://schemas.microsoft.com/office/drawing/2014/main" id="{A15D9DB0-3B96-4756-A40A-BD24122A8760}"/>
               </a:ext>
             </a:extLst>
           </p:cNvPr>

--- a/apresentacao/apresentacao.pptx
+++ b/apresentacao/apresentacao.pptx
@@ -9,7 +9,9 @@
     <p:sldId id="257" r:id="rId3"/>
     <p:sldId id="258" r:id="rId4"/>
     <p:sldId id="259" r:id="rId5"/>
-    <p:sldId id="260" r:id="rId6"/>
+    <p:sldId id="262" r:id="rId6"/>
+    <p:sldId id="260" r:id="rId7"/>
+    <p:sldId id="261" r:id="rId8"/>
   </p:sldIdLst>
   <p:sldSz cx="12192000" cy="6858000"/>
   <p:notesSz cx="6858000" cy="9144000"/>
@@ -3596,6 +3598,72 @@
       </p:grpSpPr>
       <p:pic>
         <p:nvPicPr>
+          <p:cNvPr id="5" name="Imagem 4" descr="Uma imagem contendo texto&#10;&#10;Descrição gerada automaticamente">
+            <a:extLst>
+              <a:ext uri="{FF2B5EF4-FFF2-40B4-BE49-F238E27FC236}">
+                <a16:creationId xmlns:a16="http://schemas.microsoft.com/office/drawing/2014/main" id="{1BDAD8D4-D92D-4CAE-8BE3-2B32C51E7A1D}"/>
+              </a:ext>
+            </a:extLst>
+          </p:cNvPr>
+          <p:cNvPicPr>
+            <a:picLocks noChangeAspect="1"/>
+          </p:cNvPicPr>
+          <p:nvPr/>
+        </p:nvPicPr>
+        <p:blipFill>
+          <a:blip r:embed="rId2">
+            <a:extLst>
+              <a:ext uri="{28A0092B-C50C-407E-A947-70E740481C1C}">
+                <a14:useLocalDpi xmlns:a14="http://schemas.microsoft.com/office/drawing/2010/main" val="0"/>
+              </a:ext>
+            </a:extLst>
+          </a:blip>
+          <a:stretch>
+            <a:fillRect/>
+          </a:stretch>
+        </p:blipFill>
+        <p:spPr>
+          <a:xfrm>
+            <a:off x="0" y="0"/>
+            <a:ext cx="12192000" cy="6858000"/>
+          </a:xfrm>
+          <a:prstGeom prst="rect">
+            <a:avLst/>
+          </a:prstGeom>
+        </p:spPr>
+      </p:pic>
+    </p:spTree>
+    <p:extLst>
+      <p:ext uri="{BB962C8B-B14F-4D97-AF65-F5344CB8AC3E}">
+        <p14:creationId xmlns:p14="http://schemas.microsoft.com/office/powerpoint/2010/main" val="4030107903"/>
+      </p:ext>
+    </p:extLst>
+  </p:cSld>
+  <p:clrMapOvr>
+    <a:masterClrMapping/>
+  </p:clrMapOvr>
+</p:sld>
+</file>
+
+<file path=ppt/slides/slide6.xml><?xml version="1.0" encoding="utf-8"?>
+<p:sld xmlns:a="http://schemas.openxmlformats.org/drawingml/2006/main" xmlns:r="http://schemas.openxmlformats.org/officeDocument/2006/relationships" xmlns:p="http://schemas.openxmlformats.org/presentationml/2006/main">
+  <p:cSld>
+    <p:spTree>
+      <p:nvGrpSpPr>
+        <p:cNvPr id="1" name=""/>
+        <p:cNvGrpSpPr/>
+        <p:nvPr/>
+      </p:nvGrpSpPr>
+      <p:grpSpPr>
+        <a:xfrm>
+          <a:off x="0" y="0"/>
+          <a:ext cx="0" cy="0"/>
+          <a:chOff x="0" y="0"/>
+          <a:chExt cx="0" cy="0"/>
+        </a:xfrm>
+      </p:grpSpPr>
+      <p:pic>
+        <p:nvPicPr>
           <p:cNvPr id="5" name="Imagem 4">
             <a:extLst>
               <a:ext uri="{FF2B5EF4-FFF2-40B4-BE49-F238E27FC236}">
@@ -3634,6 +3702,72 @@
     <p:extLst>
       <p:ext uri="{BB962C8B-B14F-4D97-AF65-F5344CB8AC3E}">
         <p14:creationId xmlns:p14="http://schemas.microsoft.com/office/powerpoint/2010/main" val="3961196042"/>
+      </p:ext>
+    </p:extLst>
+  </p:cSld>
+  <p:clrMapOvr>
+    <a:masterClrMapping/>
+  </p:clrMapOvr>
+</p:sld>
+</file>
+
+<file path=ppt/slides/slide7.xml><?xml version="1.0" encoding="utf-8"?>
+<p:sld xmlns:a="http://schemas.openxmlformats.org/drawingml/2006/main" xmlns:r="http://schemas.openxmlformats.org/officeDocument/2006/relationships" xmlns:p="http://schemas.openxmlformats.org/presentationml/2006/main">
+  <p:cSld>
+    <p:spTree>
+      <p:nvGrpSpPr>
+        <p:cNvPr id="1" name=""/>
+        <p:cNvGrpSpPr/>
+        <p:nvPr/>
+      </p:nvGrpSpPr>
+      <p:grpSpPr>
+        <a:xfrm>
+          <a:off x="0" y="0"/>
+          <a:ext cx="0" cy="0"/>
+          <a:chOff x="0" y="0"/>
+          <a:chExt cx="0" cy="0"/>
+        </a:xfrm>
+      </p:grpSpPr>
+      <p:pic>
+        <p:nvPicPr>
+          <p:cNvPr id="9" name="Imagem 8" descr="Uma imagem contendo screenshot&#10;&#10;Descrição gerada automaticamente">
+            <a:extLst>
+              <a:ext uri="{FF2B5EF4-FFF2-40B4-BE49-F238E27FC236}">
+                <a16:creationId xmlns:a16="http://schemas.microsoft.com/office/drawing/2014/main" id="{A4F10880-EA52-4FDD-886D-F6D53F1FCA92}"/>
+              </a:ext>
+            </a:extLst>
+          </p:cNvPr>
+          <p:cNvPicPr>
+            <a:picLocks noChangeAspect="1"/>
+          </p:cNvPicPr>
+          <p:nvPr/>
+        </p:nvPicPr>
+        <p:blipFill>
+          <a:blip r:embed="rId2">
+            <a:extLst>
+              <a:ext uri="{28A0092B-C50C-407E-A947-70E740481C1C}">
+                <a14:useLocalDpi xmlns:a14="http://schemas.microsoft.com/office/drawing/2010/main" val="0"/>
+              </a:ext>
+            </a:extLst>
+          </a:blip>
+          <a:stretch>
+            <a:fillRect/>
+          </a:stretch>
+        </p:blipFill>
+        <p:spPr>
+          <a:xfrm>
+            <a:off x="0" y="0"/>
+            <a:ext cx="12192000" cy="6858000"/>
+          </a:xfrm>
+          <a:prstGeom prst="rect">
+            <a:avLst/>
+          </a:prstGeom>
+        </p:spPr>
+      </p:pic>
+    </p:spTree>
+    <p:extLst>
+      <p:ext uri="{BB962C8B-B14F-4D97-AF65-F5344CB8AC3E}">
+        <p14:creationId xmlns:p14="http://schemas.microsoft.com/office/powerpoint/2010/main" val="3660585902"/>
       </p:ext>
     </p:extLst>
   </p:cSld>

--- a/apresentacao/apresentacao.pptx
+++ b/apresentacao/apresentacao.pptx
@@ -3598,10 +3598,10 @@
       </p:grpSpPr>
       <p:pic>
         <p:nvPicPr>
-          <p:cNvPr id="5" name="Imagem 4" descr="Uma imagem contendo texto&#10;&#10;Descrição gerada automaticamente">
-            <a:extLst>
-              <a:ext uri="{FF2B5EF4-FFF2-40B4-BE49-F238E27FC236}">
-                <a16:creationId xmlns:a16="http://schemas.microsoft.com/office/drawing/2014/main" id="{1BDAD8D4-D92D-4CAE-8BE3-2B32C51E7A1D}"/>
+          <p:cNvPr id="3" name="Imagem 2" descr="Tela de celular com texto preto sobre fundo branco&#10;&#10;Descrição gerada automaticamente">
+            <a:extLst>
+              <a:ext uri="{FF2B5EF4-FFF2-40B4-BE49-F238E27FC236}">
+                <a16:creationId xmlns:a16="http://schemas.microsoft.com/office/drawing/2014/main" id="{988F66DA-E291-4642-8E84-69D031B4DFB2}"/>
               </a:ext>
             </a:extLst>
           </p:cNvPr>

--- a/apresentacao/apresentacao.pptx
+++ b/apresentacao/apresentacao.pptx
@@ -6,12 +6,13 @@
   </p:sldMasterIdLst>
   <p:sldIdLst>
     <p:sldId id="256" r:id="rId2"/>
-    <p:sldId id="257" r:id="rId3"/>
-    <p:sldId id="258" r:id="rId4"/>
-    <p:sldId id="259" r:id="rId5"/>
-    <p:sldId id="262" r:id="rId6"/>
-    <p:sldId id="260" r:id="rId7"/>
-    <p:sldId id="261" r:id="rId8"/>
+    <p:sldId id="263" r:id="rId3"/>
+    <p:sldId id="257" r:id="rId4"/>
+    <p:sldId id="258" r:id="rId5"/>
+    <p:sldId id="259" r:id="rId6"/>
+    <p:sldId id="262" r:id="rId7"/>
+    <p:sldId id="260" r:id="rId8"/>
+    <p:sldId id="261" r:id="rId9"/>
   </p:sldIdLst>
   <p:sldSz cx="12192000" cy="6858000"/>
   <p:notesSz cx="6858000" cy="9144000"/>
@@ -265,7 +266,7 @@
           <a:p>
             <a:fld id="{1F1FAA24-82E9-47BA-A53E-AEAD71F0EE56}" type="datetimeFigureOut">
               <a:rPr lang="pt-BR" smtClean="0"/>
-              <a:t>03/02/2020</a:t>
+              <a:t>08/02/2020</a:t>
             </a:fld>
             <a:endParaRPr lang="pt-BR"/>
           </a:p>
@@ -463,7 +464,7 @@
           <a:p>
             <a:fld id="{1F1FAA24-82E9-47BA-A53E-AEAD71F0EE56}" type="datetimeFigureOut">
               <a:rPr lang="pt-BR" smtClean="0"/>
-              <a:t>03/02/2020</a:t>
+              <a:t>08/02/2020</a:t>
             </a:fld>
             <a:endParaRPr lang="pt-BR"/>
           </a:p>
@@ -671,7 +672,7 @@
           <a:p>
             <a:fld id="{1F1FAA24-82E9-47BA-A53E-AEAD71F0EE56}" type="datetimeFigureOut">
               <a:rPr lang="pt-BR" smtClean="0"/>
-              <a:t>03/02/2020</a:t>
+              <a:t>08/02/2020</a:t>
             </a:fld>
             <a:endParaRPr lang="pt-BR"/>
           </a:p>
@@ -869,7 +870,7 @@
           <a:p>
             <a:fld id="{1F1FAA24-82E9-47BA-A53E-AEAD71F0EE56}" type="datetimeFigureOut">
               <a:rPr lang="pt-BR" smtClean="0"/>
-              <a:t>03/02/2020</a:t>
+              <a:t>08/02/2020</a:t>
             </a:fld>
             <a:endParaRPr lang="pt-BR"/>
           </a:p>
@@ -1144,7 +1145,7 @@
           <a:p>
             <a:fld id="{1F1FAA24-82E9-47BA-A53E-AEAD71F0EE56}" type="datetimeFigureOut">
               <a:rPr lang="pt-BR" smtClean="0"/>
-              <a:t>03/02/2020</a:t>
+              <a:t>08/02/2020</a:t>
             </a:fld>
             <a:endParaRPr lang="pt-BR"/>
           </a:p>
@@ -1409,7 +1410,7 @@
           <a:p>
             <a:fld id="{1F1FAA24-82E9-47BA-A53E-AEAD71F0EE56}" type="datetimeFigureOut">
               <a:rPr lang="pt-BR" smtClean="0"/>
-              <a:t>03/02/2020</a:t>
+              <a:t>08/02/2020</a:t>
             </a:fld>
             <a:endParaRPr lang="pt-BR"/>
           </a:p>
@@ -1821,7 +1822,7 @@
           <a:p>
             <a:fld id="{1F1FAA24-82E9-47BA-A53E-AEAD71F0EE56}" type="datetimeFigureOut">
               <a:rPr lang="pt-BR" smtClean="0"/>
-              <a:t>03/02/2020</a:t>
+              <a:t>08/02/2020</a:t>
             </a:fld>
             <a:endParaRPr lang="pt-BR"/>
           </a:p>
@@ -1962,7 +1963,7 @@
           <a:p>
             <a:fld id="{1F1FAA24-82E9-47BA-A53E-AEAD71F0EE56}" type="datetimeFigureOut">
               <a:rPr lang="pt-BR" smtClean="0"/>
-              <a:t>03/02/2020</a:t>
+              <a:t>08/02/2020</a:t>
             </a:fld>
             <a:endParaRPr lang="pt-BR"/>
           </a:p>
@@ -2075,7 +2076,7 @@
           <a:p>
             <a:fld id="{1F1FAA24-82E9-47BA-A53E-AEAD71F0EE56}" type="datetimeFigureOut">
               <a:rPr lang="pt-BR" smtClean="0"/>
-              <a:t>03/02/2020</a:t>
+              <a:t>08/02/2020</a:t>
             </a:fld>
             <a:endParaRPr lang="pt-BR"/>
           </a:p>
@@ -2386,7 +2387,7 @@
           <a:p>
             <a:fld id="{1F1FAA24-82E9-47BA-A53E-AEAD71F0EE56}" type="datetimeFigureOut">
               <a:rPr lang="pt-BR" smtClean="0"/>
-              <a:t>03/02/2020</a:t>
+              <a:t>08/02/2020</a:t>
             </a:fld>
             <a:endParaRPr lang="pt-BR"/>
           </a:p>
@@ -2674,7 +2675,7 @@
           <a:p>
             <a:fld id="{1F1FAA24-82E9-47BA-A53E-AEAD71F0EE56}" type="datetimeFigureOut">
               <a:rPr lang="pt-BR" smtClean="0"/>
-              <a:t>03/02/2020</a:t>
+              <a:t>08/02/2020</a:t>
             </a:fld>
             <a:endParaRPr lang="pt-BR"/>
           </a:p>
@@ -2915,7 +2916,7 @@
           <a:p>
             <a:fld id="{1F1FAA24-82E9-47BA-A53E-AEAD71F0EE56}" type="datetimeFigureOut">
               <a:rPr lang="pt-BR" smtClean="0"/>
-              <a:t>03/02/2020</a:t>
+              <a:t>08/02/2020</a:t>
             </a:fld>
             <a:endParaRPr lang="pt-BR"/>
           </a:p>
@@ -3400,6 +3401,72 @@
       </p:grpSpPr>
       <p:pic>
         <p:nvPicPr>
+          <p:cNvPr id="5" name="Imagem 4" descr="Uma imagem contendo cd, frutas, comida&#10;&#10;Descrição gerada automaticamente">
+            <a:extLst>
+              <a:ext uri="{FF2B5EF4-FFF2-40B4-BE49-F238E27FC236}">
+                <a16:creationId xmlns:a16="http://schemas.microsoft.com/office/drawing/2014/main" id="{C1F0B3EE-1280-4087-99E0-C9BB0FAC1233}"/>
+              </a:ext>
+            </a:extLst>
+          </p:cNvPr>
+          <p:cNvPicPr>
+            <a:picLocks noChangeAspect="1"/>
+          </p:cNvPicPr>
+          <p:nvPr/>
+        </p:nvPicPr>
+        <p:blipFill>
+          <a:blip r:embed="rId2">
+            <a:extLst>
+              <a:ext uri="{28A0092B-C50C-407E-A947-70E740481C1C}">
+                <a14:useLocalDpi xmlns:a14="http://schemas.microsoft.com/office/drawing/2010/main" val="0"/>
+              </a:ext>
+            </a:extLst>
+          </a:blip>
+          <a:stretch>
+            <a:fillRect/>
+          </a:stretch>
+        </p:blipFill>
+        <p:spPr>
+          <a:xfrm>
+            <a:off x="0" y="0"/>
+            <a:ext cx="12192000" cy="6858000"/>
+          </a:xfrm>
+          <a:prstGeom prst="rect">
+            <a:avLst/>
+          </a:prstGeom>
+        </p:spPr>
+      </p:pic>
+    </p:spTree>
+    <p:extLst>
+      <p:ext uri="{BB962C8B-B14F-4D97-AF65-F5344CB8AC3E}">
+        <p14:creationId xmlns:p14="http://schemas.microsoft.com/office/powerpoint/2010/main" val="3319296241"/>
+      </p:ext>
+    </p:extLst>
+  </p:cSld>
+  <p:clrMapOvr>
+    <a:masterClrMapping/>
+  </p:clrMapOvr>
+</p:sld>
+</file>
+
+<file path=ppt/slides/slide3.xml><?xml version="1.0" encoding="utf-8"?>
+<p:sld xmlns:a="http://schemas.openxmlformats.org/drawingml/2006/main" xmlns:r="http://schemas.openxmlformats.org/officeDocument/2006/relationships" xmlns:p="http://schemas.openxmlformats.org/presentationml/2006/main">
+  <p:cSld>
+    <p:spTree>
+      <p:nvGrpSpPr>
+        <p:cNvPr id="1" name=""/>
+        <p:cNvGrpSpPr/>
+        <p:nvPr/>
+      </p:nvGrpSpPr>
+      <p:grpSpPr>
+        <a:xfrm>
+          <a:off x="0" y="0"/>
+          <a:ext cx="0" cy="0"/>
+          <a:chOff x="0" y="0"/>
+          <a:chExt cx="0" cy="0"/>
+        </a:xfrm>
+      </p:grpSpPr>
+      <p:pic>
+        <p:nvPicPr>
           <p:cNvPr id="8" name="Imagem 7" descr="Tela de celular com publicação numa rede social&#10;&#10;Descrição gerada automaticamente">
             <a:extLst>
               <a:ext uri="{FF2B5EF4-FFF2-40B4-BE49-F238E27FC236}">
@@ -3447,7 +3514,7 @@
 </p:sld>
 </file>
 
-<file path=ppt/slides/slide3.xml><?xml version="1.0" encoding="utf-8"?>
+<file path=ppt/slides/slide4.xml><?xml version="1.0" encoding="utf-8"?>
 <p:sld xmlns:a="http://schemas.openxmlformats.org/drawingml/2006/main" xmlns:r="http://schemas.openxmlformats.org/officeDocument/2006/relationships" xmlns:p="http://schemas.openxmlformats.org/presentationml/2006/main">
   <p:cSld>
     <p:spTree>
@@ -3513,7 +3580,7 @@
 </p:sld>
 </file>
 
-<file path=ppt/slides/slide4.xml><?xml version="1.0" encoding="utf-8"?>
+<file path=ppt/slides/slide5.xml><?xml version="1.0" encoding="utf-8"?>
 <p:sld xmlns:a="http://schemas.openxmlformats.org/drawingml/2006/main" xmlns:r="http://schemas.openxmlformats.org/officeDocument/2006/relationships" xmlns:p="http://schemas.openxmlformats.org/presentationml/2006/main">
   <p:cSld>
     <p:spTree>
@@ -3579,7 +3646,7 @@
 </p:sld>
 </file>
 
-<file path=ppt/slides/slide5.xml><?xml version="1.0" encoding="utf-8"?>
+<file path=ppt/slides/slide6.xml><?xml version="1.0" encoding="utf-8"?>
 <p:sld xmlns:a="http://schemas.openxmlformats.org/drawingml/2006/main" xmlns:r="http://schemas.openxmlformats.org/officeDocument/2006/relationships" xmlns:p="http://schemas.openxmlformats.org/presentationml/2006/main">
   <p:cSld>
     <p:spTree>
@@ -3645,7 +3712,7 @@
 </p:sld>
 </file>
 
-<file path=ppt/slides/slide6.xml><?xml version="1.0" encoding="utf-8"?>
+<file path=ppt/slides/slide7.xml><?xml version="1.0" encoding="utf-8"?>
 <p:sld xmlns:a="http://schemas.openxmlformats.org/drawingml/2006/main" xmlns:r="http://schemas.openxmlformats.org/officeDocument/2006/relationships" xmlns:p="http://schemas.openxmlformats.org/presentationml/2006/main">
   <p:cSld>
     <p:spTree>
@@ -3711,7 +3778,7 @@
 </p:sld>
 </file>
 
-<file path=ppt/slides/slide7.xml><?xml version="1.0" encoding="utf-8"?>
+<file path=ppt/slides/slide8.xml><?xml version="1.0" encoding="utf-8"?>
 <p:sld xmlns:a="http://schemas.openxmlformats.org/drawingml/2006/main" xmlns:r="http://schemas.openxmlformats.org/officeDocument/2006/relationships" xmlns:p="http://schemas.openxmlformats.org/presentationml/2006/main">
   <p:cSld>
     <p:spTree>

--- a/apresentacao/apresentacao.pptx
+++ b/apresentacao/apresentacao.pptx
@@ -7,12 +7,13 @@
   <p:sldIdLst>
     <p:sldId id="256" r:id="rId2"/>
     <p:sldId id="263" r:id="rId3"/>
-    <p:sldId id="257" r:id="rId4"/>
-    <p:sldId id="258" r:id="rId5"/>
-    <p:sldId id="259" r:id="rId6"/>
+    <p:sldId id="264" r:id="rId4"/>
+    <p:sldId id="257" r:id="rId5"/>
+    <p:sldId id="258" r:id="rId6"/>
     <p:sldId id="262" r:id="rId7"/>
-    <p:sldId id="260" r:id="rId8"/>
-    <p:sldId id="261" r:id="rId9"/>
+    <p:sldId id="259" r:id="rId8"/>
+    <p:sldId id="260" r:id="rId9"/>
+    <p:sldId id="261" r:id="rId10"/>
   </p:sldIdLst>
   <p:sldSz cx="12192000" cy="6858000"/>
   <p:notesSz cx="6858000" cy="9144000"/>
@@ -3335,10 +3336,10 @@
       </p:grpSpPr>
       <p:pic>
         <p:nvPicPr>
-          <p:cNvPr id="3" name="Imagem 2">
-            <a:extLst>
-              <a:ext uri="{FF2B5EF4-FFF2-40B4-BE49-F238E27FC236}">
-                <a16:creationId xmlns:a16="http://schemas.microsoft.com/office/drawing/2014/main" id="{F9BA872D-2A10-4471-9390-99ACB8A8D402}"/>
+          <p:cNvPr id="4" name="Imagem 3">
+            <a:extLst>
+              <a:ext uri="{FF2B5EF4-FFF2-40B4-BE49-F238E27FC236}">
+                <a16:creationId xmlns:a16="http://schemas.microsoft.com/office/drawing/2014/main" id="{5F4B1441-2AAA-4FC5-957A-D13E167DF653}"/>
               </a:ext>
             </a:extLst>
           </p:cNvPr>
@@ -3401,10 +3402,10 @@
       </p:grpSpPr>
       <p:pic>
         <p:nvPicPr>
-          <p:cNvPr id="5" name="Imagem 4" descr="Uma imagem contendo cd, frutas, comida&#10;&#10;Descrição gerada automaticamente">
-            <a:extLst>
-              <a:ext uri="{FF2B5EF4-FFF2-40B4-BE49-F238E27FC236}">
-                <a16:creationId xmlns:a16="http://schemas.microsoft.com/office/drawing/2014/main" id="{C1F0B3EE-1280-4087-99E0-C9BB0FAC1233}"/>
+          <p:cNvPr id="6" name="Imagem 5" descr="Uma imagem contendo cd, frutas, comida&#10;&#10;Descrição gerada automaticamente">
+            <a:extLst>
+              <a:ext uri="{FF2B5EF4-FFF2-40B4-BE49-F238E27FC236}">
+                <a16:creationId xmlns:a16="http://schemas.microsoft.com/office/drawing/2014/main" id="{49CD1E39-C38D-460F-9B4D-A58711DFC300}"/>
               </a:ext>
             </a:extLst>
           </p:cNvPr>
@@ -3467,10 +3468,76 @@
       </p:grpSpPr>
       <p:pic>
         <p:nvPicPr>
-          <p:cNvPr id="8" name="Imagem 7" descr="Tela de celular com publicação numa rede social&#10;&#10;Descrição gerada automaticamente">
-            <a:extLst>
-              <a:ext uri="{FF2B5EF4-FFF2-40B4-BE49-F238E27FC236}">
-                <a16:creationId xmlns:a16="http://schemas.microsoft.com/office/drawing/2014/main" id="{9FA7623C-0891-4859-A547-2A0FFCB7143A}"/>
+          <p:cNvPr id="5" name="Imagem 4" descr="Uma imagem contendo relógio&#10;&#10;Descrição gerada automaticamente">
+            <a:extLst>
+              <a:ext uri="{FF2B5EF4-FFF2-40B4-BE49-F238E27FC236}">
+                <a16:creationId xmlns:a16="http://schemas.microsoft.com/office/drawing/2014/main" id="{BFC26D5A-43F1-4C13-8BEB-835740BA548A}"/>
+              </a:ext>
+            </a:extLst>
+          </p:cNvPr>
+          <p:cNvPicPr>
+            <a:picLocks noChangeAspect="1"/>
+          </p:cNvPicPr>
+          <p:nvPr/>
+        </p:nvPicPr>
+        <p:blipFill>
+          <a:blip r:embed="rId2">
+            <a:extLst>
+              <a:ext uri="{28A0092B-C50C-407E-A947-70E740481C1C}">
+                <a14:useLocalDpi xmlns:a14="http://schemas.microsoft.com/office/drawing/2010/main" val="0"/>
+              </a:ext>
+            </a:extLst>
+          </a:blip>
+          <a:stretch>
+            <a:fillRect/>
+          </a:stretch>
+        </p:blipFill>
+        <p:spPr>
+          <a:xfrm>
+            <a:off x="0" y="0"/>
+            <a:ext cx="12192000" cy="6858000"/>
+          </a:xfrm>
+          <a:prstGeom prst="rect">
+            <a:avLst/>
+          </a:prstGeom>
+        </p:spPr>
+      </p:pic>
+    </p:spTree>
+    <p:extLst>
+      <p:ext uri="{BB962C8B-B14F-4D97-AF65-F5344CB8AC3E}">
+        <p14:creationId xmlns:p14="http://schemas.microsoft.com/office/powerpoint/2010/main" val="2983169794"/>
+      </p:ext>
+    </p:extLst>
+  </p:cSld>
+  <p:clrMapOvr>
+    <a:masterClrMapping/>
+  </p:clrMapOvr>
+</p:sld>
+</file>
+
+<file path=ppt/slides/slide4.xml><?xml version="1.0" encoding="utf-8"?>
+<p:sld xmlns:a="http://schemas.openxmlformats.org/drawingml/2006/main" xmlns:r="http://schemas.openxmlformats.org/officeDocument/2006/relationships" xmlns:p="http://schemas.openxmlformats.org/presentationml/2006/main">
+  <p:cSld>
+    <p:spTree>
+      <p:nvGrpSpPr>
+        <p:cNvPr id="1" name=""/>
+        <p:cNvGrpSpPr/>
+        <p:nvPr/>
+      </p:nvGrpSpPr>
+      <p:grpSpPr>
+        <a:xfrm>
+          <a:off x="0" y="0"/>
+          <a:ext cx="0" cy="0"/>
+          <a:chOff x="0" y="0"/>
+          <a:chExt cx="0" cy="0"/>
+        </a:xfrm>
+      </p:grpSpPr>
+      <p:pic>
+        <p:nvPicPr>
+          <p:cNvPr id="5" name="Imagem 4" descr="Tela de celular com publicação numa rede social&#10;&#10;Descrição gerada automaticamente">
+            <a:extLst>
+              <a:ext uri="{FF2B5EF4-FFF2-40B4-BE49-F238E27FC236}">
+                <a16:creationId xmlns:a16="http://schemas.microsoft.com/office/drawing/2014/main" id="{23EF186C-2491-4194-A1FA-654153C165EF}"/>
               </a:ext>
             </a:extLst>
           </p:cNvPr>
@@ -3514,7 +3581,7 @@
 </p:sld>
 </file>
 
-<file path=ppt/slides/slide4.xml><?xml version="1.0" encoding="utf-8"?>
+<file path=ppt/slides/slide5.xml><?xml version="1.0" encoding="utf-8"?>
 <p:sld xmlns:a="http://schemas.openxmlformats.org/drawingml/2006/main" xmlns:r="http://schemas.openxmlformats.org/officeDocument/2006/relationships" xmlns:p="http://schemas.openxmlformats.org/presentationml/2006/main">
   <p:cSld>
     <p:spTree>
@@ -3533,10 +3600,10 @@
       </p:grpSpPr>
       <p:pic>
         <p:nvPicPr>
-          <p:cNvPr id="5" name="Imagem 4" descr="Tela de celular com texto preto sobre fundo branco&#10;&#10;Descrição gerada automaticamente">
-            <a:extLst>
-              <a:ext uri="{FF2B5EF4-FFF2-40B4-BE49-F238E27FC236}">
-                <a16:creationId xmlns:a16="http://schemas.microsoft.com/office/drawing/2014/main" id="{69A4904F-0D2D-4FD9-A097-628AF17A821B}"/>
+          <p:cNvPr id="6" name="Imagem 5" descr="Tela de celular com texto preto sobre fundo branco&#10;&#10;Descrição gerada automaticamente">
+            <a:extLst>
+              <a:ext uri="{FF2B5EF4-FFF2-40B4-BE49-F238E27FC236}">
+                <a16:creationId xmlns:a16="http://schemas.microsoft.com/office/drawing/2014/main" id="{57B337ED-1B4D-4F41-9693-906D7CC1C126}"/>
               </a:ext>
             </a:extLst>
           </p:cNvPr>
@@ -3580,72 +3647,6 @@
 </p:sld>
 </file>
 
-<file path=ppt/slides/slide5.xml><?xml version="1.0" encoding="utf-8"?>
-<p:sld xmlns:a="http://schemas.openxmlformats.org/drawingml/2006/main" xmlns:r="http://schemas.openxmlformats.org/officeDocument/2006/relationships" xmlns:p="http://schemas.openxmlformats.org/presentationml/2006/main">
-  <p:cSld>
-    <p:spTree>
-      <p:nvGrpSpPr>
-        <p:cNvPr id="1" name=""/>
-        <p:cNvGrpSpPr/>
-        <p:nvPr/>
-      </p:nvGrpSpPr>
-      <p:grpSpPr>
-        <a:xfrm>
-          <a:off x="0" y="0"/>
-          <a:ext cx="0" cy="0"/>
-          <a:chOff x="0" y="0"/>
-          <a:chExt cx="0" cy="0"/>
-        </a:xfrm>
-      </p:grpSpPr>
-      <p:pic>
-        <p:nvPicPr>
-          <p:cNvPr id="4" name="Imagem 3" descr="Texto preto sobre fundo branco&#10;&#10;Descrição gerada automaticamente">
-            <a:extLst>
-              <a:ext uri="{FF2B5EF4-FFF2-40B4-BE49-F238E27FC236}">
-                <a16:creationId xmlns:a16="http://schemas.microsoft.com/office/drawing/2014/main" id="{37FAD47E-4268-45A4-A9E6-AE291DFC32B5}"/>
-              </a:ext>
-            </a:extLst>
-          </p:cNvPr>
-          <p:cNvPicPr>
-            <a:picLocks noChangeAspect="1"/>
-          </p:cNvPicPr>
-          <p:nvPr/>
-        </p:nvPicPr>
-        <p:blipFill>
-          <a:blip r:embed="rId2">
-            <a:extLst>
-              <a:ext uri="{28A0092B-C50C-407E-A947-70E740481C1C}">
-                <a14:useLocalDpi xmlns:a14="http://schemas.microsoft.com/office/drawing/2010/main" val="0"/>
-              </a:ext>
-            </a:extLst>
-          </a:blip>
-          <a:stretch>
-            <a:fillRect/>
-          </a:stretch>
-        </p:blipFill>
-        <p:spPr>
-          <a:xfrm>
-            <a:off x="0" y="0"/>
-            <a:ext cx="12192000" cy="6858000"/>
-          </a:xfrm>
-          <a:prstGeom prst="rect">
-            <a:avLst/>
-          </a:prstGeom>
-        </p:spPr>
-      </p:pic>
-    </p:spTree>
-    <p:extLst>
-      <p:ext uri="{BB962C8B-B14F-4D97-AF65-F5344CB8AC3E}">
-        <p14:creationId xmlns:p14="http://schemas.microsoft.com/office/powerpoint/2010/main" val="4087358166"/>
-      </p:ext>
-    </p:extLst>
-  </p:cSld>
-  <p:clrMapOvr>
-    <a:masterClrMapping/>
-  </p:clrMapOvr>
-</p:sld>
-</file>
-
 <file path=ppt/slides/slide6.xml><?xml version="1.0" encoding="utf-8"?>
 <p:sld xmlns:a="http://schemas.openxmlformats.org/drawingml/2006/main" xmlns:r="http://schemas.openxmlformats.org/officeDocument/2006/relationships" xmlns:p="http://schemas.openxmlformats.org/presentationml/2006/main">
   <p:cSld>
@@ -3665,10 +3666,10 @@
       </p:grpSpPr>
       <p:pic>
         <p:nvPicPr>
-          <p:cNvPr id="3" name="Imagem 2" descr="Tela de celular com texto preto sobre fundo branco&#10;&#10;Descrição gerada automaticamente">
-            <a:extLst>
-              <a:ext uri="{FF2B5EF4-FFF2-40B4-BE49-F238E27FC236}">
-                <a16:creationId xmlns:a16="http://schemas.microsoft.com/office/drawing/2014/main" id="{988F66DA-E291-4642-8E84-69D031B4DFB2}"/>
+          <p:cNvPr id="4" name="Imagem 3" descr="Tela de celular com texto preto sobre fundo branco&#10;&#10;Descrição gerada automaticamente">
+            <a:extLst>
+              <a:ext uri="{FF2B5EF4-FFF2-40B4-BE49-F238E27FC236}">
+                <a16:creationId xmlns:a16="http://schemas.microsoft.com/office/drawing/2014/main" id="{706BF2F2-3D10-4583-8C56-DD7015E2380F}"/>
               </a:ext>
             </a:extLst>
           </p:cNvPr>
@@ -3731,10 +3732,76 @@
       </p:grpSpPr>
       <p:pic>
         <p:nvPicPr>
-          <p:cNvPr id="5" name="Imagem 4">
-            <a:extLst>
-              <a:ext uri="{FF2B5EF4-FFF2-40B4-BE49-F238E27FC236}">
-                <a16:creationId xmlns:a16="http://schemas.microsoft.com/office/drawing/2014/main" id="{A15D9DB0-3B96-4756-A40A-BD24122A8760}"/>
+          <p:cNvPr id="3" name="Imagem 2" descr="Texto preto sobre fundo branco&#10;&#10;Descrição gerada automaticamente">
+            <a:extLst>
+              <a:ext uri="{FF2B5EF4-FFF2-40B4-BE49-F238E27FC236}">
+                <a16:creationId xmlns:a16="http://schemas.microsoft.com/office/drawing/2014/main" id="{6A3C6D80-8A02-497C-9EDA-EFF520597365}"/>
+              </a:ext>
+            </a:extLst>
+          </p:cNvPr>
+          <p:cNvPicPr>
+            <a:picLocks noChangeAspect="1"/>
+          </p:cNvPicPr>
+          <p:nvPr/>
+        </p:nvPicPr>
+        <p:blipFill>
+          <a:blip r:embed="rId2">
+            <a:extLst>
+              <a:ext uri="{28A0092B-C50C-407E-A947-70E740481C1C}">
+                <a14:useLocalDpi xmlns:a14="http://schemas.microsoft.com/office/drawing/2010/main" val="0"/>
+              </a:ext>
+            </a:extLst>
+          </a:blip>
+          <a:stretch>
+            <a:fillRect/>
+          </a:stretch>
+        </p:blipFill>
+        <p:spPr>
+          <a:xfrm>
+            <a:off x="0" y="0"/>
+            <a:ext cx="12192000" cy="6858000"/>
+          </a:xfrm>
+          <a:prstGeom prst="rect">
+            <a:avLst/>
+          </a:prstGeom>
+        </p:spPr>
+      </p:pic>
+    </p:spTree>
+    <p:extLst>
+      <p:ext uri="{BB962C8B-B14F-4D97-AF65-F5344CB8AC3E}">
+        <p14:creationId xmlns:p14="http://schemas.microsoft.com/office/powerpoint/2010/main" val="4087358166"/>
+      </p:ext>
+    </p:extLst>
+  </p:cSld>
+  <p:clrMapOvr>
+    <a:masterClrMapping/>
+  </p:clrMapOvr>
+</p:sld>
+</file>
+
+<file path=ppt/slides/slide8.xml><?xml version="1.0" encoding="utf-8"?>
+<p:sld xmlns:a="http://schemas.openxmlformats.org/drawingml/2006/main" xmlns:r="http://schemas.openxmlformats.org/officeDocument/2006/relationships" xmlns:p="http://schemas.openxmlformats.org/presentationml/2006/main">
+  <p:cSld>
+    <p:spTree>
+      <p:nvGrpSpPr>
+        <p:cNvPr id="1" name=""/>
+        <p:cNvGrpSpPr/>
+        <p:nvPr/>
+      </p:nvGrpSpPr>
+      <p:grpSpPr>
+        <a:xfrm>
+          <a:off x="0" y="0"/>
+          <a:ext cx="0" cy="0"/>
+          <a:chOff x="0" y="0"/>
+          <a:chExt cx="0" cy="0"/>
+        </a:xfrm>
+      </p:grpSpPr>
+      <p:pic>
+        <p:nvPicPr>
+          <p:cNvPr id="3" name="Imagem 2">
+            <a:extLst>
+              <a:ext uri="{FF2B5EF4-FFF2-40B4-BE49-F238E27FC236}">
+                <a16:creationId xmlns:a16="http://schemas.microsoft.com/office/drawing/2014/main" id="{5B3982B4-76E9-41AA-8C0A-61242E0482DF}"/>
               </a:ext>
             </a:extLst>
           </p:cNvPr>
@@ -3778,7 +3845,7 @@
 </p:sld>
 </file>
 
-<file path=ppt/slides/slide8.xml><?xml version="1.0" encoding="utf-8"?>
+<file path=ppt/slides/slide9.xml><?xml version="1.0" encoding="utf-8"?>
 <p:sld xmlns:a="http://schemas.openxmlformats.org/drawingml/2006/main" xmlns:r="http://schemas.openxmlformats.org/officeDocument/2006/relationships" xmlns:p="http://schemas.openxmlformats.org/presentationml/2006/main">
   <p:cSld>
     <p:spTree>
@@ -3797,10 +3864,10 @@
       </p:grpSpPr>
       <p:pic>
         <p:nvPicPr>
-          <p:cNvPr id="9" name="Imagem 8" descr="Uma imagem contendo screenshot&#10;&#10;Descrição gerada automaticamente">
-            <a:extLst>
-              <a:ext uri="{FF2B5EF4-FFF2-40B4-BE49-F238E27FC236}">
-                <a16:creationId xmlns:a16="http://schemas.microsoft.com/office/drawing/2014/main" id="{A4F10880-EA52-4FDD-886D-F6D53F1FCA92}"/>
+          <p:cNvPr id="3" name="Imagem 2" descr="Uma imagem contendo screenshot&#10;&#10;Descrição gerada automaticamente">
+            <a:extLst>
+              <a:ext uri="{FF2B5EF4-FFF2-40B4-BE49-F238E27FC236}">
+                <a16:creationId xmlns:a16="http://schemas.microsoft.com/office/drawing/2014/main" id="{3BE55315-C04B-426F-B82E-7BC85701EA25}"/>
               </a:ext>
             </a:extLst>
           </p:cNvPr>

--- a/apresentacao/apresentacao.pptx
+++ b/apresentacao/apresentacao.pptx
@@ -14,6 +14,7 @@
     <p:sldId id="259" r:id="rId8"/>
     <p:sldId id="260" r:id="rId9"/>
     <p:sldId id="261" r:id="rId10"/>
+    <p:sldId id="265" r:id="rId11"/>
   </p:sldIdLst>
   <p:sldSz cx="12192000" cy="6858000"/>
   <p:notesSz cx="6858000" cy="9144000"/>
@@ -267,7 +268,7 @@
           <a:p>
             <a:fld id="{1F1FAA24-82E9-47BA-A53E-AEAD71F0EE56}" type="datetimeFigureOut">
               <a:rPr lang="pt-BR" smtClean="0"/>
-              <a:t>08/02/2020</a:t>
+              <a:t>09/02/2020</a:t>
             </a:fld>
             <a:endParaRPr lang="pt-BR"/>
           </a:p>
@@ -465,7 +466,7 @@
           <a:p>
             <a:fld id="{1F1FAA24-82E9-47BA-A53E-AEAD71F0EE56}" type="datetimeFigureOut">
               <a:rPr lang="pt-BR" smtClean="0"/>
-              <a:t>08/02/2020</a:t>
+              <a:t>09/02/2020</a:t>
             </a:fld>
             <a:endParaRPr lang="pt-BR"/>
           </a:p>
@@ -673,7 +674,7 @@
           <a:p>
             <a:fld id="{1F1FAA24-82E9-47BA-A53E-AEAD71F0EE56}" type="datetimeFigureOut">
               <a:rPr lang="pt-BR" smtClean="0"/>
-              <a:t>08/02/2020</a:t>
+              <a:t>09/02/2020</a:t>
             </a:fld>
             <a:endParaRPr lang="pt-BR"/>
           </a:p>
@@ -871,7 +872,7 @@
           <a:p>
             <a:fld id="{1F1FAA24-82E9-47BA-A53E-AEAD71F0EE56}" type="datetimeFigureOut">
               <a:rPr lang="pt-BR" smtClean="0"/>
-              <a:t>08/02/2020</a:t>
+              <a:t>09/02/2020</a:t>
             </a:fld>
             <a:endParaRPr lang="pt-BR"/>
           </a:p>
@@ -1146,7 +1147,7 @@
           <a:p>
             <a:fld id="{1F1FAA24-82E9-47BA-A53E-AEAD71F0EE56}" type="datetimeFigureOut">
               <a:rPr lang="pt-BR" smtClean="0"/>
-              <a:t>08/02/2020</a:t>
+              <a:t>09/02/2020</a:t>
             </a:fld>
             <a:endParaRPr lang="pt-BR"/>
           </a:p>
@@ -1411,7 +1412,7 @@
           <a:p>
             <a:fld id="{1F1FAA24-82E9-47BA-A53E-AEAD71F0EE56}" type="datetimeFigureOut">
               <a:rPr lang="pt-BR" smtClean="0"/>
-              <a:t>08/02/2020</a:t>
+              <a:t>09/02/2020</a:t>
             </a:fld>
             <a:endParaRPr lang="pt-BR"/>
           </a:p>
@@ -1823,7 +1824,7 @@
           <a:p>
             <a:fld id="{1F1FAA24-82E9-47BA-A53E-AEAD71F0EE56}" type="datetimeFigureOut">
               <a:rPr lang="pt-BR" smtClean="0"/>
-              <a:t>08/02/2020</a:t>
+              <a:t>09/02/2020</a:t>
             </a:fld>
             <a:endParaRPr lang="pt-BR"/>
           </a:p>
@@ -1964,7 +1965,7 @@
           <a:p>
             <a:fld id="{1F1FAA24-82E9-47BA-A53E-AEAD71F0EE56}" type="datetimeFigureOut">
               <a:rPr lang="pt-BR" smtClean="0"/>
-              <a:t>08/02/2020</a:t>
+              <a:t>09/02/2020</a:t>
             </a:fld>
             <a:endParaRPr lang="pt-BR"/>
           </a:p>
@@ -2077,7 +2078,7 @@
           <a:p>
             <a:fld id="{1F1FAA24-82E9-47BA-A53E-AEAD71F0EE56}" type="datetimeFigureOut">
               <a:rPr lang="pt-BR" smtClean="0"/>
-              <a:t>08/02/2020</a:t>
+              <a:t>09/02/2020</a:t>
             </a:fld>
             <a:endParaRPr lang="pt-BR"/>
           </a:p>
@@ -2388,7 +2389,7 @@
           <a:p>
             <a:fld id="{1F1FAA24-82E9-47BA-A53E-AEAD71F0EE56}" type="datetimeFigureOut">
               <a:rPr lang="pt-BR" smtClean="0"/>
-              <a:t>08/02/2020</a:t>
+              <a:t>09/02/2020</a:t>
             </a:fld>
             <a:endParaRPr lang="pt-BR"/>
           </a:p>
@@ -2676,7 +2677,7 @@
           <a:p>
             <a:fld id="{1F1FAA24-82E9-47BA-A53E-AEAD71F0EE56}" type="datetimeFigureOut">
               <a:rPr lang="pt-BR" smtClean="0"/>
-              <a:t>08/02/2020</a:t>
+              <a:t>09/02/2020</a:t>
             </a:fld>
             <a:endParaRPr lang="pt-BR"/>
           </a:p>
@@ -2917,7 +2918,7 @@
           <a:p>
             <a:fld id="{1F1FAA24-82E9-47BA-A53E-AEAD71F0EE56}" type="datetimeFigureOut">
               <a:rPr lang="pt-BR" smtClean="0"/>
-              <a:t>08/02/2020</a:t>
+              <a:t>09/02/2020</a:t>
             </a:fld>
             <a:endParaRPr lang="pt-BR"/>
           </a:p>
@@ -3383,6 +3384,72 @@
 </p:sld>
 </file>
 
+<file path=ppt/slides/slide10.xml><?xml version="1.0" encoding="utf-8"?>
+<p:sld xmlns:a="http://schemas.openxmlformats.org/drawingml/2006/main" xmlns:r="http://schemas.openxmlformats.org/officeDocument/2006/relationships" xmlns:p="http://schemas.openxmlformats.org/presentationml/2006/main">
+  <p:cSld>
+    <p:spTree>
+      <p:nvGrpSpPr>
+        <p:cNvPr id="1" name=""/>
+        <p:cNvGrpSpPr/>
+        <p:nvPr/>
+      </p:nvGrpSpPr>
+      <p:grpSpPr>
+        <a:xfrm>
+          <a:off x="0" y="0"/>
+          <a:ext cx="0" cy="0"/>
+          <a:chOff x="0" y="0"/>
+          <a:chExt cx="0" cy="0"/>
+        </a:xfrm>
+      </p:grpSpPr>
+      <p:pic>
+        <p:nvPicPr>
+          <p:cNvPr id="6" name="Imagem 5" descr="Tela de celular com texto preto sobre fundo branco&#10;&#10;Descrição gerada automaticamente">
+            <a:extLst>
+              <a:ext uri="{FF2B5EF4-FFF2-40B4-BE49-F238E27FC236}">
+                <a16:creationId xmlns:a16="http://schemas.microsoft.com/office/drawing/2014/main" id="{BD77868B-CA7D-4588-A580-084FA005436B}"/>
+              </a:ext>
+            </a:extLst>
+          </p:cNvPr>
+          <p:cNvPicPr>
+            <a:picLocks noChangeAspect="1"/>
+          </p:cNvPicPr>
+          <p:nvPr/>
+        </p:nvPicPr>
+        <p:blipFill>
+          <a:blip r:embed="rId2">
+            <a:extLst>
+              <a:ext uri="{28A0092B-C50C-407E-A947-70E740481C1C}">
+                <a14:useLocalDpi xmlns:a14="http://schemas.microsoft.com/office/drawing/2010/main" val="0"/>
+              </a:ext>
+            </a:extLst>
+          </a:blip>
+          <a:stretch>
+            <a:fillRect/>
+          </a:stretch>
+        </p:blipFill>
+        <p:spPr>
+          <a:xfrm>
+            <a:off x="0" y="0"/>
+            <a:ext cx="12192000" cy="6858000"/>
+          </a:xfrm>
+          <a:prstGeom prst="rect">
+            <a:avLst/>
+          </a:prstGeom>
+        </p:spPr>
+      </p:pic>
+    </p:spTree>
+    <p:extLst>
+      <p:ext uri="{BB962C8B-B14F-4D97-AF65-F5344CB8AC3E}">
+        <p14:creationId xmlns:p14="http://schemas.microsoft.com/office/powerpoint/2010/main" val="3120382947"/>
+      </p:ext>
+    </p:extLst>
+  </p:cSld>
+  <p:clrMapOvr>
+    <a:masterClrMapping/>
+  </p:clrMapOvr>
+</p:sld>
+</file>
+
 <file path=ppt/slides/slide2.xml><?xml version="1.0" encoding="utf-8"?>
 <p:sld xmlns:a="http://schemas.openxmlformats.org/drawingml/2006/main" xmlns:r="http://schemas.openxmlformats.org/officeDocument/2006/relationships" xmlns:p="http://schemas.openxmlformats.org/presentationml/2006/main">
   <p:cSld>
@@ -3468,10 +3535,10 @@
       </p:grpSpPr>
       <p:pic>
         <p:nvPicPr>
-          <p:cNvPr id="5" name="Imagem 4" descr="Uma imagem contendo relógio&#10;&#10;Descrição gerada automaticamente">
-            <a:extLst>
-              <a:ext uri="{FF2B5EF4-FFF2-40B4-BE49-F238E27FC236}">
-                <a16:creationId xmlns:a16="http://schemas.microsoft.com/office/drawing/2014/main" id="{BFC26D5A-43F1-4C13-8BEB-835740BA548A}"/>
+          <p:cNvPr id="3" name="Imagem 2" descr="Uma imagem contendo cd&#10;&#10;Descrição gerada automaticamente">
+            <a:extLst>
+              <a:ext uri="{FF2B5EF4-FFF2-40B4-BE49-F238E27FC236}">
+                <a16:creationId xmlns:a16="http://schemas.microsoft.com/office/drawing/2014/main" id="{E4DD5DB2-2592-4958-B8C3-2AAE8366CA79}"/>
               </a:ext>
             </a:extLst>
           </p:cNvPr>
@@ -3798,10 +3865,10 @@
       </p:grpSpPr>
       <p:pic>
         <p:nvPicPr>
-          <p:cNvPr id="3" name="Imagem 2">
-            <a:extLst>
-              <a:ext uri="{FF2B5EF4-FFF2-40B4-BE49-F238E27FC236}">
-                <a16:creationId xmlns:a16="http://schemas.microsoft.com/office/drawing/2014/main" id="{5B3982B4-76E9-41AA-8C0A-61242E0482DF}"/>
+          <p:cNvPr id="4" name="Imagem 3" descr="Uma imagem contendo screenshot&#10;&#10;Descrição gerada automaticamente">
+            <a:extLst>
+              <a:ext uri="{FF2B5EF4-FFF2-40B4-BE49-F238E27FC236}">
+                <a16:creationId xmlns:a16="http://schemas.microsoft.com/office/drawing/2014/main" id="{5E297DFA-5E9F-4121-9D00-23A09462233C}"/>
               </a:ext>
             </a:extLst>
           </p:cNvPr>
@@ -3864,10 +3931,10 @@
       </p:grpSpPr>
       <p:pic>
         <p:nvPicPr>
-          <p:cNvPr id="3" name="Imagem 2" descr="Uma imagem contendo screenshot&#10;&#10;Descrição gerada automaticamente">
-            <a:extLst>
-              <a:ext uri="{FF2B5EF4-FFF2-40B4-BE49-F238E27FC236}">
-                <a16:creationId xmlns:a16="http://schemas.microsoft.com/office/drawing/2014/main" id="{3BE55315-C04B-426F-B82E-7BC85701EA25}"/>
+          <p:cNvPr id="4" name="Imagem 3" descr="Uma imagem contendo screenshot&#10;&#10;Descrição gerada automaticamente">
+            <a:extLst>
+              <a:ext uri="{FF2B5EF4-FFF2-40B4-BE49-F238E27FC236}">
+                <a16:creationId xmlns:a16="http://schemas.microsoft.com/office/drawing/2014/main" id="{FB69DDDD-7101-466B-82AC-B33AF60A9014}"/>
               </a:ext>
             </a:extLst>
           </p:cNvPr>

--- a/apresentacao/apresentacao.pptx
+++ b/apresentacao/apresentacao.pptx
@@ -13,8 +13,9 @@
     <p:sldId id="262" r:id="rId7"/>
     <p:sldId id="259" r:id="rId8"/>
     <p:sldId id="260" r:id="rId9"/>
-    <p:sldId id="261" r:id="rId10"/>
-    <p:sldId id="265" r:id="rId11"/>
+    <p:sldId id="266" r:id="rId10"/>
+    <p:sldId id="261" r:id="rId11"/>
+    <p:sldId id="265" r:id="rId12"/>
   </p:sldIdLst>
   <p:sldSz cx="12192000" cy="6858000"/>
   <p:notesSz cx="6858000" cy="9144000"/>
@@ -3403,6 +3404,72 @@
       </p:grpSpPr>
       <p:pic>
         <p:nvPicPr>
+          <p:cNvPr id="4" name="Imagem 3" descr="Uma imagem contendo screenshot&#10;&#10;Descrição gerada automaticamente">
+            <a:extLst>
+              <a:ext uri="{FF2B5EF4-FFF2-40B4-BE49-F238E27FC236}">
+                <a16:creationId xmlns:a16="http://schemas.microsoft.com/office/drawing/2014/main" id="{FB69DDDD-7101-466B-82AC-B33AF60A9014}"/>
+              </a:ext>
+            </a:extLst>
+          </p:cNvPr>
+          <p:cNvPicPr>
+            <a:picLocks noChangeAspect="1"/>
+          </p:cNvPicPr>
+          <p:nvPr/>
+        </p:nvPicPr>
+        <p:blipFill>
+          <a:blip r:embed="rId2">
+            <a:extLst>
+              <a:ext uri="{28A0092B-C50C-407E-A947-70E740481C1C}">
+                <a14:useLocalDpi xmlns:a14="http://schemas.microsoft.com/office/drawing/2010/main" val="0"/>
+              </a:ext>
+            </a:extLst>
+          </a:blip>
+          <a:stretch>
+            <a:fillRect/>
+          </a:stretch>
+        </p:blipFill>
+        <p:spPr>
+          <a:xfrm>
+            <a:off x="0" y="0"/>
+            <a:ext cx="12192000" cy="6858000"/>
+          </a:xfrm>
+          <a:prstGeom prst="rect">
+            <a:avLst/>
+          </a:prstGeom>
+        </p:spPr>
+      </p:pic>
+    </p:spTree>
+    <p:extLst>
+      <p:ext uri="{BB962C8B-B14F-4D97-AF65-F5344CB8AC3E}">
+        <p14:creationId xmlns:p14="http://schemas.microsoft.com/office/powerpoint/2010/main" val="3660585902"/>
+      </p:ext>
+    </p:extLst>
+  </p:cSld>
+  <p:clrMapOvr>
+    <a:masterClrMapping/>
+  </p:clrMapOvr>
+</p:sld>
+</file>
+
+<file path=ppt/slides/slide11.xml><?xml version="1.0" encoding="utf-8"?>
+<p:sld xmlns:a="http://schemas.openxmlformats.org/drawingml/2006/main" xmlns:r="http://schemas.openxmlformats.org/officeDocument/2006/relationships" xmlns:p="http://schemas.openxmlformats.org/presentationml/2006/main">
+  <p:cSld>
+    <p:spTree>
+      <p:nvGrpSpPr>
+        <p:cNvPr id="1" name=""/>
+        <p:cNvGrpSpPr/>
+        <p:nvPr/>
+      </p:nvGrpSpPr>
+      <p:grpSpPr>
+        <a:xfrm>
+          <a:off x="0" y="0"/>
+          <a:ext cx="0" cy="0"/>
+          <a:chOff x="0" y="0"/>
+          <a:chExt cx="0" cy="0"/>
+        </a:xfrm>
+      </p:grpSpPr>
+      <p:pic>
+        <p:nvPicPr>
           <p:cNvPr id="6" name="Imagem 5" descr="Tela de celular com texto preto sobre fundo branco&#10;&#10;Descrição gerada automaticamente">
             <a:extLst>
               <a:ext uri="{FF2B5EF4-FFF2-40B4-BE49-F238E27FC236}">
@@ -3931,10 +3998,10 @@
       </p:grpSpPr>
       <p:pic>
         <p:nvPicPr>
-          <p:cNvPr id="4" name="Imagem 3" descr="Uma imagem contendo screenshot&#10;&#10;Descrição gerada automaticamente">
-            <a:extLst>
-              <a:ext uri="{FF2B5EF4-FFF2-40B4-BE49-F238E27FC236}">
-                <a16:creationId xmlns:a16="http://schemas.microsoft.com/office/drawing/2014/main" id="{FB69DDDD-7101-466B-82AC-B33AF60A9014}"/>
+          <p:cNvPr id="5" name="Imagem 4" descr="Tela de celular com texto preto sobre fundo branco&#10;&#10;Descrição gerada automaticamente">
+            <a:extLst>
+              <a:ext uri="{FF2B5EF4-FFF2-40B4-BE49-F238E27FC236}">
+                <a16:creationId xmlns:a16="http://schemas.microsoft.com/office/drawing/2014/main" id="{D505D429-AF18-4C26-B58D-E69A4673C243}"/>
               </a:ext>
             </a:extLst>
           </p:cNvPr>
@@ -3968,7 +4035,7 @@
     </p:spTree>
     <p:extLst>
       <p:ext uri="{BB962C8B-B14F-4D97-AF65-F5344CB8AC3E}">
-        <p14:creationId xmlns:p14="http://schemas.microsoft.com/office/powerpoint/2010/main" val="3660585902"/>
+        <p14:creationId xmlns:p14="http://schemas.microsoft.com/office/powerpoint/2010/main" val="14479773"/>
       </p:ext>
     </p:extLst>
   </p:cSld>

--- a/apresentacao/apresentacao.pptx
+++ b/apresentacao/apresentacao.pptx
@@ -14,8 +14,9 @@
     <p:sldId id="259" r:id="rId8"/>
     <p:sldId id="260" r:id="rId9"/>
     <p:sldId id="266" r:id="rId10"/>
-    <p:sldId id="261" r:id="rId11"/>
-    <p:sldId id="265" r:id="rId12"/>
+    <p:sldId id="267" r:id="rId11"/>
+    <p:sldId id="261" r:id="rId12"/>
+    <p:sldId id="265" r:id="rId13"/>
   </p:sldIdLst>
   <p:sldSz cx="12192000" cy="6858000"/>
   <p:notesSz cx="6858000" cy="9144000"/>
@@ -3404,6 +3405,72 @@
       </p:grpSpPr>
       <p:pic>
         <p:nvPicPr>
+          <p:cNvPr id="5" name="Imagem 4">
+            <a:extLst>
+              <a:ext uri="{FF2B5EF4-FFF2-40B4-BE49-F238E27FC236}">
+                <a16:creationId xmlns:a16="http://schemas.microsoft.com/office/drawing/2014/main" id="{C66E6AEE-62B3-465B-AB39-95CF1D80472C}"/>
+              </a:ext>
+            </a:extLst>
+          </p:cNvPr>
+          <p:cNvPicPr>
+            <a:picLocks noChangeAspect="1"/>
+          </p:cNvPicPr>
+          <p:nvPr/>
+        </p:nvPicPr>
+        <p:blipFill>
+          <a:blip r:embed="rId2">
+            <a:extLst>
+              <a:ext uri="{28A0092B-C50C-407E-A947-70E740481C1C}">
+                <a14:useLocalDpi xmlns:a14="http://schemas.microsoft.com/office/drawing/2010/main" val="0"/>
+              </a:ext>
+            </a:extLst>
+          </a:blip>
+          <a:stretch>
+            <a:fillRect/>
+          </a:stretch>
+        </p:blipFill>
+        <p:spPr>
+          <a:xfrm>
+            <a:off x="0" y="0"/>
+            <a:ext cx="12192000" cy="6858000"/>
+          </a:xfrm>
+          <a:prstGeom prst="rect">
+            <a:avLst/>
+          </a:prstGeom>
+        </p:spPr>
+      </p:pic>
+    </p:spTree>
+    <p:extLst>
+      <p:ext uri="{BB962C8B-B14F-4D97-AF65-F5344CB8AC3E}">
+        <p14:creationId xmlns:p14="http://schemas.microsoft.com/office/powerpoint/2010/main" val="4073546692"/>
+      </p:ext>
+    </p:extLst>
+  </p:cSld>
+  <p:clrMapOvr>
+    <a:masterClrMapping/>
+  </p:clrMapOvr>
+</p:sld>
+</file>
+
+<file path=ppt/slides/slide11.xml><?xml version="1.0" encoding="utf-8"?>
+<p:sld xmlns:a="http://schemas.openxmlformats.org/drawingml/2006/main" xmlns:r="http://schemas.openxmlformats.org/officeDocument/2006/relationships" xmlns:p="http://schemas.openxmlformats.org/presentationml/2006/main">
+  <p:cSld>
+    <p:spTree>
+      <p:nvGrpSpPr>
+        <p:cNvPr id="1" name=""/>
+        <p:cNvGrpSpPr/>
+        <p:nvPr/>
+      </p:nvGrpSpPr>
+      <p:grpSpPr>
+        <a:xfrm>
+          <a:off x="0" y="0"/>
+          <a:ext cx="0" cy="0"/>
+          <a:chOff x="0" y="0"/>
+          <a:chExt cx="0" cy="0"/>
+        </a:xfrm>
+      </p:grpSpPr>
+      <p:pic>
+        <p:nvPicPr>
           <p:cNvPr id="4" name="Imagem 3" descr="Uma imagem contendo screenshot&#10;&#10;Descrição gerada automaticamente">
             <a:extLst>
               <a:ext uri="{FF2B5EF4-FFF2-40B4-BE49-F238E27FC236}">
@@ -3451,7 +3518,7 @@
 </p:sld>
 </file>
 
-<file path=ppt/slides/slide11.xml><?xml version="1.0" encoding="utf-8"?>
+<file path=ppt/slides/slide12.xml><?xml version="1.0" encoding="utf-8"?>
 <p:sld xmlns:a="http://schemas.openxmlformats.org/drawingml/2006/main" xmlns:r="http://schemas.openxmlformats.org/officeDocument/2006/relationships" xmlns:p="http://schemas.openxmlformats.org/presentationml/2006/main">
   <p:cSld>
     <p:spTree>

--- a/apresentacao/apresentacao.pptx
+++ b/apresentacao/apresentacao.pptx
@@ -15,8 +15,9 @@
     <p:sldId id="260" r:id="rId9"/>
     <p:sldId id="266" r:id="rId10"/>
     <p:sldId id="267" r:id="rId11"/>
-    <p:sldId id="261" r:id="rId12"/>
-    <p:sldId id="265" r:id="rId13"/>
+    <p:sldId id="268" r:id="rId12"/>
+    <p:sldId id="261" r:id="rId13"/>
+    <p:sldId id="265" r:id="rId14"/>
   </p:sldIdLst>
   <p:sldSz cx="12192000" cy="6858000"/>
   <p:notesSz cx="6858000" cy="9144000"/>
@@ -3405,10 +3406,10 @@
       </p:grpSpPr>
       <p:pic>
         <p:nvPicPr>
-          <p:cNvPr id="5" name="Imagem 4">
-            <a:extLst>
-              <a:ext uri="{FF2B5EF4-FFF2-40B4-BE49-F238E27FC236}">
-                <a16:creationId xmlns:a16="http://schemas.microsoft.com/office/drawing/2014/main" id="{C66E6AEE-62B3-465B-AB39-95CF1D80472C}"/>
+          <p:cNvPr id="3" name="Imagem 2">
+            <a:extLst>
+              <a:ext uri="{FF2B5EF4-FFF2-40B4-BE49-F238E27FC236}">
+                <a16:creationId xmlns:a16="http://schemas.microsoft.com/office/drawing/2014/main" id="{25908532-1C15-4CBC-8709-FB6ECACAB434}"/>
               </a:ext>
             </a:extLst>
           </p:cNvPr>
@@ -3471,6 +3472,72 @@
       </p:grpSpPr>
       <p:pic>
         <p:nvPicPr>
+          <p:cNvPr id="5" name="Imagem 4" descr="Uma imagem contendo screenshot, texto, desenho&#10;&#10;Descrição gerada automaticamente">
+            <a:extLst>
+              <a:ext uri="{FF2B5EF4-FFF2-40B4-BE49-F238E27FC236}">
+                <a16:creationId xmlns:a16="http://schemas.microsoft.com/office/drawing/2014/main" id="{C90ADE1E-B4F6-474D-97C1-F7B2F287795F}"/>
+              </a:ext>
+            </a:extLst>
+          </p:cNvPr>
+          <p:cNvPicPr>
+            <a:picLocks noChangeAspect="1"/>
+          </p:cNvPicPr>
+          <p:nvPr/>
+        </p:nvPicPr>
+        <p:blipFill>
+          <a:blip r:embed="rId2">
+            <a:extLst>
+              <a:ext uri="{28A0092B-C50C-407E-A947-70E740481C1C}">
+                <a14:useLocalDpi xmlns:a14="http://schemas.microsoft.com/office/drawing/2010/main" val="0"/>
+              </a:ext>
+            </a:extLst>
+          </a:blip>
+          <a:stretch>
+            <a:fillRect/>
+          </a:stretch>
+        </p:blipFill>
+        <p:spPr>
+          <a:xfrm>
+            <a:off x="0" y="0"/>
+            <a:ext cx="12192000" cy="6858000"/>
+          </a:xfrm>
+          <a:prstGeom prst="rect">
+            <a:avLst/>
+          </a:prstGeom>
+        </p:spPr>
+      </p:pic>
+    </p:spTree>
+    <p:extLst>
+      <p:ext uri="{BB962C8B-B14F-4D97-AF65-F5344CB8AC3E}">
+        <p14:creationId xmlns:p14="http://schemas.microsoft.com/office/powerpoint/2010/main" val="3211799982"/>
+      </p:ext>
+    </p:extLst>
+  </p:cSld>
+  <p:clrMapOvr>
+    <a:masterClrMapping/>
+  </p:clrMapOvr>
+</p:sld>
+</file>
+
+<file path=ppt/slides/slide12.xml><?xml version="1.0" encoding="utf-8"?>
+<p:sld xmlns:a="http://schemas.openxmlformats.org/drawingml/2006/main" xmlns:r="http://schemas.openxmlformats.org/officeDocument/2006/relationships" xmlns:p="http://schemas.openxmlformats.org/presentationml/2006/main">
+  <p:cSld>
+    <p:spTree>
+      <p:nvGrpSpPr>
+        <p:cNvPr id="1" name=""/>
+        <p:cNvGrpSpPr/>
+        <p:nvPr/>
+      </p:nvGrpSpPr>
+      <p:grpSpPr>
+        <a:xfrm>
+          <a:off x="0" y="0"/>
+          <a:ext cx="0" cy="0"/>
+          <a:chOff x="0" y="0"/>
+          <a:chExt cx="0" cy="0"/>
+        </a:xfrm>
+      </p:grpSpPr>
+      <p:pic>
+        <p:nvPicPr>
           <p:cNvPr id="4" name="Imagem 3" descr="Uma imagem contendo screenshot&#10;&#10;Descrição gerada automaticamente">
             <a:extLst>
               <a:ext uri="{FF2B5EF4-FFF2-40B4-BE49-F238E27FC236}">
@@ -3518,7 +3585,7 @@
 </p:sld>
 </file>
 
-<file path=ppt/slides/slide12.xml><?xml version="1.0" encoding="utf-8"?>
+<file path=ppt/slides/slide13.xml><?xml version="1.0" encoding="utf-8"?>
 <p:sld xmlns:a="http://schemas.openxmlformats.org/drawingml/2006/main" xmlns:r="http://schemas.openxmlformats.org/officeDocument/2006/relationships" xmlns:p="http://schemas.openxmlformats.org/presentationml/2006/main">
   <p:cSld>
     <p:spTree>

--- a/apresentacao/apresentacao.pptx
+++ b/apresentacao/apresentacao.pptx
@@ -7,17 +7,15 @@
   <p:sldIdLst>
     <p:sldId id="256" r:id="rId2"/>
     <p:sldId id="263" r:id="rId3"/>
-    <p:sldId id="264" r:id="rId4"/>
-    <p:sldId id="257" r:id="rId5"/>
-    <p:sldId id="258" r:id="rId6"/>
-    <p:sldId id="262" r:id="rId7"/>
-    <p:sldId id="259" r:id="rId8"/>
+    <p:sldId id="257" r:id="rId4"/>
+    <p:sldId id="258" r:id="rId5"/>
+    <p:sldId id="262" r:id="rId6"/>
+    <p:sldId id="259" r:id="rId7"/>
+    <p:sldId id="266" r:id="rId8"/>
     <p:sldId id="260" r:id="rId9"/>
-    <p:sldId id="266" r:id="rId10"/>
-    <p:sldId id="267" r:id="rId11"/>
-    <p:sldId id="268" r:id="rId12"/>
-    <p:sldId id="261" r:id="rId13"/>
-    <p:sldId id="265" r:id="rId14"/>
+    <p:sldId id="268" r:id="rId10"/>
+    <p:sldId id="261" r:id="rId11"/>
+    <p:sldId id="265" r:id="rId12"/>
   </p:sldIdLst>
   <p:sldSz cx="12192000" cy="6858000"/>
   <p:notesSz cx="6858000" cy="9144000"/>
@@ -271,7 +269,7 @@
           <a:p>
             <a:fld id="{1F1FAA24-82E9-47BA-A53E-AEAD71F0EE56}" type="datetimeFigureOut">
               <a:rPr lang="pt-BR" smtClean="0"/>
-              <a:t>09/02/2020</a:t>
+              <a:t>16/02/2020</a:t>
             </a:fld>
             <a:endParaRPr lang="pt-BR"/>
           </a:p>
@@ -469,7 +467,7 @@
           <a:p>
             <a:fld id="{1F1FAA24-82E9-47BA-A53E-AEAD71F0EE56}" type="datetimeFigureOut">
               <a:rPr lang="pt-BR" smtClean="0"/>
-              <a:t>09/02/2020</a:t>
+              <a:t>16/02/2020</a:t>
             </a:fld>
             <a:endParaRPr lang="pt-BR"/>
           </a:p>
@@ -677,7 +675,7 @@
           <a:p>
             <a:fld id="{1F1FAA24-82E9-47BA-A53E-AEAD71F0EE56}" type="datetimeFigureOut">
               <a:rPr lang="pt-BR" smtClean="0"/>
-              <a:t>09/02/2020</a:t>
+              <a:t>16/02/2020</a:t>
             </a:fld>
             <a:endParaRPr lang="pt-BR"/>
           </a:p>
@@ -875,7 +873,7 @@
           <a:p>
             <a:fld id="{1F1FAA24-82E9-47BA-A53E-AEAD71F0EE56}" type="datetimeFigureOut">
               <a:rPr lang="pt-BR" smtClean="0"/>
-              <a:t>09/02/2020</a:t>
+              <a:t>16/02/2020</a:t>
             </a:fld>
             <a:endParaRPr lang="pt-BR"/>
           </a:p>
@@ -1150,7 +1148,7 @@
           <a:p>
             <a:fld id="{1F1FAA24-82E9-47BA-A53E-AEAD71F0EE56}" type="datetimeFigureOut">
               <a:rPr lang="pt-BR" smtClean="0"/>
-              <a:t>09/02/2020</a:t>
+              <a:t>16/02/2020</a:t>
             </a:fld>
             <a:endParaRPr lang="pt-BR"/>
           </a:p>
@@ -1415,7 +1413,7 @@
           <a:p>
             <a:fld id="{1F1FAA24-82E9-47BA-A53E-AEAD71F0EE56}" type="datetimeFigureOut">
               <a:rPr lang="pt-BR" smtClean="0"/>
-              <a:t>09/02/2020</a:t>
+              <a:t>16/02/2020</a:t>
             </a:fld>
             <a:endParaRPr lang="pt-BR"/>
           </a:p>
@@ -1827,7 +1825,7 @@
           <a:p>
             <a:fld id="{1F1FAA24-82E9-47BA-A53E-AEAD71F0EE56}" type="datetimeFigureOut">
               <a:rPr lang="pt-BR" smtClean="0"/>
-              <a:t>09/02/2020</a:t>
+              <a:t>16/02/2020</a:t>
             </a:fld>
             <a:endParaRPr lang="pt-BR"/>
           </a:p>
@@ -1968,7 +1966,7 @@
           <a:p>
             <a:fld id="{1F1FAA24-82E9-47BA-A53E-AEAD71F0EE56}" type="datetimeFigureOut">
               <a:rPr lang="pt-BR" smtClean="0"/>
-              <a:t>09/02/2020</a:t>
+              <a:t>16/02/2020</a:t>
             </a:fld>
             <a:endParaRPr lang="pt-BR"/>
           </a:p>
@@ -2081,7 +2079,7 @@
           <a:p>
             <a:fld id="{1F1FAA24-82E9-47BA-A53E-AEAD71F0EE56}" type="datetimeFigureOut">
               <a:rPr lang="pt-BR" smtClean="0"/>
-              <a:t>09/02/2020</a:t>
+              <a:t>16/02/2020</a:t>
             </a:fld>
             <a:endParaRPr lang="pt-BR"/>
           </a:p>
@@ -2392,7 +2390,7 @@
           <a:p>
             <a:fld id="{1F1FAA24-82E9-47BA-A53E-AEAD71F0EE56}" type="datetimeFigureOut">
               <a:rPr lang="pt-BR" smtClean="0"/>
-              <a:t>09/02/2020</a:t>
+              <a:t>16/02/2020</a:t>
             </a:fld>
             <a:endParaRPr lang="pt-BR"/>
           </a:p>
@@ -2680,7 +2678,7 @@
           <a:p>
             <a:fld id="{1F1FAA24-82E9-47BA-A53E-AEAD71F0EE56}" type="datetimeFigureOut">
               <a:rPr lang="pt-BR" smtClean="0"/>
-              <a:t>09/02/2020</a:t>
+              <a:t>16/02/2020</a:t>
             </a:fld>
             <a:endParaRPr lang="pt-BR"/>
           </a:p>
@@ -2921,7 +2919,7 @@
           <a:p>
             <a:fld id="{1F1FAA24-82E9-47BA-A53E-AEAD71F0EE56}" type="datetimeFigureOut">
               <a:rPr lang="pt-BR" smtClean="0"/>
-              <a:t>09/02/2020</a:t>
+              <a:t>16/02/2020</a:t>
             </a:fld>
             <a:endParaRPr lang="pt-BR"/>
           </a:p>
@@ -3406,10 +3404,10 @@
       </p:grpSpPr>
       <p:pic>
         <p:nvPicPr>
-          <p:cNvPr id="3" name="Imagem 2">
-            <a:extLst>
-              <a:ext uri="{FF2B5EF4-FFF2-40B4-BE49-F238E27FC236}">
-                <a16:creationId xmlns:a16="http://schemas.microsoft.com/office/drawing/2014/main" id="{25908532-1C15-4CBC-8709-FB6ECACAB434}"/>
+          <p:cNvPr id="4" name="Imagem 3" descr="Uma imagem contendo screenshot&#10;&#10;Descrição gerada automaticamente">
+            <a:extLst>
+              <a:ext uri="{FF2B5EF4-FFF2-40B4-BE49-F238E27FC236}">
+                <a16:creationId xmlns:a16="http://schemas.microsoft.com/office/drawing/2014/main" id="{FB69DDDD-7101-466B-82AC-B33AF60A9014}"/>
               </a:ext>
             </a:extLst>
           </p:cNvPr>
@@ -3440,138 +3438,55 @@
           </a:prstGeom>
         </p:spPr>
       </p:pic>
-    </p:spTree>
-    <p:extLst>
-      <p:ext uri="{BB962C8B-B14F-4D97-AF65-F5344CB8AC3E}">
-        <p14:creationId xmlns:p14="http://schemas.microsoft.com/office/powerpoint/2010/main" val="4073546692"/>
-      </p:ext>
-    </p:extLst>
-  </p:cSld>
-  <p:clrMapOvr>
-    <a:masterClrMapping/>
-  </p:clrMapOvr>
-</p:sld>
-</file>
-
-<file path=ppt/slides/slide11.xml><?xml version="1.0" encoding="utf-8"?>
-<p:sld xmlns:a="http://schemas.openxmlformats.org/drawingml/2006/main" xmlns:r="http://schemas.openxmlformats.org/officeDocument/2006/relationships" xmlns:p="http://schemas.openxmlformats.org/presentationml/2006/main">
-  <p:cSld>
-    <p:spTree>
-      <p:nvGrpSpPr>
-        <p:cNvPr id="1" name=""/>
-        <p:cNvGrpSpPr/>
-        <p:nvPr/>
-      </p:nvGrpSpPr>
-      <p:grpSpPr>
-        <a:xfrm>
-          <a:off x="0" y="0"/>
-          <a:ext cx="0" cy="0"/>
-          <a:chOff x="0" y="0"/>
-          <a:chExt cx="0" cy="0"/>
-        </a:xfrm>
-      </p:grpSpPr>
-      <p:pic>
-        <p:nvPicPr>
-          <p:cNvPr id="5" name="Imagem 4" descr="Uma imagem contendo screenshot, texto, desenho&#10;&#10;Descrição gerada automaticamente">
-            <a:extLst>
-              <a:ext uri="{FF2B5EF4-FFF2-40B4-BE49-F238E27FC236}">
-                <a16:creationId xmlns:a16="http://schemas.microsoft.com/office/drawing/2014/main" id="{C90ADE1E-B4F6-474D-97C1-F7B2F287795F}"/>
-              </a:ext>
-            </a:extLst>
-          </p:cNvPr>
-          <p:cNvPicPr>
-            <a:picLocks noChangeAspect="1"/>
-          </p:cNvPicPr>
+      <p:sp>
+        <p:nvSpPr>
+          <p:cNvPr id="2" name="Retângulo 1">
+            <a:extLst>
+              <a:ext uri="{FF2B5EF4-FFF2-40B4-BE49-F238E27FC236}">
+                <a16:creationId xmlns:a16="http://schemas.microsoft.com/office/drawing/2014/main" id="{BE83EBD0-0137-4666-99F8-CBAB2CB86E4D}"/>
+              </a:ext>
+            </a:extLst>
+          </p:cNvPr>
+          <p:cNvSpPr/>
           <p:nvPr/>
-        </p:nvPicPr>
-        <p:blipFill>
-          <a:blip r:embed="rId2">
-            <a:extLst>
-              <a:ext uri="{28A0092B-C50C-407E-A947-70E740481C1C}">
-                <a14:useLocalDpi xmlns:a14="http://schemas.microsoft.com/office/drawing/2010/main" val="0"/>
-              </a:ext>
-            </a:extLst>
-          </a:blip>
-          <a:stretch>
-            <a:fillRect/>
-          </a:stretch>
-        </p:blipFill>
+        </p:nvSpPr>
         <p:spPr>
           <a:xfrm>
-            <a:off x="0" y="0"/>
-            <a:ext cx="12192000" cy="6858000"/>
+            <a:off x="7315200" y="4471988"/>
+            <a:ext cx="4057650" cy="1585912"/>
           </a:xfrm>
           <a:prstGeom prst="rect">
             <a:avLst/>
           </a:prstGeom>
         </p:spPr>
-      </p:pic>
-    </p:spTree>
-    <p:extLst>
-      <p:ext uri="{BB962C8B-B14F-4D97-AF65-F5344CB8AC3E}">
-        <p14:creationId xmlns:p14="http://schemas.microsoft.com/office/powerpoint/2010/main" val="3211799982"/>
-      </p:ext>
-    </p:extLst>
-  </p:cSld>
-  <p:clrMapOvr>
-    <a:masterClrMapping/>
-  </p:clrMapOvr>
-</p:sld>
-</file>
-
-<file path=ppt/slides/slide12.xml><?xml version="1.0" encoding="utf-8"?>
-<p:sld xmlns:a="http://schemas.openxmlformats.org/drawingml/2006/main" xmlns:r="http://schemas.openxmlformats.org/officeDocument/2006/relationships" xmlns:p="http://schemas.openxmlformats.org/presentationml/2006/main">
-  <p:cSld>
-    <p:spTree>
-      <p:nvGrpSpPr>
-        <p:cNvPr id="1" name=""/>
-        <p:cNvGrpSpPr/>
-        <p:nvPr/>
-      </p:nvGrpSpPr>
-      <p:grpSpPr>
-        <a:xfrm>
-          <a:off x="0" y="0"/>
-          <a:ext cx="0" cy="0"/>
-          <a:chOff x="0" y="0"/>
-          <a:chExt cx="0" cy="0"/>
-        </a:xfrm>
-      </p:grpSpPr>
-      <p:pic>
-        <p:nvPicPr>
-          <p:cNvPr id="4" name="Imagem 3" descr="Uma imagem contendo screenshot&#10;&#10;Descrição gerada automaticamente">
-            <a:extLst>
-              <a:ext uri="{FF2B5EF4-FFF2-40B4-BE49-F238E27FC236}">
-                <a16:creationId xmlns:a16="http://schemas.microsoft.com/office/drawing/2014/main" id="{FB69DDDD-7101-466B-82AC-B33AF60A9014}"/>
-              </a:ext>
-            </a:extLst>
-          </p:cNvPr>
-          <p:cNvPicPr>
-            <a:picLocks noChangeAspect="1"/>
-          </p:cNvPicPr>
-          <p:nvPr/>
-        </p:nvPicPr>
-        <p:blipFill>
-          <a:blip r:embed="rId2">
-            <a:extLst>
-              <a:ext uri="{28A0092B-C50C-407E-A947-70E740481C1C}">
-                <a14:useLocalDpi xmlns:a14="http://schemas.microsoft.com/office/drawing/2010/main" val="0"/>
-              </a:ext>
-            </a:extLst>
-          </a:blip>
-          <a:stretch>
-            <a:fillRect/>
-          </a:stretch>
-        </p:blipFill>
-        <p:spPr>
-          <a:xfrm>
-            <a:off x="0" y="0"/>
-            <a:ext cx="12192000" cy="6858000"/>
-          </a:xfrm>
-          <a:prstGeom prst="rect">
-            <a:avLst/>
-          </a:prstGeom>
-        </p:spPr>
-      </p:pic>
+        <p:style>
+          <a:lnRef idx="2">
+            <a:schemeClr val="accent1">
+              <a:shade val="50000"/>
+            </a:schemeClr>
+          </a:lnRef>
+          <a:fillRef idx="1">
+            <a:schemeClr val="accent1"/>
+          </a:fillRef>
+          <a:effectRef idx="0">
+            <a:schemeClr val="accent1"/>
+          </a:effectRef>
+          <a:fontRef idx="minor">
+            <a:schemeClr val="lt1"/>
+          </a:fontRef>
+        </p:style>
+        <p:txBody>
+          <a:bodyPr rtlCol="0" anchor="ctr"/>
+          <a:lstStyle/>
+          <a:p>
+            <a:pPr algn="ctr"/>
+            <a:r>
+              <a:rPr lang="pt-BR" dirty="0"/>
+              <a:t>Deixar claro que os próximos passos são sugestões para que a comunidade cientifica realize pesquisas futuras. Não assumir a responsabilidade!</a:t>
+            </a:r>
+          </a:p>
+        </p:txBody>
+      </p:sp>
     </p:spTree>
     <p:extLst>
       <p:ext uri="{BB962C8B-B14F-4D97-AF65-F5344CB8AC3E}">
@@ -3585,7 +3500,7 @@
 </p:sld>
 </file>
 
-<file path=ppt/slides/slide13.xml><?xml version="1.0" encoding="utf-8"?>
+<file path=ppt/slides/slide11.xml><?xml version="1.0" encoding="utf-8"?>
 <p:sld xmlns:a="http://schemas.openxmlformats.org/drawingml/2006/main" xmlns:r="http://schemas.openxmlformats.org/officeDocument/2006/relationships" xmlns:p="http://schemas.openxmlformats.org/presentationml/2006/main">
   <p:cSld>
     <p:spTree>
@@ -3736,10 +3651,10 @@
       </p:grpSpPr>
       <p:pic>
         <p:nvPicPr>
-          <p:cNvPr id="3" name="Imagem 2" descr="Uma imagem contendo cd&#10;&#10;Descrição gerada automaticamente">
-            <a:extLst>
-              <a:ext uri="{FF2B5EF4-FFF2-40B4-BE49-F238E27FC236}">
-                <a16:creationId xmlns:a16="http://schemas.microsoft.com/office/drawing/2014/main" id="{E4DD5DB2-2592-4958-B8C3-2AAE8366CA79}"/>
+          <p:cNvPr id="5" name="Imagem 4" descr="Tela de celular com publicação numa rede social&#10;&#10;Descrição gerada automaticamente">
+            <a:extLst>
+              <a:ext uri="{FF2B5EF4-FFF2-40B4-BE49-F238E27FC236}">
+                <a16:creationId xmlns:a16="http://schemas.microsoft.com/office/drawing/2014/main" id="{23EF186C-2491-4194-A1FA-654153C165EF}"/>
               </a:ext>
             </a:extLst>
           </p:cNvPr>
@@ -3773,7 +3688,7 @@
     </p:spTree>
     <p:extLst>
       <p:ext uri="{BB962C8B-B14F-4D97-AF65-F5344CB8AC3E}">
-        <p14:creationId xmlns:p14="http://schemas.microsoft.com/office/powerpoint/2010/main" val="2983169794"/>
+        <p14:creationId xmlns:p14="http://schemas.microsoft.com/office/powerpoint/2010/main" val="262619012"/>
       </p:ext>
     </p:extLst>
   </p:cSld>
@@ -3802,10 +3717,10 @@
       </p:grpSpPr>
       <p:pic>
         <p:nvPicPr>
-          <p:cNvPr id="5" name="Imagem 4" descr="Tela de celular com publicação numa rede social&#10;&#10;Descrição gerada automaticamente">
-            <a:extLst>
-              <a:ext uri="{FF2B5EF4-FFF2-40B4-BE49-F238E27FC236}">
-                <a16:creationId xmlns:a16="http://schemas.microsoft.com/office/drawing/2014/main" id="{23EF186C-2491-4194-A1FA-654153C165EF}"/>
+          <p:cNvPr id="6" name="Imagem 5" descr="Tela de celular com texto preto sobre fundo branco&#10;&#10;Descrição gerada automaticamente">
+            <a:extLst>
+              <a:ext uri="{FF2B5EF4-FFF2-40B4-BE49-F238E27FC236}">
+                <a16:creationId xmlns:a16="http://schemas.microsoft.com/office/drawing/2014/main" id="{57B337ED-1B4D-4F41-9693-906D7CC1C126}"/>
               </a:ext>
             </a:extLst>
           </p:cNvPr>
@@ -3836,10 +3751,59 @@
           </a:prstGeom>
         </p:spPr>
       </p:pic>
+      <p:sp>
+        <p:nvSpPr>
+          <p:cNvPr id="2" name="Retângulo 1">
+            <a:extLst>
+              <a:ext uri="{FF2B5EF4-FFF2-40B4-BE49-F238E27FC236}">
+                <a16:creationId xmlns:a16="http://schemas.microsoft.com/office/drawing/2014/main" id="{F37C2FCE-3E7C-4831-838F-A79D3051EF3D}"/>
+              </a:ext>
+            </a:extLst>
+          </p:cNvPr>
+          <p:cNvSpPr/>
+          <p:nvPr/>
+        </p:nvSpPr>
+        <p:spPr>
+          <a:xfrm>
+            <a:off x="7715251" y="2021681"/>
+            <a:ext cx="2157412" cy="2814637"/>
+          </a:xfrm>
+          <a:prstGeom prst="rect">
+            <a:avLst/>
+          </a:prstGeom>
+        </p:spPr>
+        <p:style>
+          <a:lnRef idx="2">
+            <a:schemeClr val="accent1">
+              <a:shade val="50000"/>
+            </a:schemeClr>
+          </a:lnRef>
+          <a:fillRef idx="1">
+            <a:schemeClr val="accent1"/>
+          </a:fillRef>
+          <a:effectRef idx="0">
+            <a:schemeClr val="accent1"/>
+          </a:effectRef>
+          <a:fontRef idx="minor">
+            <a:schemeClr val="lt1"/>
+          </a:fontRef>
+        </p:style>
+        <p:txBody>
+          <a:bodyPr rtlCol="0" anchor="ctr"/>
+          <a:lstStyle/>
+          <a:p>
+            <a:pPr algn="ctr"/>
+            <a:r>
+              <a:rPr lang="pt-BR" sz="2800" dirty="0"/>
+              <a:t>Colocar dados sobre ensino superior</a:t>
+            </a:r>
+          </a:p>
+        </p:txBody>
+      </p:sp>
     </p:spTree>
     <p:extLst>
       <p:ext uri="{BB962C8B-B14F-4D97-AF65-F5344CB8AC3E}">
-        <p14:creationId xmlns:p14="http://schemas.microsoft.com/office/powerpoint/2010/main" val="262619012"/>
+        <p14:creationId xmlns:p14="http://schemas.microsoft.com/office/powerpoint/2010/main" val="2943105770"/>
       </p:ext>
     </p:extLst>
   </p:cSld>
@@ -3868,10 +3832,10 @@
       </p:grpSpPr>
       <p:pic>
         <p:nvPicPr>
-          <p:cNvPr id="6" name="Imagem 5" descr="Tela de celular com texto preto sobre fundo branco&#10;&#10;Descrição gerada automaticamente">
-            <a:extLst>
-              <a:ext uri="{FF2B5EF4-FFF2-40B4-BE49-F238E27FC236}">
-                <a16:creationId xmlns:a16="http://schemas.microsoft.com/office/drawing/2014/main" id="{57B337ED-1B4D-4F41-9693-906D7CC1C126}"/>
+          <p:cNvPr id="4" name="Imagem 3" descr="Tela de celular com texto preto sobre fundo branco&#10;&#10;Descrição gerada automaticamente">
+            <a:extLst>
+              <a:ext uri="{FF2B5EF4-FFF2-40B4-BE49-F238E27FC236}">
+                <a16:creationId xmlns:a16="http://schemas.microsoft.com/office/drawing/2014/main" id="{706BF2F2-3D10-4583-8C56-DD7015E2380F}"/>
               </a:ext>
             </a:extLst>
           </p:cNvPr>
@@ -3902,10 +3866,59 @@
           </a:prstGeom>
         </p:spPr>
       </p:pic>
+      <p:sp>
+        <p:nvSpPr>
+          <p:cNvPr id="2" name="Retângulo 1">
+            <a:extLst>
+              <a:ext uri="{FF2B5EF4-FFF2-40B4-BE49-F238E27FC236}">
+                <a16:creationId xmlns:a16="http://schemas.microsoft.com/office/drawing/2014/main" id="{5DC163BA-156C-4DE0-913D-76E0A6E87244}"/>
+              </a:ext>
+            </a:extLst>
+          </p:cNvPr>
+          <p:cNvSpPr/>
+          <p:nvPr/>
+        </p:nvSpPr>
+        <p:spPr>
+          <a:xfrm>
+            <a:off x="657225" y="1371600"/>
+            <a:ext cx="4743450" cy="1800225"/>
+          </a:xfrm>
+          <a:prstGeom prst="rect">
+            <a:avLst/>
+          </a:prstGeom>
+        </p:spPr>
+        <p:style>
+          <a:lnRef idx="2">
+            <a:schemeClr val="accent1">
+              <a:shade val="50000"/>
+            </a:schemeClr>
+          </a:lnRef>
+          <a:fillRef idx="1">
+            <a:schemeClr val="accent1"/>
+          </a:fillRef>
+          <a:effectRef idx="0">
+            <a:schemeClr val="accent1"/>
+          </a:effectRef>
+          <a:fontRef idx="minor">
+            <a:schemeClr val="lt1"/>
+          </a:fontRef>
+        </p:style>
+        <p:txBody>
+          <a:bodyPr rtlCol="0" anchor="ctr"/>
+          <a:lstStyle/>
+          <a:p>
+            <a:pPr algn="ctr"/>
+            <a:r>
+              <a:rPr lang="pt-BR" sz="2800" dirty="0"/>
+              <a:t>Escrever por extenso o que é OER</a:t>
+            </a:r>
+          </a:p>
+        </p:txBody>
+      </p:sp>
     </p:spTree>
     <p:extLst>
       <p:ext uri="{BB962C8B-B14F-4D97-AF65-F5344CB8AC3E}">
-        <p14:creationId xmlns:p14="http://schemas.microsoft.com/office/powerpoint/2010/main" val="2943105770"/>
+        <p14:creationId xmlns:p14="http://schemas.microsoft.com/office/powerpoint/2010/main" val="4030107903"/>
       </p:ext>
     </p:extLst>
   </p:cSld>
@@ -3934,10 +3947,10 @@
       </p:grpSpPr>
       <p:pic>
         <p:nvPicPr>
-          <p:cNvPr id="4" name="Imagem 3" descr="Tela de celular com texto preto sobre fundo branco&#10;&#10;Descrição gerada automaticamente">
-            <a:extLst>
-              <a:ext uri="{FF2B5EF4-FFF2-40B4-BE49-F238E27FC236}">
-                <a16:creationId xmlns:a16="http://schemas.microsoft.com/office/drawing/2014/main" id="{706BF2F2-3D10-4583-8C56-DD7015E2380F}"/>
+          <p:cNvPr id="3" name="Imagem 2" descr="Texto preto sobre fundo branco&#10;&#10;Descrição gerada automaticamente">
+            <a:extLst>
+              <a:ext uri="{FF2B5EF4-FFF2-40B4-BE49-F238E27FC236}">
+                <a16:creationId xmlns:a16="http://schemas.microsoft.com/office/drawing/2014/main" id="{6A3C6D80-8A02-497C-9EDA-EFF520597365}"/>
               </a:ext>
             </a:extLst>
           </p:cNvPr>
@@ -3968,10 +3981,66 @@
           </a:prstGeom>
         </p:spPr>
       </p:pic>
+      <p:sp>
+        <p:nvSpPr>
+          <p:cNvPr id="2" name="Retângulo 1">
+            <a:extLst>
+              <a:ext uri="{FF2B5EF4-FFF2-40B4-BE49-F238E27FC236}">
+                <a16:creationId xmlns:a16="http://schemas.microsoft.com/office/drawing/2014/main" id="{85C0FE83-FBDF-4BFC-B3BD-79CB89F99C12}"/>
+              </a:ext>
+            </a:extLst>
+          </p:cNvPr>
+          <p:cNvSpPr/>
+          <p:nvPr/>
+        </p:nvSpPr>
+        <p:spPr>
+          <a:xfrm>
+            <a:off x="1300162" y="1828800"/>
+            <a:ext cx="4067175" cy="1828800"/>
+          </a:xfrm>
+          <a:prstGeom prst="rect">
+            <a:avLst/>
+          </a:prstGeom>
+        </p:spPr>
+        <p:style>
+          <a:lnRef idx="2">
+            <a:schemeClr val="accent1">
+              <a:shade val="50000"/>
+            </a:schemeClr>
+          </a:lnRef>
+          <a:fillRef idx="1">
+            <a:schemeClr val="accent1"/>
+          </a:fillRef>
+          <a:effectRef idx="0">
+            <a:schemeClr val="accent1"/>
+          </a:effectRef>
+          <a:fontRef idx="minor">
+            <a:schemeClr val="lt1"/>
+          </a:fontRef>
+        </p:style>
+        <p:txBody>
+          <a:bodyPr rtlCol="0" anchor="ctr"/>
+          <a:lstStyle/>
+          <a:p>
+            <a:pPr algn="ctr"/>
+            <a:r>
+              <a:rPr lang="pt-BR" sz="2400" dirty="0"/>
+              <a:t>Na apresentação, focar no QUIS de múltipla escolha. </a:t>
+            </a:r>
+          </a:p>
+          <a:p>
+            <a:pPr algn="ctr"/>
+            <a:r>
+              <a:rPr lang="pt-BR" sz="2400" dirty="0"/>
+              <a:t>Alterar o texto para perguntas objetivas.</a:t>
+            </a:r>
+          </a:p>
+        </p:txBody>
+      </p:sp>
     </p:spTree>
     <p:extLst>
       <p:ext uri="{BB962C8B-B14F-4D97-AF65-F5344CB8AC3E}">
-        <p14:creationId xmlns:p14="http://schemas.microsoft.com/office/powerpoint/2010/main" val="4030107903"/>
+        <p14:creationId xmlns:p14="http://schemas.microsoft.com/office/powerpoint/2010/main" val="4087358166"/>
       </p:ext>
     </p:extLst>
   </p:cSld>
@@ -4000,10 +4069,10 @@
       </p:grpSpPr>
       <p:pic>
         <p:nvPicPr>
-          <p:cNvPr id="3" name="Imagem 2" descr="Texto preto sobre fundo branco&#10;&#10;Descrição gerada automaticamente">
-            <a:extLst>
-              <a:ext uri="{FF2B5EF4-FFF2-40B4-BE49-F238E27FC236}">
-                <a16:creationId xmlns:a16="http://schemas.microsoft.com/office/drawing/2014/main" id="{6A3C6D80-8A02-497C-9EDA-EFF520597365}"/>
+          <p:cNvPr id="5" name="Imagem 4" descr="Tela de celular com texto preto sobre fundo branco&#10;&#10;Descrição gerada automaticamente">
+            <a:extLst>
+              <a:ext uri="{FF2B5EF4-FFF2-40B4-BE49-F238E27FC236}">
+                <a16:creationId xmlns:a16="http://schemas.microsoft.com/office/drawing/2014/main" id="{D505D429-AF18-4C26-B58D-E69A4673C243}"/>
               </a:ext>
             </a:extLst>
           </p:cNvPr>
@@ -4034,10 +4103,59 @@
           </a:prstGeom>
         </p:spPr>
       </p:pic>
+      <p:sp>
+        <p:nvSpPr>
+          <p:cNvPr id="2" name="Retângulo 1">
+            <a:extLst>
+              <a:ext uri="{FF2B5EF4-FFF2-40B4-BE49-F238E27FC236}">
+                <a16:creationId xmlns:a16="http://schemas.microsoft.com/office/drawing/2014/main" id="{B259B3B9-6849-45BD-B572-2BCF8056A73D}"/>
+              </a:ext>
+            </a:extLst>
+          </p:cNvPr>
+          <p:cNvSpPr/>
+          <p:nvPr/>
+        </p:nvSpPr>
+        <p:spPr>
+          <a:xfrm>
+            <a:off x="7205664" y="3886200"/>
+            <a:ext cx="4400550" cy="1771650"/>
+          </a:xfrm>
+          <a:prstGeom prst="rect">
+            <a:avLst/>
+          </a:prstGeom>
+        </p:spPr>
+        <p:style>
+          <a:lnRef idx="2">
+            <a:schemeClr val="accent1">
+              <a:shade val="50000"/>
+            </a:schemeClr>
+          </a:lnRef>
+          <a:fillRef idx="1">
+            <a:schemeClr val="accent1"/>
+          </a:fillRef>
+          <a:effectRef idx="0">
+            <a:schemeClr val="accent1"/>
+          </a:effectRef>
+          <a:fontRef idx="minor">
+            <a:schemeClr val="lt1"/>
+          </a:fontRef>
+        </p:style>
+        <p:txBody>
+          <a:bodyPr rtlCol="0" anchor="ctr"/>
+          <a:lstStyle/>
+          <a:p>
+            <a:pPr algn="ctr"/>
+            <a:r>
+              <a:rPr lang="pt-BR" sz="2800" dirty="0"/>
+              <a:t>Incluir referência bibliográficas.</a:t>
+            </a:r>
+          </a:p>
+        </p:txBody>
+      </p:sp>
     </p:spTree>
     <p:extLst>
       <p:ext uri="{BB962C8B-B14F-4D97-AF65-F5344CB8AC3E}">
-        <p14:creationId xmlns:p14="http://schemas.microsoft.com/office/powerpoint/2010/main" val="4087358166"/>
+        <p14:creationId xmlns:p14="http://schemas.microsoft.com/office/powerpoint/2010/main" val="14479773"/>
       </p:ext>
     </p:extLst>
   </p:cSld>
@@ -4100,6 +4218,55 @@
           </a:prstGeom>
         </p:spPr>
       </p:pic>
+      <p:sp>
+        <p:nvSpPr>
+          <p:cNvPr id="2" name="Retângulo 1">
+            <a:extLst>
+              <a:ext uri="{FF2B5EF4-FFF2-40B4-BE49-F238E27FC236}">
+                <a16:creationId xmlns:a16="http://schemas.microsoft.com/office/drawing/2014/main" id="{27123E5F-8245-44FA-A455-29CA3E43B105}"/>
+              </a:ext>
+            </a:extLst>
+          </p:cNvPr>
+          <p:cNvSpPr/>
+          <p:nvPr/>
+        </p:nvSpPr>
+        <p:spPr>
+          <a:xfrm>
+            <a:off x="2914650" y="2171700"/>
+            <a:ext cx="4171950" cy="2200275"/>
+          </a:xfrm>
+          <a:prstGeom prst="rect">
+            <a:avLst/>
+          </a:prstGeom>
+        </p:spPr>
+        <p:style>
+          <a:lnRef idx="2">
+            <a:schemeClr val="accent1">
+              <a:shade val="50000"/>
+            </a:schemeClr>
+          </a:lnRef>
+          <a:fillRef idx="1">
+            <a:schemeClr val="accent1"/>
+          </a:fillRef>
+          <a:effectRef idx="0">
+            <a:schemeClr val="accent1"/>
+          </a:effectRef>
+          <a:fontRef idx="minor">
+            <a:schemeClr val="lt1"/>
+          </a:fontRef>
+        </p:style>
+        <p:txBody>
+          <a:bodyPr rtlCol="0" anchor="ctr"/>
+          <a:lstStyle/>
+          <a:p>
+            <a:pPr algn="ctr"/>
+            <a:r>
+              <a:rPr lang="pt-BR" sz="2800" dirty="0"/>
+              <a:t>Alterar o texto para deixar claro que estamos tratando de perguntas objetivas</a:t>
+            </a:r>
+          </a:p>
+        </p:txBody>
+      </p:sp>
     </p:spTree>
     <p:extLst>
       <p:ext uri="{BB962C8B-B14F-4D97-AF65-F5344CB8AC3E}">
@@ -4132,10 +4299,10 @@
       </p:grpSpPr>
       <p:pic>
         <p:nvPicPr>
-          <p:cNvPr id="5" name="Imagem 4" descr="Tela de celular com texto preto sobre fundo branco&#10;&#10;Descrição gerada automaticamente">
-            <a:extLst>
-              <a:ext uri="{FF2B5EF4-FFF2-40B4-BE49-F238E27FC236}">
-                <a16:creationId xmlns:a16="http://schemas.microsoft.com/office/drawing/2014/main" id="{D505D429-AF18-4C26-B58D-E69A4673C243}"/>
+          <p:cNvPr id="5" name="Imagem 4" descr="Uma imagem contendo screenshot, texto, desenho&#10;&#10;Descrição gerada automaticamente">
+            <a:extLst>
+              <a:ext uri="{FF2B5EF4-FFF2-40B4-BE49-F238E27FC236}">
+                <a16:creationId xmlns:a16="http://schemas.microsoft.com/office/drawing/2014/main" id="{C90ADE1E-B4F6-474D-97C1-F7B2F287795F}"/>
               </a:ext>
             </a:extLst>
           </p:cNvPr>
@@ -4166,10 +4333,59 @@
           </a:prstGeom>
         </p:spPr>
       </p:pic>
+      <p:sp>
+        <p:nvSpPr>
+          <p:cNvPr id="2" name="Retângulo 1">
+            <a:extLst>
+              <a:ext uri="{FF2B5EF4-FFF2-40B4-BE49-F238E27FC236}">
+                <a16:creationId xmlns:a16="http://schemas.microsoft.com/office/drawing/2014/main" id="{382F366A-E39D-485C-83BB-7BD0E8FD75C4}"/>
+              </a:ext>
+            </a:extLst>
+          </p:cNvPr>
+          <p:cNvSpPr/>
+          <p:nvPr/>
+        </p:nvSpPr>
+        <p:spPr>
+          <a:xfrm>
+            <a:off x="2128838" y="1171575"/>
+            <a:ext cx="5957888" cy="2871787"/>
+          </a:xfrm>
+          <a:prstGeom prst="rect">
+            <a:avLst/>
+          </a:prstGeom>
+        </p:spPr>
+        <p:style>
+          <a:lnRef idx="2">
+            <a:schemeClr val="accent1">
+              <a:shade val="50000"/>
+            </a:schemeClr>
+          </a:lnRef>
+          <a:fillRef idx="1">
+            <a:schemeClr val="accent1"/>
+          </a:fillRef>
+          <a:effectRef idx="0">
+            <a:schemeClr val="accent1"/>
+          </a:effectRef>
+          <a:fontRef idx="minor">
+            <a:schemeClr val="lt1"/>
+          </a:fontRef>
+        </p:style>
+        <p:txBody>
+          <a:bodyPr rtlCol="0" anchor="ctr"/>
+          <a:lstStyle/>
+          <a:p>
+            <a:pPr algn="ctr"/>
+            <a:r>
+              <a:rPr lang="pt-BR" sz="2800" dirty="0"/>
+              <a:t>Melhorar a apresentação. Não ficou claro como o sistema vai funcionar. Talvez contar uma história!</a:t>
+            </a:r>
+          </a:p>
+        </p:txBody>
+      </p:sp>
     </p:spTree>
     <p:extLst>
       <p:ext uri="{BB962C8B-B14F-4D97-AF65-F5344CB8AC3E}">
-        <p14:creationId xmlns:p14="http://schemas.microsoft.com/office/powerpoint/2010/main" val="14479773"/>
+        <p14:creationId xmlns:p14="http://schemas.microsoft.com/office/powerpoint/2010/main" val="3211799982"/>
       </p:ext>
     </p:extLst>
   </p:cSld>

--- a/apresentacao/apresentacao.pptx
+++ b/apresentacao/apresentacao.pptx
@@ -269,7 +269,7 @@
           <a:p>
             <a:fld id="{1F1FAA24-82E9-47BA-A53E-AEAD71F0EE56}" type="datetimeFigureOut">
               <a:rPr lang="pt-BR" smtClean="0"/>
-              <a:t>16/02/2020</a:t>
+              <a:t>07/03/2020</a:t>
             </a:fld>
             <a:endParaRPr lang="pt-BR"/>
           </a:p>
@@ -467,7 +467,7 @@
           <a:p>
             <a:fld id="{1F1FAA24-82E9-47BA-A53E-AEAD71F0EE56}" type="datetimeFigureOut">
               <a:rPr lang="pt-BR" smtClean="0"/>
-              <a:t>16/02/2020</a:t>
+              <a:t>07/03/2020</a:t>
             </a:fld>
             <a:endParaRPr lang="pt-BR"/>
           </a:p>
@@ -675,7 +675,7 @@
           <a:p>
             <a:fld id="{1F1FAA24-82E9-47BA-A53E-AEAD71F0EE56}" type="datetimeFigureOut">
               <a:rPr lang="pt-BR" smtClean="0"/>
-              <a:t>16/02/2020</a:t>
+              <a:t>07/03/2020</a:t>
             </a:fld>
             <a:endParaRPr lang="pt-BR"/>
           </a:p>
@@ -873,7 +873,7 @@
           <a:p>
             <a:fld id="{1F1FAA24-82E9-47BA-A53E-AEAD71F0EE56}" type="datetimeFigureOut">
               <a:rPr lang="pt-BR" smtClean="0"/>
-              <a:t>16/02/2020</a:t>
+              <a:t>07/03/2020</a:t>
             </a:fld>
             <a:endParaRPr lang="pt-BR"/>
           </a:p>
@@ -1148,7 +1148,7 @@
           <a:p>
             <a:fld id="{1F1FAA24-82E9-47BA-A53E-AEAD71F0EE56}" type="datetimeFigureOut">
               <a:rPr lang="pt-BR" smtClean="0"/>
-              <a:t>16/02/2020</a:t>
+              <a:t>07/03/2020</a:t>
             </a:fld>
             <a:endParaRPr lang="pt-BR"/>
           </a:p>
@@ -1413,7 +1413,7 @@
           <a:p>
             <a:fld id="{1F1FAA24-82E9-47BA-A53E-AEAD71F0EE56}" type="datetimeFigureOut">
               <a:rPr lang="pt-BR" smtClean="0"/>
-              <a:t>16/02/2020</a:t>
+              <a:t>07/03/2020</a:t>
             </a:fld>
             <a:endParaRPr lang="pt-BR"/>
           </a:p>
@@ -1825,7 +1825,7 @@
           <a:p>
             <a:fld id="{1F1FAA24-82E9-47BA-A53E-AEAD71F0EE56}" type="datetimeFigureOut">
               <a:rPr lang="pt-BR" smtClean="0"/>
-              <a:t>16/02/2020</a:t>
+              <a:t>07/03/2020</a:t>
             </a:fld>
             <a:endParaRPr lang="pt-BR"/>
           </a:p>
@@ -1966,7 +1966,7 @@
           <a:p>
             <a:fld id="{1F1FAA24-82E9-47BA-A53E-AEAD71F0EE56}" type="datetimeFigureOut">
               <a:rPr lang="pt-BR" smtClean="0"/>
-              <a:t>16/02/2020</a:t>
+              <a:t>07/03/2020</a:t>
             </a:fld>
             <a:endParaRPr lang="pt-BR"/>
           </a:p>
@@ -2079,7 +2079,7 @@
           <a:p>
             <a:fld id="{1F1FAA24-82E9-47BA-A53E-AEAD71F0EE56}" type="datetimeFigureOut">
               <a:rPr lang="pt-BR" smtClean="0"/>
-              <a:t>16/02/2020</a:t>
+              <a:t>07/03/2020</a:t>
             </a:fld>
             <a:endParaRPr lang="pt-BR"/>
           </a:p>
@@ -2390,7 +2390,7 @@
           <a:p>
             <a:fld id="{1F1FAA24-82E9-47BA-A53E-AEAD71F0EE56}" type="datetimeFigureOut">
               <a:rPr lang="pt-BR" smtClean="0"/>
-              <a:t>16/02/2020</a:t>
+              <a:t>07/03/2020</a:t>
             </a:fld>
             <a:endParaRPr lang="pt-BR"/>
           </a:p>
@@ -2678,7 +2678,7 @@
           <a:p>
             <a:fld id="{1F1FAA24-82E9-47BA-A53E-AEAD71F0EE56}" type="datetimeFigureOut">
               <a:rPr lang="pt-BR" smtClean="0"/>
-              <a:t>16/02/2020</a:t>
+              <a:t>07/03/2020</a:t>
             </a:fld>
             <a:endParaRPr lang="pt-BR"/>
           </a:p>
@@ -2919,7 +2919,7 @@
           <a:p>
             <a:fld id="{1F1FAA24-82E9-47BA-A53E-AEAD71F0EE56}" type="datetimeFigureOut">
               <a:rPr lang="pt-BR" smtClean="0"/>
-              <a:t>16/02/2020</a:t>
+              <a:t>07/03/2020</a:t>
             </a:fld>
             <a:endParaRPr lang="pt-BR"/>
           </a:p>
@@ -3519,10 +3519,10 @@
       </p:grpSpPr>
       <p:pic>
         <p:nvPicPr>
-          <p:cNvPr id="6" name="Imagem 5" descr="Tela de celular com texto preto sobre fundo branco&#10;&#10;Descrição gerada automaticamente">
-            <a:extLst>
-              <a:ext uri="{FF2B5EF4-FFF2-40B4-BE49-F238E27FC236}">
-                <a16:creationId xmlns:a16="http://schemas.microsoft.com/office/drawing/2014/main" id="{BD77868B-CA7D-4588-A580-084FA005436B}"/>
+          <p:cNvPr id="3" name="Imagem 2" descr="Tela de celular com texto preto sobre fundo branco&#10;&#10;Descrição gerada automaticamente">
+            <a:extLst>
+              <a:ext uri="{FF2B5EF4-FFF2-40B4-BE49-F238E27FC236}">
+                <a16:creationId xmlns:a16="http://schemas.microsoft.com/office/drawing/2014/main" id="{9DB71A19-7736-41BF-8EE7-A23DA1E23F59}"/>
               </a:ext>
             </a:extLst>
           </p:cNvPr>
@@ -3715,57 +3715,21 @@
           <a:chExt cx="0" cy="0"/>
         </a:xfrm>
       </p:grpSpPr>
-      <p:pic>
-        <p:nvPicPr>
-          <p:cNvPr id="6" name="Imagem 5" descr="Tela de celular com texto preto sobre fundo branco&#10;&#10;Descrição gerada automaticamente">
-            <a:extLst>
-              <a:ext uri="{FF2B5EF4-FFF2-40B4-BE49-F238E27FC236}">
-                <a16:creationId xmlns:a16="http://schemas.microsoft.com/office/drawing/2014/main" id="{57B337ED-1B4D-4F41-9693-906D7CC1C126}"/>
-              </a:ext>
-            </a:extLst>
-          </p:cNvPr>
-          <p:cNvPicPr>
-            <a:picLocks noChangeAspect="1"/>
-          </p:cNvPicPr>
+      <p:sp>
+        <p:nvSpPr>
+          <p:cNvPr id="2" name="Retângulo 1">
+            <a:extLst>
+              <a:ext uri="{FF2B5EF4-FFF2-40B4-BE49-F238E27FC236}">
+                <a16:creationId xmlns:a16="http://schemas.microsoft.com/office/drawing/2014/main" id="{F37C2FCE-3E7C-4831-838F-A79D3051EF3D}"/>
+              </a:ext>
+            </a:extLst>
+          </p:cNvPr>
+          <p:cNvSpPr/>
           <p:nvPr/>
-        </p:nvPicPr>
-        <p:blipFill>
-          <a:blip r:embed="rId2">
-            <a:extLst>
-              <a:ext uri="{28A0092B-C50C-407E-A947-70E740481C1C}">
-                <a14:useLocalDpi xmlns:a14="http://schemas.microsoft.com/office/drawing/2010/main" val="0"/>
-              </a:ext>
-            </a:extLst>
-          </a:blip>
-          <a:stretch>
-            <a:fillRect/>
-          </a:stretch>
-        </p:blipFill>
+        </p:nvSpPr>
         <p:spPr>
           <a:xfrm>
-            <a:off x="0" y="0"/>
-            <a:ext cx="12192000" cy="6858000"/>
-          </a:xfrm>
-          <a:prstGeom prst="rect">
-            <a:avLst/>
-          </a:prstGeom>
-        </p:spPr>
-      </p:pic>
-      <p:sp>
-        <p:nvSpPr>
-          <p:cNvPr id="2" name="Retângulo 1">
-            <a:extLst>
-              <a:ext uri="{FF2B5EF4-FFF2-40B4-BE49-F238E27FC236}">
-                <a16:creationId xmlns:a16="http://schemas.microsoft.com/office/drawing/2014/main" id="{F37C2FCE-3E7C-4831-838F-A79D3051EF3D}"/>
-              </a:ext>
-            </a:extLst>
-          </p:cNvPr>
-          <p:cNvSpPr/>
-          <p:nvPr/>
-        </p:nvSpPr>
-        <p:spPr>
-          <a:xfrm>
-            <a:off x="7715251" y="2021681"/>
+            <a:off x="12515851" y="821531"/>
             <a:ext cx="2157412" cy="2814637"/>
           </a:xfrm>
           <a:prstGeom prst="rect">
@@ -3800,6 +3764,42 @@
           </a:p>
         </p:txBody>
       </p:sp>
+      <p:pic>
+        <p:nvPicPr>
+          <p:cNvPr id="4" name="Imagem 3" descr="Tela de celular com texto preto sobre fundo branco&#10;&#10;Descrição gerada automaticamente">
+            <a:extLst>
+              <a:ext uri="{FF2B5EF4-FFF2-40B4-BE49-F238E27FC236}">
+                <a16:creationId xmlns:a16="http://schemas.microsoft.com/office/drawing/2014/main" id="{A258560F-FCF7-448E-B401-FD385AB542EF}"/>
+              </a:ext>
+            </a:extLst>
+          </p:cNvPr>
+          <p:cNvPicPr>
+            <a:picLocks noChangeAspect="1"/>
+          </p:cNvPicPr>
+          <p:nvPr/>
+        </p:nvPicPr>
+        <p:blipFill>
+          <a:blip r:embed="rId2">
+            <a:extLst>
+              <a:ext uri="{28A0092B-C50C-407E-A947-70E740481C1C}">
+                <a14:useLocalDpi xmlns:a14="http://schemas.microsoft.com/office/drawing/2010/main" val="0"/>
+              </a:ext>
+            </a:extLst>
+          </a:blip>
+          <a:stretch>
+            <a:fillRect/>
+          </a:stretch>
+        </p:blipFill>
+        <p:spPr>
+          <a:xfrm>
+            <a:off x="0" y="0"/>
+            <a:ext cx="12192000" cy="6858000"/>
+          </a:xfrm>
+          <a:prstGeom prst="rect">
+            <a:avLst/>
+          </a:prstGeom>
+        </p:spPr>
+      </p:pic>
     </p:spTree>
     <p:extLst>
       <p:ext uri="{BB962C8B-B14F-4D97-AF65-F5344CB8AC3E}">
@@ -3830,57 +3830,21 @@
           <a:chExt cx="0" cy="0"/>
         </a:xfrm>
       </p:grpSpPr>
-      <p:pic>
-        <p:nvPicPr>
-          <p:cNvPr id="4" name="Imagem 3" descr="Tela de celular com texto preto sobre fundo branco&#10;&#10;Descrição gerada automaticamente">
-            <a:extLst>
-              <a:ext uri="{FF2B5EF4-FFF2-40B4-BE49-F238E27FC236}">
-                <a16:creationId xmlns:a16="http://schemas.microsoft.com/office/drawing/2014/main" id="{706BF2F2-3D10-4583-8C56-DD7015E2380F}"/>
-              </a:ext>
-            </a:extLst>
-          </p:cNvPr>
-          <p:cNvPicPr>
-            <a:picLocks noChangeAspect="1"/>
-          </p:cNvPicPr>
+      <p:sp>
+        <p:nvSpPr>
+          <p:cNvPr id="2" name="Retângulo 1">
+            <a:extLst>
+              <a:ext uri="{FF2B5EF4-FFF2-40B4-BE49-F238E27FC236}">
+                <a16:creationId xmlns:a16="http://schemas.microsoft.com/office/drawing/2014/main" id="{5DC163BA-156C-4DE0-913D-76E0A6E87244}"/>
+              </a:ext>
+            </a:extLst>
+          </p:cNvPr>
+          <p:cNvSpPr/>
           <p:nvPr/>
-        </p:nvPicPr>
-        <p:blipFill>
-          <a:blip r:embed="rId2">
-            <a:extLst>
-              <a:ext uri="{28A0092B-C50C-407E-A947-70E740481C1C}">
-                <a14:useLocalDpi xmlns:a14="http://schemas.microsoft.com/office/drawing/2010/main" val="0"/>
-              </a:ext>
-            </a:extLst>
-          </a:blip>
-          <a:stretch>
-            <a:fillRect/>
-          </a:stretch>
-        </p:blipFill>
+        </p:nvSpPr>
         <p:spPr>
           <a:xfrm>
-            <a:off x="0" y="0"/>
-            <a:ext cx="12192000" cy="6858000"/>
-          </a:xfrm>
-          <a:prstGeom prst="rect">
-            <a:avLst/>
-          </a:prstGeom>
-        </p:spPr>
-      </p:pic>
-      <p:sp>
-        <p:nvSpPr>
-          <p:cNvPr id="2" name="Retângulo 1">
-            <a:extLst>
-              <a:ext uri="{FF2B5EF4-FFF2-40B4-BE49-F238E27FC236}">
-                <a16:creationId xmlns:a16="http://schemas.microsoft.com/office/drawing/2014/main" id="{5DC163BA-156C-4DE0-913D-76E0A6E87244}"/>
-              </a:ext>
-            </a:extLst>
-          </p:cNvPr>
-          <p:cNvSpPr/>
-          <p:nvPr/>
-        </p:nvSpPr>
-        <p:spPr>
-          <a:xfrm>
-            <a:off x="657225" y="1371600"/>
+            <a:off x="12838340" y="783772"/>
             <a:ext cx="4743450" cy="1800225"/>
           </a:xfrm>
           <a:prstGeom prst="rect">
@@ -3915,6 +3879,42 @@
           </a:p>
         </p:txBody>
       </p:sp>
+      <p:pic>
+        <p:nvPicPr>
+          <p:cNvPr id="5" name="Imagem 4" descr="Tela de celular com texto preto sobre fundo branco&#10;&#10;Descrição gerada automaticamente">
+            <a:extLst>
+              <a:ext uri="{FF2B5EF4-FFF2-40B4-BE49-F238E27FC236}">
+                <a16:creationId xmlns:a16="http://schemas.microsoft.com/office/drawing/2014/main" id="{71C7EFA7-849D-4606-B0C1-083B34A5094C}"/>
+              </a:ext>
+            </a:extLst>
+          </p:cNvPr>
+          <p:cNvPicPr>
+            <a:picLocks noChangeAspect="1"/>
+          </p:cNvPicPr>
+          <p:nvPr/>
+        </p:nvPicPr>
+        <p:blipFill>
+          <a:blip r:embed="rId2">
+            <a:extLst>
+              <a:ext uri="{28A0092B-C50C-407E-A947-70E740481C1C}">
+                <a14:useLocalDpi xmlns:a14="http://schemas.microsoft.com/office/drawing/2010/main" val="0"/>
+              </a:ext>
+            </a:extLst>
+          </a:blip>
+          <a:stretch>
+            <a:fillRect/>
+          </a:stretch>
+        </p:blipFill>
+        <p:spPr>
+          <a:xfrm>
+            <a:off x="0" y="0"/>
+            <a:ext cx="12192000" cy="6858000"/>
+          </a:xfrm>
+          <a:prstGeom prst="rect">
+            <a:avLst/>
+          </a:prstGeom>
+        </p:spPr>
+      </p:pic>
     </p:spTree>
     <p:extLst>
       <p:ext uri="{BB962C8B-B14F-4D97-AF65-F5344CB8AC3E}">
@@ -3947,10 +3947,10 @@
       </p:grpSpPr>
       <p:pic>
         <p:nvPicPr>
-          <p:cNvPr id="3" name="Imagem 2" descr="Texto preto sobre fundo branco&#10;&#10;Descrição gerada automaticamente">
-            <a:extLst>
-              <a:ext uri="{FF2B5EF4-FFF2-40B4-BE49-F238E27FC236}">
-                <a16:creationId xmlns:a16="http://schemas.microsoft.com/office/drawing/2014/main" id="{6A3C6D80-8A02-497C-9EDA-EFF520597365}"/>
+          <p:cNvPr id="5" name="Imagem 4" descr="Texto preto sobre fundo branco&#10;&#10;Descrição gerada automaticamente">
+            <a:extLst>
+              <a:ext uri="{FF2B5EF4-FFF2-40B4-BE49-F238E27FC236}">
+                <a16:creationId xmlns:a16="http://schemas.microsoft.com/office/drawing/2014/main" id="{E2DD12C9-E9CB-4AE6-ABD8-3BE60A1FFE59}"/>
               </a:ext>
             </a:extLst>
           </p:cNvPr>
@@ -3995,7 +3995,7 @@
         </p:nvSpPr>
         <p:spPr>
           <a:xfrm>
-            <a:off x="1300162" y="1828800"/>
+            <a:off x="12749212" y="0"/>
             <a:ext cx="4067175" cy="1828800"/>
           </a:xfrm>
           <a:prstGeom prst="rect">
@@ -4067,57 +4067,21 @@
           <a:chExt cx="0" cy="0"/>
         </a:xfrm>
       </p:grpSpPr>
-      <p:pic>
-        <p:nvPicPr>
-          <p:cNvPr id="5" name="Imagem 4" descr="Tela de celular com texto preto sobre fundo branco&#10;&#10;Descrição gerada automaticamente">
-            <a:extLst>
-              <a:ext uri="{FF2B5EF4-FFF2-40B4-BE49-F238E27FC236}">
-                <a16:creationId xmlns:a16="http://schemas.microsoft.com/office/drawing/2014/main" id="{D505D429-AF18-4C26-B58D-E69A4673C243}"/>
-              </a:ext>
-            </a:extLst>
-          </p:cNvPr>
-          <p:cNvPicPr>
-            <a:picLocks noChangeAspect="1"/>
-          </p:cNvPicPr>
+      <p:sp>
+        <p:nvSpPr>
+          <p:cNvPr id="2" name="Retângulo 1">
+            <a:extLst>
+              <a:ext uri="{FF2B5EF4-FFF2-40B4-BE49-F238E27FC236}">
+                <a16:creationId xmlns:a16="http://schemas.microsoft.com/office/drawing/2014/main" id="{B259B3B9-6849-45BD-B572-2BCF8056A73D}"/>
+              </a:ext>
+            </a:extLst>
+          </p:cNvPr>
+          <p:cNvSpPr/>
           <p:nvPr/>
-        </p:nvPicPr>
-        <p:blipFill>
-          <a:blip r:embed="rId2">
-            <a:extLst>
-              <a:ext uri="{28A0092B-C50C-407E-A947-70E740481C1C}">
-                <a14:useLocalDpi xmlns:a14="http://schemas.microsoft.com/office/drawing/2010/main" val="0"/>
-              </a:ext>
-            </a:extLst>
-          </a:blip>
-          <a:stretch>
-            <a:fillRect/>
-          </a:stretch>
-        </p:blipFill>
+        </p:nvSpPr>
         <p:spPr>
           <a:xfrm>
-            <a:off x="0" y="0"/>
-            <a:ext cx="12192000" cy="6858000"/>
-          </a:xfrm>
-          <a:prstGeom prst="rect">
-            <a:avLst/>
-          </a:prstGeom>
-        </p:spPr>
-      </p:pic>
-      <p:sp>
-        <p:nvSpPr>
-          <p:cNvPr id="2" name="Retângulo 1">
-            <a:extLst>
-              <a:ext uri="{FF2B5EF4-FFF2-40B4-BE49-F238E27FC236}">
-                <a16:creationId xmlns:a16="http://schemas.microsoft.com/office/drawing/2014/main" id="{B259B3B9-6849-45BD-B572-2BCF8056A73D}"/>
-              </a:ext>
-            </a:extLst>
-          </p:cNvPr>
-          <p:cNvSpPr/>
-          <p:nvPr/>
-        </p:nvSpPr>
-        <p:spPr>
-          <a:xfrm>
-            <a:off x="7205664" y="3886200"/>
+            <a:off x="12541085" y="0"/>
             <a:ext cx="4400550" cy="1771650"/>
           </a:xfrm>
           <a:prstGeom prst="rect">
@@ -4152,6 +4116,42 @@
           </a:p>
         </p:txBody>
       </p:sp>
+      <p:pic>
+        <p:nvPicPr>
+          <p:cNvPr id="7" name="Imagem 6" descr="Uma imagem contendo texto, screenshot&#10;&#10;Descrição gerada automaticamente">
+            <a:extLst>
+              <a:ext uri="{FF2B5EF4-FFF2-40B4-BE49-F238E27FC236}">
+                <a16:creationId xmlns:a16="http://schemas.microsoft.com/office/drawing/2014/main" id="{15612ED1-52FB-4945-B499-F44A61FB9E37}"/>
+              </a:ext>
+            </a:extLst>
+          </p:cNvPr>
+          <p:cNvPicPr>
+            <a:picLocks noChangeAspect="1"/>
+          </p:cNvPicPr>
+          <p:nvPr/>
+        </p:nvPicPr>
+        <p:blipFill>
+          <a:blip r:embed="rId2">
+            <a:extLst>
+              <a:ext uri="{28A0092B-C50C-407E-A947-70E740481C1C}">
+                <a14:useLocalDpi xmlns:a14="http://schemas.microsoft.com/office/drawing/2010/main" val="0"/>
+              </a:ext>
+            </a:extLst>
+          </a:blip>
+          <a:stretch>
+            <a:fillRect/>
+          </a:stretch>
+        </p:blipFill>
+        <p:spPr>
+          <a:xfrm>
+            <a:off x="0" y="0"/>
+            <a:ext cx="12192000" cy="6858000"/>
+          </a:xfrm>
+          <a:prstGeom prst="rect">
+            <a:avLst/>
+          </a:prstGeom>
+        </p:spPr>
+      </p:pic>
     </p:spTree>
     <p:extLst>
       <p:ext uri="{BB962C8B-B14F-4D97-AF65-F5344CB8AC3E}">

--- a/apresentacao/apresentacao.pptx
+++ b/apresentacao/apresentacao.pptx
@@ -269,7 +269,7 @@
           <a:p>
             <a:fld id="{1F1FAA24-82E9-47BA-A53E-AEAD71F0EE56}" type="datetimeFigureOut">
               <a:rPr lang="pt-BR" smtClean="0"/>
-              <a:t>07/03/2020</a:t>
+              <a:t>09/03/2020</a:t>
             </a:fld>
             <a:endParaRPr lang="pt-BR"/>
           </a:p>
@@ -467,7 +467,7 @@
           <a:p>
             <a:fld id="{1F1FAA24-82E9-47BA-A53E-AEAD71F0EE56}" type="datetimeFigureOut">
               <a:rPr lang="pt-BR" smtClean="0"/>
-              <a:t>07/03/2020</a:t>
+              <a:t>09/03/2020</a:t>
             </a:fld>
             <a:endParaRPr lang="pt-BR"/>
           </a:p>
@@ -675,7 +675,7 @@
           <a:p>
             <a:fld id="{1F1FAA24-82E9-47BA-A53E-AEAD71F0EE56}" type="datetimeFigureOut">
               <a:rPr lang="pt-BR" smtClean="0"/>
-              <a:t>07/03/2020</a:t>
+              <a:t>09/03/2020</a:t>
             </a:fld>
             <a:endParaRPr lang="pt-BR"/>
           </a:p>
@@ -873,7 +873,7 @@
           <a:p>
             <a:fld id="{1F1FAA24-82E9-47BA-A53E-AEAD71F0EE56}" type="datetimeFigureOut">
               <a:rPr lang="pt-BR" smtClean="0"/>
-              <a:t>07/03/2020</a:t>
+              <a:t>09/03/2020</a:t>
             </a:fld>
             <a:endParaRPr lang="pt-BR"/>
           </a:p>
@@ -1148,7 +1148,7 @@
           <a:p>
             <a:fld id="{1F1FAA24-82E9-47BA-A53E-AEAD71F0EE56}" type="datetimeFigureOut">
               <a:rPr lang="pt-BR" smtClean="0"/>
-              <a:t>07/03/2020</a:t>
+              <a:t>09/03/2020</a:t>
             </a:fld>
             <a:endParaRPr lang="pt-BR"/>
           </a:p>
@@ -1413,7 +1413,7 @@
           <a:p>
             <a:fld id="{1F1FAA24-82E9-47BA-A53E-AEAD71F0EE56}" type="datetimeFigureOut">
               <a:rPr lang="pt-BR" smtClean="0"/>
-              <a:t>07/03/2020</a:t>
+              <a:t>09/03/2020</a:t>
             </a:fld>
             <a:endParaRPr lang="pt-BR"/>
           </a:p>
@@ -1825,7 +1825,7 @@
           <a:p>
             <a:fld id="{1F1FAA24-82E9-47BA-A53E-AEAD71F0EE56}" type="datetimeFigureOut">
               <a:rPr lang="pt-BR" smtClean="0"/>
-              <a:t>07/03/2020</a:t>
+              <a:t>09/03/2020</a:t>
             </a:fld>
             <a:endParaRPr lang="pt-BR"/>
           </a:p>
@@ -1966,7 +1966,7 @@
           <a:p>
             <a:fld id="{1F1FAA24-82E9-47BA-A53E-AEAD71F0EE56}" type="datetimeFigureOut">
               <a:rPr lang="pt-BR" smtClean="0"/>
-              <a:t>07/03/2020</a:t>
+              <a:t>09/03/2020</a:t>
             </a:fld>
             <a:endParaRPr lang="pt-BR"/>
           </a:p>
@@ -2079,7 +2079,7 @@
           <a:p>
             <a:fld id="{1F1FAA24-82E9-47BA-A53E-AEAD71F0EE56}" type="datetimeFigureOut">
               <a:rPr lang="pt-BR" smtClean="0"/>
-              <a:t>07/03/2020</a:t>
+              <a:t>09/03/2020</a:t>
             </a:fld>
             <a:endParaRPr lang="pt-BR"/>
           </a:p>
@@ -2390,7 +2390,7 @@
           <a:p>
             <a:fld id="{1F1FAA24-82E9-47BA-A53E-AEAD71F0EE56}" type="datetimeFigureOut">
               <a:rPr lang="pt-BR" smtClean="0"/>
-              <a:t>07/03/2020</a:t>
+              <a:t>09/03/2020</a:t>
             </a:fld>
             <a:endParaRPr lang="pt-BR"/>
           </a:p>
@@ -2678,7 +2678,7 @@
           <a:p>
             <a:fld id="{1F1FAA24-82E9-47BA-A53E-AEAD71F0EE56}" type="datetimeFigureOut">
               <a:rPr lang="pt-BR" smtClean="0"/>
-              <a:t>07/03/2020</a:t>
+              <a:t>09/03/2020</a:t>
             </a:fld>
             <a:endParaRPr lang="pt-BR"/>
           </a:p>
@@ -2919,7 +2919,7 @@
           <a:p>
             <a:fld id="{1F1FAA24-82E9-47BA-A53E-AEAD71F0EE56}" type="datetimeFigureOut">
               <a:rPr lang="pt-BR" smtClean="0"/>
-              <a:t>07/03/2020</a:t>
+              <a:t>09/03/2020</a:t>
             </a:fld>
             <a:endParaRPr lang="pt-BR"/>
           </a:p>
@@ -3452,12 +3452,15 @@
         </p:nvSpPr>
         <p:spPr>
           <a:xfrm>
-            <a:off x="7315200" y="4471988"/>
-            <a:ext cx="4057650" cy="1585912"/>
+            <a:off x="12458700" y="-1"/>
+            <a:ext cx="2186448" cy="2993923"/>
           </a:xfrm>
           <a:prstGeom prst="rect">
             <a:avLst/>
           </a:prstGeom>
+          <a:solidFill>
+            <a:schemeClr val="accent2"/>
+          </a:solidFill>
         </p:spPr>
         <p:style>
           <a:lnRef idx="2">
@@ -3685,6 +3688,59 @@
           </a:prstGeom>
         </p:spPr>
       </p:pic>
+      <p:sp>
+        <p:nvSpPr>
+          <p:cNvPr id="2" name="Retângulo 1">
+            <a:extLst>
+              <a:ext uri="{FF2B5EF4-FFF2-40B4-BE49-F238E27FC236}">
+                <a16:creationId xmlns:a16="http://schemas.microsoft.com/office/drawing/2014/main" id="{5E2E2AFA-AA89-4C56-9DC7-E8C1C29CBC16}"/>
+              </a:ext>
+            </a:extLst>
+          </p:cNvPr>
+          <p:cNvSpPr/>
+          <p:nvPr/>
+        </p:nvSpPr>
+        <p:spPr>
+          <a:xfrm>
+            <a:off x="-1757363" y="1171575"/>
+            <a:ext cx="1643063" cy="2028825"/>
+          </a:xfrm>
+          <a:prstGeom prst="rect">
+            <a:avLst/>
+          </a:prstGeom>
+        </p:spPr>
+        <p:style>
+          <a:lnRef idx="2">
+            <a:schemeClr val="accent1">
+              <a:shade val="50000"/>
+            </a:schemeClr>
+          </a:lnRef>
+          <a:fillRef idx="1">
+            <a:schemeClr val="accent1"/>
+          </a:fillRef>
+          <a:effectRef idx="0">
+            <a:schemeClr val="accent1"/>
+          </a:effectRef>
+          <a:fontRef idx="minor">
+            <a:schemeClr val="lt1"/>
+          </a:fontRef>
+        </p:style>
+        <p:txBody>
+          <a:bodyPr rtlCol="0" anchor="ctr"/>
+          <a:lstStyle/>
+          <a:p>
+            <a:pPr algn="ctr"/>
+            <a:r>
+              <a:rPr lang="pt-BR" dirty="0" err="1"/>
+              <a:t>Icones</a:t>
+            </a:r>
+            <a:r>
+              <a:rPr lang="pt-BR" dirty="0"/>
+              <a:t> para professor e tecnologia</a:t>
+            </a:r>
+          </a:p>
+        </p:txBody>
+      </p:sp>
     </p:spTree>
     <p:extLst>
       <p:ext uri="{BB962C8B-B14F-4D97-AF65-F5344CB8AC3E}">
@@ -3735,6 +3791,9 @@
           <a:prstGeom prst="rect">
             <a:avLst/>
           </a:prstGeom>
+          <a:solidFill>
+            <a:schemeClr val="accent6"/>
+          </a:solidFill>
         </p:spPr>
         <p:style>
           <a:lnRef idx="2">
@@ -3800,6 +3859,59 @@
           </a:prstGeom>
         </p:spPr>
       </p:pic>
+      <p:sp>
+        <p:nvSpPr>
+          <p:cNvPr id="5" name="Retângulo 4">
+            <a:extLst>
+              <a:ext uri="{FF2B5EF4-FFF2-40B4-BE49-F238E27FC236}">
+                <a16:creationId xmlns:a16="http://schemas.microsoft.com/office/drawing/2014/main" id="{945C329C-BE9D-46E4-91E3-C770013A7965}"/>
+              </a:ext>
+            </a:extLst>
+          </p:cNvPr>
+          <p:cNvSpPr/>
+          <p:nvPr/>
+        </p:nvSpPr>
+        <p:spPr>
+          <a:xfrm>
+            <a:off x="12515851" y="3971926"/>
+            <a:ext cx="2157412" cy="1328738"/>
+          </a:xfrm>
+          <a:prstGeom prst="rect">
+            <a:avLst/>
+          </a:prstGeom>
+        </p:spPr>
+        <p:style>
+          <a:lnRef idx="2">
+            <a:schemeClr val="accent1">
+              <a:shade val="50000"/>
+            </a:schemeClr>
+          </a:lnRef>
+          <a:fillRef idx="1">
+            <a:schemeClr val="accent1"/>
+          </a:fillRef>
+          <a:effectRef idx="0">
+            <a:schemeClr val="accent1"/>
+          </a:effectRef>
+          <a:fontRef idx="minor">
+            <a:schemeClr val="lt1"/>
+          </a:fontRef>
+        </p:style>
+        <p:txBody>
+          <a:bodyPr rtlCol="0" anchor="ctr"/>
+          <a:lstStyle/>
+          <a:p>
+            <a:pPr algn="ctr"/>
+            <a:r>
+              <a:rPr lang="pt-BR" sz="2800" dirty="0" err="1"/>
+              <a:t>Bold</a:t>
+            </a:r>
+            <a:r>
+              <a:rPr lang="pt-BR" sz="2800" dirty="0"/>
+              <a:t> no superior</a:t>
+            </a:r>
+          </a:p>
+        </p:txBody>
+      </p:sp>
     </p:spTree>
     <p:extLst>
       <p:ext uri="{BB962C8B-B14F-4D97-AF65-F5344CB8AC3E}">
@@ -3844,12 +3956,15 @@
         </p:nvSpPr>
         <p:spPr>
           <a:xfrm>
-            <a:off x="12838340" y="783772"/>
-            <a:ext cx="4743450" cy="1800225"/>
+            <a:off x="12524015" y="812347"/>
+            <a:ext cx="2839195" cy="1800225"/>
           </a:xfrm>
           <a:prstGeom prst="rect">
             <a:avLst/>
           </a:prstGeom>
+          <a:solidFill>
+            <a:schemeClr val="accent6"/>
+          </a:solidFill>
         </p:spPr>
         <p:style>
           <a:lnRef idx="2">
@@ -3995,12 +4110,15 @@
         </p:nvSpPr>
         <p:spPr>
           <a:xfrm>
-            <a:off x="12749212" y="0"/>
-            <a:ext cx="4067175" cy="1828800"/>
+            <a:off x="12749212" y="-1"/>
+            <a:ext cx="3061059" cy="2771775"/>
           </a:xfrm>
           <a:prstGeom prst="rect">
             <a:avLst/>
           </a:prstGeom>
+          <a:solidFill>
+            <a:schemeClr val="accent6"/>
+          </a:solidFill>
         </p:spPr>
         <p:style>
           <a:lnRef idx="2">
@@ -4081,12 +4199,15 @@
         </p:nvSpPr>
         <p:spPr>
           <a:xfrm>
-            <a:off x="12541085" y="0"/>
-            <a:ext cx="4400550" cy="1771650"/>
+            <a:off x="12698361" y="0"/>
+            <a:ext cx="2812680" cy="1771650"/>
           </a:xfrm>
           <a:prstGeom prst="rect">
             <a:avLst/>
           </a:prstGeom>
+          <a:solidFill>
+            <a:schemeClr val="accent6"/>
+          </a:solidFill>
         </p:spPr>
         <p:style>
           <a:lnRef idx="2">
@@ -4182,62 +4303,29 @@
           <a:chExt cx="0" cy="0"/>
         </a:xfrm>
       </p:grpSpPr>
-      <p:pic>
-        <p:nvPicPr>
-          <p:cNvPr id="4" name="Imagem 3" descr="Uma imagem contendo screenshot&#10;&#10;Descrição gerada automaticamente">
-            <a:extLst>
-              <a:ext uri="{FF2B5EF4-FFF2-40B4-BE49-F238E27FC236}">
-                <a16:creationId xmlns:a16="http://schemas.microsoft.com/office/drawing/2014/main" id="{5E297DFA-5E9F-4121-9D00-23A09462233C}"/>
-              </a:ext>
-            </a:extLst>
-          </p:cNvPr>
-          <p:cNvPicPr>
-            <a:picLocks noChangeAspect="1"/>
-          </p:cNvPicPr>
+      <p:sp>
+        <p:nvSpPr>
+          <p:cNvPr id="2" name="Retângulo 1">
+            <a:extLst>
+              <a:ext uri="{FF2B5EF4-FFF2-40B4-BE49-F238E27FC236}">
+                <a16:creationId xmlns:a16="http://schemas.microsoft.com/office/drawing/2014/main" id="{27123E5F-8245-44FA-A455-29CA3E43B105}"/>
+              </a:ext>
+            </a:extLst>
+          </p:cNvPr>
+          <p:cNvSpPr/>
           <p:nvPr/>
-        </p:nvPicPr>
-        <p:blipFill>
-          <a:blip r:embed="rId2">
-            <a:extLst>
-              <a:ext uri="{28A0092B-C50C-407E-A947-70E740481C1C}">
-                <a14:useLocalDpi xmlns:a14="http://schemas.microsoft.com/office/drawing/2010/main" val="0"/>
-              </a:ext>
-            </a:extLst>
-          </a:blip>
-          <a:stretch>
-            <a:fillRect/>
-          </a:stretch>
-        </p:blipFill>
+        </p:nvSpPr>
         <p:spPr>
           <a:xfrm>
-            <a:off x="0" y="0"/>
-            <a:ext cx="12192000" cy="6858000"/>
+            <a:off x="12415837" y="942975"/>
+            <a:ext cx="3514725" cy="2200275"/>
           </a:xfrm>
           <a:prstGeom prst="rect">
             <a:avLst/>
           </a:prstGeom>
-        </p:spPr>
-      </p:pic>
-      <p:sp>
-        <p:nvSpPr>
-          <p:cNvPr id="2" name="Retângulo 1">
-            <a:extLst>
-              <a:ext uri="{FF2B5EF4-FFF2-40B4-BE49-F238E27FC236}">
-                <a16:creationId xmlns:a16="http://schemas.microsoft.com/office/drawing/2014/main" id="{27123E5F-8245-44FA-A455-29CA3E43B105}"/>
-              </a:ext>
-            </a:extLst>
-          </p:cNvPr>
-          <p:cNvSpPr/>
-          <p:nvPr/>
-        </p:nvSpPr>
-        <p:spPr>
-          <a:xfrm>
-            <a:off x="2914650" y="2171700"/>
-            <a:ext cx="4171950" cy="2200275"/>
-          </a:xfrm>
-          <a:prstGeom prst="rect">
-            <a:avLst/>
-          </a:prstGeom>
+          <a:solidFill>
+            <a:schemeClr val="accent6"/>
+          </a:solidFill>
         </p:spPr>
         <p:style>
           <a:lnRef idx="2">
@@ -4267,6 +4355,42 @@
           </a:p>
         </p:txBody>
       </p:sp>
+      <p:pic>
+        <p:nvPicPr>
+          <p:cNvPr id="7" name="Imagem 6">
+            <a:extLst>
+              <a:ext uri="{FF2B5EF4-FFF2-40B4-BE49-F238E27FC236}">
+                <a16:creationId xmlns:a16="http://schemas.microsoft.com/office/drawing/2014/main" id="{2B0D47A3-48FD-4F86-AD4C-A7906810E6B7}"/>
+              </a:ext>
+            </a:extLst>
+          </p:cNvPr>
+          <p:cNvPicPr>
+            <a:picLocks noChangeAspect="1"/>
+          </p:cNvPicPr>
+          <p:nvPr/>
+        </p:nvPicPr>
+        <p:blipFill>
+          <a:blip r:embed="rId2">
+            <a:extLst>
+              <a:ext uri="{28A0092B-C50C-407E-A947-70E740481C1C}">
+                <a14:useLocalDpi xmlns:a14="http://schemas.microsoft.com/office/drawing/2010/main" val="0"/>
+              </a:ext>
+            </a:extLst>
+          </a:blip>
+          <a:stretch>
+            <a:fillRect/>
+          </a:stretch>
+        </p:blipFill>
+        <p:spPr>
+          <a:xfrm>
+            <a:off x="0" y="0"/>
+            <a:ext cx="12192000" cy="6858000"/>
+          </a:xfrm>
+          <a:prstGeom prst="rect">
+            <a:avLst/>
+          </a:prstGeom>
+        </p:spPr>
+      </p:pic>
     </p:spTree>
     <p:extLst>
       <p:ext uri="{BB962C8B-B14F-4D97-AF65-F5344CB8AC3E}">
@@ -4347,8 +4471,8 @@
         </p:nvSpPr>
         <p:spPr>
           <a:xfrm>
-            <a:off x="2128838" y="1171575"/>
-            <a:ext cx="5957888" cy="2871787"/>
+            <a:off x="9844086" y="414338"/>
+            <a:ext cx="3586163" cy="2871787"/>
           </a:xfrm>
           <a:prstGeom prst="rect">
             <a:avLst/>

--- a/apresentacao/apresentacao.pptx
+++ b/apresentacao/apresentacao.pptx
@@ -14,8 +14,9 @@
     <p:sldId id="266" r:id="rId8"/>
     <p:sldId id="260" r:id="rId9"/>
     <p:sldId id="268" r:id="rId10"/>
-    <p:sldId id="261" r:id="rId11"/>
-    <p:sldId id="265" r:id="rId12"/>
+    <p:sldId id="269" r:id="rId11"/>
+    <p:sldId id="261" r:id="rId12"/>
+    <p:sldId id="265" r:id="rId13"/>
   </p:sldIdLst>
   <p:sldSz cx="12192000" cy="6858000"/>
   <p:notesSz cx="6858000" cy="9144000"/>
@@ -269,7 +270,7 @@
           <a:p>
             <a:fld id="{1F1FAA24-82E9-47BA-A53E-AEAD71F0EE56}" type="datetimeFigureOut">
               <a:rPr lang="pt-BR" smtClean="0"/>
-              <a:t>09/03/2020</a:t>
+              <a:t>08/05/2020</a:t>
             </a:fld>
             <a:endParaRPr lang="pt-BR"/>
           </a:p>
@@ -467,7 +468,7 @@
           <a:p>
             <a:fld id="{1F1FAA24-82E9-47BA-A53E-AEAD71F0EE56}" type="datetimeFigureOut">
               <a:rPr lang="pt-BR" smtClean="0"/>
-              <a:t>09/03/2020</a:t>
+              <a:t>08/05/2020</a:t>
             </a:fld>
             <a:endParaRPr lang="pt-BR"/>
           </a:p>
@@ -675,7 +676,7 @@
           <a:p>
             <a:fld id="{1F1FAA24-82E9-47BA-A53E-AEAD71F0EE56}" type="datetimeFigureOut">
               <a:rPr lang="pt-BR" smtClean="0"/>
-              <a:t>09/03/2020</a:t>
+              <a:t>08/05/2020</a:t>
             </a:fld>
             <a:endParaRPr lang="pt-BR"/>
           </a:p>
@@ -873,7 +874,7 @@
           <a:p>
             <a:fld id="{1F1FAA24-82E9-47BA-A53E-AEAD71F0EE56}" type="datetimeFigureOut">
               <a:rPr lang="pt-BR" smtClean="0"/>
-              <a:t>09/03/2020</a:t>
+              <a:t>08/05/2020</a:t>
             </a:fld>
             <a:endParaRPr lang="pt-BR"/>
           </a:p>
@@ -1148,7 +1149,7 @@
           <a:p>
             <a:fld id="{1F1FAA24-82E9-47BA-A53E-AEAD71F0EE56}" type="datetimeFigureOut">
               <a:rPr lang="pt-BR" smtClean="0"/>
-              <a:t>09/03/2020</a:t>
+              <a:t>08/05/2020</a:t>
             </a:fld>
             <a:endParaRPr lang="pt-BR"/>
           </a:p>
@@ -1413,7 +1414,7 @@
           <a:p>
             <a:fld id="{1F1FAA24-82E9-47BA-A53E-AEAD71F0EE56}" type="datetimeFigureOut">
               <a:rPr lang="pt-BR" smtClean="0"/>
-              <a:t>09/03/2020</a:t>
+              <a:t>08/05/2020</a:t>
             </a:fld>
             <a:endParaRPr lang="pt-BR"/>
           </a:p>
@@ -1825,7 +1826,7 @@
           <a:p>
             <a:fld id="{1F1FAA24-82E9-47BA-A53E-AEAD71F0EE56}" type="datetimeFigureOut">
               <a:rPr lang="pt-BR" smtClean="0"/>
-              <a:t>09/03/2020</a:t>
+              <a:t>08/05/2020</a:t>
             </a:fld>
             <a:endParaRPr lang="pt-BR"/>
           </a:p>
@@ -1966,7 +1967,7 @@
           <a:p>
             <a:fld id="{1F1FAA24-82E9-47BA-A53E-AEAD71F0EE56}" type="datetimeFigureOut">
               <a:rPr lang="pt-BR" smtClean="0"/>
-              <a:t>09/03/2020</a:t>
+              <a:t>08/05/2020</a:t>
             </a:fld>
             <a:endParaRPr lang="pt-BR"/>
           </a:p>
@@ -2079,7 +2080,7 @@
           <a:p>
             <a:fld id="{1F1FAA24-82E9-47BA-A53E-AEAD71F0EE56}" type="datetimeFigureOut">
               <a:rPr lang="pt-BR" smtClean="0"/>
-              <a:t>09/03/2020</a:t>
+              <a:t>08/05/2020</a:t>
             </a:fld>
             <a:endParaRPr lang="pt-BR"/>
           </a:p>
@@ -2390,7 +2391,7 @@
           <a:p>
             <a:fld id="{1F1FAA24-82E9-47BA-A53E-AEAD71F0EE56}" type="datetimeFigureOut">
               <a:rPr lang="pt-BR" smtClean="0"/>
-              <a:t>09/03/2020</a:t>
+              <a:t>08/05/2020</a:t>
             </a:fld>
             <a:endParaRPr lang="pt-BR"/>
           </a:p>
@@ -2678,7 +2679,7 @@
           <a:p>
             <a:fld id="{1F1FAA24-82E9-47BA-A53E-AEAD71F0EE56}" type="datetimeFigureOut">
               <a:rPr lang="pt-BR" smtClean="0"/>
-              <a:t>09/03/2020</a:t>
+              <a:t>08/05/2020</a:t>
             </a:fld>
             <a:endParaRPr lang="pt-BR"/>
           </a:p>
@@ -2919,7 +2920,7 @@
           <a:p>
             <a:fld id="{1F1FAA24-82E9-47BA-A53E-AEAD71F0EE56}" type="datetimeFigureOut">
               <a:rPr lang="pt-BR" smtClean="0"/>
-              <a:t>09/03/2020</a:t>
+              <a:t>08/05/2020</a:t>
             </a:fld>
             <a:endParaRPr lang="pt-BR"/>
           </a:p>
@@ -3402,6 +3403,89 @@
           <a:chExt cx="0" cy="0"/>
         </a:xfrm>
       </p:grpSpPr>
+      <p:sp>
+        <p:nvSpPr>
+          <p:cNvPr id="2" name="Título 1">
+            <a:extLst>
+              <a:ext uri="{FF2B5EF4-FFF2-40B4-BE49-F238E27FC236}">
+                <a16:creationId xmlns:a16="http://schemas.microsoft.com/office/drawing/2014/main" id="{EAF1EC76-28DB-4D9D-9CBE-31F882B8866E}"/>
+              </a:ext>
+            </a:extLst>
+          </p:cNvPr>
+          <p:cNvSpPr>
+            <a:spLocks noGrp="1"/>
+          </p:cNvSpPr>
+          <p:nvPr>
+            <p:ph type="title"/>
+          </p:nvPr>
+        </p:nvSpPr>
+        <p:spPr/>
+        <p:txBody>
+          <a:bodyPr/>
+          <a:lstStyle/>
+          <a:p>
+            <a:r>
+              <a:rPr lang="pt-BR" dirty="0"/>
+              <a:t>Resultados</a:t>
+            </a:r>
+          </a:p>
+        </p:txBody>
+      </p:sp>
+      <p:sp>
+        <p:nvSpPr>
+          <p:cNvPr id="3" name="Espaço Reservado para Conteúdo 2">
+            <a:extLst>
+              <a:ext uri="{FF2B5EF4-FFF2-40B4-BE49-F238E27FC236}">
+                <a16:creationId xmlns:a16="http://schemas.microsoft.com/office/drawing/2014/main" id="{A6DC13CE-DED8-438E-907E-909A79B7715A}"/>
+              </a:ext>
+            </a:extLst>
+          </p:cNvPr>
+          <p:cNvSpPr>
+            <a:spLocks noGrp="1"/>
+          </p:cNvSpPr>
+          <p:nvPr>
+            <p:ph idx="1"/>
+          </p:nvPr>
+        </p:nvSpPr>
+        <p:spPr/>
+        <p:txBody>
+          <a:bodyPr/>
+          <a:lstStyle/>
+          <a:p>
+            <a:endParaRPr lang="pt-BR"/>
+          </a:p>
+        </p:txBody>
+      </p:sp>
+    </p:spTree>
+    <p:extLst>
+      <p:ext uri="{BB962C8B-B14F-4D97-AF65-F5344CB8AC3E}">
+        <p14:creationId xmlns:p14="http://schemas.microsoft.com/office/powerpoint/2010/main" val="574312717"/>
+      </p:ext>
+    </p:extLst>
+  </p:cSld>
+  <p:clrMapOvr>
+    <a:masterClrMapping/>
+  </p:clrMapOvr>
+</p:sld>
+</file>
+
+<file path=ppt/slides/slide11.xml><?xml version="1.0" encoding="utf-8"?>
+<p:sld xmlns:a="http://schemas.openxmlformats.org/drawingml/2006/main" xmlns:r="http://schemas.openxmlformats.org/officeDocument/2006/relationships" xmlns:p="http://schemas.openxmlformats.org/presentationml/2006/main">
+  <p:cSld>
+    <p:spTree>
+      <p:nvGrpSpPr>
+        <p:cNvPr id="1" name=""/>
+        <p:cNvGrpSpPr/>
+        <p:nvPr/>
+      </p:nvGrpSpPr>
+      <p:grpSpPr>
+        <a:xfrm>
+          <a:off x="0" y="0"/>
+          <a:ext cx="0" cy="0"/>
+          <a:chOff x="0" y="0"/>
+          <a:chExt cx="0" cy="0"/>
+        </a:xfrm>
+      </p:grpSpPr>
       <p:pic>
         <p:nvPicPr>
           <p:cNvPr id="4" name="Imagem 3" descr="Uma imagem contendo screenshot&#10;&#10;Descrição gerada automaticamente">
@@ -3503,7 +3587,7 @@
 </p:sld>
 </file>
 
-<file path=ppt/slides/slide11.xml><?xml version="1.0" encoding="utf-8"?>
+<file path=ppt/slides/slide12.xml><?xml version="1.0" encoding="utf-8"?>
 <p:sld xmlns:a="http://schemas.openxmlformats.org/drawingml/2006/main" xmlns:r="http://schemas.openxmlformats.org/officeDocument/2006/relationships" xmlns:p="http://schemas.openxmlformats.org/presentationml/2006/main">
   <p:cSld>
     <p:spTree>

--- a/apresentacao/apresentacao.pptx
+++ b/apresentacao/apresentacao.pptx
@@ -270,7 +270,7 @@
           <a:p>
             <a:fld id="{1F1FAA24-82E9-47BA-A53E-AEAD71F0EE56}" type="datetimeFigureOut">
               <a:rPr lang="pt-BR" smtClean="0"/>
-              <a:t>08/05/2020</a:t>
+              <a:t>10/05/2020</a:t>
             </a:fld>
             <a:endParaRPr lang="pt-BR"/>
           </a:p>
@@ -468,7 +468,7 @@
           <a:p>
             <a:fld id="{1F1FAA24-82E9-47BA-A53E-AEAD71F0EE56}" type="datetimeFigureOut">
               <a:rPr lang="pt-BR" smtClean="0"/>
-              <a:t>08/05/2020</a:t>
+              <a:t>10/05/2020</a:t>
             </a:fld>
             <a:endParaRPr lang="pt-BR"/>
           </a:p>
@@ -676,7 +676,7 @@
           <a:p>
             <a:fld id="{1F1FAA24-82E9-47BA-A53E-AEAD71F0EE56}" type="datetimeFigureOut">
               <a:rPr lang="pt-BR" smtClean="0"/>
-              <a:t>08/05/2020</a:t>
+              <a:t>10/05/2020</a:t>
             </a:fld>
             <a:endParaRPr lang="pt-BR"/>
           </a:p>
@@ -874,7 +874,7 @@
           <a:p>
             <a:fld id="{1F1FAA24-82E9-47BA-A53E-AEAD71F0EE56}" type="datetimeFigureOut">
               <a:rPr lang="pt-BR" smtClean="0"/>
-              <a:t>08/05/2020</a:t>
+              <a:t>10/05/2020</a:t>
             </a:fld>
             <a:endParaRPr lang="pt-BR"/>
           </a:p>
@@ -1149,7 +1149,7 @@
           <a:p>
             <a:fld id="{1F1FAA24-82E9-47BA-A53E-AEAD71F0EE56}" type="datetimeFigureOut">
               <a:rPr lang="pt-BR" smtClean="0"/>
-              <a:t>08/05/2020</a:t>
+              <a:t>10/05/2020</a:t>
             </a:fld>
             <a:endParaRPr lang="pt-BR"/>
           </a:p>
@@ -1414,7 +1414,7 @@
           <a:p>
             <a:fld id="{1F1FAA24-82E9-47BA-A53E-AEAD71F0EE56}" type="datetimeFigureOut">
               <a:rPr lang="pt-BR" smtClean="0"/>
-              <a:t>08/05/2020</a:t>
+              <a:t>10/05/2020</a:t>
             </a:fld>
             <a:endParaRPr lang="pt-BR"/>
           </a:p>
@@ -1826,7 +1826,7 @@
           <a:p>
             <a:fld id="{1F1FAA24-82E9-47BA-A53E-AEAD71F0EE56}" type="datetimeFigureOut">
               <a:rPr lang="pt-BR" smtClean="0"/>
-              <a:t>08/05/2020</a:t>
+              <a:t>10/05/2020</a:t>
             </a:fld>
             <a:endParaRPr lang="pt-BR"/>
           </a:p>
@@ -1967,7 +1967,7 @@
           <a:p>
             <a:fld id="{1F1FAA24-82E9-47BA-A53E-AEAD71F0EE56}" type="datetimeFigureOut">
               <a:rPr lang="pt-BR" smtClean="0"/>
-              <a:t>08/05/2020</a:t>
+              <a:t>10/05/2020</a:t>
             </a:fld>
             <a:endParaRPr lang="pt-BR"/>
           </a:p>
@@ -2080,7 +2080,7 @@
           <a:p>
             <a:fld id="{1F1FAA24-82E9-47BA-A53E-AEAD71F0EE56}" type="datetimeFigureOut">
               <a:rPr lang="pt-BR" smtClean="0"/>
-              <a:t>08/05/2020</a:t>
+              <a:t>10/05/2020</a:t>
             </a:fld>
             <a:endParaRPr lang="pt-BR"/>
           </a:p>
@@ -2391,7 +2391,7 @@
           <a:p>
             <a:fld id="{1F1FAA24-82E9-47BA-A53E-AEAD71F0EE56}" type="datetimeFigureOut">
               <a:rPr lang="pt-BR" smtClean="0"/>
-              <a:t>08/05/2020</a:t>
+              <a:t>10/05/2020</a:t>
             </a:fld>
             <a:endParaRPr lang="pt-BR"/>
           </a:p>
@@ -2679,7 +2679,7 @@
           <a:p>
             <a:fld id="{1F1FAA24-82E9-47BA-A53E-AEAD71F0EE56}" type="datetimeFigureOut">
               <a:rPr lang="pt-BR" smtClean="0"/>
-              <a:t>08/05/2020</a:t>
+              <a:t>10/05/2020</a:t>
             </a:fld>
             <a:endParaRPr lang="pt-BR"/>
           </a:p>
@@ -2920,7 +2920,7 @@
           <a:p>
             <a:fld id="{1F1FAA24-82E9-47BA-A53E-AEAD71F0EE56}" type="datetimeFigureOut">
               <a:rPr lang="pt-BR" smtClean="0"/>
-              <a:t>08/05/2020</a:t>
+              <a:t>10/05/2020</a:t>
             </a:fld>
             <a:endParaRPr lang="pt-BR"/>
           </a:p>
@@ -3389,6 +3389,14 @@
 <file path=ppt/slides/slide10.xml><?xml version="1.0" encoding="utf-8"?>
 <p:sld xmlns:a="http://schemas.openxmlformats.org/drawingml/2006/main" xmlns:r="http://schemas.openxmlformats.org/officeDocument/2006/relationships" xmlns:p="http://schemas.openxmlformats.org/presentationml/2006/main">
   <p:cSld>
+    <p:bg>
+      <p:bgPr>
+        <a:solidFill>
+          <a:schemeClr val="bg1"/>
+        </a:solidFill>
+        <a:effectLst/>
+      </p:bgPr>
+    </p:bg>
     <p:spTree>
       <p:nvGrpSpPr>
         <p:cNvPr id="1" name=""/>
@@ -3403,59 +3411,3768 @@
           <a:chExt cx="0" cy="0"/>
         </a:xfrm>
       </p:grpSpPr>
-      <p:sp>
-        <p:nvSpPr>
-          <p:cNvPr id="2" name="Título 1">
+      <p:pic>
+        <p:nvPicPr>
+          <p:cNvPr id="12" name="Imagem 11" descr="Tela de celular com texto preto sobre fundo branco&#10;&#10;Descrição gerada automaticamente">
             <a:extLst>
               <a:ext uri="{FF2B5EF4-FFF2-40B4-BE49-F238E27FC236}">
-                <a16:creationId xmlns:a16="http://schemas.microsoft.com/office/drawing/2014/main" id="{EAF1EC76-28DB-4D9D-9CBE-31F882B8866E}"/>
+                <a16:creationId xmlns:a16="http://schemas.microsoft.com/office/drawing/2014/main" id="{3D7B3611-3867-4D52-8752-CCEAE5A2D72D}"/>
               </a:ext>
             </a:extLst>
           </p:cNvPr>
-          <p:cNvSpPr>
-            <a:spLocks noGrp="1"/>
-          </p:cNvSpPr>
+          <p:cNvPicPr>
+            <a:picLocks noChangeAspect="1"/>
+          </p:cNvPicPr>
+          <p:nvPr/>
+        </p:nvPicPr>
+        <p:blipFill>
+          <a:blip r:embed="rId2">
+            <a:extLst>
+              <a:ext uri="{28A0092B-C50C-407E-A947-70E740481C1C}">
+                <a14:useLocalDpi xmlns:a14="http://schemas.microsoft.com/office/drawing/2010/main" val="0"/>
+              </a:ext>
+            </a:extLst>
+          </a:blip>
+          <a:stretch>
+            <a:fillRect/>
+          </a:stretch>
+        </p:blipFill>
+        <p:spPr>
+          <a:xfrm>
+            <a:off x="0" y="0"/>
+            <a:ext cx="12192000" cy="6858000"/>
+          </a:xfrm>
+          <a:prstGeom prst="rect">
+            <a:avLst/>
+          </a:prstGeom>
+        </p:spPr>
+      </p:pic>
+      <p:graphicFrame>
+        <p:nvGraphicFramePr>
+          <p:cNvPr id="4" name="Tabela 3">
+            <a:extLst>
+              <a:ext uri="{FF2B5EF4-FFF2-40B4-BE49-F238E27FC236}">
+                <a16:creationId xmlns:a16="http://schemas.microsoft.com/office/drawing/2014/main" id="{87BA5F13-AA30-4547-A165-CD57522D8E9C}"/>
+              </a:ext>
+            </a:extLst>
+          </p:cNvPr>
+          <p:cNvGraphicFramePr>
+            <a:graphicFrameLocks noGrp="1"/>
+          </p:cNvGraphicFramePr>
           <p:nvPr>
-            <p:ph type="title"/>
+            <p:extLst>
+              <p:ext uri="{D42A27DB-BD31-4B8C-83A1-F6EECF244321}">
+                <p14:modId xmlns:p14="http://schemas.microsoft.com/office/powerpoint/2010/main" val="1553218335"/>
+              </p:ext>
+            </p:extLst>
           </p:nvPr>
-        </p:nvSpPr>
-        <p:spPr/>
-        <p:txBody>
-          <a:bodyPr/>
-          <a:lstStyle/>
-          <a:p>
-            <a:r>
-              <a:rPr lang="pt-BR" dirty="0"/>
-              <a:t>Resultados</a:t>
-            </a:r>
-          </a:p>
-        </p:txBody>
-      </p:sp>
-      <p:sp>
-        <p:nvSpPr>
-          <p:cNvPr id="3" name="Espaço Reservado para Conteúdo 2">
-            <a:extLst>
-              <a:ext uri="{FF2B5EF4-FFF2-40B4-BE49-F238E27FC236}">
-                <a16:creationId xmlns:a16="http://schemas.microsoft.com/office/drawing/2014/main" id="{A6DC13CE-DED8-438E-907E-909A79B7715A}"/>
-              </a:ext>
-            </a:extLst>
-          </p:cNvPr>
-          <p:cNvSpPr>
-            <a:spLocks noGrp="1"/>
-          </p:cNvSpPr>
-          <p:nvPr>
-            <p:ph idx="1"/>
-          </p:nvPr>
-        </p:nvSpPr>
-        <p:spPr/>
-        <p:txBody>
-          <a:bodyPr/>
-          <a:lstStyle/>
-          <a:p>
-            <a:endParaRPr lang="pt-BR"/>
-          </a:p>
-        </p:txBody>
-      </p:sp>
+        </p:nvGraphicFramePr>
+        <p:xfrm>
+          <a:off x="1789976" y="1371244"/>
+          <a:ext cx="8612048" cy="4930992"/>
+        </p:xfrm>
+        <a:graphic>
+          <a:graphicData uri="http://schemas.openxmlformats.org/drawingml/2006/table">
+            <a:tbl>
+              <a:tblPr firstRow="1" bandRow="1">
+                <a:noFill/>
+                <a:tableStyleId>{5C22544A-7EE6-4342-B048-85BDC9FD1C3A}</a:tableStyleId>
+              </a:tblPr>
+              <a:tblGrid>
+                <a:gridCol w="1341325">
+                  <a:extLst>
+                    <a:ext uri="{9D8B030D-6E8A-4147-A177-3AD203B41FA5}">
+                      <a16:colId xmlns:a16="http://schemas.microsoft.com/office/drawing/2014/main" val="1943774227"/>
+                    </a:ext>
+                  </a:extLst>
+                </a:gridCol>
+                <a:gridCol w="2638933">
+                  <a:extLst>
+                    <a:ext uri="{9D8B030D-6E8A-4147-A177-3AD203B41FA5}">
+                      <a16:colId xmlns:a16="http://schemas.microsoft.com/office/drawing/2014/main" val="1431320554"/>
+                    </a:ext>
+                  </a:extLst>
+                </a:gridCol>
+                <a:gridCol w="1543930">
+                  <a:extLst>
+                    <a:ext uri="{9D8B030D-6E8A-4147-A177-3AD203B41FA5}">
+                      <a16:colId xmlns:a16="http://schemas.microsoft.com/office/drawing/2014/main" val="2206437670"/>
+                    </a:ext>
+                  </a:extLst>
+                </a:gridCol>
+                <a:gridCol w="1543930">
+                  <a:extLst>
+                    <a:ext uri="{9D8B030D-6E8A-4147-A177-3AD203B41FA5}">
+                      <a16:colId xmlns:a16="http://schemas.microsoft.com/office/drawing/2014/main" val="1942348486"/>
+                    </a:ext>
+                  </a:extLst>
+                </a:gridCol>
+                <a:gridCol w="1543930">
+                  <a:extLst>
+                    <a:ext uri="{9D8B030D-6E8A-4147-A177-3AD203B41FA5}">
+                      <a16:colId xmlns:a16="http://schemas.microsoft.com/office/drawing/2014/main" val="1601922158"/>
+                    </a:ext>
+                  </a:extLst>
+                </a:gridCol>
+              </a:tblGrid>
+              <a:tr h="410916">
+                <a:tc>
+                  <a:txBody>
+                    <a:bodyPr/>
+                    <a:lstStyle/>
+                    <a:p>
+                      <a:pPr algn="ctr" fontAlgn="b"/>
+                      <a:r>
+                        <a:rPr lang="pt-BR" sz="1400" b="1" u="none" strike="noStrike">
+                          <a:solidFill>
+                            <a:schemeClr val="tx1">
+                              <a:lumMod val="75000"/>
+                              <a:lumOff val="25000"/>
+                            </a:schemeClr>
+                          </a:solidFill>
+                          <a:effectLst/>
+                        </a:rPr>
+                        <a:t>Base</a:t>
+                      </a:r>
+                      <a:endParaRPr lang="pt-BR" sz="1400" b="1" i="0" u="none" strike="noStrike">
+                        <a:solidFill>
+                          <a:schemeClr val="tx1">
+                            <a:lumMod val="75000"/>
+                            <a:lumOff val="25000"/>
+                          </a:schemeClr>
+                        </a:solidFill>
+                        <a:effectLst/>
+                        <a:latin typeface="Calibri" panose="020F0502020204030204" pitchFamily="34" charset="0"/>
+                      </a:endParaRPr>
+                    </a:p>
+                  </a:txBody>
+                  <a:tcPr marL="167721" marR="15913" marT="83860" marB="83860" anchor="b">
+                    <a:lnL w="12700" cmpd="sng">
+                      <a:noFill/>
+                      <a:prstDash val="solid"/>
+                    </a:lnL>
+                    <a:lnR w="12700" cmpd="sng">
+                      <a:noFill/>
+                      <a:prstDash val="solid"/>
+                    </a:lnR>
+                    <a:lnT w="12700" cmpd="sng">
+                      <a:noFill/>
+                      <a:prstDash val="solid"/>
+                    </a:lnT>
+                    <a:lnB w="9525" cap="flat" cmpd="sng" algn="ctr">
+                      <a:solidFill>
+                        <a:srgbClr val="D8DCDC"/>
+                      </a:solidFill>
+                      <a:prstDash val="solid"/>
+                    </a:lnB>
+                    <a:noFill/>
+                  </a:tcPr>
+                </a:tc>
+                <a:tc>
+                  <a:txBody>
+                    <a:bodyPr/>
+                    <a:lstStyle/>
+                    <a:p>
+                      <a:pPr algn="ctr" fontAlgn="b"/>
+                      <a:r>
+                        <a:rPr lang="pt-BR" sz="1400" b="1" u="none" strike="noStrike">
+                          <a:solidFill>
+                            <a:schemeClr val="tx1">
+                              <a:lumMod val="75000"/>
+                              <a:lumOff val="25000"/>
+                            </a:schemeClr>
+                          </a:solidFill>
+                          <a:effectLst/>
+                        </a:rPr>
+                        <a:t>Novas Respostas</a:t>
+                      </a:r>
+                      <a:endParaRPr lang="pt-BR" sz="1400" b="1" i="0" u="none" strike="noStrike">
+                        <a:solidFill>
+                          <a:schemeClr val="tx1">
+                            <a:lumMod val="75000"/>
+                            <a:lumOff val="25000"/>
+                          </a:schemeClr>
+                        </a:solidFill>
+                        <a:effectLst/>
+                        <a:latin typeface="Calibri" panose="020F0502020204030204" pitchFamily="34" charset="0"/>
+                      </a:endParaRPr>
+                    </a:p>
+                  </a:txBody>
+                  <a:tcPr marL="167721" marR="15913" marT="83860" marB="83860" anchor="b">
+                    <a:lnL w="12700" cmpd="sng">
+                      <a:noFill/>
+                      <a:prstDash val="solid"/>
+                    </a:lnL>
+                    <a:lnR w="12700" cmpd="sng">
+                      <a:noFill/>
+                      <a:prstDash val="solid"/>
+                    </a:lnR>
+                    <a:lnT w="12700" cmpd="sng">
+                      <a:noFill/>
+                      <a:prstDash val="solid"/>
+                    </a:lnT>
+                    <a:lnB w="9525" cap="flat" cmpd="sng" algn="ctr">
+                      <a:solidFill>
+                        <a:srgbClr val="D8DCDC"/>
+                      </a:solidFill>
+                      <a:prstDash val="solid"/>
+                    </a:lnB>
+                    <a:noFill/>
+                  </a:tcPr>
+                </a:tc>
+                <a:tc>
+                  <a:txBody>
+                    <a:bodyPr/>
+                    <a:lstStyle/>
+                    <a:p>
+                      <a:pPr algn="ctr" fontAlgn="b"/>
+                      <a:r>
+                        <a:rPr lang="pt-BR" sz="1400" b="1" u="none" strike="noStrike">
+                          <a:solidFill>
+                            <a:schemeClr val="tx1">
+                              <a:lumMod val="75000"/>
+                              <a:lumOff val="25000"/>
+                            </a:schemeClr>
+                          </a:solidFill>
+                          <a:effectLst/>
+                        </a:rPr>
+                        <a:t>k=3</a:t>
+                      </a:r>
+                      <a:endParaRPr lang="pt-BR" sz="1400" b="1" i="0" u="none" strike="noStrike">
+                        <a:solidFill>
+                          <a:schemeClr val="tx1">
+                            <a:lumMod val="75000"/>
+                            <a:lumOff val="25000"/>
+                          </a:schemeClr>
+                        </a:solidFill>
+                        <a:effectLst/>
+                        <a:latin typeface="Calibri" panose="020F0502020204030204" pitchFamily="34" charset="0"/>
+                      </a:endParaRPr>
+                    </a:p>
+                  </a:txBody>
+                  <a:tcPr marL="167721" marR="15913" marT="83860" marB="83860" anchor="b">
+                    <a:lnL w="12700" cmpd="sng">
+                      <a:noFill/>
+                      <a:prstDash val="solid"/>
+                    </a:lnL>
+                    <a:lnR w="12700" cmpd="sng">
+                      <a:noFill/>
+                      <a:prstDash val="solid"/>
+                    </a:lnR>
+                    <a:lnT w="12700" cmpd="sng">
+                      <a:noFill/>
+                      <a:prstDash val="solid"/>
+                    </a:lnT>
+                    <a:lnB w="9525" cap="flat" cmpd="sng" algn="ctr">
+                      <a:solidFill>
+                        <a:srgbClr val="D8DCDC"/>
+                      </a:solidFill>
+                      <a:prstDash val="solid"/>
+                    </a:lnB>
+                    <a:noFill/>
+                  </a:tcPr>
+                </a:tc>
+                <a:tc>
+                  <a:txBody>
+                    <a:bodyPr/>
+                    <a:lstStyle/>
+                    <a:p>
+                      <a:pPr algn="ctr" fontAlgn="b"/>
+                      <a:r>
+                        <a:rPr lang="pt-BR" sz="1400" b="1" u="none" strike="noStrike">
+                          <a:solidFill>
+                            <a:schemeClr val="tx1">
+                              <a:lumMod val="75000"/>
+                              <a:lumOff val="25000"/>
+                            </a:schemeClr>
+                          </a:solidFill>
+                          <a:effectLst/>
+                        </a:rPr>
+                        <a:t>k=5</a:t>
+                      </a:r>
+                      <a:endParaRPr lang="pt-BR" sz="1400" b="1" i="0" u="none" strike="noStrike">
+                        <a:solidFill>
+                          <a:schemeClr val="tx1">
+                            <a:lumMod val="75000"/>
+                            <a:lumOff val="25000"/>
+                          </a:schemeClr>
+                        </a:solidFill>
+                        <a:effectLst/>
+                        <a:latin typeface="Calibri" panose="020F0502020204030204" pitchFamily="34" charset="0"/>
+                      </a:endParaRPr>
+                    </a:p>
+                  </a:txBody>
+                  <a:tcPr marL="167721" marR="15913" marT="83860" marB="83860" anchor="b">
+                    <a:lnL w="12700" cmpd="sng">
+                      <a:noFill/>
+                      <a:prstDash val="solid"/>
+                    </a:lnL>
+                    <a:lnR w="12700" cmpd="sng">
+                      <a:noFill/>
+                      <a:prstDash val="solid"/>
+                    </a:lnR>
+                    <a:lnT w="12700" cmpd="sng">
+                      <a:noFill/>
+                      <a:prstDash val="solid"/>
+                    </a:lnT>
+                    <a:lnB w="9525" cap="flat" cmpd="sng" algn="ctr">
+                      <a:solidFill>
+                        <a:srgbClr val="D8DCDC"/>
+                      </a:solidFill>
+                      <a:prstDash val="solid"/>
+                    </a:lnB>
+                    <a:noFill/>
+                  </a:tcPr>
+                </a:tc>
+                <a:tc>
+                  <a:txBody>
+                    <a:bodyPr/>
+                    <a:lstStyle/>
+                    <a:p>
+                      <a:pPr algn="ctr" fontAlgn="b"/>
+                      <a:r>
+                        <a:rPr lang="pt-BR" sz="1400" b="1" u="none" strike="noStrike">
+                          <a:solidFill>
+                            <a:schemeClr val="tx1">
+                              <a:lumMod val="75000"/>
+                              <a:lumOff val="25000"/>
+                            </a:schemeClr>
+                          </a:solidFill>
+                          <a:effectLst/>
+                        </a:rPr>
+                        <a:t>k=7</a:t>
+                      </a:r>
+                      <a:endParaRPr lang="pt-BR" sz="1400" b="1" i="0" u="none" strike="noStrike">
+                        <a:solidFill>
+                          <a:schemeClr val="tx1">
+                            <a:lumMod val="75000"/>
+                            <a:lumOff val="25000"/>
+                          </a:schemeClr>
+                        </a:solidFill>
+                        <a:effectLst/>
+                        <a:latin typeface="Calibri" panose="020F0502020204030204" pitchFamily="34" charset="0"/>
+                      </a:endParaRPr>
+                    </a:p>
+                  </a:txBody>
+                  <a:tcPr marL="167721" marR="15913" marT="83860" marB="83860" anchor="b">
+                    <a:lnL w="12700" cmpd="sng">
+                      <a:noFill/>
+                      <a:prstDash val="solid"/>
+                    </a:lnL>
+                    <a:lnR w="12700" cmpd="sng">
+                      <a:noFill/>
+                      <a:prstDash val="solid"/>
+                    </a:lnR>
+                    <a:lnT w="12700" cmpd="sng">
+                      <a:noFill/>
+                      <a:prstDash val="solid"/>
+                    </a:lnT>
+                    <a:lnB w="9525" cap="flat" cmpd="sng" algn="ctr">
+                      <a:solidFill>
+                        <a:srgbClr val="D8DCDC"/>
+                      </a:solidFill>
+                      <a:prstDash val="solid"/>
+                    </a:lnB>
+                    <a:noFill/>
+                  </a:tcPr>
+                </a:tc>
+                <a:extLst>
+                  <a:ext uri="{0D108BD9-81ED-4DB2-BD59-A6C34878D82A}">
+                    <a16:rowId xmlns:a16="http://schemas.microsoft.com/office/drawing/2014/main" val="3179250387"/>
+                  </a:ext>
+                </a:extLst>
+              </a:tr>
+              <a:tr h="410916">
+                <a:tc>
+                  <a:txBody>
+                    <a:bodyPr/>
+                    <a:lstStyle/>
+                    <a:p>
+                      <a:pPr algn="ctr" fontAlgn="b"/>
+                      <a:r>
+                        <a:rPr lang="pt-BR" sz="1400" u="none" strike="noStrike">
+                          <a:solidFill>
+                            <a:schemeClr val="tx1">
+                              <a:lumMod val="75000"/>
+                              <a:lumOff val="25000"/>
+                            </a:schemeClr>
+                          </a:solidFill>
+                          <a:effectLst/>
+                        </a:rPr>
+                        <a:t>40</a:t>
+                      </a:r>
+                      <a:endParaRPr lang="pt-BR" sz="1400" b="0" i="0" u="none" strike="noStrike">
+                        <a:solidFill>
+                          <a:schemeClr val="tx1">
+                            <a:lumMod val="75000"/>
+                            <a:lumOff val="25000"/>
+                          </a:schemeClr>
+                        </a:solidFill>
+                        <a:effectLst/>
+                        <a:latin typeface="Calibri" panose="020F0502020204030204" pitchFamily="34" charset="0"/>
+                      </a:endParaRPr>
+                    </a:p>
+                  </a:txBody>
+                  <a:tcPr marL="167721" marR="15913" marT="83860" marB="83860" anchor="b">
+                    <a:lnL w="9525" cap="flat" cmpd="sng" algn="ctr">
+                      <a:solidFill>
+                        <a:srgbClr val="D8DCDC"/>
+                      </a:solidFill>
+                      <a:prstDash val="solid"/>
+                    </a:lnL>
+                    <a:lnR w="9525" cap="flat" cmpd="sng" algn="ctr">
+                      <a:solidFill>
+                        <a:srgbClr val="D8DCDC"/>
+                      </a:solidFill>
+                      <a:prstDash val="solid"/>
+                    </a:lnR>
+                    <a:lnT w="9525" cap="flat" cmpd="sng" algn="ctr">
+                      <a:solidFill>
+                        <a:srgbClr val="D8DCDC"/>
+                      </a:solidFill>
+                      <a:prstDash val="solid"/>
+                    </a:lnT>
+                    <a:lnB w="9525" cap="flat" cmpd="sng" algn="ctr">
+                      <a:solidFill>
+                        <a:srgbClr val="D8DCDC"/>
+                      </a:solidFill>
+                      <a:prstDash val="solid"/>
+                    </a:lnB>
+                    <a:solidFill>
+                      <a:srgbClr val="D8DEDC">
+                        <a:alpha val="20000"/>
+                      </a:srgbClr>
+                    </a:solidFill>
+                  </a:tcPr>
+                </a:tc>
+                <a:tc>
+                  <a:txBody>
+                    <a:bodyPr/>
+                    <a:lstStyle/>
+                    <a:p>
+                      <a:pPr algn="ctr" fontAlgn="b"/>
+                      <a:r>
+                        <a:rPr lang="pt-BR" sz="1400" u="none" strike="noStrike">
+                          <a:solidFill>
+                            <a:schemeClr val="tx1">
+                              <a:lumMod val="75000"/>
+                              <a:lumOff val="25000"/>
+                            </a:schemeClr>
+                          </a:solidFill>
+                          <a:effectLst/>
+                        </a:rPr>
+                        <a:t>40</a:t>
+                      </a:r>
+                      <a:endParaRPr lang="pt-BR" sz="1400" b="0" i="0" u="none" strike="noStrike">
+                        <a:solidFill>
+                          <a:schemeClr val="tx1">
+                            <a:lumMod val="75000"/>
+                            <a:lumOff val="25000"/>
+                          </a:schemeClr>
+                        </a:solidFill>
+                        <a:effectLst/>
+                        <a:latin typeface="Calibri" panose="020F0502020204030204" pitchFamily="34" charset="0"/>
+                      </a:endParaRPr>
+                    </a:p>
+                  </a:txBody>
+                  <a:tcPr marL="167721" marR="15913" marT="83860" marB="83860" anchor="b">
+                    <a:lnL w="9525" cap="flat" cmpd="sng" algn="ctr">
+                      <a:solidFill>
+                        <a:srgbClr val="D8DCDC"/>
+                      </a:solidFill>
+                      <a:prstDash val="solid"/>
+                    </a:lnL>
+                    <a:lnR w="9525" cap="flat" cmpd="sng" algn="ctr">
+                      <a:solidFill>
+                        <a:srgbClr val="D8DCDC"/>
+                      </a:solidFill>
+                      <a:prstDash val="solid"/>
+                    </a:lnR>
+                    <a:lnT w="9525" cap="flat" cmpd="sng" algn="ctr">
+                      <a:solidFill>
+                        <a:srgbClr val="D8DCDC"/>
+                      </a:solidFill>
+                      <a:prstDash val="solid"/>
+                    </a:lnT>
+                    <a:lnB w="9525" cap="flat" cmpd="sng" algn="ctr">
+                      <a:solidFill>
+                        <a:srgbClr val="D8DCDC"/>
+                      </a:solidFill>
+                      <a:prstDash val="solid"/>
+                    </a:lnB>
+                    <a:solidFill>
+                      <a:srgbClr val="D8DEDC">
+                        <a:alpha val="20000"/>
+                      </a:srgbClr>
+                    </a:solidFill>
+                  </a:tcPr>
+                </a:tc>
+                <a:tc>
+                  <a:txBody>
+                    <a:bodyPr/>
+                    <a:lstStyle/>
+                    <a:p>
+                      <a:pPr algn="ctr" fontAlgn="b"/>
+                      <a:r>
+                        <a:rPr lang="pt-BR" sz="1400" u="none" strike="noStrike">
+                          <a:solidFill>
+                            <a:schemeClr val="tx1">
+                              <a:lumMod val="75000"/>
+                              <a:lumOff val="25000"/>
+                            </a:schemeClr>
+                          </a:solidFill>
+                          <a:effectLst/>
+                        </a:rPr>
+                        <a:t>65,0%</a:t>
+                      </a:r>
+                      <a:endParaRPr lang="pt-BR" sz="1400" b="0" i="0" u="none" strike="noStrike">
+                        <a:solidFill>
+                          <a:schemeClr val="tx1">
+                            <a:lumMod val="75000"/>
+                            <a:lumOff val="25000"/>
+                          </a:schemeClr>
+                        </a:solidFill>
+                        <a:effectLst/>
+                        <a:latin typeface="Calibri" panose="020F0502020204030204" pitchFamily="34" charset="0"/>
+                      </a:endParaRPr>
+                    </a:p>
+                  </a:txBody>
+                  <a:tcPr marL="167721" marR="15913" marT="83860" marB="83860" anchor="b">
+                    <a:lnL w="9525" cap="flat" cmpd="sng" algn="ctr">
+                      <a:solidFill>
+                        <a:srgbClr val="D8DCDC"/>
+                      </a:solidFill>
+                      <a:prstDash val="solid"/>
+                    </a:lnL>
+                    <a:lnR w="9525" cap="flat" cmpd="sng" algn="ctr">
+                      <a:solidFill>
+                        <a:srgbClr val="D8DCDC"/>
+                      </a:solidFill>
+                      <a:prstDash val="solid"/>
+                    </a:lnR>
+                    <a:lnT w="9525" cap="flat" cmpd="sng" algn="ctr">
+                      <a:solidFill>
+                        <a:srgbClr val="D8DCDC"/>
+                      </a:solidFill>
+                      <a:prstDash val="solid"/>
+                    </a:lnT>
+                    <a:lnB w="9525" cap="flat" cmpd="sng" algn="ctr">
+                      <a:solidFill>
+                        <a:srgbClr val="D8DCDC"/>
+                      </a:solidFill>
+                      <a:prstDash val="solid"/>
+                    </a:lnB>
+                    <a:solidFill>
+                      <a:srgbClr val="D8DEDC">
+                        <a:alpha val="20000"/>
+                      </a:srgbClr>
+                    </a:solidFill>
+                  </a:tcPr>
+                </a:tc>
+                <a:tc>
+                  <a:txBody>
+                    <a:bodyPr/>
+                    <a:lstStyle/>
+                    <a:p>
+                      <a:pPr algn="ctr" fontAlgn="b"/>
+                      <a:r>
+                        <a:rPr lang="pt-BR" sz="1400" u="none" strike="noStrike">
+                          <a:solidFill>
+                            <a:schemeClr val="tx1">
+                              <a:lumMod val="75000"/>
+                              <a:lumOff val="25000"/>
+                            </a:schemeClr>
+                          </a:solidFill>
+                          <a:effectLst/>
+                        </a:rPr>
+                        <a:t>65,0%</a:t>
+                      </a:r>
+                      <a:endParaRPr lang="pt-BR" sz="1400" b="0" i="0" u="none" strike="noStrike">
+                        <a:solidFill>
+                          <a:schemeClr val="tx1">
+                            <a:lumMod val="75000"/>
+                            <a:lumOff val="25000"/>
+                          </a:schemeClr>
+                        </a:solidFill>
+                        <a:effectLst/>
+                        <a:latin typeface="Calibri" panose="020F0502020204030204" pitchFamily="34" charset="0"/>
+                      </a:endParaRPr>
+                    </a:p>
+                  </a:txBody>
+                  <a:tcPr marL="167721" marR="15913" marT="83860" marB="83860" anchor="b">
+                    <a:lnL w="9525" cap="flat" cmpd="sng" algn="ctr">
+                      <a:solidFill>
+                        <a:srgbClr val="D8DCDC"/>
+                      </a:solidFill>
+                      <a:prstDash val="solid"/>
+                    </a:lnL>
+                    <a:lnR w="9525" cap="flat" cmpd="sng" algn="ctr">
+                      <a:solidFill>
+                        <a:srgbClr val="D8DCDC"/>
+                      </a:solidFill>
+                      <a:prstDash val="solid"/>
+                    </a:lnR>
+                    <a:lnT w="9525" cap="flat" cmpd="sng" algn="ctr">
+                      <a:solidFill>
+                        <a:srgbClr val="D8DCDC"/>
+                      </a:solidFill>
+                      <a:prstDash val="solid"/>
+                    </a:lnT>
+                    <a:lnB w="9525" cap="flat" cmpd="sng" algn="ctr">
+                      <a:solidFill>
+                        <a:srgbClr val="D8DCDC"/>
+                      </a:solidFill>
+                      <a:prstDash val="solid"/>
+                    </a:lnB>
+                    <a:solidFill>
+                      <a:srgbClr val="D8DEDC">
+                        <a:alpha val="20000"/>
+                      </a:srgbClr>
+                    </a:solidFill>
+                  </a:tcPr>
+                </a:tc>
+                <a:tc>
+                  <a:txBody>
+                    <a:bodyPr/>
+                    <a:lstStyle/>
+                    <a:p>
+                      <a:pPr algn="ctr" fontAlgn="b"/>
+                      <a:r>
+                        <a:rPr lang="pt-BR" sz="1400" u="none" strike="noStrike">
+                          <a:solidFill>
+                            <a:schemeClr val="tx1">
+                              <a:lumMod val="75000"/>
+                              <a:lumOff val="25000"/>
+                            </a:schemeClr>
+                          </a:solidFill>
+                          <a:effectLst/>
+                        </a:rPr>
+                        <a:t>75,0%</a:t>
+                      </a:r>
+                      <a:endParaRPr lang="pt-BR" sz="1400" b="0" i="0" u="none" strike="noStrike">
+                        <a:solidFill>
+                          <a:schemeClr val="tx1">
+                            <a:lumMod val="75000"/>
+                            <a:lumOff val="25000"/>
+                          </a:schemeClr>
+                        </a:solidFill>
+                        <a:effectLst/>
+                        <a:latin typeface="Calibri" panose="020F0502020204030204" pitchFamily="34" charset="0"/>
+                      </a:endParaRPr>
+                    </a:p>
+                  </a:txBody>
+                  <a:tcPr marL="167721" marR="15913" marT="83860" marB="83860" anchor="b">
+                    <a:lnL w="9525" cap="flat" cmpd="sng" algn="ctr">
+                      <a:solidFill>
+                        <a:srgbClr val="D8DCDC"/>
+                      </a:solidFill>
+                      <a:prstDash val="solid"/>
+                    </a:lnL>
+                    <a:lnR w="9525" cap="flat" cmpd="sng" algn="ctr">
+                      <a:solidFill>
+                        <a:srgbClr val="D8DCDC"/>
+                      </a:solidFill>
+                      <a:prstDash val="solid"/>
+                    </a:lnR>
+                    <a:lnT w="9525" cap="flat" cmpd="sng" algn="ctr">
+                      <a:solidFill>
+                        <a:srgbClr val="D8DCDC"/>
+                      </a:solidFill>
+                      <a:prstDash val="solid"/>
+                    </a:lnT>
+                    <a:lnB w="9525" cap="flat" cmpd="sng" algn="ctr">
+                      <a:solidFill>
+                        <a:srgbClr val="D8DCDC"/>
+                      </a:solidFill>
+                      <a:prstDash val="solid"/>
+                    </a:lnB>
+                    <a:solidFill>
+                      <a:srgbClr val="D8DEDC">
+                        <a:alpha val="20000"/>
+                      </a:srgbClr>
+                    </a:solidFill>
+                  </a:tcPr>
+                </a:tc>
+                <a:extLst>
+                  <a:ext uri="{0D108BD9-81ED-4DB2-BD59-A6C34878D82A}">
+                    <a16:rowId xmlns:a16="http://schemas.microsoft.com/office/drawing/2014/main" val="1708397619"/>
+                  </a:ext>
+                </a:extLst>
+              </a:tr>
+              <a:tr h="410916">
+                <a:tc>
+                  <a:txBody>
+                    <a:bodyPr/>
+                    <a:lstStyle/>
+                    <a:p>
+                      <a:pPr algn="ctr" fontAlgn="b"/>
+                      <a:r>
+                        <a:rPr lang="pt-BR" sz="1400" u="none" strike="noStrike">
+                          <a:solidFill>
+                            <a:schemeClr val="tx1">
+                              <a:lumMod val="75000"/>
+                              <a:lumOff val="25000"/>
+                            </a:schemeClr>
+                          </a:solidFill>
+                          <a:effectLst/>
+                        </a:rPr>
+                        <a:t>80</a:t>
+                      </a:r>
+                      <a:endParaRPr lang="pt-BR" sz="1400" b="0" i="0" u="none" strike="noStrike">
+                        <a:solidFill>
+                          <a:schemeClr val="tx1">
+                            <a:lumMod val="75000"/>
+                            <a:lumOff val="25000"/>
+                          </a:schemeClr>
+                        </a:solidFill>
+                        <a:effectLst/>
+                        <a:latin typeface="Calibri" panose="020F0502020204030204" pitchFamily="34" charset="0"/>
+                      </a:endParaRPr>
+                    </a:p>
+                  </a:txBody>
+                  <a:tcPr marL="167721" marR="15913" marT="83860" marB="83860" anchor="b">
+                    <a:lnL w="9525" cap="flat" cmpd="sng" algn="ctr">
+                      <a:solidFill>
+                        <a:srgbClr val="D8DEDC"/>
+                      </a:solidFill>
+                      <a:prstDash val="solid"/>
+                    </a:lnL>
+                    <a:lnR w="9525" cap="flat" cmpd="sng" algn="ctr">
+                      <a:solidFill>
+                        <a:srgbClr val="D8DEDC"/>
+                      </a:solidFill>
+                      <a:prstDash val="solid"/>
+                    </a:lnR>
+                    <a:lnT w="9525" cap="flat" cmpd="sng" algn="ctr">
+                      <a:solidFill>
+                        <a:srgbClr val="D8DCDC"/>
+                      </a:solidFill>
+                      <a:prstDash val="solid"/>
+                    </a:lnT>
+                    <a:lnB w="9525" cap="flat" cmpd="sng" algn="ctr">
+                      <a:solidFill>
+                        <a:srgbClr val="D8DCDC"/>
+                      </a:solidFill>
+                      <a:prstDash val="solid"/>
+                    </a:lnB>
+                    <a:noFill/>
+                  </a:tcPr>
+                </a:tc>
+                <a:tc>
+                  <a:txBody>
+                    <a:bodyPr/>
+                    <a:lstStyle/>
+                    <a:p>
+                      <a:pPr algn="ctr" fontAlgn="b"/>
+                      <a:r>
+                        <a:rPr lang="pt-BR" sz="1400" u="none" strike="noStrike">
+                          <a:solidFill>
+                            <a:schemeClr val="tx1">
+                              <a:lumMod val="75000"/>
+                              <a:lumOff val="25000"/>
+                            </a:schemeClr>
+                          </a:solidFill>
+                          <a:effectLst/>
+                        </a:rPr>
+                        <a:t>40</a:t>
+                      </a:r>
+                      <a:endParaRPr lang="pt-BR" sz="1400" b="0" i="0" u="none" strike="noStrike">
+                        <a:solidFill>
+                          <a:schemeClr val="tx1">
+                            <a:lumMod val="75000"/>
+                            <a:lumOff val="25000"/>
+                          </a:schemeClr>
+                        </a:solidFill>
+                        <a:effectLst/>
+                        <a:latin typeface="Calibri" panose="020F0502020204030204" pitchFamily="34" charset="0"/>
+                      </a:endParaRPr>
+                    </a:p>
+                  </a:txBody>
+                  <a:tcPr marL="167721" marR="15913" marT="83860" marB="83860" anchor="b">
+                    <a:lnL w="9525" cap="flat" cmpd="sng" algn="ctr">
+                      <a:solidFill>
+                        <a:srgbClr val="D8DEDC"/>
+                      </a:solidFill>
+                      <a:prstDash val="solid"/>
+                    </a:lnL>
+                    <a:lnR w="9525" cap="flat" cmpd="sng" algn="ctr">
+                      <a:solidFill>
+                        <a:srgbClr val="D8DEDC"/>
+                      </a:solidFill>
+                      <a:prstDash val="solid"/>
+                    </a:lnR>
+                    <a:lnT w="9525" cap="flat" cmpd="sng" algn="ctr">
+                      <a:solidFill>
+                        <a:srgbClr val="D8DCDC"/>
+                      </a:solidFill>
+                      <a:prstDash val="solid"/>
+                    </a:lnT>
+                    <a:lnB w="9525" cap="flat" cmpd="sng" algn="ctr">
+                      <a:solidFill>
+                        <a:srgbClr val="D8DCDC"/>
+                      </a:solidFill>
+                      <a:prstDash val="solid"/>
+                    </a:lnB>
+                    <a:noFill/>
+                  </a:tcPr>
+                </a:tc>
+                <a:tc>
+                  <a:txBody>
+                    <a:bodyPr/>
+                    <a:lstStyle/>
+                    <a:p>
+                      <a:pPr algn="ctr" fontAlgn="b"/>
+                      <a:r>
+                        <a:rPr lang="pt-BR" sz="1400" u="none" strike="noStrike">
+                          <a:solidFill>
+                            <a:schemeClr val="tx1">
+                              <a:lumMod val="75000"/>
+                              <a:lumOff val="25000"/>
+                            </a:schemeClr>
+                          </a:solidFill>
+                          <a:effectLst/>
+                        </a:rPr>
+                        <a:t>72,5%</a:t>
+                      </a:r>
+                      <a:endParaRPr lang="pt-BR" sz="1400" b="0" i="0" u="none" strike="noStrike">
+                        <a:solidFill>
+                          <a:schemeClr val="tx1">
+                            <a:lumMod val="75000"/>
+                            <a:lumOff val="25000"/>
+                          </a:schemeClr>
+                        </a:solidFill>
+                        <a:effectLst/>
+                        <a:latin typeface="Calibri" panose="020F0502020204030204" pitchFamily="34" charset="0"/>
+                      </a:endParaRPr>
+                    </a:p>
+                  </a:txBody>
+                  <a:tcPr marL="167721" marR="15913" marT="83860" marB="83860" anchor="b">
+                    <a:lnL w="9525" cap="flat" cmpd="sng" algn="ctr">
+                      <a:solidFill>
+                        <a:srgbClr val="D8DEDC"/>
+                      </a:solidFill>
+                      <a:prstDash val="solid"/>
+                    </a:lnL>
+                    <a:lnR w="9525" cap="flat" cmpd="sng" algn="ctr">
+                      <a:solidFill>
+                        <a:srgbClr val="D8DEDC"/>
+                      </a:solidFill>
+                      <a:prstDash val="solid"/>
+                    </a:lnR>
+                    <a:lnT w="9525" cap="flat" cmpd="sng" algn="ctr">
+                      <a:solidFill>
+                        <a:srgbClr val="D8DCDC"/>
+                      </a:solidFill>
+                      <a:prstDash val="solid"/>
+                    </a:lnT>
+                    <a:lnB w="9525" cap="flat" cmpd="sng" algn="ctr">
+                      <a:solidFill>
+                        <a:srgbClr val="D8DCDC"/>
+                      </a:solidFill>
+                      <a:prstDash val="solid"/>
+                    </a:lnB>
+                    <a:noFill/>
+                  </a:tcPr>
+                </a:tc>
+                <a:tc>
+                  <a:txBody>
+                    <a:bodyPr/>
+                    <a:lstStyle/>
+                    <a:p>
+                      <a:pPr algn="ctr" fontAlgn="b"/>
+                      <a:r>
+                        <a:rPr lang="pt-BR" sz="1400" u="none" strike="noStrike">
+                          <a:solidFill>
+                            <a:schemeClr val="tx1">
+                              <a:lumMod val="75000"/>
+                              <a:lumOff val="25000"/>
+                            </a:schemeClr>
+                          </a:solidFill>
+                          <a:effectLst/>
+                        </a:rPr>
+                        <a:t>75,0%</a:t>
+                      </a:r>
+                      <a:endParaRPr lang="pt-BR" sz="1400" b="0" i="0" u="none" strike="noStrike">
+                        <a:solidFill>
+                          <a:schemeClr val="tx1">
+                            <a:lumMod val="75000"/>
+                            <a:lumOff val="25000"/>
+                          </a:schemeClr>
+                        </a:solidFill>
+                        <a:effectLst/>
+                        <a:latin typeface="Calibri" panose="020F0502020204030204" pitchFamily="34" charset="0"/>
+                      </a:endParaRPr>
+                    </a:p>
+                  </a:txBody>
+                  <a:tcPr marL="167721" marR="15913" marT="83860" marB="83860" anchor="b">
+                    <a:lnL w="9525" cap="flat" cmpd="sng" algn="ctr">
+                      <a:solidFill>
+                        <a:srgbClr val="D8DEDC"/>
+                      </a:solidFill>
+                      <a:prstDash val="solid"/>
+                    </a:lnL>
+                    <a:lnR w="9525" cap="flat" cmpd="sng" algn="ctr">
+                      <a:solidFill>
+                        <a:srgbClr val="D8DEDC"/>
+                      </a:solidFill>
+                      <a:prstDash val="solid"/>
+                    </a:lnR>
+                    <a:lnT w="9525" cap="flat" cmpd="sng" algn="ctr">
+                      <a:solidFill>
+                        <a:srgbClr val="D8DCDC"/>
+                      </a:solidFill>
+                      <a:prstDash val="solid"/>
+                    </a:lnT>
+                    <a:lnB w="9525" cap="flat" cmpd="sng" algn="ctr">
+                      <a:solidFill>
+                        <a:srgbClr val="D8DCDC"/>
+                      </a:solidFill>
+                      <a:prstDash val="solid"/>
+                    </a:lnB>
+                    <a:noFill/>
+                  </a:tcPr>
+                </a:tc>
+                <a:tc>
+                  <a:txBody>
+                    <a:bodyPr/>
+                    <a:lstStyle/>
+                    <a:p>
+                      <a:pPr algn="ctr" fontAlgn="b"/>
+                      <a:r>
+                        <a:rPr lang="pt-BR" sz="1400" u="none" strike="noStrike">
+                          <a:solidFill>
+                            <a:schemeClr val="tx1">
+                              <a:lumMod val="75000"/>
+                              <a:lumOff val="25000"/>
+                            </a:schemeClr>
+                          </a:solidFill>
+                          <a:effectLst/>
+                        </a:rPr>
+                        <a:t>72,5%</a:t>
+                      </a:r>
+                      <a:endParaRPr lang="pt-BR" sz="1400" b="0" i="0" u="none" strike="noStrike">
+                        <a:solidFill>
+                          <a:schemeClr val="tx1">
+                            <a:lumMod val="75000"/>
+                            <a:lumOff val="25000"/>
+                          </a:schemeClr>
+                        </a:solidFill>
+                        <a:effectLst/>
+                        <a:latin typeface="Calibri" panose="020F0502020204030204" pitchFamily="34" charset="0"/>
+                      </a:endParaRPr>
+                    </a:p>
+                  </a:txBody>
+                  <a:tcPr marL="167721" marR="15913" marT="83860" marB="83860" anchor="b">
+                    <a:lnL w="9525" cap="flat" cmpd="sng" algn="ctr">
+                      <a:solidFill>
+                        <a:srgbClr val="D8DEDC"/>
+                      </a:solidFill>
+                      <a:prstDash val="solid"/>
+                    </a:lnL>
+                    <a:lnR w="9525" cap="flat" cmpd="sng" algn="ctr">
+                      <a:solidFill>
+                        <a:srgbClr val="D8DEDC"/>
+                      </a:solidFill>
+                      <a:prstDash val="solid"/>
+                    </a:lnR>
+                    <a:lnT w="9525" cap="flat" cmpd="sng" algn="ctr">
+                      <a:solidFill>
+                        <a:srgbClr val="D8DCDC"/>
+                      </a:solidFill>
+                      <a:prstDash val="solid"/>
+                    </a:lnT>
+                    <a:lnB w="9525" cap="flat" cmpd="sng" algn="ctr">
+                      <a:solidFill>
+                        <a:srgbClr val="D8DCDC"/>
+                      </a:solidFill>
+                      <a:prstDash val="solid"/>
+                    </a:lnB>
+                    <a:noFill/>
+                  </a:tcPr>
+                </a:tc>
+                <a:extLst>
+                  <a:ext uri="{0D108BD9-81ED-4DB2-BD59-A6C34878D82A}">
+                    <a16:rowId xmlns:a16="http://schemas.microsoft.com/office/drawing/2014/main" val="1756492351"/>
+                  </a:ext>
+                </a:extLst>
+              </a:tr>
+              <a:tr h="410916">
+                <a:tc>
+                  <a:txBody>
+                    <a:bodyPr/>
+                    <a:lstStyle/>
+                    <a:p>
+                      <a:pPr algn="ctr" fontAlgn="b"/>
+                      <a:r>
+                        <a:rPr lang="pt-BR" sz="1400" u="none" strike="noStrike">
+                          <a:solidFill>
+                            <a:schemeClr val="tx1">
+                              <a:lumMod val="75000"/>
+                              <a:lumOff val="25000"/>
+                            </a:schemeClr>
+                          </a:solidFill>
+                          <a:effectLst/>
+                        </a:rPr>
+                        <a:t>120</a:t>
+                      </a:r>
+                      <a:endParaRPr lang="pt-BR" sz="1400" b="0" i="0" u="none" strike="noStrike">
+                        <a:solidFill>
+                          <a:schemeClr val="tx1">
+                            <a:lumMod val="75000"/>
+                            <a:lumOff val="25000"/>
+                          </a:schemeClr>
+                        </a:solidFill>
+                        <a:effectLst/>
+                        <a:latin typeface="Calibri" panose="020F0502020204030204" pitchFamily="34" charset="0"/>
+                      </a:endParaRPr>
+                    </a:p>
+                  </a:txBody>
+                  <a:tcPr marL="167721" marR="15913" marT="83860" marB="83860" anchor="b">
+                    <a:lnL w="9525" cap="flat" cmpd="sng" algn="ctr">
+                      <a:solidFill>
+                        <a:srgbClr val="D8DCDC"/>
+                      </a:solidFill>
+                      <a:prstDash val="solid"/>
+                    </a:lnL>
+                    <a:lnR w="9525" cap="flat" cmpd="sng" algn="ctr">
+                      <a:solidFill>
+                        <a:srgbClr val="D8DCDC"/>
+                      </a:solidFill>
+                      <a:prstDash val="solid"/>
+                    </a:lnR>
+                    <a:lnT w="9525" cap="flat" cmpd="sng" algn="ctr">
+                      <a:solidFill>
+                        <a:srgbClr val="D8DCDC"/>
+                      </a:solidFill>
+                      <a:prstDash val="solid"/>
+                    </a:lnT>
+                    <a:lnB w="9525" cap="flat" cmpd="sng" algn="ctr">
+                      <a:solidFill>
+                        <a:srgbClr val="D8DCDC"/>
+                      </a:solidFill>
+                      <a:prstDash val="solid"/>
+                    </a:lnB>
+                    <a:solidFill>
+                      <a:srgbClr val="D8DEDC">
+                        <a:alpha val="20000"/>
+                      </a:srgbClr>
+                    </a:solidFill>
+                  </a:tcPr>
+                </a:tc>
+                <a:tc>
+                  <a:txBody>
+                    <a:bodyPr/>
+                    <a:lstStyle/>
+                    <a:p>
+                      <a:pPr algn="ctr" fontAlgn="b"/>
+                      <a:r>
+                        <a:rPr lang="pt-BR" sz="1400" u="none" strike="noStrike">
+                          <a:solidFill>
+                            <a:schemeClr val="tx1">
+                              <a:lumMod val="75000"/>
+                              <a:lumOff val="25000"/>
+                            </a:schemeClr>
+                          </a:solidFill>
+                          <a:effectLst/>
+                        </a:rPr>
+                        <a:t>40</a:t>
+                      </a:r>
+                      <a:endParaRPr lang="pt-BR" sz="1400" b="0" i="0" u="none" strike="noStrike">
+                        <a:solidFill>
+                          <a:schemeClr val="tx1">
+                            <a:lumMod val="75000"/>
+                            <a:lumOff val="25000"/>
+                          </a:schemeClr>
+                        </a:solidFill>
+                        <a:effectLst/>
+                        <a:latin typeface="Calibri" panose="020F0502020204030204" pitchFamily="34" charset="0"/>
+                      </a:endParaRPr>
+                    </a:p>
+                  </a:txBody>
+                  <a:tcPr marL="167721" marR="15913" marT="83860" marB="83860" anchor="b">
+                    <a:lnL w="9525" cap="flat" cmpd="sng" algn="ctr">
+                      <a:solidFill>
+                        <a:srgbClr val="D8DCDC"/>
+                      </a:solidFill>
+                      <a:prstDash val="solid"/>
+                    </a:lnL>
+                    <a:lnR w="9525" cap="flat" cmpd="sng" algn="ctr">
+                      <a:solidFill>
+                        <a:srgbClr val="D8DCDC"/>
+                      </a:solidFill>
+                      <a:prstDash val="solid"/>
+                    </a:lnR>
+                    <a:lnT w="9525" cap="flat" cmpd="sng" algn="ctr">
+                      <a:solidFill>
+                        <a:srgbClr val="D8DCDC"/>
+                      </a:solidFill>
+                      <a:prstDash val="solid"/>
+                    </a:lnT>
+                    <a:lnB w="9525" cap="flat" cmpd="sng" algn="ctr">
+                      <a:solidFill>
+                        <a:srgbClr val="D8DCDC"/>
+                      </a:solidFill>
+                      <a:prstDash val="solid"/>
+                    </a:lnB>
+                    <a:solidFill>
+                      <a:srgbClr val="D8DEDC">
+                        <a:alpha val="20000"/>
+                      </a:srgbClr>
+                    </a:solidFill>
+                  </a:tcPr>
+                </a:tc>
+                <a:tc>
+                  <a:txBody>
+                    <a:bodyPr/>
+                    <a:lstStyle/>
+                    <a:p>
+                      <a:pPr algn="ctr" fontAlgn="b"/>
+                      <a:r>
+                        <a:rPr lang="pt-BR" sz="1400" u="none" strike="noStrike">
+                          <a:solidFill>
+                            <a:schemeClr val="tx1">
+                              <a:lumMod val="75000"/>
+                              <a:lumOff val="25000"/>
+                            </a:schemeClr>
+                          </a:solidFill>
+                          <a:effectLst/>
+                        </a:rPr>
+                        <a:t>77,5%</a:t>
+                      </a:r>
+                      <a:endParaRPr lang="pt-BR" sz="1400" b="0" i="0" u="none" strike="noStrike">
+                        <a:solidFill>
+                          <a:schemeClr val="tx1">
+                            <a:lumMod val="75000"/>
+                            <a:lumOff val="25000"/>
+                          </a:schemeClr>
+                        </a:solidFill>
+                        <a:effectLst/>
+                        <a:latin typeface="Calibri" panose="020F0502020204030204" pitchFamily="34" charset="0"/>
+                      </a:endParaRPr>
+                    </a:p>
+                  </a:txBody>
+                  <a:tcPr marL="167721" marR="15913" marT="83860" marB="83860" anchor="b">
+                    <a:lnL w="9525" cap="flat" cmpd="sng" algn="ctr">
+                      <a:solidFill>
+                        <a:srgbClr val="D8DCDC"/>
+                      </a:solidFill>
+                      <a:prstDash val="solid"/>
+                    </a:lnL>
+                    <a:lnR w="9525" cap="flat" cmpd="sng" algn="ctr">
+                      <a:solidFill>
+                        <a:srgbClr val="D8DCDC"/>
+                      </a:solidFill>
+                      <a:prstDash val="solid"/>
+                    </a:lnR>
+                    <a:lnT w="9525" cap="flat" cmpd="sng" algn="ctr">
+                      <a:solidFill>
+                        <a:srgbClr val="D8DCDC"/>
+                      </a:solidFill>
+                      <a:prstDash val="solid"/>
+                    </a:lnT>
+                    <a:lnB w="9525" cap="flat" cmpd="sng" algn="ctr">
+                      <a:solidFill>
+                        <a:srgbClr val="D8DCDC"/>
+                      </a:solidFill>
+                      <a:prstDash val="solid"/>
+                    </a:lnB>
+                    <a:solidFill>
+                      <a:srgbClr val="D8DEDC">
+                        <a:alpha val="20000"/>
+                      </a:srgbClr>
+                    </a:solidFill>
+                  </a:tcPr>
+                </a:tc>
+                <a:tc>
+                  <a:txBody>
+                    <a:bodyPr/>
+                    <a:lstStyle/>
+                    <a:p>
+                      <a:pPr algn="ctr" fontAlgn="b"/>
+                      <a:r>
+                        <a:rPr lang="pt-BR" sz="1400" u="none" strike="noStrike">
+                          <a:solidFill>
+                            <a:schemeClr val="tx1">
+                              <a:lumMod val="75000"/>
+                              <a:lumOff val="25000"/>
+                            </a:schemeClr>
+                          </a:solidFill>
+                          <a:effectLst/>
+                        </a:rPr>
+                        <a:t>75,0%</a:t>
+                      </a:r>
+                      <a:endParaRPr lang="pt-BR" sz="1400" b="0" i="0" u="none" strike="noStrike">
+                        <a:solidFill>
+                          <a:schemeClr val="tx1">
+                            <a:lumMod val="75000"/>
+                            <a:lumOff val="25000"/>
+                          </a:schemeClr>
+                        </a:solidFill>
+                        <a:effectLst/>
+                        <a:latin typeface="Calibri" panose="020F0502020204030204" pitchFamily="34" charset="0"/>
+                      </a:endParaRPr>
+                    </a:p>
+                  </a:txBody>
+                  <a:tcPr marL="167721" marR="15913" marT="83860" marB="83860" anchor="b">
+                    <a:lnL w="9525" cap="flat" cmpd="sng" algn="ctr">
+                      <a:solidFill>
+                        <a:srgbClr val="D8DCDC"/>
+                      </a:solidFill>
+                      <a:prstDash val="solid"/>
+                    </a:lnL>
+                    <a:lnR w="9525" cap="flat" cmpd="sng" algn="ctr">
+                      <a:solidFill>
+                        <a:srgbClr val="D8DCDC"/>
+                      </a:solidFill>
+                      <a:prstDash val="solid"/>
+                    </a:lnR>
+                    <a:lnT w="9525" cap="flat" cmpd="sng" algn="ctr">
+                      <a:solidFill>
+                        <a:srgbClr val="D8DCDC"/>
+                      </a:solidFill>
+                      <a:prstDash val="solid"/>
+                    </a:lnT>
+                    <a:lnB w="9525" cap="flat" cmpd="sng" algn="ctr">
+                      <a:solidFill>
+                        <a:srgbClr val="D8DCDC"/>
+                      </a:solidFill>
+                      <a:prstDash val="solid"/>
+                    </a:lnB>
+                    <a:solidFill>
+                      <a:srgbClr val="D8DEDC">
+                        <a:alpha val="20000"/>
+                      </a:srgbClr>
+                    </a:solidFill>
+                  </a:tcPr>
+                </a:tc>
+                <a:tc>
+                  <a:txBody>
+                    <a:bodyPr/>
+                    <a:lstStyle/>
+                    <a:p>
+                      <a:pPr algn="ctr" fontAlgn="b"/>
+                      <a:r>
+                        <a:rPr lang="pt-BR" sz="1400" u="none" strike="noStrike">
+                          <a:solidFill>
+                            <a:schemeClr val="tx1">
+                              <a:lumMod val="75000"/>
+                              <a:lumOff val="25000"/>
+                            </a:schemeClr>
+                          </a:solidFill>
+                          <a:effectLst/>
+                        </a:rPr>
+                        <a:t>75,0%</a:t>
+                      </a:r>
+                      <a:endParaRPr lang="pt-BR" sz="1400" b="0" i="0" u="none" strike="noStrike">
+                        <a:solidFill>
+                          <a:schemeClr val="tx1">
+                            <a:lumMod val="75000"/>
+                            <a:lumOff val="25000"/>
+                          </a:schemeClr>
+                        </a:solidFill>
+                        <a:effectLst/>
+                        <a:latin typeface="Calibri" panose="020F0502020204030204" pitchFamily="34" charset="0"/>
+                      </a:endParaRPr>
+                    </a:p>
+                  </a:txBody>
+                  <a:tcPr marL="167721" marR="15913" marT="83860" marB="83860" anchor="b">
+                    <a:lnL w="9525" cap="flat" cmpd="sng" algn="ctr">
+                      <a:solidFill>
+                        <a:srgbClr val="D8DCDC"/>
+                      </a:solidFill>
+                      <a:prstDash val="solid"/>
+                    </a:lnL>
+                    <a:lnR w="9525" cap="flat" cmpd="sng" algn="ctr">
+                      <a:solidFill>
+                        <a:srgbClr val="D8DCDC"/>
+                      </a:solidFill>
+                      <a:prstDash val="solid"/>
+                    </a:lnR>
+                    <a:lnT w="9525" cap="flat" cmpd="sng" algn="ctr">
+                      <a:solidFill>
+                        <a:srgbClr val="D8DCDC"/>
+                      </a:solidFill>
+                      <a:prstDash val="solid"/>
+                    </a:lnT>
+                    <a:lnB w="9525" cap="flat" cmpd="sng" algn="ctr">
+                      <a:solidFill>
+                        <a:srgbClr val="D8DCDC"/>
+                      </a:solidFill>
+                      <a:prstDash val="solid"/>
+                    </a:lnB>
+                    <a:solidFill>
+                      <a:srgbClr val="D8DEDC">
+                        <a:alpha val="20000"/>
+                      </a:srgbClr>
+                    </a:solidFill>
+                  </a:tcPr>
+                </a:tc>
+                <a:extLst>
+                  <a:ext uri="{0D108BD9-81ED-4DB2-BD59-A6C34878D82A}">
+                    <a16:rowId xmlns:a16="http://schemas.microsoft.com/office/drawing/2014/main" val="2498082664"/>
+                  </a:ext>
+                </a:extLst>
+              </a:tr>
+              <a:tr h="410916">
+                <a:tc>
+                  <a:txBody>
+                    <a:bodyPr/>
+                    <a:lstStyle/>
+                    <a:p>
+                      <a:pPr algn="ctr" fontAlgn="b"/>
+                      <a:r>
+                        <a:rPr lang="pt-BR" sz="1400" u="none" strike="noStrike">
+                          <a:solidFill>
+                            <a:schemeClr val="tx1">
+                              <a:lumMod val="75000"/>
+                              <a:lumOff val="25000"/>
+                            </a:schemeClr>
+                          </a:solidFill>
+                          <a:effectLst/>
+                        </a:rPr>
+                        <a:t>160</a:t>
+                      </a:r>
+                      <a:endParaRPr lang="pt-BR" sz="1400" b="0" i="0" u="none" strike="noStrike">
+                        <a:solidFill>
+                          <a:schemeClr val="tx1">
+                            <a:lumMod val="75000"/>
+                            <a:lumOff val="25000"/>
+                          </a:schemeClr>
+                        </a:solidFill>
+                        <a:effectLst/>
+                        <a:latin typeface="Calibri" panose="020F0502020204030204" pitchFamily="34" charset="0"/>
+                      </a:endParaRPr>
+                    </a:p>
+                  </a:txBody>
+                  <a:tcPr marL="167721" marR="15913" marT="83860" marB="83860" anchor="b">
+                    <a:lnL w="9525" cap="flat" cmpd="sng" algn="ctr">
+                      <a:solidFill>
+                        <a:srgbClr val="D8DEDC"/>
+                      </a:solidFill>
+                      <a:prstDash val="solid"/>
+                    </a:lnL>
+                    <a:lnR w="9525" cap="flat" cmpd="sng" algn="ctr">
+                      <a:solidFill>
+                        <a:srgbClr val="D8DEDC"/>
+                      </a:solidFill>
+                      <a:prstDash val="solid"/>
+                    </a:lnR>
+                    <a:lnT w="9525" cap="flat" cmpd="sng" algn="ctr">
+                      <a:solidFill>
+                        <a:srgbClr val="D8DCDC"/>
+                      </a:solidFill>
+                      <a:prstDash val="solid"/>
+                    </a:lnT>
+                    <a:lnB w="9525" cap="flat" cmpd="sng" algn="ctr">
+                      <a:solidFill>
+                        <a:srgbClr val="D8DCDC"/>
+                      </a:solidFill>
+                      <a:prstDash val="solid"/>
+                    </a:lnB>
+                    <a:noFill/>
+                  </a:tcPr>
+                </a:tc>
+                <a:tc>
+                  <a:txBody>
+                    <a:bodyPr/>
+                    <a:lstStyle/>
+                    <a:p>
+                      <a:pPr algn="ctr" fontAlgn="b"/>
+                      <a:r>
+                        <a:rPr lang="pt-BR" sz="1400" u="none" strike="noStrike">
+                          <a:solidFill>
+                            <a:schemeClr val="tx1">
+                              <a:lumMod val="75000"/>
+                              <a:lumOff val="25000"/>
+                            </a:schemeClr>
+                          </a:solidFill>
+                          <a:effectLst/>
+                        </a:rPr>
+                        <a:t>40</a:t>
+                      </a:r>
+                      <a:endParaRPr lang="pt-BR" sz="1400" b="0" i="0" u="none" strike="noStrike">
+                        <a:solidFill>
+                          <a:schemeClr val="tx1">
+                            <a:lumMod val="75000"/>
+                            <a:lumOff val="25000"/>
+                          </a:schemeClr>
+                        </a:solidFill>
+                        <a:effectLst/>
+                        <a:latin typeface="Calibri" panose="020F0502020204030204" pitchFamily="34" charset="0"/>
+                      </a:endParaRPr>
+                    </a:p>
+                  </a:txBody>
+                  <a:tcPr marL="167721" marR="15913" marT="83860" marB="83860" anchor="b">
+                    <a:lnL w="9525" cap="flat" cmpd="sng" algn="ctr">
+                      <a:solidFill>
+                        <a:srgbClr val="D8DEDC"/>
+                      </a:solidFill>
+                      <a:prstDash val="solid"/>
+                    </a:lnL>
+                    <a:lnR w="9525" cap="flat" cmpd="sng" algn="ctr">
+                      <a:solidFill>
+                        <a:srgbClr val="D8DEDC"/>
+                      </a:solidFill>
+                      <a:prstDash val="solid"/>
+                    </a:lnR>
+                    <a:lnT w="9525" cap="flat" cmpd="sng" algn="ctr">
+                      <a:solidFill>
+                        <a:srgbClr val="D8DCDC"/>
+                      </a:solidFill>
+                      <a:prstDash val="solid"/>
+                    </a:lnT>
+                    <a:lnB w="9525" cap="flat" cmpd="sng" algn="ctr">
+                      <a:solidFill>
+                        <a:srgbClr val="D8DCDC"/>
+                      </a:solidFill>
+                      <a:prstDash val="solid"/>
+                    </a:lnB>
+                    <a:noFill/>
+                  </a:tcPr>
+                </a:tc>
+                <a:tc>
+                  <a:txBody>
+                    <a:bodyPr/>
+                    <a:lstStyle/>
+                    <a:p>
+                      <a:pPr algn="ctr" fontAlgn="b"/>
+                      <a:r>
+                        <a:rPr lang="pt-BR" sz="1400" u="none" strike="noStrike">
+                          <a:solidFill>
+                            <a:schemeClr val="tx1">
+                              <a:lumMod val="75000"/>
+                              <a:lumOff val="25000"/>
+                            </a:schemeClr>
+                          </a:solidFill>
+                          <a:effectLst/>
+                        </a:rPr>
+                        <a:t>82,5%</a:t>
+                      </a:r>
+                      <a:endParaRPr lang="pt-BR" sz="1400" b="0" i="0" u="none" strike="noStrike">
+                        <a:solidFill>
+                          <a:schemeClr val="tx1">
+                            <a:lumMod val="75000"/>
+                            <a:lumOff val="25000"/>
+                          </a:schemeClr>
+                        </a:solidFill>
+                        <a:effectLst/>
+                        <a:latin typeface="Calibri" panose="020F0502020204030204" pitchFamily="34" charset="0"/>
+                      </a:endParaRPr>
+                    </a:p>
+                  </a:txBody>
+                  <a:tcPr marL="167721" marR="15913" marT="83860" marB="83860" anchor="b">
+                    <a:lnL w="9525" cap="flat" cmpd="sng" algn="ctr">
+                      <a:solidFill>
+                        <a:srgbClr val="D8DEDC"/>
+                      </a:solidFill>
+                      <a:prstDash val="solid"/>
+                    </a:lnL>
+                    <a:lnR w="9525" cap="flat" cmpd="sng" algn="ctr">
+                      <a:solidFill>
+                        <a:srgbClr val="D8DEDC"/>
+                      </a:solidFill>
+                      <a:prstDash val="solid"/>
+                    </a:lnR>
+                    <a:lnT w="9525" cap="flat" cmpd="sng" algn="ctr">
+                      <a:solidFill>
+                        <a:srgbClr val="D8DCDC"/>
+                      </a:solidFill>
+                      <a:prstDash val="solid"/>
+                    </a:lnT>
+                    <a:lnB w="9525" cap="flat" cmpd="sng" algn="ctr">
+                      <a:solidFill>
+                        <a:srgbClr val="D8DCDC"/>
+                      </a:solidFill>
+                      <a:prstDash val="solid"/>
+                    </a:lnB>
+                    <a:noFill/>
+                  </a:tcPr>
+                </a:tc>
+                <a:tc>
+                  <a:txBody>
+                    <a:bodyPr/>
+                    <a:lstStyle/>
+                    <a:p>
+                      <a:pPr algn="ctr" fontAlgn="b"/>
+                      <a:r>
+                        <a:rPr lang="pt-BR" sz="1400" u="none" strike="noStrike">
+                          <a:solidFill>
+                            <a:schemeClr val="tx1">
+                              <a:lumMod val="75000"/>
+                              <a:lumOff val="25000"/>
+                            </a:schemeClr>
+                          </a:solidFill>
+                          <a:effectLst/>
+                        </a:rPr>
+                        <a:t>82,5%</a:t>
+                      </a:r>
+                      <a:endParaRPr lang="pt-BR" sz="1400" b="0" i="0" u="none" strike="noStrike">
+                        <a:solidFill>
+                          <a:schemeClr val="tx1">
+                            <a:lumMod val="75000"/>
+                            <a:lumOff val="25000"/>
+                          </a:schemeClr>
+                        </a:solidFill>
+                        <a:effectLst/>
+                        <a:latin typeface="Calibri" panose="020F0502020204030204" pitchFamily="34" charset="0"/>
+                      </a:endParaRPr>
+                    </a:p>
+                  </a:txBody>
+                  <a:tcPr marL="167721" marR="15913" marT="83860" marB="83860" anchor="b">
+                    <a:lnL w="9525" cap="flat" cmpd="sng" algn="ctr">
+                      <a:solidFill>
+                        <a:srgbClr val="D8DEDC"/>
+                      </a:solidFill>
+                      <a:prstDash val="solid"/>
+                    </a:lnL>
+                    <a:lnR w="9525" cap="flat" cmpd="sng" algn="ctr">
+                      <a:solidFill>
+                        <a:srgbClr val="D8DEDC"/>
+                      </a:solidFill>
+                      <a:prstDash val="solid"/>
+                    </a:lnR>
+                    <a:lnT w="9525" cap="flat" cmpd="sng" algn="ctr">
+                      <a:solidFill>
+                        <a:srgbClr val="D8DCDC"/>
+                      </a:solidFill>
+                      <a:prstDash val="solid"/>
+                    </a:lnT>
+                    <a:lnB w="9525" cap="flat" cmpd="sng" algn="ctr">
+                      <a:solidFill>
+                        <a:srgbClr val="D8DCDC"/>
+                      </a:solidFill>
+                      <a:prstDash val="solid"/>
+                    </a:lnB>
+                    <a:noFill/>
+                  </a:tcPr>
+                </a:tc>
+                <a:tc>
+                  <a:txBody>
+                    <a:bodyPr/>
+                    <a:lstStyle/>
+                    <a:p>
+                      <a:pPr algn="ctr" fontAlgn="b"/>
+                      <a:r>
+                        <a:rPr lang="pt-BR" sz="1400" u="none" strike="noStrike">
+                          <a:solidFill>
+                            <a:schemeClr val="tx1">
+                              <a:lumMod val="75000"/>
+                              <a:lumOff val="25000"/>
+                            </a:schemeClr>
+                          </a:solidFill>
+                          <a:effectLst/>
+                        </a:rPr>
+                        <a:t>82,5%</a:t>
+                      </a:r>
+                      <a:endParaRPr lang="pt-BR" sz="1400" b="0" i="0" u="none" strike="noStrike">
+                        <a:solidFill>
+                          <a:schemeClr val="tx1">
+                            <a:lumMod val="75000"/>
+                            <a:lumOff val="25000"/>
+                          </a:schemeClr>
+                        </a:solidFill>
+                        <a:effectLst/>
+                        <a:latin typeface="Calibri" panose="020F0502020204030204" pitchFamily="34" charset="0"/>
+                      </a:endParaRPr>
+                    </a:p>
+                  </a:txBody>
+                  <a:tcPr marL="167721" marR="15913" marT="83860" marB="83860" anchor="b">
+                    <a:lnL w="9525" cap="flat" cmpd="sng" algn="ctr">
+                      <a:solidFill>
+                        <a:srgbClr val="D8DEDC"/>
+                      </a:solidFill>
+                      <a:prstDash val="solid"/>
+                    </a:lnL>
+                    <a:lnR w="9525" cap="flat" cmpd="sng" algn="ctr">
+                      <a:solidFill>
+                        <a:srgbClr val="D8DEDC"/>
+                      </a:solidFill>
+                      <a:prstDash val="solid"/>
+                    </a:lnR>
+                    <a:lnT w="9525" cap="flat" cmpd="sng" algn="ctr">
+                      <a:solidFill>
+                        <a:srgbClr val="D8DCDC"/>
+                      </a:solidFill>
+                      <a:prstDash val="solid"/>
+                    </a:lnT>
+                    <a:lnB w="9525" cap="flat" cmpd="sng" algn="ctr">
+                      <a:solidFill>
+                        <a:srgbClr val="D8DCDC"/>
+                      </a:solidFill>
+                      <a:prstDash val="solid"/>
+                    </a:lnB>
+                    <a:noFill/>
+                  </a:tcPr>
+                </a:tc>
+                <a:extLst>
+                  <a:ext uri="{0D108BD9-81ED-4DB2-BD59-A6C34878D82A}">
+                    <a16:rowId xmlns:a16="http://schemas.microsoft.com/office/drawing/2014/main" val="919929150"/>
+                  </a:ext>
+                </a:extLst>
+              </a:tr>
+              <a:tr h="410916">
+                <a:tc>
+                  <a:txBody>
+                    <a:bodyPr/>
+                    <a:lstStyle/>
+                    <a:p>
+                      <a:pPr algn="ctr" fontAlgn="b"/>
+                      <a:r>
+                        <a:rPr lang="pt-BR" sz="1400" u="none" strike="noStrike">
+                          <a:solidFill>
+                            <a:schemeClr val="tx1">
+                              <a:lumMod val="75000"/>
+                              <a:lumOff val="25000"/>
+                            </a:schemeClr>
+                          </a:solidFill>
+                          <a:effectLst/>
+                        </a:rPr>
+                        <a:t>200</a:t>
+                      </a:r>
+                      <a:endParaRPr lang="pt-BR" sz="1400" b="0" i="0" u="none" strike="noStrike">
+                        <a:solidFill>
+                          <a:schemeClr val="tx1">
+                            <a:lumMod val="75000"/>
+                            <a:lumOff val="25000"/>
+                          </a:schemeClr>
+                        </a:solidFill>
+                        <a:effectLst/>
+                        <a:latin typeface="Calibri" panose="020F0502020204030204" pitchFamily="34" charset="0"/>
+                      </a:endParaRPr>
+                    </a:p>
+                  </a:txBody>
+                  <a:tcPr marL="167721" marR="15913" marT="83860" marB="83860" anchor="b">
+                    <a:lnL w="9525" cap="flat" cmpd="sng" algn="ctr">
+                      <a:solidFill>
+                        <a:srgbClr val="D8DCDC"/>
+                      </a:solidFill>
+                      <a:prstDash val="solid"/>
+                    </a:lnL>
+                    <a:lnR w="9525" cap="flat" cmpd="sng" algn="ctr">
+                      <a:solidFill>
+                        <a:srgbClr val="D8DCDC"/>
+                      </a:solidFill>
+                      <a:prstDash val="solid"/>
+                    </a:lnR>
+                    <a:lnT w="9525" cap="flat" cmpd="sng" algn="ctr">
+                      <a:solidFill>
+                        <a:srgbClr val="D8DCDC"/>
+                      </a:solidFill>
+                      <a:prstDash val="solid"/>
+                    </a:lnT>
+                    <a:lnB w="9525" cap="flat" cmpd="sng" algn="ctr">
+                      <a:solidFill>
+                        <a:srgbClr val="D8DCDC"/>
+                      </a:solidFill>
+                      <a:prstDash val="solid"/>
+                    </a:lnB>
+                    <a:solidFill>
+                      <a:srgbClr val="D8DEDC">
+                        <a:alpha val="20000"/>
+                      </a:srgbClr>
+                    </a:solidFill>
+                  </a:tcPr>
+                </a:tc>
+                <a:tc>
+                  <a:txBody>
+                    <a:bodyPr/>
+                    <a:lstStyle/>
+                    <a:p>
+                      <a:pPr algn="ctr" fontAlgn="b"/>
+                      <a:r>
+                        <a:rPr lang="pt-BR" sz="1400" u="none" strike="noStrike">
+                          <a:solidFill>
+                            <a:schemeClr val="tx1">
+                              <a:lumMod val="75000"/>
+                              <a:lumOff val="25000"/>
+                            </a:schemeClr>
+                          </a:solidFill>
+                          <a:effectLst/>
+                        </a:rPr>
+                        <a:t>40</a:t>
+                      </a:r>
+                      <a:endParaRPr lang="pt-BR" sz="1400" b="0" i="0" u="none" strike="noStrike">
+                        <a:solidFill>
+                          <a:schemeClr val="tx1">
+                            <a:lumMod val="75000"/>
+                            <a:lumOff val="25000"/>
+                          </a:schemeClr>
+                        </a:solidFill>
+                        <a:effectLst/>
+                        <a:latin typeface="Calibri" panose="020F0502020204030204" pitchFamily="34" charset="0"/>
+                      </a:endParaRPr>
+                    </a:p>
+                  </a:txBody>
+                  <a:tcPr marL="167721" marR="15913" marT="83860" marB="83860" anchor="b">
+                    <a:lnL w="9525" cap="flat" cmpd="sng" algn="ctr">
+                      <a:solidFill>
+                        <a:srgbClr val="D8DCDC"/>
+                      </a:solidFill>
+                      <a:prstDash val="solid"/>
+                    </a:lnL>
+                    <a:lnR w="9525" cap="flat" cmpd="sng" algn="ctr">
+                      <a:solidFill>
+                        <a:srgbClr val="D8DCDC"/>
+                      </a:solidFill>
+                      <a:prstDash val="solid"/>
+                    </a:lnR>
+                    <a:lnT w="9525" cap="flat" cmpd="sng" algn="ctr">
+                      <a:solidFill>
+                        <a:srgbClr val="D8DCDC"/>
+                      </a:solidFill>
+                      <a:prstDash val="solid"/>
+                    </a:lnT>
+                    <a:lnB w="9525" cap="flat" cmpd="sng" algn="ctr">
+                      <a:solidFill>
+                        <a:srgbClr val="D8DCDC"/>
+                      </a:solidFill>
+                      <a:prstDash val="solid"/>
+                    </a:lnB>
+                    <a:solidFill>
+                      <a:srgbClr val="D8DEDC">
+                        <a:alpha val="20000"/>
+                      </a:srgbClr>
+                    </a:solidFill>
+                  </a:tcPr>
+                </a:tc>
+                <a:tc>
+                  <a:txBody>
+                    <a:bodyPr/>
+                    <a:lstStyle/>
+                    <a:p>
+                      <a:pPr algn="ctr" fontAlgn="b"/>
+                      <a:r>
+                        <a:rPr lang="pt-BR" sz="1400" u="none" strike="noStrike">
+                          <a:solidFill>
+                            <a:schemeClr val="tx1">
+                              <a:lumMod val="75000"/>
+                              <a:lumOff val="25000"/>
+                            </a:schemeClr>
+                          </a:solidFill>
+                          <a:effectLst/>
+                        </a:rPr>
+                        <a:t>82,5%</a:t>
+                      </a:r>
+                      <a:endParaRPr lang="pt-BR" sz="1400" b="0" i="0" u="none" strike="noStrike">
+                        <a:solidFill>
+                          <a:schemeClr val="tx1">
+                            <a:lumMod val="75000"/>
+                            <a:lumOff val="25000"/>
+                          </a:schemeClr>
+                        </a:solidFill>
+                        <a:effectLst/>
+                        <a:latin typeface="Calibri" panose="020F0502020204030204" pitchFamily="34" charset="0"/>
+                      </a:endParaRPr>
+                    </a:p>
+                  </a:txBody>
+                  <a:tcPr marL="167721" marR="15913" marT="83860" marB="83860" anchor="b">
+                    <a:lnL w="9525" cap="flat" cmpd="sng" algn="ctr">
+                      <a:solidFill>
+                        <a:srgbClr val="D8DCDC"/>
+                      </a:solidFill>
+                      <a:prstDash val="solid"/>
+                    </a:lnL>
+                    <a:lnR w="9525" cap="flat" cmpd="sng" algn="ctr">
+                      <a:solidFill>
+                        <a:srgbClr val="D8DCDC"/>
+                      </a:solidFill>
+                      <a:prstDash val="solid"/>
+                    </a:lnR>
+                    <a:lnT w="9525" cap="flat" cmpd="sng" algn="ctr">
+                      <a:solidFill>
+                        <a:srgbClr val="D8DCDC"/>
+                      </a:solidFill>
+                      <a:prstDash val="solid"/>
+                    </a:lnT>
+                    <a:lnB w="9525" cap="flat" cmpd="sng" algn="ctr">
+                      <a:solidFill>
+                        <a:srgbClr val="D8DCDC"/>
+                      </a:solidFill>
+                      <a:prstDash val="solid"/>
+                    </a:lnB>
+                    <a:solidFill>
+                      <a:srgbClr val="D8DEDC">
+                        <a:alpha val="20000"/>
+                      </a:srgbClr>
+                    </a:solidFill>
+                  </a:tcPr>
+                </a:tc>
+                <a:tc>
+                  <a:txBody>
+                    <a:bodyPr/>
+                    <a:lstStyle/>
+                    <a:p>
+                      <a:pPr algn="ctr" fontAlgn="b"/>
+                      <a:r>
+                        <a:rPr lang="pt-BR" sz="1400" u="none" strike="noStrike">
+                          <a:solidFill>
+                            <a:schemeClr val="tx1">
+                              <a:lumMod val="75000"/>
+                              <a:lumOff val="25000"/>
+                            </a:schemeClr>
+                          </a:solidFill>
+                          <a:effectLst/>
+                        </a:rPr>
+                        <a:t>85,0%</a:t>
+                      </a:r>
+                      <a:endParaRPr lang="pt-BR" sz="1400" b="0" i="0" u="none" strike="noStrike">
+                        <a:solidFill>
+                          <a:schemeClr val="tx1">
+                            <a:lumMod val="75000"/>
+                            <a:lumOff val="25000"/>
+                          </a:schemeClr>
+                        </a:solidFill>
+                        <a:effectLst/>
+                        <a:latin typeface="Calibri" panose="020F0502020204030204" pitchFamily="34" charset="0"/>
+                      </a:endParaRPr>
+                    </a:p>
+                  </a:txBody>
+                  <a:tcPr marL="167721" marR="15913" marT="83860" marB="83860" anchor="b">
+                    <a:lnL w="9525" cap="flat" cmpd="sng" algn="ctr">
+                      <a:solidFill>
+                        <a:srgbClr val="D8DCDC"/>
+                      </a:solidFill>
+                      <a:prstDash val="solid"/>
+                    </a:lnL>
+                    <a:lnR w="9525" cap="flat" cmpd="sng" algn="ctr">
+                      <a:solidFill>
+                        <a:srgbClr val="D8DCDC"/>
+                      </a:solidFill>
+                      <a:prstDash val="solid"/>
+                    </a:lnR>
+                    <a:lnT w="9525" cap="flat" cmpd="sng" algn="ctr">
+                      <a:solidFill>
+                        <a:srgbClr val="D8DCDC"/>
+                      </a:solidFill>
+                      <a:prstDash val="solid"/>
+                    </a:lnT>
+                    <a:lnB w="9525" cap="flat" cmpd="sng" algn="ctr">
+                      <a:solidFill>
+                        <a:srgbClr val="D8DCDC"/>
+                      </a:solidFill>
+                      <a:prstDash val="solid"/>
+                    </a:lnB>
+                    <a:solidFill>
+                      <a:srgbClr val="D8DEDC">
+                        <a:alpha val="20000"/>
+                      </a:srgbClr>
+                    </a:solidFill>
+                  </a:tcPr>
+                </a:tc>
+                <a:tc>
+                  <a:txBody>
+                    <a:bodyPr/>
+                    <a:lstStyle/>
+                    <a:p>
+                      <a:pPr algn="ctr" fontAlgn="b"/>
+                      <a:r>
+                        <a:rPr lang="pt-BR" sz="1400" u="none" strike="noStrike">
+                          <a:solidFill>
+                            <a:schemeClr val="tx1">
+                              <a:lumMod val="75000"/>
+                              <a:lumOff val="25000"/>
+                            </a:schemeClr>
+                          </a:solidFill>
+                          <a:effectLst/>
+                        </a:rPr>
+                        <a:t>80,0%</a:t>
+                      </a:r>
+                      <a:endParaRPr lang="pt-BR" sz="1400" b="0" i="0" u="none" strike="noStrike">
+                        <a:solidFill>
+                          <a:schemeClr val="tx1">
+                            <a:lumMod val="75000"/>
+                            <a:lumOff val="25000"/>
+                          </a:schemeClr>
+                        </a:solidFill>
+                        <a:effectLst/>
+                        <a:latin typeface="Calibri" panose="020F0502020204030204" pitchFamily="34" charset="0"/>
+                      </a:endParaRPr>
+                    </a:p>
+                  </a:txBody>
+                  <a:tcPr marL="167721" marR="15913" marT="83860" marB="83860" anchor="b">
+                    <a:lnL w="9525" cap="flat" cmpd="sng" algn="ctr">
+                      <a:solidFill>
+                        <a:srgbClr val="D8DCDC"/>
+                      </a:solidFill>
+                      <a:prstDash val="solid"/>
+                    </a:lnL>
+                    <a:lnR w="9525" cap="flat" cmpd="sng" algn="ctr">
+                      <a:solidFill>
+                        <a:srgbClr val="D8DCDC"/>
+                      </a:solidFill>
+                      <a:prstDash val="solid"/>
+                    </a:lnR>
+                    <a:lnT w="9525" cap="flat" cmpd="sng" algn="ctr">
+                      <a:solidFill>
+                        <a:srgbClr val="D8DCDC"/>
+                      </a:solidFill>
+                      <a:prstDash val="solid"/>
+                    </a:lnT>
+                    <a:lnB w="9525" cap="flat" cmpd="sng" algn="ctr">
+                      <a:solidFill>
+                        <a:srgbClr val="D8DCDC"/>
+                      </a:solidFill>
+                      <a:prstDash val="solid"/>
+                    </a:lnB>
+                    <a:solidFill>
+                      <a:srgbClr val="D8DEDC">
+                        <a:alpha val="20000"/>
+                      </a:srgbClr>
+                    </a:solidFill>
+                  </a:tcPr>
+                </a:tc>
+                <a:extLst>
+                  <a:ext uri="{0D108BD9-81ED-4DB2-BD59-A6C34878D82A}">
+                    <a16:rowId xmlns:a16="http://schemas.microsoft.com/office/drawing/2014/main" val="1441242549"/>
+                  </a:ext>
+                </a:extLst>
+              </a:tr>
+              <a:tr h="410916">
+                <a:tc>
+                  <a:txBody>
+                    <a:bodyPr/>
+                    <a:lstStyle/>
+                    <a:p>
+                      <a:pPr algn="ctr" fontAlgn="b"/>
+                      <a:r>
+                        <a:rPr lang="pt-BR" sz="1400" u="none" strike="noStrike">
+                          <a:solidFill>
+                            <a:schemeClr val="tx1">
+                              <a:lumMod val="75000"/>
+                              <a:lumOff val="25000"/>
+                            </a:schemeClr>
+                          </a:solidFill>
+                          <a:effectLst/>
+                        </a:rPr>
+                        <a:t>240</a:t>
+                      </a:r>
+                      <a:endParaRPr lang="pt-BR" sz="1400" b="0" i="0" u="none" strike="noStrike">
+                        <a:solidFill>
+                          <a:schemeClr val="tx1">
+                            <a:lumMod val="75000"/>
+                            <a:lumOff val="25000"/>
+                          </a:schemeClr>
+                        </a:solidFill>
+                        <a:effectLst/>
+                        <a:latin typeface="Calibri" panose="020F0502020204030204" pitchFamily="34" charset="0"/>
+                      </a:endParaRPr>
+                    </a:p>
+                  </a:txBody>
+                  <a:tcPr marL="167721" marR="15913" marT="83860" marB="83860" anchor="b">
+                    <a:lnL w="9525" cap="flat" cmpd="sng" algn="ctr">
+                      <a:solidFill>
+                        <a:srgbClr val="D8DEDC"/>
+                      </a:solidFill>
+                      <a:prstDash val="solid"/>
+                    </a:lnL>
+                    <a:lnR w="9525" cap="flat" cmpd="sng" algn="ctr">
+                      <a:solidFill>
+                        <a:srgbClr val="D8DEDC"/>
+                      </a:solidFill>
+                      <a:prstDash val="solid"/>
+                    </a:lnR>
+                    <a:lnT w="9525" cap="flat" cmpd="sng" algn="ctr">
+                      <a:solidFill>
+                        <a:srgbClr val="D8DCDC"/>
+                      </a:solidFill>
+                      <a:prstDash val="solid"/>
+                    </a:lnT>
+                    <a:lnB w="9525" cap="flat" cmpd="sng" algn="ctr">
+                      <a:solidFill>
+                        <a:srgbClr val="D8DCDC"/>
+                      </a:solidFill>
+                      <a:prstDash val="solid"/>
+                    </a:lnB>
+                    <a:noFill/>
+                  </a:tcPr>
+                </a:tc>
+                <a:tc>
+                  <a:txBody>
+                    <a:bodyPr/>
+                    <a:lstStyle/>
+                    <a:p>
+                      <a:pPr algn="ctr" fontAlgn="b"/>
+                      <a:r>
+                        <a:rPr lang="pt-BR" sz="1400" u="none" strike="noStrike">
+                          <a:solidFill>
+                            <a:schemeClr val="tx1">
+                              <a:lumMod val="75000"/>
+                              <a:lumOff val="25000"/>
+                            </a:schemeClr>
+                          </a:solidFill>
+                          <a:effectLst/>
+                        </a:rPr>
+                        <a:t>40</a:t>
+                      </a:r>
+                      <a:endParaRPr lang="pt-BR" sz="1400" b="0" i="0" u="none" strike="noStrike">
+                        <a:solidFill>
+                          <a:schemeClr val="tx1">
+                            <a:lumMod val="75000"/>
+                            <a:lumOff val="25000"/>
+                          </a:schemeClr>
+                        </a:solidFill>
+                        <a:effectLst/>
+                        <a:latin typeface="Calibri" panose="020F0502020204030204" pitchFamily="34" charset="0"/>
+                      </a:endParaRPr>
+                    </a:p>
+                  </a:txBody>
+                  <a:tcPr marL="167721" marR="15913" marT="83860" marB="83860" anchor="b">
+                    <a:lnL w="9525" cap="flat" cmpd="sng" algn="ctr">
+                      <a:solidFill>
+                        <a:srgbClr val="D8DEDC"/>
+                      </a:solidFill>
+                      <a:prstDash val="solid"/>
+                    </a:lnL>
+                    <a:lnR w="9525" cap="flat" cmpd="sng" algn="ctr">
+                      <a:solidFill>
+                        <a:srgbClr val="D8DEDC"/>
+                      </a:solidFill>
+                      <a:prstDash val="solid"/>
+                    </a:lnR>
+                    <a:lnT w="9525" cap="flat" cmpd="sng" algn="ctr">
+                      <a:solidFill>
+                        <a:srgbClr val="D8DCDC"/>
+                      </a:solidFill>
+                      <a:prstDash val="solid"/>
+                    </a:lnT>
+                    <a:lnB w="9525" cap="flat" cmpd="sng" algn="ctr">
+                      <a:solidFill>
+                        <a:srgbClr val="D8DCDC"/>
+                      </a:solidFill>
+                      <a:prstDash val="solid"/>
+                    </a:lnB>
+                    <a:noFill/>
+                  </a:tcPr>
+                </a:tc>
+                <a:tc>
+                  <a:txBody>
+                    <a:bodyPr/>
+                    <a:lstStyle/>
+                    <a:p>
+                      <a:pPr algn="ctr" fontAlgn="b"/>
+                      <a:r>
+                        <a:rPr lang="pt-BR" sz="1400" u="none" strike="noStrike">
+                          <a:solidFill>
+                            <a:schemeClr val="tx1">
+                              <a:lumMod val="75000"/>
+                              <a:lumOff val="25000"/>
+                            </a:schemeClr>
+                          </a:solidFill>
+                          <a:effectLst/>
+                        </a:rPr>
+                        <a:t>82,5%</a:t>
+                      </a:r>
+                      <a:endParaRPr lang="pt-BR" sz="1400" b="0" i="0" u="none" strike="noStrike">
+                        <a:solidFill>
+                          <a:schemeClr val="tx1">
+                            <a:lumMod val="75000"/>
+                            <a:lumOff val="25000"/>
+                          </a:schemeClr>
+                        </a:solidFill>
+                        <a:effectLst/>
+                        <a:latin typeface="Calibri" panose="020F0502020204030204" pitchFamily="34" charset="0"/>
+                      </a:endParaRPr>
+                    </a:p>
+                  </a:txBody>
+                  <a:tcPr marL="167721" marR="15913" marT="83860" marB="83860" anchor="b">
+                    <a:lnL w="9525" cap="flat" cmpd="sng" algn="ctr">
+                      <a:solidFill>
+                        <a:srgbClr val="D8DEDC"/>
+                      </a:solidFill>
+                      <a:prstDash val="solid"/>
+                    </a:lnL>
+                    <a:lnR w="9525" cap="flat" cmpd="sng" algn="ctr">
+                      <a:solidFill>
+                        <a:srgbClr val="D8DEDC"/>
+                      </a:solidFill>
+                      <a:prstDash val="solid"/>
+                    </a:lnR>
+                    <a:lnT w="9525" cap="flat" cmpd="sng" algn="ctr">
+                      <a:solidFill>
+                        <a:srgbClr val="D8DCDC"/>
+                      </a:solidFill>
+                      <a:prstDash val="solid"/>
+                    </a:lnT>
+                    <a:lnB w="9525" cap="flat" cmpd="sng" algn="ctr">
+                      <a:solidFill>
+                        <a:srgbClr val="D8DCDC"/>
+                      </a:solidFill>
+                      <a:prstDash val="solid"/>
+                    </a:lnB>
+                    <a:noFill/>
+                  </a:tcPr>
+                </a:tc>
+                <a:tc>
+                  <a:txBody>
+                    <a:bodyPr/>
+                    <a:lstStyle/>
+                    <a:p>
+                      <a:pPr algn="ctr" fontAlgn="b"/>
+                      <a:r>
+                        <a:rPr lang="pt-BR" sz="1400" u="none" strike="noStrike">
+                          <a:solidFill>
+                            <a:schemeClr val="tx1">
+                              <a:lumMod val="75000"/>
+                              <a:lumOff val="25000"/>
+                            </a:schemeClr>
+                          </a:solidFill>
+                          <a:effectLst/>
+                        </a:rPr>
+                        <a:t>82,5%</a:t>
+                      </a:r>
+                      <a:endParaRPr lang="pt-BR" sz="1400" b="0" i="0" u="none" strike="noStrike">
+                        <a:solidFill>
+                          <a:schemeClr val="tx1">
+                            <a:lumMod val="75000"/>
+                            <a:lumOff val="25000"/>
+                          </a:schemeClr>
+                        </a:solidFill>
+                        <a:effectLst/>
+                        <a:latin typeface="Calibri" panose="020F0502020204030204" pitchFamily="34" charset="0"/>
+                      </a:endParaRPr>
+                    </a:p>
+                  </a:txBody>
+                  <a:tcPr marL="167721" marR="15913" marT="83860" marB="83860" anchor="b">
+                    <a:lnL w="9525" cap="flat" cmpd="sng" algn="ctr">
+                      <a:solidFill>
+                        <a:srgbClr val="D8DEDC"/>
+                      </a:solidFill>
+                      <a:prstDash val="solid"/>
+                    </a:lnL>
+                    <a:lnR w="9525" cap="flat" cmpd="sng" algn="ctr">
+                      <a:solidFill>
+                        <a:srgbClr val="D8DEDC"/>
+                      </a:solidFill>
+                      <a:prstDash val="solid"/>
+                    </a:lnR>
+                    <a:lnT w="9525" cap="flat" cmpd="sng" algn="ctr">
+                      <a:solidFill>
+                        <a:srgbClr val="D8DCDC"/>
+                      </a:solidFill>
+                      <a:prstDash val="solid"/>
+                    </a:lnT>
+                    <a:lnB w="9525" cap="flat" cmpd="sng" algn="ctr">
+                      <a:solidFill>
+                        <a:srgbClr val="D8DCDC"/>
+                      </a:solidFill>
+                      <a:prstDash val="solid"/>
+                    </a:lnB>
+                    <a:noFill/>
+                  </a:tcPr>
+                </a:tc>
+                <a:tc>
+                  <a:txBody>
+                    <a:bodyPr/>
+                    <a:lstStyle/>
+                    <a:p>
+                      <a:pPr algn="ctr" fontAlgn="b"/>
+                      <a:r>
+                        <a:rPr lang="pt-BR" sz="1400" u="none" strike="noStrike">
+                          <a:solidFill>
+                            <a:schemeClr val="tx1">
+                              <a:lumMod val="75000"/>
+                              <a:lumOff val="25000"/>
+                            </a:schemeClr>
+                          </a:solidFill>
+                          <a:effectLst/>
+                        </a:rPr>
+                        <a:t>80,0%</a:t>
+                      </a:r>
+                      <a:endParaRPr lang="pt-BR" sz="1400" b="0" i="0" u="none" strike="noStrike">
+                        <a:solidFill>
+                          <a:schemeClr val="tx1">
+                            <a:lumMod val="75000"/>
+                            <a:lumOff val="25000"/>
+                          </a:schemeClr>
+                        </a:solidFill>
+                        <a:effectLst/>
+                        <a:latin typeface="Calibri" panose="020F0502020204030204" pitchFamily="34" charset="0"/>
+                      </a:endParaRPr>
+                    </a:p>
+                  </a:txBody>
+                  <a:tcPr marL="167721" marR="15913" marT="83860" marB="83860" anchor="b">
+                    <a:lnL w="9525" cap="flat" cmpd="sng" algn="ctr">
+                      <a:solidFill>
+                        <a:srgbClr val="D8DEDC"/>
+                      </a:solidFill>
+                      <a:prstDash val="solid"/>
+                    </a:lnL>
+                    <a:lnR w="9525" cap="flat" cmpd="sng" algn="ctr">
+                      <a:solidFill>
+                        <a:srgbClr val="D8DEDC"/>
+                      </a:solidFill>
+                      <a:prstDash val="solid"/>
+                    </a:lnR>
+                    <a:lnT w="9525" cap="flat" cmpd="sng" algn="ctr">
+                      <a:solidFill>
+                        <a:srgbClr val="D8DCDC"/>
+                      </a:solidFill>
+                      <a:prstDash val="solid"/>
+                    </a:lnT>
+                    <a:lnB w="9525" cap="flat" cmpd="sng" algn="ctr">
+                      <a:solidFill>
+                        <a:srgbClr val="D8DCDC"/>
+                      </a:solidFill>
+                      <a:prstDash val="solid"/>
+                    </a:lnB>
+                    <a:noFill/>
+                  </a:tcPr>
+                </a:tc>
+                <a:extLst>
+                  <a:ext uri="{0D108BD9-81ED-4DB2-BD59-A6C34878D82A}">
+                    <a16:rowId xmlns:a16="http://schemas.microsoft.com/office/drawing/2014/main" val="1160401593"/>
+                  </a:ext>
+                </a:extLst>
+              </a:tr>
+              <a:tr h="410916">
+                <a:tc>
+                  <a:txBody>
+                    <a:bodyPr/>
+                    <a:lstStyle/>
+                    <a:p>
+                      <a:pPr algn="ctr" fontAlgn="b"/>
+                      <a:r>
+                        <a:rPr lang="pt-BR" sz="1400" u="none" strike="noStrike">
+                          <a:solidFill>
+                            <a:schemeClr val="tx1">
+                              <a:lumMod val="75000"/>
+                              <a:lumOff val="25000"/>
+                            </a:schemeClr>
+                          </a:solidFill>
+                          <a:effectLst/>
+                        </a:rPr>
+                        <a:t>280</a:t>
+                      </a:r>
+                      <a:endParaRPr lang="pt-BR" sz="1400" b="0" i="0" u="none" strike="noStrike">
+                        <a:solidFill>
+                          <a:schemeClr val="tx1">
+                            <a:lumMod val="75000"/>
+                            <a:lumOff val="25000"/>
+                          </a:schemeClr>
+                        </a:solidFill>
+                        <a:effectLst/>
+                        <a:latin typeface="Calibri" panose="020F0502020204030204" pitchFamily="34" charset="0"/>
+                      </a:endParaRPr>
+                    </a:p>
+                  </a:txBody>
+                  <a:tcPr marL="167721" marR="15913" marT="83860" marB="83860" anchor="b">
+                    <a:lnL w="9525" cap="flat" cmpd="sng" algn="ctr">
+                      <a:solidFill>
+                        <a:srgbClr val="D8DCDC"/>
+                      </a:solidFill>
+                      <a:prstDash val="solid"/>
+                    </a:lnL>
+                    <a:lnR w="9525" cap="flat" cmpd="sng" algn="ctr">
+                      <a:solidFill>
+                        <a:srgbClr val="D8DCDC"/>
+                      </a:solidFill>
+                      <a:prstDash val="solid"/>
+                    </a:lnR>
+                    <a:lnT w="9525" cap="flat" cmpd="sng" algn="ctr">
+                      <a:solidFill>
+                        <a:srgbClr val="D8DCDC"/>
+                      </a:solidFill>
+                      <a:prstDash val="solid"/>
+                    </a:lnT>
+                    <a:lnB w="9525" cap="flat" cmpd="sng" algn="ctr">
+                      <a:solidFill>
+                        <a:srgbClr val="D8DCDC"/>
+                      </a:solidFill>
+                      <a:prstDash val="solid"/>
+                    </a:lnB>
+                    <a:solidFill>
+                      <a:srgbClr val="D8DEDC">
+                        <a:alpha val="20000"/>
+                      </a:srgbClr>
+                    </a:solidFill>
+                  </a:tcPr>
+                </a:tc>
+                <a:tc>
+                  <a:txBody>
+                    <a:bodyPr/>
+                    <a:lstStyle/>
+                    <a:p>
+                      <a:pPr algn="ctr" fontAlgn="b"/>
+                      <a:r>
+                        <a:rPr lang="pt-BR" sz="1400" u="none" strike="noStrike">
+                          <a:solidFill>
+                            <a:schemeClr val="tx1">
+                              <a:lumMod val="75000"/>
+                              <a:lumOff val="25000"/>
+                            </a:schemeClr>
+                          </a:solidFill>
+                          <a:effectLst/>
+                        </a:rPr>
+                        <a:t>40</a:t>
+                      </a:r>
+                      <a:endParaRPr lang="pt-BR" sz="1400" b="0" i="0" u="none" strike="noStrike">
+                        <a:solidFill>
+                          <a:schemeClr val="tx1">
+                            <a:lumMod val="75000"/>
+                            <a:lumOff val="25000"/>
+                          </a:schemeClr>
+                        </a:solidFill>
+                        <a:effectLst/>
+                        <a:latin typeface="Calibri" panose="020F0502020204030204" pitchFamily="34" charset="0"/>
+                      </a:endParaRPr>
+                    </a:p>
+                  </a:txBody>
+                  <a:tcPr marL="167721" marR="15913" marT="83860" marB="83860" anchor="b">
+                    <a:lnL w="9525" cap="flat" cmpd="sng" algn="ctr">
+                      <a:solidFill>
+                        <a:srgbClr val="D8DCDC"/>
+                      </a:solidFill>
+                      <a:prstDash val="solid"/>
+                    </a:lnL>
+                    <a:lnR w="9525" cap="flat" cmpd="sng" algn="ctr">
+                      <a:solidFill>
+                        <a:srgbClr val="D8DCDC"/>
+                      </a:solidFill>
+                      <a:prstDash val="solid"/>
+                    </a:lnR>
+                    <a:lnT w="9525" cap="flat" cmpd="sng" algn="ctr">
+                      <a:solidFill>
+                        <a:srgbClr val="D8DCDC"/>
+                      </a:solidFill>
+                      <a:prstDash val="solid"/>
+                    </a:lnT>
+                    <a:lnB w="9525" cap="flat" cmpd="sng" algn="ctr">
+                      <a:solidFill>
+                        <a:srgbClr val="D8DCDC"/>
+                      </a:solidFill>
+                      <a:prstDash val="solid"/>
+                    </a:lnB>
+                    <a:solidFill>
+                      <a:srgbClr val="D8DEDC">
+                        <a:alpha val="20000"/>
+                      </a:srgbClr>
+                    </a:solidFill>
+                  </a:tcPr>
+                </a:tc>
+                <a:tc>
+                  <a:txBody>
+                    <a:bodyPr/>
+                    <a:lstStyle/>
+                    <a:p>
+                      <a:pPr algn="ctr" fontAlgn="b"/>
+                      <a:r>
+                        <a:rPr lang="pt-BR" sz="1400" u="none" strike="noStrike">
+                          <a:solidFill>
+                            <a:schemeClr val="tx1">
+                              <a:lumMod val="75000"/>
+                              <a:lumOff val="25000"/>
+                            </a:schemeClr>
+                          </a:solidFill>
+                          <a:effectLst/>
+                        </a:rPr>
+                        <a:t>82,5%</a:t>
+                      </a:r>
+                      <a:endParaRPr lang="pt-BR" sz="1400" b="0" i="0" u="none" strike="noStrike">
+                        <a:solidFill>
+                          <a:schemeClr val="tx1">
+                            <a:lumMod val="75000"/>
+                            <a:lumOff val="25000"/>
+                          </a:schemeClr>
+                        </a:solidFill>
+                        <a:effectLst/>
+                        <a:latin typeface="Calibri" panose="020F0502020204030204" pitchFamily="34" charset="0"/>
+                      </a:endParaRPr>
+                    </a:p>
+                  </a:txBody>
+                  <a:tcPr marL="167721" marR="15913" marT="83860" marB="83860" anchor="b">
+                    <a:lnL w="9525" cap="flat" cmpd="sng" algn="ctr">
+                      <a:solidFill>
+                        <a:srgbClr val="D8DCDC"/>
+                      </a:solidFill>
+                      <a:prstDash val="solid"/>
+                    </a:lnL>
+                    <a:lnR w="9525" cap="flat" cmpd="sng" algn="ctr">
+                      <a:solidFill>
+                        <a:srgbClr val="D8DCDC"/>
+                      </a:solidFill>
+                      <a:prstDash val="solid"/>
+                    </a:lnR>
+                    <a:lnT w="9525" cap="flat" cmpd="sng" algn="ctr">
+                      <a:solidFill>
+                        <a:srgbClr val="D8DCDC"/>
+                      </a:solidFill>
+                      <a:prstDash val="solid"/>
+                    </a:lnT>
+                    <a:lnB w="9525" cap="flat" cmpd="sng" algn="ctr">
+                      <a:solidFill>
+                        <a:srgbClr val="D8DCDC"/>
+                      </a:solidFill>
+                      <a:prstDash val="solid"/>
+                    </a:lnB>
+                    <a:solidFill>
+                      <a:srgbClr val="D8DEDC">
+                        <a:alpha val="20000"/>
+                      </a:srgbClr>
+                    </a:solidFill>
+                  </a:tcPr>
+                </a:tc>
+                <a:tc>
+                  <a:txBody>
+                    <a:bodyPr/>
+                    <a:lstStyle/>
+                    <a:p>
+                      <a:pPr algn="ctr" fontAlgn="b"/>
+                      <a:r>
+                        <a:rPr lang="pt-BR" sz="1400" u="none" strike="noStrike">
+                          <a:solidFill>
+                            <a:schemeClr val="tx1">
+                              <a:lumMod val="75000"/>
+                              <a:lumOff val="25000"/>
+                            </a:schemeClr>
+                          </a:solidFill>
+                          <a:effectLst/>
+                        </a:rPr>
+                        <a:t>77,5%</a:t>
+                      </a:r>
+                      <a:endParaRPr lang="pt-BR" sz="1400" b="0" i="0" u="none" strike="noStrike">
+                        <a:solidFill>
+                          <a:schemeClr val="tx1">
+                            <a:lumMod val="75000"/>
+                            <a:lumOff val="25000"/>
+                          </a:schemeClr>
+                        </a:solidFill>
+                        <a:effectLst/>
+                        <a:latin typeface="Calibri" panose="020F0502020204030204" pitchFamily="34" charset="0"/>
+                      </a:endParaRPr>
+                    </a:p>
+                  </a:txBody>
+                  <a:tcPr marL="167721" marR="15913" marT="83860" marB="83860" anchor="b">
+                    <a:lnL w="9525" cap="flat" cmpd="sng" algn="ctr">
+                      <a:solidFill>
+                        <a:srgbClr val="D8DCDC"/>
+                      </a:solidFill>
+                      <a:prstDash val="solid"/>
+                    </a:lnL>
+                    <a:lnR w="9525" cap="flat" cmpd="sng" algn="ctr">
+                      <a:solidFill>
+                        <a:srgbClr val="D8DCDC"/>
+                      </a:solidFill>
+                      <a:prstDash val="solid"/>
+                    </a:lnR>
+                    <a:lnT w="9525" cap="flat" cmpd="sng" algn="ctr">
+                      <a:solidFill>
+                        <a:srgbClr val="D8DCDC"/>
+                      </a:solidFill>
+                      <a:prstDash val="solid"/>
+                    </a:lnT>
+                    <a:lnB w="9525" cap="flat" cmpd="sng" algn="ctr">
+                      <a:solidFill>
+                        <a:srgbClr val="D8DCDC"/>
+                      </a:solidFill>
+                      <a:prstDash val="solid"/>
+                    </a:lnB>
+                    <a:solidFill>
+                      <a:srgbClr val="D8DEDC">
+                        <a:alpha val="20000"/>
+                      </a:srgbClr>
+                    </a:solidFill>
+                  </a:tcPr>
+                </a:tc>
+                <a:tc>
+                  <a:txBody>
+                    <a:bodyPr/>
+                    <a:lstStyle/>
+                    <a:p>
+                      <a:pPr algn="ctr" fontAlgn="b"/>
+                      <a:r>
+                        <a:rPr lang="pt-BR" sz="1400" u="none" strike="noStrike">
+                          <a:solidFill>
+                            <a:schemeClr val="tx1">
+                              <a:lumMod val="75000"/>
+                              <a:lumOff val="25000"/>
+                            </a:schemeClr>
+                          </a:solidFill>
+                          <a:effectLst/>
+                        </a:rPr>
+                        <a:t>80,0%</a:t>
+                      </a:r>
+                      <a:endParaRPr lang="pt-BR" sz="1400" b="0" i="0" u="none" strike="noStrike">
+                        <a:solidFill>
+                          <a:schemeClr val="tx1">
+                            <a:lumMod val="75000"/>
+                            <a:lumOff val="25000"/>
+                          </a:schemeClr>
+                        </a:solidFill>
+                        <a:effectLst/>
+                        <a:latin typeface="Calibri" panose="020F0502020204030204" pitchFamily="34" charset="0"/>
+                      </a:endParaRPr>
+                    </a:p>
+                  </a:txBody>
+                  <a:tcPr marL="167721" marR="15913" marT="83860" marB="83860" anchor="b">
+                    <a:lnL w="9525" cap="flat" cmpd="sng" algn="ctr">
+                      <a:solidFill>
+                        <a:srgbClr val="D8DCDC"/>
+                      </a:solidFill>
+                      <a:prstDash val="solid"/>
+                    </a:lnL>
+                    <a:lnR w="9525" cap="flat" cmpd="sng" algn="ctr">
+                      <a:solidFill>
+                        <a:srgbClr val="D8DCDC"/>
+                      </a:solidFill>
+                      <a:prstDash val="solid"/>
+                    </a:lnR>
+                    <a:lnT w="9525" cap="flat" cmpd="sng" algn="ctr">
+                      <a:solidFill>
+                        <a:srgbClr val="D8DCDC"/>
+                      </a:solidFill>
+                      <a:prstDash val="solid"/>
+                    </a:lnT>
+                    <a:lnB w="9525" cap="flat" cmpd="sng" algn="ctr">
+                      <a:solidFill>
+                        <a:srgbClr val="D8DCDC"/>
+                      </a:solidFill>
+                      <a:prstDash val="solid"/>
+                    </a:lnB>
+                    <a:solidFill>
+                      <a:srgbClr val="D8DEDC">
+                        <a:alpha val="20000"/>
+                      </a:srgbClr>
+                    </a:solidFill>
+                  </a:tcPr>
+                </a:tc>
+                <a:extLst>
+                  <a:ext uri="{0D108BD9-81ED-4DB2-BD59-A6C34878D82A}">
+                    <a16:rowId xmlns:a16="http://schemas.microsoft.com/office/drawing/2014/main" val="1736167928"/>
+                  </a:ext>
+                </a:extLst>
+              </a:tr>
+              <a:tr h="410916">
+                <a:tc>
+                  <a:txBody>
+                    <a:bodyPr/>
+                    <a:lstStyle/>
+                    <a:p>
+                      <a:pPr algn="ctr" fontAlgn="b"/>
+                      <a:r>
+                        <a:rPr lang="pt-BR" sz="1400" u="none" strike="noStrike">
+                          <a:solidFill>
+                            <a:schemeClr val="tx1">
+                              <a:lumMod val="75000"/>
+                              <a:lumOff val="25000"/>
+                            </a:schemeClr>
+                          </a:solidFill>
+                          <a:effectLst/>
+                        </a:rPr>
+                        <a:t>320</a:t>
+                      </a:r>
+                      <a:endParaRPr lang="pt-BR" sz="1400" b="0" i="0" u="none" strike="noStrike">
+                        <a:solidFill>
+                          <a:schemeClr val="tx1">
+                            <a:lumMod val="75000"/>
+                            <a:lumOff val="25000"/>
+                          </a:schemeClr>
+                        </a:solidFill>
+                        <a:effectLst/>
+                        <a:latin typeface="Calibri" panose="020F0502020204030204" pitchFamily="34" charset="0"/>
+                      </a:endParaRPr>
+                    </a:p>
+                  </a:txBody>
+                  <a:tcPr marL="167721" marR="15913" marT="83860" marB="83860" anchor="b">
+                    <a:lnL w="9525" cap="flat" cmpd="sng" algn="ctr">
+                      <a:solidFill>
+                        <a:srgbClr val="D8DEDC"/>
+                      </a:solidFill>
+                      <a:prstDash val="solid"/>
+                    </a:lnL>
+                    <a:lnR w="9525" cap="flat" cmpd="sng" algn="ctr">
+                      <a:solidFill>
+                        <a:srgbClr val="D8DEDC"/>
+                      </a:solidFill>
+                      <a:prstDash val="solid"/>
+                    </a:lnR>
+                    <a:lnT w="9525" cap="flat" cmpd="sng" algn="ctr">
+                      <a:solidFill>
+                        <a:srgbClr val="D8DCDC"/>
+                      </a:solidFill>
+                      <a:prstDash val="solid"/>
+                    </a:lnT>
+                    <a:lnB w="9525" cap="flat" cmpd="sng" algn="ctr">
+                      <a:solidFill>
+                        <a:srgbClr val="D8DCDC"/>
+                      </a:solidFill>
+                      <a:prstDash val="solid"/>
+                    </a:lnB>
+                    <a:noFill/>
+                  </a:tcPr>
+                </a:tc>
+                <a:tc>
+                  <a:txBody>
+                    <a:bodyPr/>
+                    <a:lstStyle/>
+                    <a:p>
+                      <a:pPr algn="ctr" fontAlgn="b"/>
+                      <a:r>
+                        <a:rPr lang="pt-BR" sz="1400" u="none" strike="noStrike">
+                          <a:solidFill>
+                            <a:schemeClr val="tx1">
+                              <a:lumMod val="75000"/>
+                              <a:lumOff val="25000"/>
+                            </a:schemeClr>
+                          </a:solidFill>
+                          <a:effectLst/>
+                        </a:rPr>
+                        <a:t>40</a:t>
+                      </a:r>
+                      <a:endParaRPr lang="pt-BR" sz="1400" b="0" i="0" u="none" strike="noStrike">
+                        <a:solidFill>
+                          <a:schemeClr val="tx1">
+                            <a:lumMod val="75000"/>
+                            <a:lumOff val="25000"/>
+                          </a:schemeClr>
+                        </a:solidFill>
+                        <a:effectLst/>
+                        <a:latin typeface="Calibri" panose="020F0502020204030204" pitchFamily="34" charset="0"/>
+                      </a:endParaRPr>
+                    </a:p>
+                  </a:txBody>
+                  <a:tcPr marL="167721" marR="15913" marT="83860" marB="83860" anchor="b">
+                    <a:lnL w="9525" cap="flat" cmpd="sng" algn="ctr">
+                      <a:solidFill>
+                        <a:srgbClr val="D8DEDC"/>
+                      </a:solidFill>
+                      <a:prstDash val="solid"/>
+                    </a:lnL>
+                    <a:lnR w="9525" cap="flat" cmpd="sng" algn="ctr">
+                      <a:solidFill>
+                        <a:srgbClr val="D8DEDC"/>
+                      </a:solidFill>
+                      <a:prstDash val="solid"/>
+                    </a:lnR>
+                    <a:lnT w="9525" cap="flat" cmpd="sng" algn="ctr">
+                      <a:solidFill>
+                        <a:srgbClr val="D8DCDC"/>
+                      </a:solidFill>
+                      <a:prstDash val="solid"/>
+                    </a:lnT>
+                    <a:lnB w="9525" cap="flat" cmpd="sng" algn="ctr">
+                      <a:solidFill>
+                        <a:srgbClr val="D8DCDC"/>
+                      </a:solidFill>
+                      <a:prstDash val="solid"/>
+                    </a:lnB>
+                    <a:noFill/>
+                  </a:tcPr>
+                </a:tc>
+                <a:tc>
+                  <a:txBody>
+                    <a:bodyPr/>
+                    <a:lstStyle/>
+                    <a:p>
+                      <a:pPr algn="ctr" fontAlgn="b"/>
+                      <a:r>
+                        <a:rPr lang="pt-BR" sz="1400" u="none" strike="noStrike">
+                          <a:solidFill>
+                            <a:schemeClr val="tx1">
+                              <a:lumMod val="75000"/>
+                              <a:lumOff val="25000"/>
+                            </a:schemeClr>
+                          </a:solidFill>
+                          <a:effectLst/>
+                        </a:rPr>
+                        <a:t>90,0%</a:t>
+                      </a:r>
+                      <a:endParaRPr lang="pt-BR" sz="1400" b="0" i="0" u="none" strike="noStrike">
+                        <a:solidFill>
+                          <a:schemeClr val="tx1">
+                            <a:lumMod val="75000"/>
+                            <a:lumOff val="25000"/>
+                          </a:schemeClr>
+                        </a:solidFill>
+                        <a:effectLst/>
+                        <a:latin typeface="Calibri" panose="020F0502020204030204" pitchFamily="34" charset="0"/>
+                      </a:endParaRPr>
+                    </a:p>
+                  </a:txBody>
+                  <a:tcPr marL="167721" marR="15913" marT="83860" marB="83860" anchor="b">
+                    <a:lnL w="9525" cap="flat" cmpd="sng" algn="ctr">
+                      <a:solidFill>
+                        <a:srgbClr val="D8DEDC"/>
+                      </a:solidFill>
+                      <a:prstDash val="solid"/>
+                    </a:lnL>
+                    <a:lnR w="9525" cap="flat" cmpd="sng" algn="ctr">
+                      <a:solidFill>
+                        <a:srgbClr val="D8DEDC"/>
+                      </a:solidFill>
+                      <a:prstDash val="solid"/>
+                    </a:lnR>
+                    <a:lnT w="9525" cap="flat" cmpd="sng" algn="ctr">
+                      <a:solidFill>
+                        <a:srgbClr val="D8DCDC"/>
+                      </a:solidFill>
+                      <a:prstDash val="solid"/>
+                    </a:lnT>
+                    <a:lnB w="9525" cap="flat" cmpd="sng" algn="ctr">
+                      <a:solidFill>
+                        <a:srgbClr val="D8DCDC"/>
+                      </a:solidFill>
+                      <a:prstDash val="solid"/>
+                    </a:lnB>
+                    <a:noFill/>
+                  </a:tcPr>
+                </a:tc>
+                <a:tc>
+                  <a:txBody>
+                    <a:bodyPr/>
+                    <a:lstStyle/>
+                    <a:p>
+                      <a:pPr algn="ctr" fontAlgn="b"/>
+                      <a:r>
+                        <a:rPr lang="pt-BR" sz="1400" u="none" strike="noStrike">
+                          <a:solidFill>
+                            <a:schemeClr val="tx1">
+                              <a:lumMod val="75000"/>
+                              <a:lumOff val="25000"/>
+                            </a:schemeClr>
+                          </a:solidFill>
+                          <a:effectLst/>
+                        </a:rPr>
+                        <a:t>92,5%</a:t>
+                      </a:r>
+                      <a:endParaRPr lang="pt-BR" sz="1400" b="0" i="0" u="none" strike="noStrike">
+                        <a:solidFill>
+                          <a:schemeClr val="tx1">
+                            <a:lumMod val="75000"/>
+                            <a:lumOff val="25000"/>
+                          </a:schemeClr>
+                        </a:solidFill>
+                        <a:effectLst/>
+                        <a:latin typeface="Calibri" panose="020F0502020204030204" pitchFamily="34" charset="0"/>
+                      </a:endParaRPr>
+                    </a:p>
+                  </a:txBody>
+                  <a:tcPr marL="167721" marR="15913" marT="83860" marB="83860" anchor="b">
+                    <a:lnL w="9525" cap="flat" cmpd="sng" algn="ctr">
+                      <a:solidFill>
+                        <a:srgbClr val="D8DEDC"/>
+                      </a:solidFill>
+                      <a:prstDash val="solid"/>
+                    </a:lnL>
+                    <a:lnR w="9525" cap="flat" cmpd="sng" algn="ctr">
+                      <a:solidFill>
+                        <a:srgbClr val="D8DEDC"/>
+                      </a:solidFill>
+                      <a:prstDash val="solid"/>
+                    </a:lnR>
+                    <a:lnT w="9525" cap="flat" cmpd="sng" algn="ctr">
+                      <a:solidFill>
+                        <a:srgbClr val="D8DCDC"/>
+                      </a:solidFill>
+                      <a:prstDash val="solid"/>
+                    </a:lnT>
+                    <a:lnB w="9525" cap="flat" cmpd="sng" algn="ctr">
+                      <a:solidFill>
+                        <a:srgbClr val="D8DCDC"/>
+                      </a:solidFill>
+                      <a:prstDash val="solid"/>
+                    </a:lnB>
+                    <a:noFill/>
+                  </a:tcPr>
+                </a:tc>
+                <a:tc>
+                  <a:txBody>
+                    <a:bodyPr/>
+                    <a:lstStyle/>
+                    <a:p>
+                      <a:pPr algn="ctr" fontAlgn="b"/>
+                      <a:r>
+                        <a:rPr lang="pt-BR" sz="1400" u="none" strike="noStrike">
+                          <a:solidFill>
+                            <a:schemeClr val="tx1">
+                              <a:lumMod val="75000"/>
+                              <a:lumOff val="25000"/>
+                            </a:schemeClr>
+                          </a:solidFill>
+                          <a:effectLst/>
+                        </a:rPr>
+                        <a:t>90,0%</a:t>
+                      </a:r>
+                      <a:endParaRPr lang="pt-BR" sz="1400" b="0" i="0" u="none" strike="noStrike">
+                        <a:solidFill>
+                          <a:schemeClr val="tx1">
+                            <a:lumMod val="75000"/>
+                            <a:lumOff val="25000"/>
+                          </a:schemeClr>
+                        </a:solidFill>
+                        <a:effectLst/>
+                        <a:latin typeface="Calibri" panose="020F0502020204030204" pitchFamily="34" charset="0"/>
+                      </a:endParaRPr>
+                    </a:p>
+                  </a:txBody>
+                  <a:tcPr marL="167721" marR="15913" marT="83860" marB="83860" anchor="b">
+                    <a:lnL w="9525" cap="flat" cmpd="sng" algn="ctr">
+                      <a:solidFill>
+                        <a:srgbClr val="D8DEDC"/>
+                      </a:solidFill>
+                      <a:prstDash val="solid"/>
+                    </a:lnL>
+                    <a:lnR w="9525" cap="flat" cmpd="sng" algn="ctr">
+                      <a:solidFill>
+                        <a:srgbClr val="D8DEDC"/>
+                      </a:solidFill>
+                      <a:prstDash val="solid"/>
+                    </a:lnR>
+                    <a:lnT w="9525" cap="flat" cmpd="sng" algn="ctr">
+                      <a:solidFill>
+                        <a:srgbClr val="D8DCDC"/>
+                      </a:solidFill>
+                      <a:prstDash val="solid"/>
+                    </a:lnT>
+                    <a:lnB w="9525" cap="flat" cmpd="sng" algn="ctr">
+                      <a:solidFill>
+                        <a:srgbClr val="D8DCDC"/>
+                      </a:solidFill>
+                      <a:prstDash val="solid"/>
+                    </a:lnB>
+                    <a:noFill/>
+                  </a:tcPr>
+                </a:tc>
+                <a:extLst>
+                  <a:ext uri="{0D108BD9-81ED-4DB2-BD59-A6C34878D82A}">
+                    <a16:rowId xmlns:a16="http://schemas.microsoft.com/office/drawing/2014/main" val="733849135"/>
+                  </a:ext>
+                </a:extLst>
+              </a:tr>
+              <a:tr h="410916">
+                <a:tc>
+                  <a:txBody>
+                    <a:bodyPr/>
+                    <a:lstStyle/>
+                    <a:p>
+                      <a:pPr algn="ctr" fontAlgn="b"/>
+                      <a:r>
+                        <a:rPr lang="pt-BR" sz="1400" u="none" strike="noStrike">
+                          <a:solidFill>
+                            <a:schemeClr val="tx1">
+                              <a:lumMod val="75000"/>
+                              <a:lumOff val="25000"/>
+                            </a:schemeClr>
+                          </a:solidFill>
+                          <a:effectLst/>
+                        </a:rPr>
+                        <a:t>360</a:t>
+                      </a:r>
+                      <a:endParaRPr lang="pt-BR" sz="1400" b="0" i="0" u="none" strike="noStrike">
+                        <a:solidFill>
+                          <a:schemeClr val="tx1">
+                            <a:lumMod val="75000"/>
+                            <a:lumOff val="25000"/>
+                          </a:schemeClr>
+                        </a:solidFill>
+                        <a:effectLst/>
+                        <a:latin typeface="Calibri" panose="020F0502020204030204" pitchFamily="34" charset="0"/>
+                      </a:endParaRPr>
+                    </a:p>
+                  </a:txBody>
+                  <a:tcPr marL="167721" marR="15913" marT="83860" marB="83860" anchor="b">
+                    <a:lnL w="9525" cap="flat" cmpd="sng" algn="ctr">
+                      <a:solidFill>
+                        <a:srgbClr val="D8DCDC"/>
+                      </a:solidFill>
+                      <a:prstDash val="solid"/>
+                    </a:lnL>
+                    <a:lnR w="9525" cap="flat" cmpd="sng" algn="ctr">
+                      <a:solidFill>
+                        <a:srgbClr val="D8DCDC"/>
+                      </a:solidFill>
+                      <a:prstDash val="solid"/>
+                    </a:lnR>
+                    <a:lnT w="9525" cap="flat" cmpd="sng" algn="ctr">
+                      <a:solidFill>
+                        <a:srgbClr val="D8DCDC"/>
+                      </a:solidFill>
+                      <a:prstDash val="solid"/>
+                    </a:lnT>
+                    <a:lnB w="9525" cap="flat" cmpd="sng" algn="ctr">
+                      <a:solidFill>
+                        <a:srgbClr val="D8DCDC"/>
+                      </a:solidFill>
+                      <a:prstDash val="solid"/>
+                    </a:lnB>
+                    <a:solidFill>
+                      <a:srgbClr val="D8DEDC">
+                        <a:alpha val="20000"/>
+                      </a:srgbClr>
+                    </a:solidFill>
+                  </a:tcPr>
+                </a:tc>
+                <a:tc>
+                  <a:txBody>
+                    <a:bodyPr/>
+                    <a:lstStyle/>
+                    <a:p>
+                      <a:pPr algn="ctr" fontAlgn="b"/>
+                      <a:r>
+                        <a:rPr lang="pt-BR" sz="1400" u="none" strike="noStrike">
+                          <a:solidFill>
+                            <a:schemeClr val="tx1">
+                              <a:lumMod val="75000"/>
+                              <a:lumOff val="25000"/>
+                            </a:schemeClr>
+                          </a:solidFill>
+                          <a:effectLst/>
+                        </a:rPr>
+                        <a:t>40</a:t>
+                      </a:r>
+                      <a:endParaRPr lang="pt-BR" sz="1400" b="0" i="0" u="none" strike="noStrike">
+                        <a:solidFill>
+                          <a:schemeClr val="tx1">
+                            <a:lumMod val="75000"/>
+                            <a:lumOff val="25000"/>
+                          </a:schemeClr>
+                        </a:solidFill>
+                        <a:effectLst/>
+                        <a:latin typeface="Calibri" panose="020F0502020204030204" pitchFamily="34" charset="0"/>
+                      </a:endParaRPr>
+                    </a:p>
+                  </a:txBody>
+                  <a:tcPr marL="167721" marR="15913" marT="83860" marB="83860" anchor="b">
+                    <a:lnL w="9525" cap="flat" cmpd="sng" algn="ctr">
+                      <a:solidFill>
+                        <a:srgbClr val="D8DCDC"/>
+                      </a:solidFill>
+                      <a:prstDash val="solid"/>
+                    </a:lnL>
+                    <a:lnR w="9525" cap="flat" cmpd="sng" algn="ctr">
+                      <a:solidFill>
+                        <a:srgbClr val="D8DCDC"/>
+                      </a:solidFill>
+                      <a:prstDash val="solid"/>
+                    </a:lnR>
+                    <a:lnT w="9525" cap="flat" cmpd="sng" algn="ctr">
+                      <a:solidFill>
+                        <a:srgbClr val="D8DCDC"/>
+                      </a:solidFill>
+                      <a:prstDash val="solid"/>
+                    </a:lnT>
+                    <a:lnB w="9525" cap="flat" cmpd="sng" algn="ctr">
+                      <a:solidFill>
+                        <a:srgbClr val="D8DCDC"/>
+                      </a:solidFill>
+                      <a:prstDash val="solid"/>
+                    </a:lnB>
+                    <a:solidFill>
+                      <a:srgbClr val="D8DEDC">
+                        <a:alpha val="20000"/>
+                      </a:srgbClr>
+                    </a:solidFill>
+                  </a:tcPr>
+                </a:tc>
+                <a:tc>
+                  <a:txBody>
+                    <a:bodyPr/>
+                    <a:lstStyle/>
+                    <a:p>
+                      <a:pPr algn="ctr" fontAlgn="b"/>
+                      <a:r>
+                        <a:rPr lang="pt-BR" sz="1400" u="none" strike="noStrike">
+                          <a:solidFill>
+                            <a:schemeClr val="tx1">
+                              <a:lumMod val="75000"/>
+                              <a:lumOff val="25000"/>
+                            </a:schemeClr>
+                          </a:solidFill>
+                          <a:effectLst/>
+                        </a:rPr>
+                        <a:t>85,0%</a:t>
+                      </a:r>
+                      <a:endParaRPr lang="pt-BR" sz="1400" b="0" i="0" u="none" strike="noStrike">
+                        <a:solidFill>
+                          <a:schemeClr val="tx1">
+                            <a:lumMod val="75000"/>
+                            <a:lumOff val="25000"/>
+                          </a:schemeClr>
+                        </a:solidFill>
+                        <a:effectLst/>
+                        <a:latin typeface="Calibri" panose="020F0502020204030204" pitchFamily="34" charset="0"/>
+                      </a:endParaRPr>
+                    </a:p>
+                  </a:txBody>
+                  <a:tcPr marL="167721" marR="15913" marT="83860" marB="83860" anchor="b">
+                    <a:lnL w="9525" cap="flat" cmpd="sng" algn="ctr">
+                      <a:solidFill>
+                        <a:srgbClr val="D8DCDC"/>
+                      </a:solidFill>
+                      <a:prstDash val="solid"/>
+                    </a:lnL>
+                    <a:lnR w="9525" cap="flat" cmpd="sng" algn="ctr">
+                      <a:solidFill>
+                        <a:srgbClr val="D8DCDC"/>
+                      </a:solidFill>
+                      <a:prstDash val="solid"/>
+                    </a:lnR>
+                    <a:lnT w="9525" cap="flat" cmpd="sng" algn="ctr">
+                      <a:solidFill>
+                        <a:srgbClr val="D8DCDC"/>
+                      </a:solidFill>
+                      <a:prstDash val="solid"/>
+                    </a:lnT>
+                    <a:lnB w="9525" cap="flat" cmpd="sng" algn="ctr">
+                      <a:solidFill>
+                        <a:srgbClr val="D8DCDC"/>
+                      </a:solidFill>
+                      <a:prstDash val="solid"/>
+                    </a:lnB>
+                    <a:solidFill>
+                      <a:srgbClr val="D8DEDC">
+                        <a:alpha val="20000"/>
+                      </a:srgbClr>
+                    </a:solidFill>
+                  </a:tcPr>
+                </a:tc>
+                <a:tc>
+                  <a:txBody>
+                    <a:bodyPr/>
+                    <a:lstStyle/>
+                    <a:p>
+                      <a:pPr algn="ctr" fontAlgn="b"/>
+                      <a:r>
+                        <a:rPr lang="pt-BR" sz="1400" u="none" strike="noStrike">
+                          <a:solidFill>
+                            <a:schemeClr val="tx1">
+                              <a:lumMod val="75000"/>
+                              <a:lumOff val="25000"/>
+                            </a:schemeClr>
+                          </a:solidFill>
+                          <a:effectLst/>
+                        </a:rPr>
+                        <a:t>87,5%</a:t>
+                      </a:r>
+                      <a:endParaRPr lang="pt-BR" sz="1400" b="0" i="0" u="none" strike="noStrike">
+                        <a:solidFill>
+                          <a:schemeClr val="tx1">
+                            <a:lumMod val="75000"/>
+                            <a:lumOff val="25000"/>
+                          </a:schemeClr>
+                        </a:solidFill>
+                        <a:effectLst/>
+                        <a:latin typeface="Calibri" panose="020F0502020204030204" pitchFamily="34" charset="0"/>
+                      </a:endParaRPr>
+                    </a:p>
+                  </a:txBody>
+                  <a:tcPr marL="167721" marR="15913" marT="83860" marB="83860" anchor="b">
+                    <a:lnL w="9525" cap="flat" cmpd="sng" algn="ctr">
+                      <a:solidFill>
+                        <a:srgbClr val="D8DCDC"/>
+                      </a:solidFill>
+                      <a:prstDash val="solid"/>
+                    </a:lnL>
+                    <a:lnR w="9525" cap="flat" cmpd="sng" algn="ctr">
+                      <a:solidFill>
+                        <a:srgbClr val="D8DCDC"/>
+                      </a:solidFill>
+                      <a:prstDash val="solid"/>
+                    </a:lnR>
+                    <a:lnT w="9525" cap="flat" cmpd="sng" algn="ctr">
+                      <a:solidFill>
+                        <a:srgbClr val="D8DCDC"/>
+                      </a:solidFill>
+                      <a:prstDash val="solid"/>
+                    </a:lnT>
+                    <a:lnB w="9525" cap="flat" cmpd="sng" algn="ctr">
+                      <a:solidFill>
+                        <a:srgbClr val="D8DCDC"/>
+                      </a:solidFill>
+                      <a:prstDash val="solid"/>
+                    </a:lnB>
+                    <a:solidFill>
+                      <a:srgbClr val="D8DEDC">
+                        <a:alpha val="20000"/>
+                      </a:srgbClr>
+                    </a:solidFill>
+                  </a:tcPr>
+                </a:tc>
+                <a:tc>
+                  <a:txBody>
+                    <a:bodyPr/>
+                    <a:lstStyle/>
+                    <a:p>
+                      <a:pPr algn="ctr" fontAlgn="b"/>
+                      <a:r>
+                        <a:rPr lang="pt-BR" sz="1400" u="none" strike="noStrike">
+                          <a:solidFill>
+                            <a:schemeClr val="tx1">
+                              <a:lumMod val="75000"/>
+                              <a:lumOff val="25000"/>
+                            </a:schemeClr>
+                          </a:solidFill>
+                          <a:effectLst/>
+                        </a:rPr>
+                        <a:t>85,0%</a:t>
+                      </a:r>
+                      <a:endParaRPr lang="pt-BR" sz="1400" b="0" i="0" u="none" strike="noStrike">
+                        <a:solidFill>
+                          <a:schemeClr val="tx1">
+                            <a:lumMod val="75000"/>
+                            <a:lumOff val="25000"/>
+                          </a:schemeClr>
+                        </a:solidFill>
+                        <a:effectLst/>
+                        <a:latin typeface="Calibri" panose="020F0502020204030204" pitchFamily="34" charset="0"/>
+                      </a:endParaRPr>
+                    </a:p>
+                  </a:txBody>
+                  <a:tcPr marL="167721" marR="15913" marT="83860" marB="83860" anchor="b">
+                    <a:lnL w="9525" cap="flat" cmpd="sng" algn="ctr">
+                      <a:solidFill>
+                        <a:srgbClr val="D8DCDC"/>
+                      </a:solidFill>
+                      <a:prstDash val="solid"/>
+                    </a:lnL>
+                    <a:lnR w="9525" cap="flat" cmpd="sng" algn="ctr">
+                      <a:solidFill>
+                        <a:srgbClr val="D8DCDC"/>
+                      </a:solidFill>
+                      <a:prstDash val="solid"/>
+                    </a:lnR>
+                    <a:lnT w="9525" cap="flat" cmpd="sng" algn="ctr">
+                      <a:solidFill>
+                        <a:srgbClr val="D8DCDC"/>
+                      </a:solidFill>
+                      <a:prstDash val="solid"/>
+                    </a:lnT>
+                    <a:lnB w="9525" cap="flat" cmpd="sng" algn="ctr">
+                      <a:solidFill>
+                        <a:srgbClr val="D8DCDC"/>
+                      </a:solidFill>
+                      <a:prstDash val="solid"/>
+                    </a:lnB>
+                    <a:solidFill>
+                      <a:srgbClr val="D8DEDC">
+                        <a:alpha val="20000"/>
+                      </a:srgbClr>
+                    </a:solidFill>
+                  </a:tcPr>
+                </a:tc>
+                <a:extLst>
+                  <a:ext uri="{0D108BD9-81ED-4DB2-BD59-A6C34878D82A}">
+                    <a16:rowId xmlns:a16="http://schemas.microsoft.com/office/drawing/2014/main" val="413770654"/>
+                  </a:ext>
+                </a:extLst>
+              </a:tr>
+              <a:tr h="410916">
+                <a:tc>
+                  <a:txBody>
+                    <a:bodyPr/>
+                    <a:lstStyle/>
+                    <a:p>
+                      <a:pPr algn="ctr" fontAlgn="b"/>
+                      <a:r>
+                        <a:rPr lang="pt-BR" sz="1400" u="none" strike="noStrike">
+                          <a:solidFill>
+                            <a:schemeClr val="tx1">
+                              <a:lumMod val="75000"/>
+                              <a:lumOff val="25000"/>
+                            </a:schemeClr>
+                          </a:solidFill>
+                          <a:effectLst/>
+                        </a:rPr>
+                        <a:t>400</a:t>
+                      </a:r>
+                      <a:endParaRPr lang="pt-BR" sz="1400" b="0" i="0" u="none" strike="noStrike">
+                        <a:solidFill>
+                          <a:schemeClr val="tx1">
+                            <a:lumMod val="75000"/>
+                            <a:lumOff val="25000"/>
+                          </a:schemeClr>
+                        </a:solidFill>
+                        <a:effectLst/>
+                        <a:latin typeface="Calibri" panose="020F0502020204030204" pitchFamily="34" charset="0"/>
+                      </a:endParaRPr>
+                    </a:p>
+                  </a:txBody>
+                  <a:tcPr marL="167721" marR="15913" marT="83860" marB="83860" anchor="b">
+                    <a:lnL w="9525" cap="flat" cmpd="sng" algn="ctr">
+                      <a:solidFill>
+                        <a:srgbClr val="D8DEDC"/>
+                      </a:solidFill>
+                      <a:prstDash val="solid"/>
+                    </a:lnL>
+                    <a:lnR w="9525" cap="flat" cmpd="sng" algn="ctr">
+                      <a:solidFill>
+                        <a:srgbClr val="D8DEDC"/>
+                      </a:solidFill>
+                      <a:prstDash val="solid"/>
+                    </a:lnR>
+                    <a:lnT w="9525" cap="flat" cmpd="sng" algn="ctr">
+                      <a:solidFill>
+                        <a:srgbClr val="D8DCDC"/>
+                      </a:solidFill>
+                      <a:prstDash val="solid"/>
+                    </a:lnT>
+                    <a:lnB w="9525" cap="flat" cmpd="sng" algn="ctr">
+                      <a:solidFill>
+                        <a:srgbClr val="D8DCDC"/>
+                      </a:solidFill>
+                      <a:prstDash val="solid"/>
+                    </a:lnB>
+                    <a:noFill/>
+                  </a:tcPr>
+                </a:tc>
+                <a:tc>
+                  <a:txBody>
+                    <a:bodyPr/>
+                    <a:lstStyle/>
+                    <a:p>
+                      <a:pPr algn="ctr" fontAlgn="b"/>
+                      <a:r>
+                        <a:rPr lang="pt-BR" sz="1400" u="none" strike="noStrike">
+                          <a:solidFill>
+                            <a:schemeClr val="tx1">
+                              <a:lumMod val="75000"/>
+                              <a:lumOff val="25000"/>
+                            </a:schemeClr>
+                          </a:solidFill>
+                          <a:effectLst/>
+                        </a:rPr>
+                        <a:t>40</a:t>
+                      </a:r>
+                      <a:endParaRPr lang="pt-BR" sz="1400" b="0" i="0" u="none" strike="noStrike">
+                        <a:solidFill>
+                          <a:schemeClr val="tx1">
+                            <a:lumMod val="75000"/>
+                            <a:lumOff val="25000"/>
+                          </a:schemeClr>
+                        </a:solidFill>
+                        <a:effectLst/>
+                        <a:latin typeface="Calibri" panose="020F0502020204030204" pitchFamily="34" charset="0"/>
+                      </a:endParaRPr>
+                    </a:p>
+                  </a:txBody>
+                  <a:tcPr marL="167721" marR="15913" marT="83860" marB="83860" anchor="b">
+                    <a:lnL w="9525" cap="flat" cmpd="sng" algn="ctr">
+                      <a:solidFill>
+                        <a:srgbClr val="D8DEDC"/>
+                      </a:solidFill>
+                      <a:prstDash val="solid"/>
+                    </a:lnL>
+                    <a:lnR w="9525" cap="flat" cmpd="sng" algn="ctr">
+                      <a:solidFill>
+                        <a:srgbClr val="D8DEDC"/>
+                      </a:solidFill>
+                      <a:prstDash val="solid"/>
+                    </a:lnR>
+                    <a:lnT w="9525" cap="flat" cmpd="sng" algn="ctr">
+                      <a:solidFill>
+                        <a:srgbClr val="D8DCDC"/>
+                      </a:solidFill>
+                      <a:prstDash val="solid"/>
+                    </a:lnT>
+                    <a:lnB w="9525" cap="flat" cmpd="sng" algn="ctr">
+                      <a:solidFill>
+                        <a:srgbClr val="D8DCDC"/>
+                      </a:solidFill>
+                      <a:prstDash val="solid"/>
+                    </a:lnB>
+                    <a:noFill/>
+                  </a:tcPr>
+                </a:tc>
+                <a:tc>
+                  <a:txBody>
+                    <a:bodyPr/>
+                    <a:lstStyle/>
+                    <a:p>
+                      <a:pPr algn="ctr" fontAlgn="b"/>
+                      <a:r>
+                        <a:rPr lang="pt-BR" sz="1400" u="none" strike="noStrike">
+                          <a:solidFill>
+                            <a:schemeClr val="tx1">
+                              <a:lumMod val="75000"/>
+                              <a:lumOff val="25000"/>
+                            </a:schemeClr>
+                          </a:solidFill>
+                          <a:effectLst/>
+                        </a:rPr>
+                        <a:t>90,0%</a:t>
+                      </a:r>
+                      <a:endParaRPr lang="pt-BR" sz="1400" b="0" i="0" u="none" strike="noStrike">
+                        <a:solidFill>
+                          <a:schemeClr val="tx1">
+                            <a:lumMod val="75000"/>
+                            <a:lumOff val="25000"/>
+                          </a:schemeClr>
+                        </a:solidFill>
+                        <a:effectLst/>
+                        <a:latin typeface="Calibri" panose="020F0502020204030204" pitchFamily="34" charset="0"/>
+                      </a:endParaRPr>
+                    </a:p>
+                  </a:txBody>
+                  <a:tcPr marL="167721" marR="15913" marT="83860" marB="83860" anchor="b">
+                    <a:lnL w="9525" cap="flat" cmpd="sng" algn="ctr">
+                      <a:solidFill>
+                        <a:srgbClr val="D8DEDC"/>
+                      </a:solidFill>
+                      <a:prstDash val="solid"/>
+                    </a:lnL>
+                    <a:lnR w="9525" cap="flat" cmpd="sng" algn="ctr">
+                      <a:solidFill>
+                        <a:srgbClr val="D8DEDC"/>
+                      </a:solidFill>
+                      <a:prstDash val="solid"/>
+                    </a:lnR>
+                    <a:lnT w="9525" cap="flat" cmpd="sng" algn="ctr">
+                      <a:solidFill>
+                        <a:srgbClr val="D8DCDC"/>
+                      </a:solidFill>
+                      <a:prstDash val="solid"/>
+                    </a:lnT>
+                    <a:lnB w="9525" cap="flat" cmpd="sng" algn="ctr">
+                      <a:solidFill>
+                        <a:srgbClr val="D8DCDC"/>
+                      </a:solidFill>
+                      <a:prstDash val="solid"/>
+                    </a:lnB>
+                    <a:noFill/>
+                  </a:tcPr>
+                </a:tc>
+                <a:tc>
+                  <a:txBody>
+                    <a:bodyPr/>
+                    <a:lstStyle/>
+                    <a:p>
+                      <a:pPr algn="ctr" fontAlgn="b"/>
+                      <a:r>
+                        <a:rPr lang="pt-BR" sz="1400" u="none" strike="noStrike">
+                          <a:solidFill>
+                            <a:schemeClr val="tx1">
+                              <a:lumMod val="75000"/>
+                              <a:lumOff val="25000"/>
+                            </a:schemeClr>
+                          </a:solidFill>
+                          <a:effectLst/>
+                        </a:rPr>
+                        <a:t>90,0%</a:t>
+                      </a:r>
+                      <a:endParaRPr lang="pt-BR" sz="1400" b="0" i="0" u="none" strike="noStrike">
+                        <a:solidFill>
+                          <a:schemeClr val="tx1">
+                            <a:lumMod val="75000"/>
+                            <a:lumOff val="25000"/>
+                          </a:schemeClr>
+                        </a:solidFill>
+                        <a:effectLst/>
+                        <a:latin typeface="Calibri" panose="020F0502020204030204" pitchFamily="34" charset="0"/>
+                      </a:endParaRPr>
+                    </a:p>
+                  </a:txBody>
+                  <a:tcPr marL="167721" marR="15913" marT="83860" marB="83860" anchor="b">
+                    <a:lnL w="9525" cap="flat" cmpd="sng" algn="ctr">
+                      <a:solidFill>
+                        <a:srgbClr val="D8DEDC"/>
+                      </a:solidFill>
+                      <a:prstDash val="solid"/>
+                    </a:lnL>
+                    <a:lnR w="9525" cap="flat" cmpd="sng" algn="ctr">
+                      <a:solidFill>
+                        <a:srgbClr val="D8DEDC"/>
+                      </a:solidFill>
+                      <a:prstDash val="solid"/>
+                    </a:lnR>
+                    <a:lnT w="9525" cap="flat" cmpd="sng" algn="ctr">
+                      <a:solidFill>
+                        <a:srgbClr val="D8DCDC"/>
+                      </a:solidFill>
+                      <a:prstDash val="solid"/>
+                    </a:lnT>
+                    <a:lnB w="9525" cap="flat" cmpd="sng" algn="ctr">
+                      <a:solidFill>
+                        <a:srgbClr val="D8DCDC"/>
+                      </a:solidFill>
+                      <a:prstDash val="solid"/>
+                    </a:lnB>
+                    <a:noFill/>
+                  </a:tcPr>
+                </a:tc>
+                <a:tc>
+                  <a:txBody>
+                    <a:bodyPr/>
+                    <a:lstStyle/>
+                    <a:p>
+                      <a:pPr algn="ctr" fontAlgn="b"/>
+                      <a:r>
+                        <a:rPr lang="pt-BR" sz="1400" u="none" strike="noStrike">
+                          <a:solidFill>
+                            <a:schemeClr val="tx1">
+                              <a:lumMod val="75000"/>
+                              <a:lumOff val="25000"/>
+                            </a:schemeClr>
+                          </a:solidFill>
+                          <a:effectLst/>
+                        </a:rPr>
+                        <a:t>87,5%</a:t>
+                      </a:r>
+                      <a:endParaRPr lang="pt-BR" sz="1400" b="0" i="0" u="none" strike="noStrike">
+                        <a:solidFill>
+                          <a:schemeClr val="tx1">
+                            <a:lumMod val="75000"/>
+                            <a:lumOff val="25000"/>
+                          </a:schemeClr>
+                        </a:solidFill>
+                        <a:effectLst/>
+                        <a:latin typeface="Calibri" panose="020F0502020204030204" pitchFamily="34" charset="0"/>
+                      </a:endParaRPr>
+                    </a:p>
+                  </a:txBody>
+                  <a:tcPr marL="167721" marR="15913" marT="83860" marB="83860" anchor="b">
+                    <a:lnL w="9525" cap="flat" cmpd="sng" algn="ctr">
+                      <a:solidFill>
+                        <a:srgbClr val="D8DEDC"/>
+                      </a:solidFill>
+                      <a:prstDash val="solid"/>
+                    </a:lnL>
+                    <a:lnR w="9525" cap="flat" cmpd="sng" algn="ctr">
+                      <a:solidFill>
+                        <a:srgbClr val="D8DEDC"/>
+                      </a:solidFill>
+                      <a:prstDash val="solid"/>
+                    </a:lnR>
+                    <a:lnT w="9525" cap="flat" cmpd="sng" algn="ctr">
+                      <a:solidFill>
+                        <a:srgbClr val="D8DCDC"/>
+                      </a:solidFill>
+                      <a:prstDash val="solid"/>
+                    </a:lnT>
+                    <a:lnB w="9525" cap="flat" cmpd="sng" algn="ctr">
+                      <a:solidFill>
+                        <a:srgbClr val="D8DCDC"/>
+                      </a:solidFill>
+                      <a:prstDash val="solid"/>
+                    </a:lnB>
+                    <a:noFill/>
+                  </a:tcPr>
+                </a:tc>
+                <a:extLst>
+                  <a:ext uri="{0D108BD9-81ED-4DB2-BD59-A6C34878D82A}">
+                    <a16:rowId xmlns:a16="http://schemas.microsoft.com/office/drawing/2014/main" val="546305694"/>
+                  </a:ext>
+                </a:extLst>
+              </a:tr>
+              <a:tr h="410916">
+                <a:tc>
+                  <a:txBody>
+                    <a:bodyPr/>
+                    <a:lstStyle/>
+                    <a:p>
+                      <a:pPr algn="ctr" fontAlgn="b"/>
+                      <a:r>
+                        <a:rPr lang="pt-BR" sz="1400" u="none" strike="noStrike">
+                          <a:solidFill>
+                            <a:schemeClr val="tx1">
+                              <a:lumMod val="75000"/>
+                              <a:lumOff val="25000"/>
+                            </a:schemeClr>
+                          </a:solidFill>
+                          <a:effectLst/>
+                        </a:rPr>
+                        <a:t>440</a:t>
+                      </a:r>
+                      <a:endParaRPr lang="pt-BR" sz="1400" b="0" i="0" u="none" strike="noStrike">
+                        <a:solidFill>
+                          <a:schemeClr val="tx1">
+                            <a:lumMod val="75000"/>
+                            <a:lumOff val="25000"/>
+                          </a:schemeClr>
+                        </a:solidFill>
+                        <a:effectLst/>
+                        <a:latin typeface="Calibri" panose="020F0502020204030204" pitchFamily="34" charset="0"/>
+                      </a:endParaRPr>
+                    </a:p>
+                  </a:txBody>
+                  <a:tcPr marL="167721" marR="15913" marT="83860" marB="83860" anchor="b">
+                    <a:lnL w="9525" cap="flat" cmpd="sng" algn="ctr">
+                      <a:solidFill>
+                        <a:srgbClr val="D8DCDC"/>
+                      </a:solidFill>
+                      <a:prstDash val="solid"/>
+                    </a:lnL>
+                    <a:lnR w="9525" cap="flat" cmpd="sng" algn="ctr">
+                      <a:solidFill>
+                        <a:srgbClr val="D8DCDC"/>
+                      </a:solidFill>
+                      <a:prstDash val="solid"/>
+                    </a:lnR>
+                    <a:lnT w="9525" cap="flat" cmpd="sng" algn="ctr">
+                      <a:solidFill>
+                        <a:srgbClr val="D8DCDC"/>
+                      </a:solidFill>
+                      <a:prstDash val="solid"/>
+                    </a:lnT>
+                    <a:lnB w="9525" cap="flat" cmpd="sng" algn="ctr">
+                      <a:solidFill>
+                        <a:srgbClr val="D8DCDC"/>
+                      </a:solidFill>
+                      <a:prstDash val="solid"/>
+                    </a:lnB>
+                    <a:solidFill>
+                      <a:srgbClr val="D8DEDC">
+                        <a:alpha val="20000"/>
+                      </a:srgbClr>
+                    </a:solidFill>
+                  </a:tcPr>
+                </a:tc>
+                <a:tc>
+                  <a:txBody>
+                    <a:bodyPr/>
+                    <a:lstStyle/>
+                    <a:p>
+                      <a:pPr algn="ctr" fontAlgn="b"/>
+                      <a:r>
+                        <a:rPr lang="pt-BR" sz="1400" u="none" strike="noStrike">
+                          <a:solidFill>
+                            <a:schemeClr val="tx1">
+                              <a:lumMod val="75000"/>
+                              <a:lumOff val="25000"/>
+                            </a:schemeClr>
+                          </a:solidFill>
+                          <a:effectLst/>
+                        </a:rPr>
+                        <a:t>40</a:t>
+                      </a:r>
+                      <a:endParaRPr lang="pt-BR" sz="1400" b="0" i="0" u="none" strike="noStrike">
+                        <a:solidFill>
+                          <a:schemeClr val="tx1">
+                            <a:lumMod val="75000"/>
+                            <a:lumOff val="25000"/>
+                          </a:schemeClr>
+                        </a:solidFill>
+                        <a:effectLst/>
+                        <a:latin typeface="Calibri" panose="020F0502020204030204" pitchFamily="34" charset="0"/>
+                      </a:endParaRPr>
+                    </a:p>
+                  </a:txBody>
+                  <a:tcPr marL="167721" marR="15913" marT="83860" marB="83860" anchor="b">
+                    <a:lnL w="9525" cap="flat" cmpd="sng" algn="ctr">
+                      <a:solidFill>
+                        <a:srgbClr val="D8DCDC"/>
+                      </a:solidFill>
+                      <a:prstDash val="solid"/>
+                    </a:lnL>
+                    <a:lnR w="9525" cap="flat" cmpd="sng" algn="ctr">
+                      <a:solidFill>
+                        <a:srgbClr val="D8DCDC"/>
+                      </a:solidFill>
+                      <a:prstDash val="solid"/>
+                    </a:lnR>
+                    <a:lnT w="9525" cap="flat" cmpd="sng" algn="ctr">
+                      <a:solidFill>
+                        <a:srgbClr val="D8DCDC"/>
+                      </a:solidFill>
+                      <a:prstDash val="solid"/>
+                    </a:lnT>
+                    <a:lnB w="9525" cap="flat" cmpd="sng" algn="ctr">
+                      <a:solidFill>
+                        <a:srgbClr val="D8DCDC"/>
+                      </a:solidFill>
+                      <a:prstDash val="solid"/>
+                    </a:lnB>
+                    <a:solidFill>
+                      <a:srgbClr val="D8DEDC">
+                        <a:alpha val="20000"/>
+                      </a:srgbClr>
+                    </a:solidFill>
+                  </a:tcPr>
+                </a:tc>
+                <a:tc>
+                  <a:txBody>
+                    <a:bodyPr/>
+                    <a:lstStyle/>
+                    <a:p>
+                      <a:pPr algn="ctr" fontAlgn="b"/>
+                      <a:r>
+                        <a:rPr lang="pt-BR" sz="1400" u="none" strike="noStrike">
+                          <a:solidFill>
+                            <a:schemeClr val="tx1">
+                              <a:lumMod val="75000"/>
+                              <a:lumOff val="25000"/>
+                            </a:schemeClr>
+                          </a:solidFill>
+                          <a:effectLst/>
+                        </a:rPr>
+                        <a:t>90,0%</a:t>
+                      </a:r>
+                      <a:endParaRPr lang="pt-BR" sz="1400" b="0" i="0" u="none" strike="noStrike">
+                        <a:solidFill>
+                          <a:schemeClr val="tx1">
+                            <a:lumMod val="75000"/>
+                            <a:lumOff val="25000"/>
+                          </a:schemeClr>
+                        </a:solidFill>
+                        <a:effectLst/>
+                        <a:latin typeface="Calibri" panose="020F0502020204030204" pitchFamily="34" charset="0"/>
+                      </a:endParaRPr>
+                    </a:p>
+                  </a:txBody>
+                  <a:tcPr marL="167721" marR="15913" marT="83860" marB="83860" anchor="b">
+                    <a:lnL w="9525" cap="flat" cmpd="sng" algn="ctr">
+                      <a:solidFill>
+                        <a:srgbClr val="D8DCDC"/>
+                      </a:solidFill>
+                      <a:prstDash val="solid"/>
+                    </a:lnL>
+                    <a:lnR w="9525" cap="flat" cmpd="sng" algn="ctr">
+                      <a:solidFill>
+                        <a:srgbClr val="D8DCDC"/>
+                      </a:solidFill>
+                      <a:prstDash val="solid"/>
+                    </a:lnR>
+                    <a:lnT w="9525" cap="flat" cmpd="sng" algn="ctr">
+                      <a:solidFill>
+                        <a:srgbClr val="D8DCDC"/>
+                      </a:solidFill>
+                      <a:prstDash val="solid"/>
+                    </a:lnT>
+                    <a:lnB w="9525" cap="flat" cmpd="sng" algn="ctr">
+                      <a:solidFill>
+                        <a:srgbClr val="D8DCDC"/>
+                      </a:solidFill>
+                      <a:prstDash val="solid"/>
+                    </a:lnB>
+                    <a:solidFill>
+                      <a:srgbClr val="D8DEDC">
+                        <a:alpha val="20000"/>
+                      </a:srgbClr>
+                    </a:solidFill>
+                  </a:tcPr>
+                </a:tc>
+                <a:tc>
+                  <a:txBody>
+                    <a:bodyPr/>
+                    <a:lstStyle/>
+                    <a:p>
+                      <a:pPr algn="ctr" fontAlgn="b"/>
+                      <a:r>
+                        <a:rPr lang="pt-BR" sz="1400" u="none" strike="noStrike">
+                          <a:solidFill>
+                            <a:schemeClr val="tx1">
+                              <a:lumMod val="75000"/>
+                              <a:lumOff val="25000"/>
+                            </a:schemeClr>
+                          </a:solidFill>
+                          <a:effectLst/>
+                        </a:rPr>
+                        <a:t>90,0%</a:t>
+                      </a:r>
+                      <a:endParaRPr lang="pt-BR" sz="1400" b="0" i="0" u="none" strike="noStrike">
+                        <a:solidFill>
+                          <a:schemeClr val="tx1">
+                            <a:lumMod val="75000"/>
+                            <a:lumOff val="25000"/>
+                          </a:schemeClr>
+                        </a:solidFill>
+                        <a:effectLst/>
+                        <a:latin typeface="Calibri" panose="020F0502020204030204" pitchFamily="34" charset="0"/>
+                      </a:endParaRPr>
+                    </a:p>
+                  </a:txBody>
+                  <a:tcPr marL="167721" marR="15913" marT="83860" marB="83860" anchor="b">
+                    <a:lnL w="9525" cap="flat" cmpd="sng" algn="ctr">
+                      <a:solidFill>
+                        <a:srgbClr val="D8DCDC"/>
+                      </a:solidFill>
+                      <a:prstDash val="solid"/>
+                    </a:lnL>
+                    <a:lnR w="9525" cap="flat" cmpd="sng" algn="ctr">
+                      <a:solidFill>
+                        <a:srgbClr val="D8DCDC"/>
+                      </a:solidFill>
+                      <a:prstDash val="solid"/>
+                    </a:lnR>
+                    <a:lnT w="9525" cap="flat" cmpd="sng" algn="ctr">
+                      <a:solidFill>
+                        <a:srgbClr val="D8DCDC"/>
+                      </a:solidFill>
+                      <a:prstDash val="solid"/>
+                    </a:lnT>
+                    <a:lnB w="9525" cap="flat" cmpd="sng" algn="ctr">
+                      <a:solidFill>
+                        <a:srgbClr val="D8DCDC"/>
+                      </a:solidFill>
+                      <a:prstDash val="solid"/>
+                    </a:lnB>
+                    <a:solidFill>
+                      <a:srgbClr val="D8DEDC">
+                        <a:alpha val="20000"/>
+                      </a:srgbClr>
+                    </a:solidFill>
+                  </a:tcPr>
+                </a:tc>
+                <a:tc>
+                  <a:txBody>
+                    <a:bodyPr/>
+                    <a:lstStyle/>
+                    <a:p>
+                      <a:pPr algn="ctr" fontAlgn="b"/>
+                      <a:r>
+                        <a:rPr lang="pt-BR" sz="1400" u="none" strike="noStrike" dirty="0">
+                          <a:solidFill>
+                            <a:schemeClr val="tx1">
+                              <a:lumMod val="75000"/>
+                              <a:lumOff val="25000"/>
+                            </a:schemeClr>
+                          </a:solidFill>
+                          <a:effectLst/>
+                        </a:rPr>
+                        <a:t>87,5%</a:t>
+                      </a:r>
+                      <a:endParaRPr lang="pt-BR" sz="1400" b="0" i="0" u="none" strike="noStrike" dirty="0">
+                        <a:solidFill>
+                          <a:schemeClr val="tx1">
+                            <a:lumMod val="75000"/>
+                            <a:lumOff val="25000"/>
+                          </a:schemeClr>
+                        </a:solidFill>
+                        <a:effectLst/>
+                        <a:latin typeface="Calibri" panose="020F0502020204030204" pitchFamily="34" charset="0"/>
+                      </a:endParaRPr>
+                    </a:p>
+                  </a:txBody>
+                  <a:tcPr marL="167721" marR="15913" marT="83860" marB="83860" anchor="b">
+                    <a:lnL w="9525" cap="flat" cmpd="sng" algn="ctr">
+                      <a:solidFill>
+                        <a:srgbClr val="D8DCDC"/>
+                      </a:solidFill>
+                      <a:prstDash val="solid"/>
+                    </a:lnL>
+                    <a:lnR w="9525" cap="flat" cmpd="sng" algn="ctr">
+                      <a:solidFill>
+                        <a:srgbClr val="D8DCDC"/>
+                      </a:solidFill>
+                      <a:prstDash val="solid"/>
+                    </a:lnR>
+                    <a:lnT w="9525" cap="flat" cmpd="sng" algn="ctr">
+                      <a:solidFill>
+                        <a:srgbClr val="D8DCDC"/>
+                      </a:solidFill>
+                      <a:prstDash val="solid"/>
+                    </a:lnT>
+                    <a:lnB w="9525" cap="flat" cmpd="sng" algn="ctr">
+                      <a:solidFill>
+                        <a:srgbClr val="D8DCDC"/>
+                      </a:solidFill>
+                      <a:prstDash val="solid"/>
+                    </a:lnB>
+                    <a:solidFill>
+                      <a:srgbClr val="D8DEDC">
+                        <a:alpha val="20000"/>
+                      </a:srgbClr>
+                    </a:solidFill>
+                  </a:tcPr>
+                </a:tc>
+                <a:extLst>
+                  <a:ext uri="{0D108BD9-81ED-4DB2-BD59-A6C34878D82A}">
+                    <a16:rowId xmlns:a16="http://schemas.microsoft.com/office/drawing/2014/main" val="2087482807"/>
+                  </a:ext>
+                </a:extLst>
+              </a:tr>
+            </a:tbl>
+          </a:graphicData>
+        </a:graphic>
+      </p:graphicFrame>
     </p:spTree>
     <p:extLst>
       <p:ext uri="{BB962C8B-B14F-4D97-AF65-F5344CB8AC3E}">
@@ -3738,10 +7455,10 @@
       </p:grpSpPr>
       <p:pic>
         <p:nvPicPr>
-          <p:cNvPr id="5" name="Imagem 4" descr="Tela de celular com publicação numa rede social&#10;&#10;Descrição gerada automaticamente">
+          <p:cNvPr id="4" name="Imagem 3" descr="Tela de celular com publicação numa rede social&#10;&#10;Descrição gerada automaticamente">
             <a:extLst>
               <a:ext uri="{FF2B5EF4-FFF2-40B4-BE49-F238E27FC236}">
-                <a16:creationId xmlns:a16="http://schemas.microsoft.com/office/drawing/2014/main" id="{23EF186C-2491-4194-A1FA-654153C165EF}"/>
+                <a16:creationId xmlns:a16="http://schemas.microsoft.com/office/drawing/2014/main" id="{C5B14919-43A7-407E-987A-C08539DEBCD0}"/>
               </a:ext>
             </a:extLst>
           </p:cNvPr>
@@ -3772,59 +7489,6 @@
           </a:prstGeom>
         </p:spPr>
       </p:pic>
-      <p:sp>
-        <p:nvSpPr>
-          <p:cNvPr id="2" name="Retângulo 1">
-            <a:extLst>
-              <a:ext uri="{FF2B5EF4-FFF2-40B4-BE49-F238E27FC236}">
-                <a16:creationId xmlns:a16="http://schemas.microsoft.com/office/drawing/2014/main" id="{5E2E2AFA-AA89-4C56-9DC7-E8C1C29CBC16}"/>
-              </a:ext>
-            </a:extLst>
-          </p:cNvPr>
-          <p:cNvSpPr/>
-          <p:nvPr/>
-        </p:nvSpPr>
-        <p:spPr>
-          <a:xfrm>
-            <a:off x="-1757363" y="1171575"/>
-            <a:ext cx="1643063" cy="2028825"/>
-          </a:xfrm>
-          <a:prstGeom prst="rect">
-            <a:avLst/>
-          </a:prstGeom>
-        </p:spPr>
-        <p:style>
-          <a:lnRef idx="2">
-            <a:schemeClr val="accent1">
-              <a:shade val="50000"/>
-            </a:schemeClr>
-          </a:lnRef>
-          <a:fillRef idx="1">
-            <a:schemeClr val="accent1"/>
-          </a:fillRef>
-          <a:effectRef idx="0">
-            <a:schemeClr val="accent1"/>
-          </a:effectRef>
-          <a:fontRef idx="minor">
-            <a:schemeClr val="lt1"/>
-          </a:fontRef>
-        </p:style>
-        <p:txBody>
-          <a:bodyPr rtlCol="0" anchor="ctr"/>
-          <a:lstStyle/>
-          <a:p>
-            <a:pPr algn="ctr"/>
-            <a:r>
-              <a:rPr lang="pt-BR" dirty="0" err="1"/>
-              <a:t>Icones</a:t>
-            </a:r>
-            <a:r>
-              <a:rPr lang="pt-BR" dirty="0"/>
-              <a:t> para professor e tecnologia</a:t>
-            </a:r>
-          </a:p>
-        </p:txBody>
-      </p:sp>
     </p:spTree>
     <p:extLst>
       <p:ext uri="{BB962C8B-B14F-4D97-AF65-F5344CB8AC3E}">
@@ -3907,42 +7571,6 @@
           </a:p>
         </p:txBody>
       </p:sp>
-      <p:pic>
-        <p:nvPicPr>
-          <p:cNvPr id="4" name="Imagem 3" descr="Tela de celular com texto preto sobre fundo branco&#10;&#10;Descrição gerada automaticamente">
-            <a:extLst>
-              <a:ext uri="{FF2B5EF4-FFF2-40B4-BE49-F238E27FC236}">
-                <a16:creationId xmlns:a16="http://schemas.microsoft.com/office/drawing/2014/main" id="{A258560F-FCF7-448E-B401-FD385AB542EF}"/>
-              </a:ext>
-            </a:extLst>
-          </p:cNvPr>
-          <p:cNvPicPr>
-            <a:picLocks noChangeAspect="1"/>
-          </p:cNvPicPr>
-          <p:nvPr/>
-        </p:nvPicPr>
-        <p:blipFill>
-          <a:blip r:embed="rId2">
-            <a:extLst>
-              <a:ext uri="{28A0092B-C50C-407E-A947-70E740481C1C}">
-                <a14:useLocalDpi xmlns:a14="http://schemas.microsoft.com/office/drawing/2010/main" val="0"/>
-              </a:ext>
-            </a:extLst>
-          </a:blip>
-          <a:stretch>
-            <a:fillRect/>
-          </a:stretch>
-        </p:blipFill>
-        <p:spPr>
-          <a:xfrm>
-            <a:off x="0" y="0"/>
-            <a:ext cx="12192000" cy="6858000"/>
-          </a:xfrm>
-          <a:prstGeom prst="rect">
-            <a:avLst/>
-          </a:prstGeom>
-        </p:spPr>
-      </p:pic>
       <p:sp>
         <p:nvSpPr>
           <p:cNvPr id="5" name="Retângulo 4">
@@ -3996,6 +7624,42 @@
           </a:p>
         </p:txBody>
       </p:sp>
+      <p:pic>
+        <p:nvPicPr>
+          <p:cNvPr id="6" name="Imagem 5" descr="Tela de celular com texto preto sobre fundo branco&#10;&#10;Descrição gerada automaticamente">
+            <a:extLst>
+              <a:ext uri="{FF2B5EF4-FFF2-40B4-BE49-F238E27FC236}">
+                <a16:creationId xmlns:a16="http://schemas.microsoft.com/office/drawing/2014/main" id="{FC601436-2BC5-4B02-ACE5-15516D53BB09}"/>
+              </a:ext>
+            </a:extLst>
+          </p:cNvPr>
+          <p:cNvPicPr>
+            <a:picLocks noChangeAspect="1"/>
+          </p:cNvPicPr>
+          <p:nvPr/>
+        </p:nvPicPr>
+        <p:blipFill>
+          <a:blip r:embed="rId2">
+            <a:extLst>
+              <a:ext uri="{28A0092B-C50C-407E-A947-70E740481C1C}">
+                <a14:useLocalDpi xmlns:a14="http://schemas.microsoft.com/office/drawing/2010/main" val="0"/>
+              </a:ext>
+            </a:extLst>
+          </a:blip>
+          <a:stretch>
+            <a:fillRect/>
+          </a:stretch>
+        </p:blipFill>
+        <p:spPr>
+          <a:xfrm>
+            <a:off x="0" y="0"/>
+            <a:ext cx="12192000" cy="6858000"/>
+          </a:xfrm>
+          <a:prstGeom prst="rect">
+            <a:avLst/>
+          </a:prstGeom>
+        </p:spPr>
+      </p:pic>
     </p:spTree>
     <p:extLst>
       <p:ext uri="{BB962C8B-B14F-4D97-AF65-F5344CB8AC3E}">
@@ -4491,6 +8155,14 @@
 <file path=ppt/slides/slide9.xml><?xml version="1.0" encoding="utf-8"?>
 <p:sld xmlns:a="http://schemas.openxmlformats.org/drawingml/2006/main" xmlns:r="http://schemas.openxmlformats.org/officeDocument/2006/relationships" xmlns:p="http://schemas.openxmlformats.org/presentationml/2006/main">
   <p:cSld>
+    <p:bg>
+      <p:bgPr>
+        <a:solidFill>
+          <a:schemeClr val="bg1"/>
+        </a:solidFill>
+        <a:effectLst/>
+      </p:bgPr>
+    </p:bg>
     <p:spTree>
       <p:nvGrpSpPr>
         <p:cNvPr id="1" name=""/>
@@ -4507,10 +8179,10 @@
       </p:grpSpPr>
       <p:pic>
         <p:nvPicPr>
-          <p:cNvPr id="5" name="Imagem 4" descr="Uma imagem contendo screenshot, texto, desenho&#10;&#10;Descrição gerada automaticamente">
+          <p:cNvPr id="4" name="Imagem 3" descr="Uma imagem contendo screenshot, texto&#10;&#10;Descrição gerada automaticamente">
             <a:extLst>
               <a:ext uri="{FF2B5EF4-FFF2-40B4-BE49-F238E27FC236}">
-                <a16:creationId xmlns:a16="http://schemas.microsoft.com/office/drawing/2014/main" id="{C90ADE1E-B4F6-474D-97C1-F7B2F287795F}"/>
+                <a16:creationId xmlns:a16="http://schemas.microsoft.com/office/drawing/2014/main" id="{551E6082-9058-4556-AFED-014175B76E98}"/>
               </a:ext>
             </a:extLst>
           </p:cNvPr>
@@ -4541,55 +8213,6 @@
           </a:prstGeom>
         </p:spPr>
       </p:pic>
-      <p:sp>
-        <p:nvSpPr>
-          <p:cNvPr id="2" name="Retângulo 1">
-            <a:extLst>
-              <a:ext uri="{FF2B5EF4-FFF2-40B4-BE49-F238E27FC236}">
-                <a16:creationId xmlns:a16="http://schemas.microsoft.com/office/drawing/2014/main" id="{382F366A-E39D-485C-83BB-7BD0E8FD75C4}"/>
-              </a:ext>
-            </a:extLst>
-          </p:cNvPr>
-          <p:cNvSpPr/>
-          <p:nvPr/>
-        </p:nvSpPr>
-        <p:spPr>
-          <a:xfrm>
-            <a:off x="9844086" y="414338"/>
-            <a:ext cx="3586163" cy="2871787"/>
-          </a:xfrm>
-          <a:prstGeom prst="rect">
-            <a:avLst/>
-          </a:prstGeom>
-        </p:spPr>
-        <p:style>
-          <a:lnRef idx="2">
-            <a:schemeClr val="accent1">
-              <a:shade val="50000"/>
-            </a:schemeClr>
-          </a:lnRef>
-          <a:fillRef idx="1">
-            <a:schemeClr val="accent1"/>
-          </a:fillRef>
-          <a:effectRef idx="0">
-            <a:schemeClr val="accent1"/>
-          </a:effectRef>
-          <a:fontRef idx="minor">
-            <a:schemeClr val="lt1"/>
-          </a:fontRef>
-        </p:style>
-        <p:txBody>
-          <a:bodyPr rtlCol="0" anchor="ctr"/>
-          <a:lstStyle/>
-          <a:p>
-            <a:pPr algn="ctr"/>
-            <a:r>
-              <a:rPr lang="pt-BR" sz="2800" dirty="0"/>
-              <a:t>Melhorar a apresentação. Não ficou claro como o sistema vai funcionar. Talvez contar uma história!</a:t>
-            </a:r>
-          </a:p>
-        </p:txBody>
-      </p:sp>
     </p:spTree>
     <p:extLst>
       <p:ext uri="{BB962C8B-B14F-4D97-AF65-F5344CB8AC3E}">

--- a/apresentacao/apresentacao.pptx
+++ b/apresentacao/apresentacao.pptx
@@ -17,6 +17,7 @@
     <p:sldId id="269" r:id="rId11"/>
     <p:sldId id="261" r:id="rId12"/>
     <p:sldId id="265" r:id="rId13"/>
+    <p:sldId id="270" r:id="rId14"/>
   </p:sldIdLst>
   <p:sldSz cx="12192000" cy="6858000"/>
   <p:notesSz cx="6858000" cy="9144000"/>
@@ -270,7 +271,7 @@
           <a:p>
             <a:fld id="{1F1FAA24-82E9-47BA-A53E-AEAD71F0EE56}" type="datetimeFigureOut">
               <a:rPr lang="pt-BR" smtClean="0"/>
-              <a:t>10/05/2020</a:t>
+              <a:t>11/05/2020</a:t>
             </a:fld>
             <a:endParaRPr lang="pt-BR"/>
           </a:p>
@@ -468,7 +469,7 @@
           <a:p>
             <a:fld id="{1F1FAA24-82E9-47BA-A53E-AEAD71F0EE56}" type="datetimeFigureOut">
               <a:rPr lang="pt-BR" smtClean="0"/>
-              <a:t>10/05/2020</a:t>
+              <a:t>11/05/2020</a:t>
             </a:fld>
             <a:endParaRPr lang="pt-BR"/>
           </a:p>
@@ -676,7 +677,7 @@
           <a:p>
             <a:fld id="{1F1FAA24-82E9-47BA-A53E-AEAD71F0EE56}" type="datetimeFigureOut">
               <a:rPr lang="pt-BR" smtClean="0"/>
-              <a:t>10/05/2020</a:t>
+              <a:t>11/05/2020</a:t>
             </a:fld>
             <a:endParaRPr lang="pt-BR"/>
           </a:p>
@@ -874,7 +875,7 @@
           <a:p>
             <a:fld id="{1F1FAA24-82E9-47BA-A53E-AEAD71F0EE56}" type="datetimeFigureOut">
               <a:rPr lang="pt-BR" smtClean="0"/>
-              <a:t>10/05/2020</a:t>
+              <a:t>11/05/2020</a:t>
             </a:fld>
             <a:endParaRPr lang="pt-BR"/>
           </a:p>
@@ -1149,7 +1150,7 @@
           <a:p>
             <a:fld id="{1F1FAA24-82E9-47BA-A53E-AEAD71F0EE56}" type="datetimeFigureOut">
               <a:rPr lang="pt-BR" smtClean="0"/>
-              <a:t>10/05/2020</a:t>
+              <a:t>11/05/2020</a:t>
             </a:fld>
             <a:endParaRPr lang="pt-BR"/>
           </a:p>
@@ -1414,7 +1415,7 @@
           <a:p>
             <a:fld id="{1F1FAA24-82E9-47BA-A53E-AEAD71F0EE56}" type="datetimeFigureOut">
               <a:rPr lang="pt-BR" smtClean="0"/>
-              <a:t>10/05/2020</a:t>
+              <a:t>11/05/2020</a:t>
             </a:fld>
             <a:endParaRPr lang="pt-BR"/>
           </a:p>
@@ -1826,7 +1827,7 @@
           <a:p>
             <a:fld id="{1F1FAA24-82E9-47BA-A53E-AEAD71F0EE56}" type="datetimeFigureOut">
               <a:rPr lang="pt-BR" smtClean="0"/>
-              <a:t>10/05/2020</a:t>
+              <a:t>11/05/2020</a:t>
             </a:fld>
             <a:endParaRPr lang="pt-BR"/>
           </a:p>
@@ -1967,7 +1968,7 @@
           <a:p>
             <a:fld id="{1F1FAA24-82E9-47BA-A53E-AEAD71F0EE56}" type="datetimeFigureOut">
               <a:rPr lang="pt-BR" smtClean="0"/>
-              <a:t>10/05/2020</a:t>
+              <a:t>11/05/2020</a:t>
             </a:fld>
             <a:endParaRPr lang="pt-BR"/>
           </a:p>
@@ -2080,7 +2081,7 @@
           <a:p>
             <a:fld id="{1F1FAA24-82E9-47BA-A53E-AEAD71F0EE56}" type="datetimeFigureOut">
               <a:rPr lang="pt-BR" smtClean="0"/>
-              <a:t>10/05/2020</a:t>
+              <a:t>11/05/2020</a:t>
             </a:fld>
             <a:endParaRPr lang="pt-BR"/>
           </a:p>
@@ -2391,7 +2392,7 @@
           <a:p>
             <a:fld id="{1F1FAA24-82E9-47BA-A53E-AEAD71F0EE56}" type="datetimeFigureOut">
               <a:rPr lang="pt-BR" smtClean="0"/>
-              <a:t>10/05/2020</a:t>
+              <a:t>11/05/2020</a:t>
             </a:fld>
             <a:endParaRPr lang="pt-BR"/>
           </a:p>
@@ -2679,7 +2680,7 @@
           <a:p>
             <a:fld id="{1F1FAA24-82E9-47BA-A53E-AEAD71F0EE56}" type="datetimeFigureOut">
               <a:rPr lang="pt-BR" smtClean="0"/>
-              <a:t>10/05/2020</a:t>
+              <a:t>11/05/2020</a:t>
             </a:fld>
             <a:endParaRPr lang="pt-BR"/>
           </a:p>
@@ -2920,7 +2921,7 @@
           <a:p>
             <a:fld id="{1F1FAA24-82E9-47BA-A53E-AEAD71F0EE56}" type="datetimeFigureOut">
               <a:rPr lang="pt-BR" smtClean="0"/>
-              <a:t>10/05/2020</a:t>
+              <a:t>11/05/2020</a:t>
             </a:fld>
             <a:endParaRPr lang="pt-BR"/>
           </a:p>
@@ -7173,6 +7174,58 @@
           </a:graphicData>
         </a:graphic>
       </p:graphicFrame>
+      <p:sp>
+        <p:nvSpPr>
+          <p:cNvPr id="5" name="Retângulo 4">
+            <a:extLst>
+              <a:ext uri="{FF2B5EF4-FFF2-40B4-BE49-F238E27FC236}">
+                <a16:creationId xmlns:a16="http://schemas.microsoft.com/office/drawing/2014/main" id="{D6E28982-DFFC-45D2-A04A-D3BA8D0F696E}"/>
+              </a:ext>
+            </a:extLst>
+          </p:cNvPr>
+          <p:cNvSpPr/>
+          <p:nvPr/>
+        </p:nvSpPr>
+        <p:spPr>
+          <a:xfrm>
+            <a:off x="12575636" y="0"/>
+            <a:ext cx="2812680" cy="3429000"/>
+          </a:xfrm>
+          <a:prstGeom prst="rect">
+            <a:avLst/>
+          </a:prstGeom>
+          <a:solidFill>
+            <a:srgbClr val="FF0000"/>
+          </a:solidFill>
+        </p:spPr>
+        <p:style>
+          <a:lnRef idx="2">
+            <a:schemeClr val="accent1">
+              <a:shade val="50000"/>
+            </a:schemeClr>
+          </a:lnRef>
+          <a:fillRef idx="1">
+            <a:schemeClr val="accent1"/>
+          </a:fillRef>
+          <a:effectRef idx="0">
+            <a:schemeClr val="accent1"/>
+          </a:effectRef>
+          <a:fontRef idx="minor">
+            <a:schemeClr val="lt1"/>
+          </a:fontRef>
+        </p:style>
+        <p:txBody>
+          <a:bodyPr rtlCol="0" anchor="ctr"/>
+          <a:lstStyle/>
+          <a:p>
+            <a:pPr algn="ctr"/>
+            <a:r>
+              <a:rPr lang="pt-BR" sz="2800" dirty="0"/>
+              <a:t>Substituir os slides de resultados. Colocar as informações relevantes em um gráfico.</a:t>
+            </a:r>
+          </a:p>
+        </p:txBody>
+      </p:sp>
     </p:spTree>
     <p:extLst>
       <p:ext uri="{BB962C8B-B14F-4D97-AF65-F5344CB8AC3E}">
@@ -7241,10 +7294,10 @@
       </p:pic>
       <p:sp>
         <p:nvSpPr>
-          <p:cNvPr id="2" name="Retângulo 1">
-            <a:extLst>
-              <a:ext uri="{FF2B5EF4-FFF2-40B4-BE49-F238E27FC236}">
-                <a16:creationId xmlns:a16="http://schemas.microsoft.com/office/drawing/2014/main" id="{BE83EBD0-0137-4666-99F8-CBAB2CB86E4D}"/>
+          <p:cNvPr id="5" name="Retângulo 4">
+            <a:extLst>
+              <a:ext uri="{FF2B5EF4-FFF2-40B4-BE49-F238E27FC236}">
+                <a16:creationId xmlns:a16="http://schemas.microsoft.com/office/drawing/2014/main" id="{DAEB77D9-3086-44AE-93D8-0B768ABF7F38}"/>
               </a:ext>
             </a:extLst>
           </p:cNvPr>
@@ -7253,14 +7306,14 @@
         </p:nvSpPr>
         <p:spPr>
           <a:xfrm>
-            <a:off x="12458700" y="-1"/>
-            <a:ext cx="2186448" cy="2993923"/>
+            <a:off x="12575636" y="0"/>
+            <a:ext cx="2812680" cy="5981700"/>
           </a:xfrm>
           <a:prstGeom prst="rect">
             <a:avLst/>
           </a:prstGeom>
           <a:solidFill>
-            <a:schemeClr val="accent2"/>
+            <a:srgbClr val="FF0000"/>
           </a:solidFill>
         </p:spPr>
         <p:style>
@@ -7285,8 +7338,19 @@
           <a:p>
             <a:pPr algn="ctr"/>
             <a:r>
-              <a:rPr lang="pt-BR" dirty="0"/>
-              <a:t>Deixar claro que os próximos passos são sugestões para que a comunidade cientifica realize pesquisas futuras. Não assumir a responsabilidade!</a:t>
+              <a:rPr lang="pt-BR" sz="2800" dirty="0"/>
+              <a:t>Ajustar o slide, não ficou claro. As palavras ficaram muito soltas e não conclui nada.</a:t>
+            </a:r>
+          </a:p>
+          <a:p>
+            <a:pPr algn="ctr"/>
+            <a:endParaRPr lang="pt-BR" sz="2800" dirty="0"/>
+          </a:p>
+          <a:p>
+            <a:pPr algn="ctr"/>
+            <a:r>
+              <a:rPr lang="pt-BR" sz="2800" dirty="0"/>
+              <a:t>Ter um número menor de considerações, talvez uma, e uma consideração mais forte.</a:t>
             </a:r>
           </a:p>
         </p:txBody>
@@ -7361,6 +7425,138 @@
     <p:extLst>
       <p:ext uri="{BB962C8B-B14F-4D97-AF65-F5344CB8AC3E}">
         <p14:creationId xmlns:p14="http://schemas.microsoft.com/office/powerpoint/2010/main" val="3120382947"/>
+      </p:ext>
+    </p:extLst>
+  </p:cSld>
+  <p:clrMapOvr>
+    <a:masterClrMapping/>
+  </p:clrMapOvr>
+</p:sld>
+</file>
+
+<file path=ppt/slides/slide13.xml><?xml version="1.0" encoding="utf-8"?>
+<p:sld xmlns:a="http://schemas.openxmlformats.org/drawingml/2006/main" xmlns:r="http://schemas.openxmlformats.org/officeDocument/2006/relationships" xmlns:p="http://schemas.openxmlformats.org/presentationml/2006/main">
+  <p:cSld>
+    <p:spTree>
+      <p:nvGrpSpPr>
+        <p:cNvPr id="1" name=""/>
+        <p:cNvGrpSpPr/>
+        <p:nvPr/>
+      </p:nvGrpSpPr>
+      <p:grpSpPr>
+        <a:xfrm>
+          <a:off x="0" y="0"/>
+          <a:ext cx="0" cy="0"/>
+          <a:chOff x="0" y="0"/>
+          <a:chExt cx="0" cy="0"/>
+        </a:xfrm>
+      </p:grpSpPr>
+      <p:sp>
+        <p:nvSpPr>
+          <p:cNvPr id="2" name="Título 1">
+            <a:extLst>
+              <a:ext uri="{FF2B5EF4-FFF2-40B4-BE49-F238E27FC236}">
+                <a16:creationId xmlns:a16="http://schemas.microsoft.com/office/drawing/2014/main" id="{E4D32EC1-7654-4E8F-944F-EE8BC1388653}"/>
+              </a:ext>
+            </a:extLst>
+          </p:cNvPr>
+          <p:cNvSpPr>
+            <a:spLocks noGrp="1"/>
+          </p:cNvSpPr>
+          <p:nvPr>
+            <p:ph type="title"/>
+          </p:nvPr>
+        </p:nvSpPr>
+        <p:spPr/>
+        <p:txBody>
+          <a:bodyPr/>
+          <a:lstStyle/>
+          <a:p>
+            <a:endParaRPr lang="pt-BR"/>
+          </a:p>
+        </p:txBody>
+      </p:sp>
+      <p:sp>
+        <p:nvSpPr>
+          <p:cNvPr id="3" name="Espaço Reservado para Conteúdo 2">
+            <a:extLst>
+              <a:ext uri="{FF2B5EF4-FFF2-40B4-BE49-F238E27FC236}">
+                <a16:creationId xmlns:a16="http://schemas.microsoft.com/office/drawing/2014/main" id="{3163D0C7-67D7-44FF-AB94-B16ED78706CD}"/>
+              </a:ext>
+            </a:extLst>
+          </p:cNvPr>
+          <p:cNvSpPr>
+            <a:spLocks noGrp="1"/>
+          </p:cNvSpPr>
+          <p:nvPr>
+            <p:ph idx="1"/>
+          </p:nvPr>
+        </p:nvSpPr>
+        <p:spPr/>
+        <p:txBody>
+          <a:bodyPr/>
+          <a:lstStyle/>
+          <a:p>
+            <a:endParaRPr lang="pt-BR"/>
+          </a:p>
+        </p:txBody>
+      </p:sp>
+      <p:sp>
+        <p:nvSpPr>
+          <p:cNvPr id="4" name="Retângulo 3">
+            <a:extLst>
+              <a:ext uri="{FF2B5EF4-FFF2-40B4-BE49-F238E27FC236}">
+                <a16:creationId xmlns:a16="http://schemas.microsoft.com/office/drawing/2014/main" id="{CA25946C-CE96-4DC0-942A-D59A28422D8C}"/>
+              </a:ext>
+            </a:extLst>
+          </p:cNvPr>
+          <p:cNvSpPr/>
+          <p:nvPr/>
+        </p:nvSpPr>
+        <p:spPr>
+          <a:xfrm>
+            <a:off x="12575636" y="0"/>
+            <a:ext cx="2892964" cy="2038350"/>
+          </a:xfrm>
+          <a:prstGeom prst="rect">
+            <a:avLst/>
+          </a:prstGeom>
+          <a:solidFill>
+            <a:srgbClr val="FF0000"/>
+          </a:solidFill>
+        </p:spPr>
+        <p:style>
+          <a:lnRef idx="2">
+            <a:schemeClr val="accent1">
+              <a:shade val="50000"/>
+            </a:schemeClr>
+          </a:lnRef>
+          <a:fillRef idx="1">
+            <a:schemeClr val="accent1"/>
+          </a:fillRef>
+          <a:effectRef idx="0">
+            <a:schemeClr val="accent1"/>
+          </a:effectRef>
+          <a:fontRef idx="minor">
+            <a:schemeClr val="lt1"/>
+          </a:fontRef>
+        </p:style>
+        <p:txBody>
+          <a:bodyPr rtlCol="0" anchor="ctr"/>
+          <a:lstStyle/>
+          <a:p>
+            <a:pPr algn="ctr"/>
+            <a:r>
+              <a:rPr lang="pt-BR" sz="2800" dirty="0"/>
+              <a:t>Incluir um slide de agradecimento.</a:t>
+            </a:r>
+          </a:p>
+        </p:txBody>
+      </p:sp>
+    </p:spTree>
+    <p:extLst>
+      <p:ext uri="{BB962C8B-B14F-4D97-AF65-F5344CB8AC3E}">
+        <p14:creationId xmlns:p14="http://schemas.microsoft.com/office/powerpoint/2010/main" val="3804690241"/>
       </p:ext>
     </p:extLst>
   </p:cSld>
@@ -7489,6 +7685,58 @@
           </a:prstGeom>
         </p:spPr>
       </p:pic>
+      <p:sp>
+        <p:nvSpPr>
+          <p:cNvPr id="3" name="Retângulo 2">
+            <a:extLst>
+              <a:ext uri="{FF2B5EF4-FFF2-40B4-BE49-F238E27FC236}">
+                <a16:creationId xmlns:a16="http://schemas.microsoft.com/office/drawing/2014/main" id="{8CABEAC5-7784-455D-9E6C-75FA9C3C1184}"/>
+              </a:ext>
+            </a:extLst>
+          </p:cNvPr>
+          <p:cNvSpPr/>
+          <p:nvPr/>
+        </p:nvSpPr>
+        <p:spPr>
+          <a:xfrm>
+            <a:off x="12592051" y="0"/>
+            <a:ext cx="2157412" cy="3028950"/>
+          </a:xfrm>
+          <a:prstGeom prst="rect">
+            <a:avLst/>
+          </a:prstGeom>
+          <a:solidFill>
+            <a:srgbClr val="FF0000"/>
+          </a:solidFill>
+        </p:spPr>
+        <p:style>
+          <a:lnRef idx="2">
+            <a:schemeClr val="accent1">
+              <a:shade val="50000"/>
+            </a:schemeClr>
+          </a:lnRef>
+          <a:fillRef idx="1">
+            <a:schemeClr val="accent1"/>
+          </a:fillRef>
+          <a:effectRef idx="0">
+            <a:schemeClr val="accent1"/>
+          </a:effectRef>
+          <a:fontRef idx="minor">
+            <a:schemeClr val="lt1"/>
+          </a:fontRef>
+        </p:style>
+        <p:txBody>
+          <a:bodyPr rtlCol="0" anchor="ctr"/>
+          <a:lstStyle/>
+          <a:p>
+            <a:pPr algn="ctr"/>
+            <a:r>
+              <a:rPr lang="pt-BR" sz="2800" dirty="0"/>
+              <a:t>Falar brevemente, passando pelas fazes sem descrever.</a:t>
+            </a:r>
+          </a:p>
+        </p:txBody>
+      </p:sp>
     </p:spTree>
     <p:extLst>
       <p:ext uri="{BB962C8B-B14F-4D97-AF65-F5344CB8AC3E}">
@@ -7660,6 +7908,58 @@
           </a:prstGeom>
         </p:spPr>
       </p:pic>
+      <p:sp>
+        <p:nvSpPr>
+          <p:cNvPr id="7" name="Retângulo 6">
+            <a:extLst>
+              <a:ext uri="{FF2B5EF4-FFF2-40B4-BE49-F238E27FC236}">
+                <a16:creationId xmlns:a16="http://schemas.microsoft.com/office/drawing/2014/main" id="{E7D25EFF-232E-4B17-BBB0-A676237723DE}"/>
+              </a:ext>
+            </a:extLst>
+          </p:cNvPr>
+          <p:cNvSpPr/>
+          <p:nvPr/>
+        </p:nvSpPr>
+        <p:spPr>
+          <a:xfrm>
+            <a:off x="12515851" y="5636422"/>
+            <a:ext cx="2157412" cy="1328738"/>
+          </a:xfrm>
+          <a:prstGeom prst="rect">
+            <a:avLst/>
+          </a:prstGeom>
+          <a:solidFill>
+            <a:srgbClr val="FF0000"/>
+          </a:solidFill>
+        </p:spPr>
+        <p:style>
+          <a:lnRef idx="2">
+            <a:schemeClr val="accent1">
+              <a:shade val="50000"/>
+            </a:schemeClr>
+          </a:lnRef>
+          <a:fillRef idx="1">
+            <a:schemeClr val="accent1"/>
+          </a:fillRef>
+          <a:effectRef idx="0">
+            <a:schemeClr val="accent1"/>
+          </a:effectRef>
+          <a:fontRef idx="minor">
+            <a:schemeClr val="lt1"/>
+          </a:fontRef>
+        </p:style>
+        <p:txBody>
+          <a:bodyPr rtlCol="0" anchor="ctr"/>
+          <a:lstStyle/>
+          <a:p>
+            <a:pPr algn="ctr"/>
+            <a:r>
+              <a:rPr lang="pt-BR" sz="2800" dirty="0"/>
+              <a:t>Morre o slide</a:t>
+            </a:r>
+          </a:p>
+        </p:txBody>
+      </p:sp>
     </p:spTree>
     <p:extLst>
       <p:ext uri="{BB962C8B-B14F-4D97-AF65-F5344CB8AC3E}">
@@ -7903,6 +8203,58 @@
           </a:p>
         </p:txBody>
       </p:sp>
+      <p:sp>
+        <p:nvSpPr>
+          <p:cNvPr id="4" name="Retângulo 3">
+            <a:extLst>
+              <a:ext uri="{FF2B5EF4-FFF2-40B4-BE49-F238E27FC236}">
+                <a16:creationId xmlns:a16="http://schemas.microsoft.com/office/drawing/2014/main" id="{7E42F943-9EB5-4D01-BACB-F35373BC3A78}"/>
+              </a:ext>
+            </a:extLst>
+          </p:cNvPr>
+          <p:cNvSpPr/>
+          <p:nvPr/>
+        </p:nvSpPr>
+        <p:spPr>
+          <a:xfrm>
+            <a:off x="12749211" y="3249560"/>
+            <a:ext cx="3061059" cy="1735395"/>
+          </a:xfrm>
+          <a:prstGeom prst="rect">
+            <a:avLst/>
+          </a:prstGeom>
+          <a:solidFill>
+            <a:srgbClr val="FF0000"/>
+          </a:solidFill>
+        </p:spPr>
+        <p:style>
+          <a:lnRef idx="2">
+            <a:schemeClr val="accent1">
+              <a:shade val="50000"/>
+            </a:schemeClr>
+          </a:lnRef>
+          <a:fillRef idx="1">
+            <a:schemeClr val="accent1"/>
+          </a:fillRef>
+          <a:effectRef idx="0">
+            <a:schemeClr val="accent1"/>
+          </a:effectRef>
+          <a:fontRef idx="minor">
+            <a:schemeClr val="lt1"/>
+          </a:fontRef>
+        </p:style>
+        <p:txBody>
+          <a:bodyPr rtlCol="0" anchor="ctr"/>
+          <a:lstStyle/>
+          <a:p>
+            <a:pPr algn="ctr"/>
+            <a:r>
+              <a:rPr lang="pt-BR" sz="2400" dirty="0"/>
+              <a:t>Colocar verbo nos objetivos específicos como no último.</a:t>
+            </a:r>
+          </a:p>
+        </p:txBody>
+      </p:sp>
     </p:spTree>
     <p:extLst>
       <p:ext uri="{BB962C8B-B14F-4D97-AF65-F5344CB8AC3E}">
@@ -8065,7 +8417,7 @@
         </p:nvSpPr>
         <p:spPr>
           <a:xfrm>
-            <a:off x="12415837" y="942975"/>
+            <a:off x="12625387" y="0"/>
             <a:ext cx="3514725" cy="2200275"/>
           </a:xfrm>
           <a:prstGeom prst="rect">
@@ -8139,6 +8491,115 @@
           </a:prstGeom>
         </p:spPr>
       </p:pic>
+      <p:sp>
+        <p:nvSpPr>
+          <p:cNvPr id="4" name="Retângulo 3">
+            <a:extLst>
+              <a:ext uri="{FF2B5EF4-FFF2-40B4-BE49-F238E27FC236}">
+                <a16:creationId xmlns:a16="http://schemas.microsoft.com/office/drawing/2014/main" id="{38C7E7C1-86A9-4365-BCDD-25708441CE96}"/>
+              </a:ext>
+            </a:extLst>
+          </p:cNvPr>
+          <p:cNvSpPr/>
+          <p:nvPr/>
+        </p:nvSpPr>
+        <p:spPr>
+          <a:xfrm>
+            <a:off x="12625387" y="2626595"/>
+            <a:ext cx="3514725" cy="1604809"/>
+          </a:xfrm>
+          <a:prstGeom prst="rect">
+            <a:avLst/>
+          </a:prstGeom>
+          <a:solidFill>
+            <a:srgbClr val="FF0000"/>
+          </a:solidFill>
+        </p:spPr>
+        <p:style>
+          <a:lnRef idx="2">
+            <a:schemeClr val="accent1">
+              <a:shade val="50000"/>
+            </a:schemeClr>
+          </a:lnRef>
+          <a:fillRef idx="1">
+            <a:schemeClr val="accent1"/>
+          </a:fillRef>
+          <a:effectRef idx="0">
+            <a:schemeClr val="accent1"/>
+          </a:effectRef>
+          <a:fontRef idx="minor">
+            <a:schemeClr val="lt1"/>
+          </a:fontRef>
+        </p:style>
+        <p:txBody>
+          <a:bodyPr rtlCol="0" anchor="ctr"/>
+          <a:lstStyle/>
+          <a:p>
+            <a:pPr algn="ctr"/>
+            <a:r>
+              <a:rPr lang="pt-BR" sz="2800" dirty="0"/>
+              <a:t>Deixar claro a sequência das coisas. Talvez incluir números.</a:t>
+            </a:r>
+          </a:p>
+        </p:txBody>
+      </p:sp>
+      <p:sp>
+        <p:nvSpPr>
+          <p:cNvPr id="5" name="Retângulo 4">
+            <a:extLst>
+              <a:ext uri="{FF2B5EF4-FFF2-40B4-BE49-F238E27FC236}">
+                <a16:creationId xmlns:a16="http://schemas.microsoft.com/office/drawing/2014/main" id="{08898A2A-7EA9-44ED-BEFD-00F7AB25AC36}"/>
+              </a:ext>
+            </a:extLst>
+          </p:cNvPr>
+          <p:cNvSpPr/>
+          <p:nvPr/>
+        </p:nvSpPr>
+        <p:spPr>
+          <a:xfrm>
+            <a:off x="12620624" y="4657724"/>
+            <a:ext cx="3514725" cy="2029129"/>
+          </a:xfrm>
+          <a:prstGeom prst="rect">
+            <a:avLst/>
+          </a:prstGeom>
+          <a:solidFill>
+            <a:srgbClr val="FF0000"/>
+          </a:solidFill>
+        </p:spPr>
+        <p:style>
+          <a:lnRef idx="2">
+            <a:schemeClr val="accent1">
+              <a:shade val="50000"/>
+            </a:schemeClr>
+          </a:lnRef>
+          <a:fillRef idx="1">
+            <a:schemeClr val="accent1"/>
+          </a:fillRef>
+          <a:effectRef idx="0">
+            <a:schemeClr val="accent1"/>
+          </a:effectRef>
+          <a:fontRef idx="minor">
+            <a:schemeClr val="lt1"/>
+          </a:fontRef>
+        </p:style>
+        <p:txBody>
+          <a:bodyPr rtlCol="0" anchor="ctr"/>
+          <a:lstStyle/>
+          <a:p>
+            <a:pPr algn="ctr"/>
+            <a:r>
+              <a:rPr lang="pt-BR" sz="2800" dirty="0"/>
+              <a:t>Incluir um slide detalhando a metodologia (minha sugestão) </a:t>
+            </a:r>
+            <a:r>
+              <a:rPr lang="pt-BR" sz="2800" dirty="0" err="1"/>
+              <a:t>kkk</a:t>
+            </a:r>
+            <a:endParaRPr lang="pt-BR" sz="2800" dirty="0"/>
+          </a:p>
+        </p:txBody>
+      </p:sp>
     </p:spTree>
     <p:extLst>
       <p:ext uri="{BB962C8B-B14F-4D97-AF65-F5344CB8AC3E}">
@@ -8213,6 +8674,110 @@
           </a:prstGeom>
         </p:spPr>
       </p:pic>
+      <p:sp>
+        <p:nvSpPr>
+          <p:cNvPr id="3" name="Retângulo 2">
+            <a:extLst>
+              <a:ext uri="{FF2B5EF4-FFF2-40B4-BE49-F238E27FC236}">
+                <a16:creationId xmlns:a16="http://schemas.microsoft.com/office/drawing/2014/main" id="{D1DE7770-E496-4469-85A5-BC6359FFDD48}"/>
+              </a:ext>
+            </a:extLst>
+          </p:cNvPr>
+          <p:cNvSpPr/>
+          <p:nvPr/>
+        </p:nvSpPr>
+        <p:spPr>
+          <a:xfrm>
+            <a:off x="12698361" y="0"/>
+            <a:ext cx="2812680" cy="1257300"/>
+          </a:xfrm>
+          <a:prstGeom prst="rect">
+            <a:avLst/>
+          </a:prstGeom>
+          <a:solidFill>
+            <a:schemeClr val="accent6"/>
+          </a:solidFill>
+        </p:spPr>
+        <p:style>
+          <a:lnRef idx="2">
+            <a:schemeClr val="accent1">
+              <a:shade val="50000"/>
+            </a:schemeClr>
+          </a:lnRef>
+          <a:fillRef idx="1">
+            <a:schemeClr val="accent1"/>
+          </a:fillRef>
+          <a:effectRef idx="0">
+            <a:schemeClr val="accent1"/>
+          </a:effectRef>
+          <a:fontRef idx="minor">
+            <a:schemeClr val="lt1"/>
+          </a:fontRef>
+        </p:style>
+        <p:txBody>
+          <a:bodyPr rtlCol="0" anchor="ctr"/>
+          <a:lstStyle/>
+          <a:p>
+            <a:pPr algn="ctr"/>
+            <a:r>
+              <a:rPr lang="pt-BR" sz="2800" dirty="0"/>
+              <a:t>Processo</a:t>
+            </a:r>
+          </a:p>
+        </p:txBody>
+      </p:sp>
+      <p:sp>
+        <p:nvSpPr>
+          <p:cNvPr id="5" name="Retângulo 4">
+            <a:extLst>
+              <a:ext uri="{FF2B5EF4-FFF2-40B4-BE49-F238E27FC236}">
+                <a16:creationId xmlns:a16="http://schemas.microsoft.com/office/drawing/2014/main" id="{89F7D3A0-2F19-4570-9DAB-15899FE301A7}"/>
+              </a:ext>
+            </a:extLst>
+          </p:cNvPr>
+          <p:cNvSpPr/>
+          <p:nvPr/>
+        </p:nvSpPr>
+        <p:spPr>
+          <a:xfrm>
+            <a:off x="12698361" y="1714500"/>
+            <a:ext cx="2812680" cy="3695700"/>
+          </a:xfrm>
+          <a:prstGeom prst="rect">
+            <a:avLst/>
+          </a:prstGeom>
+          <a:solidFill>
+            <a:srgbClr val="FF0000"/>
+          </a:solidFill>
+        </p:spPr>
+        <p:style>
+          <a:lnRef idx="2">
+            <a:schemeClr val="accent1">
+              <a:shade val="50000"/>
+            </a:schemeClr>
+          </a:lnRef>
+          <a:fillRef idx="1">
+            <a:schemeClr val="accent1"/>
+          </a:fillRef>
+          <a:effectRef idx="0">
+            <a:schemeClr val="accent1"/>
+          </a:effectRef>
+          <a:fontRef idx="minor">
+            <a:schemeClr val="lt1"/>
+          </a:fontRef>
+        </p:style>
+        <p:txBody>
+          <a:bodyPr rtlCol="0" anchor="ctr"/>
+          <a:lstStyle/>
+          <a:p>
+            <a:pPr algn="ctr"/>
+            <a:r>
+              <a:rPr lang="pt-BR" sz="2800" dirty="0"/>
+              <a:t>Deixar claro a sequência dos passos. Talvez com números ou escondendo o mostrando os pedaços do fluxo.</a:t>
+            </a:r>
+          </a:p>
+        </p:txBody>
+      </p:sp>
     </p:spTree>
     <p:extLst>
       <p:ext uri="{BB962C8B-B14F-4D97-AF65-F5344CB8AC3E}">

--- a/apresentacao/apresentacao.pptx
+++ b/apresentacao/apresentacao.pptx
@@ -8,16 +8,15 @@
     <p:sldId id="256" r:id="rId2"/>
     <p:sldId id="263" r:id="rId3"/>
     <p:sldId id="257" r:id="rId4"/>
-    <p:sldId id="258" r:id="rId5"/>
-    <p:sldId id="262" r:id="rId6"/>
-    <p:sldId id="259" r:id="rId7"/>
-    <p:sldId id="266" r:id="rId8"/>
-    <p:sldId id="260" r:id="rId9"/>
-    <p:sldId id="268" r:id="rId10"/>
-    <p:sldId id="269" r:id="rId11"/>
-    <p:sldId id="261" r:id="rId12"/>
-    <p:sldId id="265" r:id="rId13"/>
-    <p:sldId id="270" r:id="rId14"/>
+    <p:sldId id="262" r:id="rId5"/>
+    <p:sldId id="259" r:id="rId6"/>
+    <p:sldId id="266" r:id="rId7"/>
+    <p:sldId id="260" r:id="rId8"/>
+    <p:sldId id="268" r:id="rId9"/>
+    <p:sldId id="269" r:id="rId10"/>
+    <p:sldId id="261" r:id="rId11"/>
+    <p:sldId id="265" r:id="rId12"/>
+    <p:sldId id="270" r:id="rId13"/>
   </p:sldIdLst>
   <p:sldSz cx="12192000" cy="6858000"/>
   <p:notesSz cx="6858000" cy="9144000"/>
@@ -271,7 +270,7 @@
           <a:p>
             <a:fld id="{1F1FAA24-82E9-47BA-A53E-AEAD71F0EE56}" type="datetimeFigureOut">
               <a:rPr lang="pt-BR" smtClean="0"/>
-              <a:t>11/05/2020</a:t>
+              <a:t>30/06/2020</a:t>
             </a:fld>
             <a:endParaRPr lang="pt-BR"/>
           </a:p>
@@ -469,7 +468,7 @@
           <a:p>
             <a:fld id="{1F1FAA24-82E9-47BA-A53E-AEAD71F0EE56}" type="datetimeFigureOut">
               <a:rPr lang="pt-BR" smtClean="0"/>
-              <a:t>11/05/2020</a:t>
+              <a:t>30/06/2020</a:t>
             </a:fld>
             <a:endParaRPr lang="pt-BR"/>
           </a:p>
@@ -677,7 +676,7 @@
           <a:p>
             <a:fld id="{1F1FAA24-82E9-47BA-A53E-AEAD71F0EE56}" type="datetimeFigureOut">
               <a:rPr lang="pt-BR" smtClean="0"/>
-              <a:t>11/05/2020</a:t>
+              <a:t>30/06/2020</a:t>
             </a:fld>
             <a:endParaRPr lang="pt-BR"/>
           </a:p>
@@ -875,7 +874,7 @@
           <a:p>
             <a:fld id="{1F1FAA24-82E9-47BA-A53E-AEAD71F0EE56}" type="datetimeFigureOut">
               <a:rPr lang="pt-BR" smtClean="0"/>
-              <a:t>11/05/2020</a:t>
+              <a:t>30/06/2020</a:t>
             </a:fld>
             <a:endParaRPr lang="pt-BR"/>
           </a:p>
@@ -1150,7 +1149,7 @@
           <a:p>
             <a:fld id="{1F1FAA24-82E9-47BA-A53E-AEAD71F0EE56}" type="datetimeFigureOut">
               <a:rPr lang="pt-BR" smtClean="0"/>
-              <a:t>11/05/2020</a:t>
+              <a:t>30/06/2020</a:t>
             </a:fld>
             <a:endParaRPr lang="pt-BR"/>
           </a:p>
@@ -1415,7 +1414,7 @@
           <a:p>
             <a:fld id="{1F1FAA24-82E9-47BA-A53E-AEAD71F0EE56}" type="datetimeFigureOut">
               <a:rPr lang="pt-BR" smtClean="0"/>
-              <a:t>11/05/2020</a:t>
+              <a:t>30/06/2020</a:t>
             </a:fld>
             <a:endParaRPr lang="pt-BR"/>
           </a:p>
@@ -1827,7 +1826,7 @@
           <a:p>
             <a:fld id="{1F1FAA24-82E9-47BA-A53E-AEAD71F0EE56}" type="datetimeFigureOut">
               <a:rPr lang="pt-BR" smtClean="0"/>
-              <a:t>11/05/2020</a:t>
+              <a:t>30/06/2020</a:t>
             </a:fld>
             <a:endParaRPr lang="pt-BR"/>
           </a:p>
@@ -1968,7 +1967,7 @@
           <a:p>
             <a:fld id="{1F1FAA24-82E9-47BA-A53E-AEAD71F0EE56}" type="datetimeFigureOut">
               <a:rPr lang="pt-BR" smtClean="0"/>
-              <a:t>11/05/2020</a:t>
+              <a:t>30/06/2020</a:t>
             </a:fld>
             <a:endParaRPr lang="pt-BR"/>
           </a:p>
@@ -2081,7 +2080,7 @@
           <a:p>
             <a:fld id="{1F1FAA24-82E9-47BA-A53E-AEAD71F0EE56}" type="datetimeFigureOut">
               <a:rPr lang="pt-BR" smtClean="0"/>
-              <a:t>11/05/2020</a:t>
+              <a:t>30/06/2020</a:t>
             </a:fld>
             <a:endParaRPr lang="pt-BR"/>
           </a:p>
@@ -2392,7 +2391,7 @@
           <a:p>
             <a:fld id="{1F1FAA24-82E9-47BA-A53E-AEAD71F0EE56}" type="datetimeFigureOut">
               <a:rPr lang="pt-BR" smtClean="0"/>
-              <a:t>11/05/2020</a:t>
+              <a:t>30/06/2020</a:t>
             </a:fld>
             <a:endParaRPr lang="pt-BR"/>
           </a:p>
@@ -2680,7 +2679,7 @@
           <a:p>
             <a:fld id="{1F1FAA24-82E9-47BA-A53E-AEAD71F0EE56}" type="datetimeFigureOut">
               <a:rPr lang="pt-BR" smtClean="0"/>
-              <a:t>11/05/2020</a:t>
+              <a:t>30/06/2020</a:t>
             </a:fld>
             <a:endParaRPr lang="pt-BR"/>
           </a:p>
@@ -2921,7 +2920,7 @@
           <a:p>
             <a:fld id="{1F1FAA24-82E9-47BA-A53E-AEAD71F0EE56}" type="datetimeFigureOut">
               <a:rPr lang="pt-BR" smtClean="0"/>
-              <a:t>11/05/2020</a:t>
+              <a:t>30/06/2020</a:t>
             </a:fld>
             <a:endParaRPr lang="pt-BR"/>
           </a:p>
@@ -3340,10 +3339,10 @@
       </p:grpSpPr>
       <p:pic>
         <p:nvPicPr>
-          <p:cNvPr id="4" name="Imagem 3">
-            <a:extLst>
-              <a:ext uri="{FF2B5EF4-FFF2-40B4-BE49-F238E27FC236}">
-                <a16:creationId xmlns:a16="http://schemas.microsoft.com/office/drawing/2014/main" id="{5F4B1441-2AAA-4FC5-957A-D13E167DF653}"/>
+          <p:cNvPr id="3" name="Imagem 2">
+            <a:extLst>
+              <a:ext uri="{FF2B5EF4-FFF2-40B4-BE49-F238E27FC236}">
+                <a16:creationId xmlns:a16="http://schemas.microsoft.com/office/drawing/2014/main" id="{C6009BAA-04EE-488D-B0FE-8AB04EA4BF67}"/>
               </a:ext>
             </a:extLst>
           </p:cNvPr>
@@ -3374,3822 +3373,22 @@
           </a:prstGeom>
         </p:spPr>
       </p:pic>
-    </p:spTree>
-    <p:extLst>
-      <p:ext uri="{BB962C8B-B14F-4D97-AF65-F5344CB8AC3E}">
-        <p14:creationId xmlns:p14="http://schemas.microsoft.com/office/powerpoint/2010/main" val="3094018066"/>
-      </p:ext>
-    </p:extLst>
-  </p:cSld>
-  <p:clrMapOvr>
-    <a:masterClrMapping/>
-  </p:clrMapOvr>
-</p:sld>
-</file>
-
-<file path=ppt/slides/slide10.xml><?xml version="1.0" encoding="utf-8"?>
-<p:sld xmlns:a="http://schemas.openxmlformats.org/drawingml/2006/main" xmlns:r="http://schemas.openxmlformats.org/officeDocument/2006/relationships" xmlns:p="http://schemas.openxmlformats.org/presentationml/2006/main">
-  <p:cSld>
-    <p:bg>
-      <p:bgPr>
-        <a:solidFill>
-          <a:schemeClr val="bg1"/>
-        </a:solidFill>
-        <a:effectLst/>
-      </p:bgPr>
-    </p:bg>
-    <p:spTree>
-      <p:nvGrpSpPr>
-        <p:cNvPr id="1" name=""/>
-        <p:cNvGrpSpPr/>
-        <p:nvPr/>
-      </p:nvGrpSpPr>
-      <p:grpSpPr>
-        <a:xfrm>
-          <a:off x="0" y="0"/>
-          <a:ext cx="0" cy="0"/>
-          <a:chOff x="0" y="0"/>
-          <a:chExt cx="0" cy="0"/>
-        </a:xfrm>
-      </p:grpSpPr>
-      <p:pic>
-        <p:nvPicPr>
-          <p:cNvPr id="12" name="Imagem 11" descr="Tela de celular com texto preto sobre fundo branco&#10;&#10;Descrição gerada automaticamente">
-            <a:extLst>
-              <a:ext uri="{FF2B5EF4-FFF2-40B4-BE49-F238E27FC236}">
-                <a16:creationId xmlns:a16="http://schemas.microsoft.com/office/drawing/2014/main" id="{3D7B3611-3867-4D52-8752-CCEAE5A2D72D}"/>
-              </a:ext>
-            </a:extLst>
-          </p:cNvPr>
-          <p:cNvPicPr>
-            <a:picLocks noChangeAspect="1"/>
-          </p:cNvPicPr>
+      <p:sp>
+        <p:nvSpPr>
+          <p:cNvPr id="5" name="Retângulo 4">
+            <a:extLst>
+              <a:ext uri="{FF2B5EF4-FFF2-40B4-BE49-F238E27FC236}">
+                <a16:creationId xmlns:a16="http://schemas.microsoft.com/office/drawing/2014/main" id="{33C5627F-D8F6-4697-B6D7-D00A7E5F9722}"/>
+              </a:ext>
+            </a:extLst>
+          </p:cNvPr>
+          <p:cNvSpPr/>
           <p:nvPr/>
-        </p:nvPicPr>
-        <p:blipFill>
-          <a:blip r:embed="rId2">
-            <a:extLst>
-              <a:ext uri="{28A0092B-C50C-407E-A947-70E740481C1C}">
-                <a14:useLocalDpi xmlns:a14="http://schemas.microsoft.com/office/drawing/2010/main" val="0"/>
-              </a:ext>
-            </a:extLst>
-          </a:blip>
-          <a:stretch>
-            <a:fillRect/>
-          </a:stretch>
-        </p:blipFill>
+        </p:nvSpPr>
         <p:spPr>
           <a:xfrm>
-            <a:off x="0" y="0"/>
-            <a:ext cx="12192000" cy="6858000"/>
-          </a:xfrm>
-          <a:prstGeom prst="rect">
-            <a:avLst/>
-          </a:prstGeom>
-        </p:spPr>
-      </p:pic>
-      <p:graphicFrame>
-        <p:nvGraphicFramePr>
-          <p:cNvPr id="4" name="Tabela 3">
-            <a:extLst>
-              <a:ext uri="{FF2B5EF4-FFF2-40B4-BE49-F238E27FC236}">
-                <a16:creationId xmlns:a16="http://schemas.microsoft.com/office/drawing/2014/main" id="{87BA5F13-AA30-4547-A165-CD57522D8E9C}"/>
-              </a:ext>
-            </a:extLst>
-          </p:cNvPr>
-          <p:cNvGraphicFramePr>
-            <a:graphicFrameLocks noGrp="1"/>
-          </p:cNvGraphicFramePr>
-          <p:nvPr>
-            <p:extLst>
-              <p:ext uri="{D42A27DB-BD31-4B8C-83A1-F6EECF244321}">
-                <p14:modId xmlns:p14="http://schemas.microsoft.com/office/powerpoint/2010/main" val="1553218335"/>
-              </p:ext>
-            </p:extLst>
-          </p:nvPr>
-        </p:nvGraphicFramePr>
-        <p:xfrm>
-          <a:off x="1789976" y="1371244"/>
-          <a:ext cx="8612048" cy="4930992"/>
-        </p:xfrm>
-        <a:graphic>
-          <a:graphicData uri="http://schemas.openxmlformats.org/drawingml/2006/table">
-            <a:tbl>
-              <a:tblPr firstRow="1" bandRow="1">
-                <a:noFill/>
-                <a:tableStyleId>{5C22544A-7EE6-4342-B048-85BDC9FD1C3A}</a:tableStyleId>
-              </a:tblPr>
-              <a:tblGrid>
-                <a:gridCol w="1341325">
-                  <a:extLst>
-                    <a:ext uri="{9D8B030D-6E8A-4147-A177-3AD203B41FA5}">
-                      <a16:colId xmlns:a16="http://schemas.microsoft.com/office/drawing/2014/main" val="1943774227"/>
-                    </a:ext>
-                  </a:extLst>
-                </a:gridCol>
-                <a:gridCol w="2638933">
-                  <a:extLst>
-                    <a:ext uri="{9D8B030D-6E8A-4147-A177-3AD203B41FA5}">
-                      <a16:colId xmlns:a16="http://schemas.microsoft.com/office/drawing/2014/main" val="1431320554"/>
-                    </a:ext>
-                  </a:extLst>
-                </a:gridCol>
-                <a:gridCol w="1543930">
-                  <a:extLst>
-                    <a:ext uri="{9D8B030D-6E8A-4147-A177-3AD203B41FA5}">
-                      <a16:colId xmlns:a16="http://schemas.microsoft.com/office/drawing/2014/main" val="2206437670"/>
-                    </a:ext>
-                  </a:extLst>
-                </a:gridCol>
-                <a:gridCol w="1543930">
-                  <a:extLst>
-                    <a:ext uri="{9D8B030D-6E8A-4147-A177-3AD203B41FA5}">
-                      <a16:colId xmlns:a16="http://schemas.microsoft.com/office/drawing/2014/main" val="1942348486"/>
-                    </a:ext>
-                  </a:extLst>
-                </a:gridCol>
-                <a:gridCol w="1543930">
-                  <a:extLst>
-                    <a:ext uri="{9D8B030D-6E8A-4147-A177-3AD203B41FA5}">
-                      <a16:colId xmlns:a16="http://schemas.microsoft.com/office/drawing/2014/main" val="1601922158"/>
-                    </a:ext>
-                  </a:extLst>
-                </a:gridCol>
-              </a:tblGrid>
-              <a:tr h="410916">
-                <a:tc>
-                  <a:txBody>
-                    <a:bodyPr/>
-                    <a:lstStyle/>
-                    <a:p>
-                      <a:pPr algn="ctr" fontAlgn="b"/>
-                      <a:r>
-                        <a:rPr lang="pt-BR" sz="1400" b="1" u="none" strike="noStrike">
-                          <a:solidFill>
-                            <a:schemeClr val="tx1">
-                              <a:lumMod val="75000"/>
-                              <a:lumOff val="25000"/>
-                            </a:schemeClr>
-                          </a:solidFill>
-                          <a:effectLst/>
-                        </a:rPr>
-                        <a:t>Base</a:t>
-                      </a:r>
-                      <a:endParaRPr lang="pt-BR" sz="1400" b="1" i="0" u="none" strike="noStrike">
-                        <a:solidFill>
-                          <a:schemeClr val="tx1">
-                            <a:lumMod val="75000"/>
-                            <a:lumOff val="25000"/>
-                          </a:schemeClr>
-                        </a:solidFill>
-                        <a:effectLst/>
-                        <a:latin typeface="Calibri" panose="020F0502020204030204" pitchFamily="34" charset="0"/>
-                      </a:endParaRPr>
-                    </a:p>
-                  </a:txBody>
-                  <a:tcPr marL="167721" marR="15913" marT="83860" marB="83860" anchor="b">
-                    <a:lnL w="12700" cmpd="sng">
-                      <a:noFill/>
-                      <a:prstDash val="solid"/>
-                    </a:lnL>
-                    <a:lnR w="12700" cmpd="sng">
-                      <a:noFill/>
-                      <a:prstDash val="solid"/>
-                    </a:lnR>
-                    <a:lnT w="12700" cmpd="sng">
-                      <a:noFill/>
-                      <a:prstDash val="solid"/>
-                    </a:lnT>
-                    <a:lnB w="9525" cap="flat" cmpd="sng" algn="ctr">
-                      <a:solidFill>
-                        <a:srgbClr val="D8DCDC"/>
-                      </a:solidFill>
-                      <a:prstDash val="solid"/>
-                    </a:lnB>
-                    <a:noFill/>
-                  </a:tcPr>
-                </a:tc>
-                <a:tc>
-                  <a:txBody>
-                    <a:bodyPr/>
-                    <a:lstStyle/>
-                    <a:p>
-                      <a:pPr algn="ctr" fontAlgn="b"/>
-                      <a:r>
-                        <a:rPr lang="pt-BR" sz="1400" b="1" u="none" strike="noStrike">
-                          <a:solidFill>
-                            <a:schemeClr val="tx1">
-                              <a:lumMod val="75000"/>
-                              <a:lumOff val="25000"/>
-                            </a:schemeClr>
-                          </a:solidFill>
-                          <a:effectLst/>
-                        </a:rPr>
-                        <a:t>Novas Respostas</a:t>
-                      </a:r>
-                      <a:endParaRPr lang="pt-BR" sz="1400" b="1" i="0" u="none" strike="noStrike">
-                        <a:solidFill>
-                          <a:schemeClr val="tx1">
-                            <a:lumMod val="75000"/>
-                            <a:lumOff val="25000"/>
-                          </a:schemeClr>
-                        </a:solidFill>
-                        <a:effectLst/>
-                        <a:latin typeface="Calibri" panose="020F0502020204030204" pitchFamily="34" charset="0"/>
-                      </a:endParaRPr>
-                    </a:p>
-                  </a:txBody>
-                  <a:tcPr marL="167721" marR="15913" marT="83860" marB="83860" anchor="b">
-                    <a:lnL w="12700" cmpd="sng">
-                      <a:noFill/>
-                      <a:prstDash val="solid"/>
-                    </a:lnL>
-                    <a:lnR w="12700" cmpd="sng">
-                      <a:noFill/>
-                      <a:prstDash val="solid"/>
-                    </a:lnR>
-                    <a:lnT w="12700" cmpd="sng">
-                      <a:noFill/>
-                      <a:prstDash val="solid"/>
-                    </a:lnT>
-                    <a:lnB w="9525" cap="flat" cmpd="sng" algn="ctr">
-                      <a:solidFill>
-                        <a:srgbClr val="D8DCDC"/>
-                      </a:solidFill>
-                      <a:prstDash val="solid"/>
-                    </a:lnB>
-                    <a:noFill/>
-                  </a:tcPr>
-                </a:tc>
-                <a:tc>
-                  <a:txBody>
-                    <a:bodyPr/>
-                    <a:lstStyle/>
-                    <a:p>
-                      <a:pPr algn="ctr" fontAlgn="b"/>
-                      <a:r>
-                        <a:rPr lang="pt-BR" sz="1400" b="1" u="none" strike="noStrike">
-                          <a:solidFill>
-                            <a:schemeClr val="tx1">
-                              <a:lumMod val="75000"/>
-                              <a:lumOff val="25000"/>
-                            </a:schemeClr>
-                          </a:solidFill>
-                          <a:effectLst/>
-                        </a:rPr>
-                        <a:t>k=3</a:t>
-                      </a:r>
-                      <a:endParaRPr lang="pt-BR" sz="1400" b="1" i="0" u="none" strike="noStrike">
-                        <a:solidFill>
-                          <a:schemeClr val="tx1">
-                            <a:lumMod val="75000"/>
-                            <a:lumOff val="25000"/>
-                          </a:schemeClr>
-                        </a:solidFill>
-                        <a:effectLst/>
-                        <a:latin typeface="Calibri" panose="020F0502020204030204" pitchFamily="34" charset="0"/>
-                      </a:endParaRPr>
-                    </a:p>
-                  </a:txBody>
-                  <a:tcPr marL="167721" marR="15913" marT="83860" marB="83860" anchor="b">
-                    <a:lnL w="12700" cmpd="sng">
-                      <a:noFill/>
-                      <a:prstDash val="solid"/>
-                    </a:lnL>
-                    <a:lnR w="12700" cmpd="sng">
-                      <a:noFill/>
-                      <a:prstDash val="solid"/>
-                    </a:lnR>
-                    <a:lnT w="12700" cmpd="sng">
-                      <a:noFill/>
-                      <a:prstDash val="solid"/>
-                    </a:lnT>
-                    <a:lnB w="9525" cap="flat" cmpd="sng" algn="ctr">
-                      <a:solidFill>
-                        <a:srgbClr val="D8DCDC"/>
-                      </a:solidFill>
-                      <a:prstDash val="solid"/>
-                    </a:lnB>
-                    <a:noFill/>
-                  </a:tcPr>
-                </a:tc>
-                <a:tc>
-                  <a:txBody>
-                    <a:bodyPr/>
-                    <a:lstStyle/>
-                    <a:p>
-                      <a:pPr algn="ctr" fontAlgn="b"/>
-                      <a:r>
-                        <a:rPr lang="pt-BR" sz="1400" b="1" u="none" strike="noStrike">
-                          <a:solidFill>
-                            <a:schemeClr val="tx1">
-                              <a:lumMod val="75000"/>
-                              <a:lumOff val="25000"/>
-                            </a:schemeClr>
-                          </a:solidFill>
-                          <a:effectLst/>
-                        </a:rPr>
-                        <a:t>k=5</a:t>
-                      </a:r>
-                      <a:endParaRPr lang="pt-BR" sz="1400" b="1" i="0" u="none" strike="noStrike">
-                        <a:solidFill>
-                          <a:schemeClr val="tx1">
-                            <a:lumMod val="75000"/>
-                            <a:lumOff val="25000"/>
-                          </a:schemeClr>
-                        </a:solidFill>
-                        <a:effectLst/>
-                        <a:latin typeface="Calibri" panose="020F0502020204030204" pitchFamily="34" charset="0"/>
-                      </a:endParaRPr>
-                    </a:p>
-                  </a:txBody>
-                  <a:tcPr marL="167721" marR="15913" marT="83860" marB="83860" anchor="b">
-                    <a:lnL w="12700" cmpd="sng">
-                      <a:noFill/>
-                      <a:prstDash val="solid"/>
-                    </a:lnL>
-                    <a:lnR w="12700" cmpd="sng">
-                      <a:noFill/>
-                      <a:prstDash val="solid"/>
-                    </a:lnR>
-                    <a:lnT w="12700" cmpd="sng">
-                      <a:noFill/>
-                      <a:prstDash val="solid"/>
-                    </a:lnT>
-                    <a:lnB w="9525" cap="flat" cmpd="sng" algn="ctr">
-                      <a:solidFill>
-                        <a:srgbClr val="D8DCDC"/>
-                      </a:solidFill>
-                      <a:prstDash val="solid"/>
-                    </a:lnB>
-                    <a:noFill/>
-                  </a:tcPr>
-                </a:tc>
-                <a:tc>
-                  <a:txBody>
-                    <a:bodyPr/>
-                    <a:lstStyle/>
-                    <a:p>
-                      <a:pPr algn="ctr" fontAlgn="b"/>
-                      <a:r>
-                        <a:rPr lang="pt-BR" sz="1400" b="1" u="none" strike="noStrike">
-                          <a:solidFill>
-                            <a:schemeClr val="tx1">
-                              <a:lumMod val="75000"/>
-                              <a:lumOff val="25000"/>
-                            </a:schemeClr>
-                          </a:solidFill>
-                          <a:effectLst/>
-                        </a:rPr>
-                        <a:t>k=7</a:t>
-                      </a:r>
-                      <a:endParaRPr lang="pt-BR" sz="1400" b="1" i="0" u="none" strike="noStrike">
-                        <a:solidFill>
-                          <a:schemeClr val="tx1">
-                            <a:lumMod val="75000"/>
-                            <a:lumOff val="25000"/>
-                          </a:schemeClr>
-                        </a:solidFill>
-                        <a:effectLst/>
-                        <a:latin typeface="Calibri" panose="020F0502020204030204" pitchFamily="34" charset="0"/>
-                      </a:endParaRPr>
-                    </a:p>
-                  </a:txBody>
-                  <a:tcPr marL="167721" marR="15913" marT="83860" marB="83860" anchor="b">
-                    <a:lnL w="12700" cmpd="sng">
-                      <a:noFill/>
-                      <a:prstDash val="solid"/>
-                    </a:lnL>
-                    <a:lnR w="12700" cmpd="sng">
-                      <a:noFill/>
-                      <a:prstDash val="solid"/>
-                    </a:lnR>
-                    <a:lnT w="12700" cmpd="sng">
-                      <a:noFill/>
-                      <a:prstDash val="solid"/>
-                    </a:lnT>
-                    <a:lnB w="9525" cap="flat" cmpd="sng" algn="ctr">
-                      <a:solidFill>
-                        <a:srgbClr val="D8DCDC"/>
-                      </a:solidFill>
-                      <a:prstDash val="solid"/>
-                    </a:lnB>
-                    <a:noFill/>
-                  </a:tcPr>
-                </a:tc>
-                <a:extLst>
-                  <a:ext uri="{0D108BD9-81ED-4DB2-BD59-A6C34878D82A}">
-                    <a16:rowId xmlns:a16="http://schemas.microsoft.com/office/drawing/2014/main" val="3179250387"/>
-                  </a:ext>
-                </a:extLst>
-              </a:tr>
-              <a:tr h="410916">
-                <a:tc>
-                  <a:txBody>
-                    <a:bodyPr/>
-                    <a:lstStyle/>
-                    <a:p>
-                      <a:pPr algn="ctr" fontAlgn="b"/>
-                      <a:r>
-                        <a:rPr lang="pt-BR" sz="1400" u="none" strike="noStrike">
-                          <a:solidFill>
-                            <a:schemeClr val="tx1">
-                              <a:lumMod val="75000"/>
-                              <a:lumOff val="25000"/>
-                            </a:schemeClr>
-                          </a:solidFill>
-                          <a:effectLst/>
-                        </a:rPr>
-                        <a:t>40</a:t>
-                      </a:r>
-                      <a:endParaRPr lang="pt-BR" sz="1400" b="0" i="0" u="none" strike="noStrike">
-                        <a:solidFill>
-                          <a:schemeClr val="tx1">
-                            <a:lumMod val="75000"/>
-                            <a:lumOff val="25000"/>
-                          </a:schemeClr>
-                        </a:solidFill>
-                        <a:effectLst/>
-                        <a:latin typeface="Calibri" panose="020F0502020204030204" pitchFamily="34" charset="0"/>
-                      </a:endParaRPr>
-                    </a:p>
-                  </a:txBody>
-                  <a:tcPr marL="167721" marR="15913" marT="83860" marB="83860" anchor="b">
-                    <a:lnL w="9525" cap="flat" cmpd="sng" algn="ctr">
-                      <a:solidFill>
-                        <a:srgbClr val="D8DCDC"/>
-                      </a:solidFill>
-                      <a:prstDash val="solid"/>
-                    </a:lnL>
-                    <a:lnR w="9525" cap="flat" cmpd="sng" algn="ctr">
-                      <a:solidFill>
-                        <a:srgbClr val="D8DCDC"/>
-                      </a:solidFill>
-                      <a:prstDash val="solid"/>
-                    </a:lnR>
-                    <a:lnT w="9525" cap="flat" cmpd="sng" algn="ctr">
-                      <a:solidFill>
-                        <a:srgbClr val="D8DCDC"/>
-                      </a:solidFill>
-                      <a:prstDash val="solid"/>
-                    </a:lnT>
-                    <a:lnB w="9525" cap="flat" cmpd="sng" algn="ctr">
-                      <a:solidFill>
-                        <a:srgbClr val="D8DCDC"/>
-                      </a:solidFill>
-                      <a:prstDash val="solid"/>
-                    </a:lnB>
-                    <a:solidFill>
-                      <a:srgbClr val="D8DEDC">
-                        <a:alpha val="20000"/>
-                      </a:srgbClr>
-                    </a:solidFill>
-                  </a:tcPr>
-                </a:tc>
-                <a:tc>
-                  <a:txBody>
-                    <a:bodyPr/>
-                    <a:lstStyle/>
-                    <a:p>
-                      <a:pPr algn="ctr" fontAlgn="b"/>
-                      <a:r>
-                        <a:rPr lang="pt-BR" sz="1400" u="none" strike="noStrike">
-                          <a:solidFill>
-                            <a:schemeClr val="tx1">
-                              <a:lumMod val="75000"/>
-                              <a:lumOff val="25000"/>
-                            </a:schemeClr>
-                          </a:solidFill>
-                          <a:effectLst/>
-                        </a:rPr>
-                        <a:t>40</a:t>
-                      </a:r>
-                      <a:endParaRPr lang="pt-BR" sz="1400" b="0" i="0" u="none" strike="noStrike">
-                        <a:solidFill>
-                          <a:schemeClr val="tx1">
-                            <a:lumMod val="75000"/>
-                            <a:lumOff val="25000"/>
-                          </a:schemeClr>
-                        </a:solidFill>
-                        <a:effectLst/>
-                        <a:latin typeface="Calibri" panose="020F0502020204030204" pitchFamily="34" charset="0"/>
-                      </a:endParaRPr>
-                    </a:p>
-                  </a:txBody>
-                  <a:tcPr marL="167721" marR="15913" marT="83860" marB="83860" anchor="b">
-                    <a:lnL w="9525" cap="flat" cmpd="sng" algn="ctr">
-                      <a:solidFill>
-                        <a:srgbClr val="D8DCDC"/>
-                      </a:solidFill>
-                      <a:prstDash val="solid"/>
-                    </a:lnL>
-                    <a:lnR w="9525" cap="flat" cmpd="sng" algn="ctr">
-                      <a:solidFill>
-                        <a:srgbClr val="D8DCDC"/>
-                      </a:solidFill>
-                      <a:prstDash val="solid"/>
-                    </a:lnR>
-                    <a:lnT w="9525" cap="flat" cmpd="sng" algn="ctr">
-                      <a:solidFill>
-                        <a:srgbClr val="D8DCDC"/>
-                      </a:solidFill>
-                      <a:prstDash val="solid"/>
-                    </a:lnT>
-                    <a:lnB w="9525" cap="flat" cmpd="sng" algn="ctr">
-                      <a:solidFill>
-                        <a:srgbClr val="D8DCDC"/>
-                      </a:solidFill>
-                      <a:prstDash val="solid"/>
-                    </a:lnB>
-                    <a:solidFill>
-                      <a:srgbClr val="D8DEDC">
-                        <a:alpha val="20000"/>
-                      </a:srgbClr>
-                    </a:solidFill>
-                  </a:tcPr>
-                </a:tc>
-                <a:tc>
-                  <a:txBody>
-                    <a:bodyPr/>
-                    <a:lstStyle/>
-                    <a:p>
-                      <a:pPr algn="ctr" fontAlgn="b"/>
-                      <a:r>
-                        <a:rPr lang="pt-BR" sz="1400" u="none" strike="noStrike">
-                          <a:solidFill>
-                            <a:schemeClr val="tx1">
-                              <a:lumMod val="75000"/>
-                              <a:lumOff val="25000"/>
-                            </a:schemeClr>
-                          </a:solidFill>
-                          <a:effectLst/>
-                        </a:rPr>
-                        <a:t>65,0%</a:t>
-                      </a:r>
-                      <a:endParaRPr lang="pt-BR" sz="1400" b="0" i="0" u="none" strike="noStrike">
-                        <a:solidFill>
-                          <a:schemeClr val="tx1">
-                            <a:lumMod val="75000"/>
-                            <a:lumOff val="25000"/>
-                          </a:schemeClr>
-                        </a:solidFill>
-                        <a:effectLst/>
-                        <a:latin typeface="Calibri" panose="020F0502020204030204" pitchFamily="34" charset="0"/>
-                      </a:endParaRPr>
-                    </a:p>
-                  </a:txBody>
-                  <a:tcPr marL="167721" marR="15913" marT="83860" marB="83860" anchor="b">
-                    <a:lnL w="9525" cap="flat" cmpd="sng" algn="ctr">
-                      <a:solidFill>
-                        <a:srgbClr val="D8DCDC"/>
-                      </a:solidFill>
-                      <a:prstDash val="solid"/>
-                    </a:lnL>
-                    <a:lnR w="9525" cap="flat" cmpd="sng" algn="ctr">
-                      <a:solidFill>
-                        <a:srgbClr val="D8DCDC"/>
-                      </a:solidFill>
-                      <a:prstDash val="solid"/>
-                    </a:lnR>
-                    <a:lnT w="9525" cap="flat" cmpd="sng" algn="ctr">
-                      <a:solidFill>
-                        <a:srgbClr val="D8DCDC"/>
-                      </a:solidFill>
-                      <a:prstDash val="solid"/>
-                    </a:lnT>
-                    <a:lnB w="9525" cap="flat" cmpd="sng" algn="ctr">
-                      <a:solidFill>
-                        <a:srgbClr val="D8DCDC"/>
-                      </a:solidFill>
-                      <a:prstDash val="solid"/>
-                    </a:lnB>
-                    <a:solidFill>
-                      <a:srgbClr val="D8DEDC">
-                        <a:alpha val="20000"/>
-                      </a:srgbClr>
-                    </a:solidFill>
-                  </a:tcPr>
-                </a:tc>
-                <a:tc>
-                  <a:txBody>
-                    <a:bodyPr/>
-                    <a:lstStyle/>
-                    <a:p>
-                      <a:pPr algn="ctr" fontAlgn="b"/>
-                      <a:r>
-                        <a:rPr lang="pt-BR" sz="1400" u="none" strike="noStrike">
-                          <a:solidFill>
-                            <a:schemeClr val="tx1">
-                              <a:lumMod val="75000"/>
-                              <a:lumOff val="25000"/>
-                            </a:schemeClr>
-                          </a:solidFill>
-                          <a:effectLst/>
-                        </a:rPr>
-                        <a:t>65,0%</a:t>
-                      </a:r>
-                      <a:endParaRPr lang="pt-BR" sz="1400" b="0" i="0" u="none" strike="noStrike">
-                        <a:solidFill>
-                          <a:schemeClr val="tx1">
-                            <a:lumMod val="75000"/>
-                            <a:lumOff val="25000"/>
-                          </a:schemeClr>
-                        </a:solidFill>
-                        <a:effectLst/>
-                        <a:latin typeface="Calibri" panose="020F0502020204030204" pitchFamily="34" charset="0"/>
-                      </a:endParaRPr>
-                    </a:p>
-                  </a:txBody>
-                  <a:tcPr marL="167721" marR="15913" marT="83860" marB="83860" anchor="b">
-                    <a:lnL w="9525" cap="flat" cmpd="sng" algn="ctr">
-                      <a:solidFill>
-                        <a:srgbClr val="D8DCDC"/>
-                      </a:solidFill>
-                      <a:prstDash val="solid"/>
-                    </a:lnL>
-                    <a:lnR w="9525" cap="flat" cmpd="sng" algn="ctr">
-                      <a:solidFill>
-                        <a:srgbClr val="D8DCDC"/>
-                      </a:solidFill>
-                      <a:prstDash val="solid"/>
-                    </a:lnR>
-                    <a:lnT w="9525" cap="flat" cmpd="sng" algn="ctr">
-                      <a:solidFill>
-                        <a:srgbClr val="D8DCDC"/>
-                      </a:solidFill>
-                      <a:prstDash val="solid"/>
-                    </a:lnT>
-                    <a:lnB w="9525" cap="flat" cmpd="sng" algn="ctr">
-                      <a:solidFill>
-                        <a:srgbClr val="D8DCDC"/>
-                      </a:solidFill>
-                      <a:prstDash val="solid"/>
-                    </a:lnB>
-                    <a:solidFill>
-                      <a:srgbClr val="D8DEDC">
-                        <a:alpha val="20000"/>
-                      </a:srgbClr>
-                    </a:solidFill>
-                  </a:tcPr>
-                </a:tc>
-                <a:tc>
-                  <a:txBody>
-                    <a:bodyPr/>
-                    <a:lstStyle/>
-                    <a:p>
-                      <a:pPr algn="ctr" fontAlgn="b"/>
-                      <a:r>
-                        <a:rPr lang="pt-BR" sz="1400" u="none" strike="noStrike">
-                          <a:solidFill>
-                            <a:schemeClr val="tx1">
-                              <a:lumMod val="75000"/>
-                              <a:lumOff val="25000"/>
-                            </a:schemeClr>
-                          </a:solidFill>
-                          <a:effectLst/>
-                        </a:rPr>
-                        <a:t>75,0%</a:t>
-                      </a:r>
-                      <a:endParaRPr lang="pt-BR" sz="1400" b="0" i="0" u="none" strike="noStrike">
-                        <a:solidFill>
-                          <a:schemeClr val="tx1">
-                            <a:lumMod val="75000"/>
-                            <a:lumOff val="25000"/>
-                          </a:schemeClr>
-                        </a:solidFill>
-                        <a:effectLst/>
-                        <a:latin typeface="Calibri" panose="020F0502020204030204" pitchFamily="34" charset="0"/>
-                      </a:endParaRPr>
-                    </a:p>
-                  </a:txBody>
-                  <a:tcPr marL="167721" marR="15913" marT="83860" marB="83860" anchor="b">
-                    <a:lnL w="9525" cap="flat" cmpd="sng" algn="ctr">
-                      <a:solidFill>
-                        <a:srgbClr val="D8DCDC"/>
-                      </a:solidFill>
-                      <a:prstDash val="solid"/>
-                    </a:lnL>
-                    <a:lnR w="9525" cap="flat" cmpd="sng" algn="ctr">
-                      <a:solidFill>
-                        <a:srgbClr val="D8DCDC"/>
-                      </a:solidFill>
-                      <a:prstDash val="solid"/>
-                    </a:lnR>
-                    <a:lnT w="9525" cap="flat" cmpd="sng" algn="ctr">
-                      <a:solidFill>
-                        <a:srgbClr val="D8DCDC"/>
-                      </a:solidFill>
-                      <a:prstDash val="solid"/>
-                    </a:lnT>
-                    <a:lnB w="9525" cap="flat" cmpd="sng" algn="ctr">
-                      <a:solidFill>
-                        <a:srgbClr val="D8DCDC"/>
-                      </a:solidFill>
-                      <a:prstDash val="solid"/>
-                    </a:lnB>
-                    <a:solidFill>
-                      <a:srgbClr val="D8DEDC">
-                        <a:alpha val="20000"/>
-                      </a:srgbClr>
-                    </a:solidFill>
-                  </a:tcPr>
-                </a:tc>
-                <a:extLst>
-                  <a:ext uri="{0D108BD9-81ED-4DB2-BD59-A6C34878D82A}">
-                    <a16:rowId xmlns:a16="http://schemas.microsoft.com/office/drawing/2014/main" val="1708397619"/>
-                  </a:ext>
-                </a:extLst>
-              </a:tr>
-              <a:tr h="410916">
-                <a:tc>
-                  <a:txBody>
-                    <a:bodyPr/>
-                    <a:lstStyle/>
-                    <a:p>
-                      <a:pPr algn="ctr" fontAlgn="b"/>
-                      <a:r>
-                        <a:rPr lang="pt-BR" sz="1400" u="none" strike="noStrike">
-                          <a:solidFill>
-                            <a:schemeClr val="tx1">
-                              <a:lumMod val="75000"/>
-                              <a:lumOff val="25000"/>
-                            </a:schemeClr>
-                          </a:solidFill>
-                          <a:effectLst/>
-                        </a:rPr>
-                        <a:t>80</a:t>
-                      </a:r>
-                      <a:endParaRPr lang="pt-BR" sz="1400" b="0" i="0" u="none" strike="noStrike">
-                        <a:solidFill>
-                          <a:schemeClr val="tx1">
-                            <a:lumMod val="75000"/>
-                            <a:lumOff val="25000"/>
-                          </a:schemeClr>
-                        </a:solidFill>
-                        <a:effectLst/>
-                        <a:latin typeface="Calibri" panose="020F0502020204030204" pitchFamily="34" charset="0"/>
-                      </a:endParaRPr>
-                    </a:p>
-                  </a:txBody>
-                  <a:tcPr marL="167721" marR="15913" marT="83860" marB="83860" anchor="b">
-                    <a:lnL w="9525" cap="flat" cmpd="sng" algn="ctr">
-                      <a:solidFill>
-                        <a:srgbClr val="D8DEDC"/>
-                      </a:solidFill>
-                      <a:prstDash val="solid"/>
-                    </a:lnL>
-                    <a:lnR w="9525" cap="flat" cmpd="sng" algn="ctr">
-                      <a:solidFill>
-                        <a:srgbClr val="D8DEDC"/>
-                      </a:solidFill>
-                      <a:prstDash val="solid"/>
-                    </a:lnR>
-                    <a:lnT w="9525" cap="flat" cmpd="sng" algn="ctr">
-                      <a:solidFill>
-                        <a:srgbClr val="D8DCDC"/>
-                      </a:solidFill>
-                      <a:prstDash val="solid"/>
-                    </a:lnT>
-                    <a:lnB w="9525" cap="flat" cmpd="sng" algn="ctr">
-                      <a:solidFill>
-                        <a:srgbClr val="D8DCDC"/>
-                      </a:solidFill>
-                      <a:prstDash val="solid"/>
-                    </a:lnB>
-                    <a:noFill/>
-                  </a:tcPr>
-                </a:tc>
-                <a:tc>
-                  <a:txBody>
-                    <a:bodyPr/>
-                    <a:lstStyle/>
-                    <a:p>
-                      <a:pPr algn="ctr" fontAlgn="b"/>
-                      <a:r>
-                        <a:rPr lang="pt-BR" sz="1400" u="none" strike="noStrike">
-                          <a:solidFill>
-                            <a:schemeClr val="tx1">
-                              <a:lumMod val="75000"/>
-                              <a:lumOff val="25000"/>
-                            </a:schemeClr>
-                          </a:solidFill>
-                          <a:effectLst/>
-                        </a:rPr>
-                        <a:t>40</a:t>
-                      </a:r>
-                      <a:endParaRPr lang="pt-BR" sz="1400" b="0" i="0" u="none" strike="noStrike">
-                        <a:solidFill>
-                          <a:schemeClr val="tx1">
-                            <a:lumMod val="75000"/>
-                            <a:lumOff val="25000"/>
-                          </a:schemeClr>
-                        </a:solidFill>
-                        <a:effectLst/>
-                        <a:latin typeface="Calibri" panose="020F0502020204030204" pitchFamily="34" charset="0"/>
-                      </a:endParaRPr>
-                    </a:p>
-                  </a:txBody>
-                  <a:tcPr marL="167721" marR="15913" marT="83860" marB="83860" anchor="b">
-                    <a:lnL w="9525" cap="flat" cmpd="sng" algn="ctr">
-                      <a:solidFill>
-                        <a:srgbClr val="D8DEDC"/>
-                      </a:solidFill>
-                      <a:prstDash val="solid"/>
-                    </a:lnL>
-                    <a:lnR w="9525" cap="flat" cmpd="sng" algn="ctr">
-                      <a:solidFill>
-                        <a:srgbClr val="D8DEDC"/>
-                      </a:solidFill>
-                      <a:prstDash val="solid"/>
-                    </a:lnR>
-                    <a:lnT w="9525" cap="flat" cmpd="sng" algn="ctr">
-                      <a:solidFill>
-                        <a:srgbClr val="D8DCDC"/>
-                      </a:solidFill>
-                      <a:prstDash val="solid"/>
-                    </a:lnT>
-                    <a:lnB w="9525" cap="flat" cmpd="sng" algn="ctr">
-                      <a:solidFill>
-                        <a:srgbClr val="D8DCDC"/>
-                      </a:solidFill>
-                      <a:prstDash val="solid"/>
-                    </a:lnB>
-                    <a:noFill/>
-                  </a:tcPr>
-                </a:tc>
-                <a:tc>
-                  <a:txBody>
-                    <a:bodyPr/>
-                    <a:lstStyle/>
-                    <a:p>
-                      <a:pPr algn="ctr" fontAlgn="b"/>
-                      <a:r>
-                        <a:rPr lang="pt-BR" sz="1400" u="none" strike="noStrike">
-                          <a:solidFill>
-                            <a:schemeClr val="tx1">
-                              <a:lumMod val="75000"/>
-                              <a:lumOff val="25000"/>
-                            </a:schemeClr>
-                          </a:solidFill>
-                          <a:effectLst/>
-                        </a:rPr>
-                        <a:t>72,5%</a:t>
-                      </a:r>
-                      <a:endParaRPr lang="pt-BR" sz="1400" b="0" i="0" u="none" strike="noStrike">
-                        <a:solidFill>
-                          <a:schemeClr val="tx1">
-                            <a:lumMod val="75000"/>
-                            <a:lumOff val="25000"/>
-                          </a:schemeClr>
-                        </a:solidFill>
-                        <a:effectLst/>
-                        <a:latin typeface="Calibri" panose="020F0502020204030204" pitchFamily="34" charset="0"/>
-                      </a:endParaRPr>
-                    </a:p>
-                  </a:txBody>
-                  <a:tcPr marL="167721" marR="15913" marT="83860" marB="83860" anchor="b">
-                    <a:lnL w="9525" cap="flat" cmpd="sng" algn="ctr">
-                      <a:solidFill>
-                        <a:srgbClr val="D8DEDC"/>
-                      </a:solidFill>
-                      <a:prstDash val="solid"/>
-                    </a:lnL>
-                    <a:lnR w="9525" cap="flat" cmpd="sng" algn="ctr">
-                      <a:solidFill>
-                        <a:srgbClr val="D8DEDC"/>
-                      </a:solidFill>
-                      <a:prstDash val="solid"/>
-                    </a:lnR>
-                    <a:lnT w="9525" cap="flat" cmpd="sng" algn="ctr">
-                      <a:solidFill>
-                        <a:srgbClr val="D8DCDC"/>
-                      </a:solidFill>
-                      <a:prstDash val="solid"/>
-                    </a:lnT>
-                    <a:lnB w="9525" cap="flat" cmpd="sng" algn="ctr">
-                      <a:solidFill>
-                        <a:srgbClr val="D8DCDC"/>
-                      </a:solidFill>
-                      <a:prstDash val="solid"/>
-                    </a:lnB>
-                    <a:noFill/>
-                  </a:tcPr>
-                </a:tc>
-                <a:tc>
-                  <a:txBody>
-                    <a:bodyPr/>
-                    <a:lstStyle/>
-                    <a:p>
-                      <a:pPr algn="ctr" fontAlgn="b"/>
-                      <a:r>
-                        <a:rPr lang="pt-BR" sz="1400" u="none" strike="noStrike">
-                          <a:solidFill>
-                            <a:schemeClr val="tx1">
-                              <a:lumMod val="75000"/>
-                              <a:lumOff val="25000"/>
-                            </a:schemeClr>
-                          </a:solidFill>
-                          <a:effectLst/>
-                        </a:rPr>
-                        <a:t>75,0%</a:t>
-                      </a:r>
-                      <a:endParaRPr lang="pt-BR" sz="1400" b="0" i="0" u="none" strike="noStrike">
-                        <a:solidFill>
-                          <a:schemeClr val="tx1">
-                            <a:lumMod val="75000"/>
-                            <a:lumOff val="25000"/>
-                          </a:schemeClr>
-                        </a:solidFill>
-                        <a:effectLst/>
-                        <a:latin typeface="Calibri" panose="020F0502020204030204" pitchFamily="34" charset="0"/>
-                      </a:endParaRPr>
-                    </a:p>
-                  </a:txBody>
-                  <a:tcPr marL="167721" marR="15913" marT="83860" marB="83860" anchor="b">
-                    <a:lnL w="9525" cap="flat" cmpd="sng" algn="ctr">
-                      <a:solidFill>
-                        <a:srgbClr val="D8DEDC"/>
-                      </a:solidFill>
-                      <a:prstDash val="solid"/>
-                    </a:lnL>
-                    <a:lnR w="9525" cap="flat" cmpd="sng" algn="ctr">
-                      <a:solidFill>
-                        <a:srgbClr val="D8DEDC"/>
-                      </a:solidFill>
-                      <a:prstDash val="solid"/>
-                    </a:lnR>
-                    <a:lnT w="9525" cap="flat" cmpd="sng" algn="ctr">
-                      <a:solidFill>
-                        <a:srgbClr val="D8DCDC"/>
-                      </a:solidFill>
-                      <a:prstDash val="solid"/>
-                    </a:lnT>
-                    <a:lnB w="9525" cap="flat" cmpd="sng" algn="ctr">
-                      <a:solidFill>
-                        <a:srgbClr val="D8DCDC"/>
-                      </a:solidFill>
-                      <a:prstDash val="solid"/>
-                    </a:lnB>
-                    <a:noFill/>
-                  </a:tcPr>
-                </a:tc>
-                <a:tc>
-                  <a:txBody>
-                    <a:bodyPr/>
-                    <a:lstStyle/>
-                    <a:p>
-                      <a:pPr algn="ctr" fontAlgn="b"/>
-                      <a:r>
-                        <a:rPr lang="pt-BR" sz="1400" u="none" strike="noStrike">
-                          <a:solidFill>
-                            <a:schemeClr val="tx1">
-                              <a:lumMod val="75000"/>
-                              <a:lumOff val="25000"/>
-                            </a:schemeClr>
-                          </a:solidFill>
-                          <a:effectLst/>
-                        </a:rPr>
-                        <a:t>72,5%</a:t>
-                      </a:r>
-                      <a:endParaRPr lang="pt-BR" sz="1400" b="0" i="0" u="none" strike="noStrike">
-                        <a:solidFill>
-                          <a:schemeClr val="tx1">
-                            <a:lumMod val="75000"/>
-                            <a:lumOff val="25000"/>
-                          </a:schemeClr>
-                        </a:solidFill>
-                        <a:effectLst/>
-                        <a:latin typeface="Calibri" panose="020F0502020204030204" pitchFamily="34" charset="0"/>
-                      </a:endParaRPr>
-                    </a:p>
-                  </a:txBody>
-                  <a:tcPr marL="167721" marR="15913" marT="83860" marB="83860" anchor="b">
-                    <a:lnL w="9525" cap="flat" cmpd="sng" algn="ctr">
-                      <a:solidFill>
-                        <a:srgbClr val="D8DEDC"/>
-                      </a:solidFill>
-                      <a:prstDash val="solid"/>
-                    </a:lnL>
-                    <a:lnR w="9525" cap="flat" cmpd="sng" algn="ctr">
-                      <a:solidFill>
-                        <a:srgbClr val="D8DEDC"/>
-                      </a:solidFill>
-                      <a:prstDash val="solid"/>
-                    </a:lnR>
-                    <a:lnT w="9525" cap="flat" cmpd="sng" algn="ctr">
-                      <a:solidFill>
-                        <a:srgbClr val="D8DCDC"/>
-                      </a:solidFill>
-                      <a:prstDash val="solid"/>
-                    </a:lnT>
-                    <a:lnB w="9525" cap="flat" cmpd="sng" algn="ctr">
-                      <a:solidFill>
-                        <a:srgbClr val="D8DCDC"/>
-                      </a:solidFill>
-                      <a:prstDash val="solid"/>
-                    </a:lnB>
-                    <a:noFill/>
-                  </a:tcPr>
-                </a:tc>
-                <a:extLst>
-                  <a:ext uri="{0D108BD9-81ED-4DB2-BD59-A6C34878D82A}">
-                    <a16:rowId xmlns:a16="http://schemas.microsoft.com/office/drawing/2014/main" val="1756492351"/>
-                  </a:ext>
-                </a:extLst>
-              </a:tr>
-              <a:tr h="410916">
-                <a:tc>
-                  <a:txBody>
-                    <a:bodyPr/>
-                    <a:lstStyle/>
-                    <a:p>
-                      <a:pPr algn="ctr" fontAlgn="b"/>
-                      <a:r>
-                        <a:rPr lang="pt-BR" sz="1400" u="none" strike="noStrike">
-                          <a:solidFill>
-                            <a:schemeClr val="tx1">
-                              <a:lumMod val="75000"/>
-                              <a:lumOff val="25000"/>
-                            </a:schemeClr>
-                          </a:solidFill>
-                          <a:effectLst/>
-                        </a:rPr>
-                        <a:t>120</a:t>
-                      </a:r>
-                      <a:endParaRPr lang="pt-BR" sz="1400" b="0" i="0" u="none" strike="noStrike">
-                        <a:solidFill>
-                          <a:schemeClr val="tx1">
-                            <a:lumMod val="75000"/>
-                            <a:lumOff val="25000"/>
-                          </a:schemeClr>
-                        </a:solidFill>
-                        <a:effectLst/>
-                        <a:latin typeface="Calibri" panose="020F0502020204030204" pitchFamily="34" charset="0"/>
-                      </a:endParaRPr>
-                    </a:p>
-                  </a:txBody>
-                  <a:tcPr marL="167721" marR="15913" marT="83860" marB="83860" anchor="b">
-                    <a:lnL w="9525" cap="flat" cmpd="sng" algn="ctr">
-                      <a:solidFill>
-                        <a:srgbClr val="D8DCDC"/>
-                      </a:solidFill>
-                      <a:prstDash val="solid"/>
-                    </a:lnL>
-                    <a:lnR w="9525" cap="flat" cmpd="sng" algn="ctr">
-                      <a:solidFill>
-                        <a:srgbClr val="D8DCDC"/>
-                      </a:solidFill>
-                      <a:prstDash val="solid"/>
-                    </a:lnR>
-                    <a:lnT w="9525" cap="flat" cmpd="sng" algn="ctr">
-                      <a:solidFill>
-                        <a:srgbClr val="D8DCDC"/>
-                      </a:solidFill>
-                      <a:prstDash val="solid"/>
-                    </a:lnT>
-                    <a:lnB w="9525" cap="flat" cmpd="sng" algn="ctr">
-                      <a:solidFill>
-                        <a:srgbClr val="D8DCDC"/>
-                      </a:solidFill>
-                      <a:prstDash val="solid"/>
-                    </a:lnB>
-                    <a:solidFill>
-                      <a:srgbClr val="D8DEDC">
-                        <a:alpha val="20000"/>
-                      </a:srgbClr>
-                    </a:solidFill>
-                  </a:tcPr>
-                </a:tc>
-                <a:tc>
-                  <a:txBody>
-                    <a:bodyPr/>
-                    <a:lstStyle/>
-                    <a:p>
-                      <a:pPr algn="ctr" fontAlgn="b"/>
-                      <a:r>
-                        <a:rPr lang="pt-BR" sz="1400" u="none" strike="noStrike">
-                          <a:solidFill>
-                            <a:schemeClr val="tx1">
-                              <a:lumMod val="75000"/>
-                              <a:lumOff val="25000"/>
-                            </a:schemeClr>
-                          </a:solidFill>
-                          <a:effectLst/>
-                        </a:rPr>
-                        <a:t>40</a:t>
-                      </a:r>
-                      <a:endParaRPr lang="pt-BR" sz="1400" b="0" i="0" u="none" strike="noStrike">
-                        <a:solidFill>
-                          <a:schemeClr val="tx1">
-                            <a:lumMod val="75000"/>
-                            <a:lumOff val="25000"/>
-                          </a:schemeClr>
-                        </a:solidFill>
-                        <a:effectLst/>
-                        <a:latin typeface="Calibri" panose="020F0502020204030204" pitchFamily="34" charset="0"/>
-                      </a:endParaRPr>
-                    </a:p>
-                  </a:txBody>
-                  <a:tcPr marL="167721" marR="15913" marT="83860" marB="83860" anchor="b">
-                    <a:lnL w="9525" cap="flat" cmpd="sng" algn="ctr">
-                      <a:solidFill>
-                        <a:srgbClr val="D8DCDC"/>
-                      </a:solidFill>
-                      <a:prstDash val="solid"/>
-                    </a:lnL>
-                    <a:lnR w="9525" cap="flat" cmpd="sng" algn="ctr">
-                      <a:solidFill>
-                        <a:srgbClr val="D8DCDC"/>
-                      </a:solidFill>
-                      <a:prstDash val="solid"/>
-                    </a:lnR>
-                    <a:lnT w="9525" cap="flat" cmpd="sng" algn="ctr">
-                      <a:solidFill>
-                        <a:srgbClr val="D8DCDC"/>
-                      </a:solidFill>
-                      <a:prstDash val="solid"/>
-                    </a:lnT>
-                    <a:lnB w="9525" cap="flat" cmpd="sng" algn="ctr">
-                      <a:solidFill>
-                        <a:srgbClr val="D8DCDC"/>
-                      </a:solidFill>
-                      <a:prstDash val="solid"/>
-                    </a:lnB>
-                    <a:solidFill>
-                      <a:srgbClr val="D8DEDC">
-                        <a:alpha val="20000"/>
-                      </a:srgbClr>
-                    </a:solidFill>
-                  </a:tcPr>
-                </a:tc>
-                <a:tc>
-                  <a:txBody>
-                    <a:bodyPr/>
-                    <a:lstStyle/>
-                    <a:p>
-                      <a:pPr algn="ctr" fontAlgn="b"/>
-                      <a:r>
-                        <a:rPr lang="pt-BR" sz="1400" u="none" strike="noStrike">
-                          <a:solidFill>
-                            <a:schemeClr val="tx1">
-                              <a:lumMod val="75000"/>
-                              <a:lumOff val="25000"/>
-                            </a:schemeClr>
-                          </a:solidFill>
-                          <a:effectLst/>
-                        </a:rPr>
-                        <a:t>77,5%</a:t>
-                      </a:r>
-                      <a:endParaRPr lang="pt-BR" sz="1400" b="0" i="0" u="none" strike="noStrike">
-                        <a:solidFill>
-                          <a:schemeClr val="tx1">
-                            <a:lumMod val="75000"/>
-                            <a:lumOff val="25000"/>
-                          </a:schemeClr>
-                        </a:solidFill>
-                        <a:effectLst/>
-                        <a:latin typeface="Calibri" panose="020F0502020204030204" pitchFamily="34" charset="0"/>
-                      </a:endParaRPr>
-                    </a:p>
-                  </a:txBody>
-                  <a:tcPr marL="167721" marR="15913" marT="83860" marB="83860" anchor="b">
-                    <a:lnL w="9525" cap="flat" cmpd="sng" algn="ctr">
-                      <a:solidFill>
-                        <a:srgbClr val="D8DCDC"/>
-                      </a:solidFill>
-                      <a:prstDash val="solid"/>
-                    </a:lnL>
-                    <a:lnR w="9525" cap="flat" cmpd="sng" algn="ctr">
-                      <a:solidFill>
-                        <a:srgbClr val="D8DCDC"/>
-                      </a:solidFill>
-                      <a:prstDash val="solid"/>
-                    </a:lnR>
-                    <a:lnT w="9525" cap="flat" cmpd="sng" algn="ctr">
-                      <a:solidFill>
-                        <a:srgbClr val="D8DCDC"/>
-                      </a:solidFill>
-                      <a:prstDash val="solid"/>
-                    </a:lnT>
-                    <a:lnB w="9525" cap="flat" cmpd="sng" algn="ctr">
-                      <a:solidFill>
-                        <a:srgbClr val="D8DCDC"/>
-                      </a:solidFill>
-                      <a:prstDash val="solid"/>
-                    </a:lnB>
-                    <a:solidFill>
-                      <a:srgbClr val="D8DEDC">
-                        <a:alpha val="20000"/>
-                      </a:srgbClr>
-                    </a:solidFill>
-                  </a:tcPr>
-                </a:tc>
-                <a:tc>
-                  <a:txBody>
-                    <a:bodyPr/>
-                    <a:lstStyle/>
-                    <a:p>
-                      <a:pPr algn="ctr" fontAlgn="b"/>
-                      <a:r>
-                        <a:rPr lang="pt-BR" sz="1400" u="none" strike="noStrike">
-                          <a:solidFill>
-                            <a:schemeClr val="tx1">
-                              <a:lumMod val="75000"/>
-                              <a:lumOff val="25000"/>
-                            </a:schemeClr>
-                          </a:solidFill>
-                          <a:effectLst/>
-                        </a:rPr>
-                        <a:t>75,0%</a:t>
-                      </a:r>
-                      <a:endParaRPr lang="pt-BR" sz="1400" b="0" i="0" u="none" strike="noStrike">
-                        <a:solidFill>
-                          <a:schemeClr val="tx1">
-                            <a:lumMod val="75000"/>
-                            <a:lumOff val="25000"/>
-                          </a:schemeClr>
-                        </a:solidFill>
-                        <a:effectLst/>
-                        <a:latin typeface="Calibri" panose="020F0502020204030204" pitchFamily="34" charset="0"/>
-                      </a:endParaRPr>
-                    </a:p>
-                  </a:txBody>
-                  <a:tcPr marL="167721" marR="15913" marT="83860" marB="83860" anchor="b">
-                    <a:lnL w="9525" cap="flat" cmpd="sng" algn="ctr">
-                      <a:solidFill>
-                        <a:srgbClr val="D8DCDC"/>
-                      </a:solidFill>
-                      <a:prstDash val="solid"/>
-                    </a:lnL>
-                    <a:lnR w="9525" cap="flat" cmpd="sng" algn="ctr">
-                      <a:solidFill>
-                        <a:srgbClr val="D8DCDC"/>
-                      </a:solidFill>
-                      <a:prstDash val="solid"/>
-                    </a:lnR>
-                    <a:lnT w="9525" cap="flat" cmpd="sng" algn="ctr">
-                      <a:solidFill>
-                        <a:srgbClr val="D8DCDC"/>
-                      </a:solidFill>
-                      <a:prstDash val="solid"/>
-                    </a:lnT>
-                    <a:lnB w="9525" cap="flat" cmpd="sng" algn="ctr">
-                      <a:solidFill>
-                        <a:srgbClr val="D8DCDC"/>
-                      </a:solidFill>
-                      <a:prstDash val="solid"/>
-                    </a:lnB>
-                    <a:solidFill>
-                      <a:srgbClr val="D8DEDC">
-                        <a:alpha val="20000"/>
-                      </a:srgbClr>
-                    </a:solidFill>
-                  </a:tcPr>
-                </a:tc>
-                <a:tc>
-                  <a:txBody>
-                    <a:bodyPr/>
-                    <a:lstStyle/>
-                    <a:p>
-                      <a:pPr algn="ctr" fontAlgn="b"/>
-                      <a:r>
-                        <a:rPr lang="pt-BR" sz="1400" u="none" strike="noStrike">
-                          <a:solidFill>
-                            <a:schemeClr val="tx1">
-                              <a:lumMod val="75000"/>
-                              <a:lumOff val="25000"/>
-                            </a:schemeClr>
-                          </a:solidFill>
-                          <a:effectLst/>
-                        </a:rPr>
-                        <a:t>75,0%</a:t>
-                      </a:r>
-                      <a:endParaRPr lang="pt-BR" sz="1400" b="0" i="0" u="none" strike="noStrike">
-                        <a:solidFill>
-                          <a:schemeClr val="tx1">
-                            <a:lumMod val="75000"/>
-                            <a:lumOff val="25000"/>
-                          </a:schemeClr>
-                        </a:solidFill>
-                        <a:effectLst/>
-                        <a:latin typeface="Calibri" panose="020F0502020204030204" pitchFamily="34" charset="0"/>
-                      </a:endParaRPr>
-                    </a:p>
-                  </a:txBody>
-                  <a:tcPr marL="167721" marR="15913" marT="83860" marB="83860" anchor="b">
-                    <a:lnL w="9525" cap="flat" cmpd="sng" algn="ctr">
-                      <a:solidFill>
-                        <a:srgbClr val="D8DCDC"/>
-                      </a:solidFill>
-                      <a:prstDash val="solid"/>
-                    </a:lnL>
-                    <a:lnR w="9525" cap="flat" cmpd="sng" algn="ctr">
-                      <a:solidFill>
-                        <a:srgbClr val="D8DCDC"/>
-                      </a:solidFill>
-                      <a:prstDash val="solid"/>
-                    </a:lnR>
-                    <a:lnT w="9525" cap="flat" cmpd="sng" algn="ctr">
-                      <a:solidFill>
-                        <a:srgbClr val="D8DCDC"/>
-                      </a:solidFill>
-                      <a:prstDash val="solid"/>
-                    </a:lnT>
-                    <a:lnB w="9525" cap="flat" cmpd="sng" algn="ctr">
-                      <a:solidFill>
-                        <a:srgbClr val="D8DCDC"/>
-                      </a:solidFill>
-                      <a:prstDash val="solid"/>
-                    </a:lnB>
-                    <a:solidFill>
-                      <a:srgbClr val="D8DEDC">
-                        <a:alpha val="20000"/>
-                      </a:srgbClr>
-                    </a:solidFill>
-                  </a:tcPr>
-                </a:tc>
-                <a:extLst>
-                  <a:ext uri="{0D108BD9-81ED-4DB2-BD59-A6C34878D82A}">
-                    <a16:rowId xmlns:a16="http://schemas.microsoft.com/office/drawing/2014/main" val="2498082664"/>
-                  </a:ext>
-                </a:extLst>
-              </a:tr>
-              <a:tr h="410916">
-                <a:tc>
-                  <a:txBody>
-                    <a:bodyPr/>
-                    <a:lstStyle/>
-                    <a:p>
-                      <a:pPr algn="ctr" fontAlgn="b"/>
-                      <a:r>
-                        <a:rPr lang="pt-BR" sz="1400" u="none" strike="noStrike">
-                          <a:solidFill>
-                            <a:schemeClr val="tx1">
-                              <a:lumMod val="75000"/>
-                              <a:lumOff val="25000"/>
-                            </a:schemeClr>
-                          </a:solidFill>
-                          <a:effectLst/>
-                        </a:rPr>
-                        <a:t>160</a:t>
-                      </a:r>
-                      <a:endParaRPr lang="pt-BR" sz="1400" b="0" i="0" u="none" strike="noStrike">
-                        <a:solidFill>
-                          <a:schemeClr val="tx1">
-                            <a:lumMod val="75000"/>
-                            <a:lumOff val="25000"/>
-                          </a:schemeClr>
-                        </a:solidFill>
-                        <a:effectLst/>
-                        <a:latin typeface="Calibri" panose="020F0502020204030204" pitchFamily="34" charset="0"/>
-                      </a:endParaRPr>
-                    </a:p>
-                  </a:txBody>
-                  <a:tcPr marL="167721" marR="15913" marT="83860" marB="83860" anchor="b">
-                    <a:lnL w="9525" cap="flat" cmpd="sng" algn="ctr">
-                      <a:solidFill>
-                        <a:srgbClr val="D8DEDC"/>
-                      </a:solidFill>
-                      <a:prstDash val="solid"/>
-                    </a:lnL>
-                    <a:lnR w="9525" cap="flat" cmpd="sng" algn="ctr">
-                      <a:solidFill>
-                        <a:srgbClr val="D8DEDC"/>
-                      </a:solidFill>
-                      <a:prstDash val="solid"/>
-                    </a:lnR>
-                    <a:lnT w="9525" cap="flat" cmpd="sng" algn="ctr">
-                      <a:solidFill>
-                        <a:srgbClr val="D8DCDC"/>
-                      </a:solidFill>
-                      <a:prstDash val="solid"/>
-                    </a:lnT>
-                    <a:lnB w="9525" cap="flat" cmpd="sng" algn="ctr">
-                      <a:solidFill>
-                        <a:srgbClr val="D8DCDC"/>
-                      </a:solidFill>
-                      <a:prstDash val="solid"/>
-                    </a:lnB>
-                    <a:noFill/>
-                  </a:tcPr>
-                </a:tc>
-                <a:tc>
-                  <a:txBody>
-                    <a:bodyPr/>
-                    <a:lstStyle/>
-                    <a:p>
-                      <a:pPr algn="ctr" fontAlgn="b"/>
-                      <a:r>
-                        <a:rPr lang="pt-BR" sz="1400" u="none" strike="noStrike">
-                          <a:solidFill>
-                            <a:schemeClr val="tx1">
-                              <a:lumMod val="75000"/>
-                              <a:lumOff val="25000"/>
-                            </a:schemeClr>
-                          </a:solidFill>
-                          <a:effectLst/>
-                        </a:rPr>
-                        <a:t>40</a:t>
-                      </a:r>
-                      <a:endParaRPr lang="pt-BR" sz="1400" b="0" i="0" u="none" strike="noStrike">
-                        <a:solidFill>
-                          <a:schemeClr val="tx1">
-                            <a:lumMod val="75000"/>
-                            <a:lumOff val="25000"/>
-                          </a:schemeClr>
-                        </a:solidFill>
-                        <a:effectLst/>
-                        <a:latin typeface="Calibri" panose="020F0502020204030204" pitchFamily="34" charset="0"/>
-                      </a:endParaRPr>
-                    </a:p>
-                  </a:txBody>
-                  <a:tcPr marL="167721" marR="15913" marT="83860" marB="83860" anchor="b">
-                    <a:lnL w="9525" cap="flat" cmpd="sng" algn="ctr">
-                      <a:solidFill>
-                        <a:srgbClr val="D8DEDC"/>
-                      </a:solidFill>
-                      <a:prstDash val="solid"/>
-                    </a:lnL>
-                    <a:lnR w="9525" cap="flat" cmpd="sng" algn="ctr">
-                      <a:solidFill>
-                        <a:srgbClr val="D8DEDC"/>
-                      </a:solidFill>
-                      <a:prstDash val="solid"/>
-                    </a:lnR>
-                    <a:lnT w="9525" cap="flat" cmpd="sng" algn="ctr">
-                      <a:solidFill>
-                        <a:srgbClr val="D8DCDC"/>
-                      </a:solidFill>
-                      <a:prstDash val="solid"/>
-                    </a:lnT>
-                    <a:lnB w="9525" cap="flat" cmpd="sng" algn="ctr">
-                      <a:solidFill>
-                        <a:srgbClr val="D8DCDC"/>
-                      </a:solidFill>
-                      <a:prstDash val="solid"/>
-                    </a:lnB>
-                    <a:noFill/>
-                  </a:tcPr>
-                </a:tc>
-                <a:tc>
-                  <a:txBody>
-                    <a:bodyPr/>
-                    <a:lstStyle/>
-                    <a:p>
-                      <a:pPr algn="ctr" fontAlgn="b"/>
-                      <a:r>
-                        <a:rPr lang="pt-BR" sz="1400" u="none" strike="noStrike">
-                          <a:solidFill>
-                            <a:schemeClr val="tx1">
-                              <a:lumMod val="75000"/>
-                              <a:lumOff val="25000"/>
-                            </a:schemeClr>
-                          </a:solidFill>
-                          <a:effectLst/>
-                        </a:rPr>
-                        <a:t>82,5%</a:t>
-                      </a:r>
-                      <a:endParaRPr lang="pt-BR" sz="1400" b="0" i="0" u="none" strike="noStrike">
-                        <a:solidFill>
-                          <a:schemeClr val="tx1">
-                            <a:lumMod val="75000"/>
-                            <a:lumOff val="25000"/>
-                          </a:schemeClr>
-                        </a:solidFill>
-                        <a:effectLst/>
-                        <a:latin typeface="Calibri" panose="020F0502020204030204" pitchFamily="34" charset="0"/>
-                      </a:endParaRPr>
-                    </a:p>
-                  </a:txBody>
-                  <a:tcPr marL="167721" marR="15913" marT="83860" marB="83860" anchor="b">
-                    <a:lnL w="9525" cap="flat" cmpd="sng" algn="ctr">
-                      <a:solidFill>
-                        <a:srgbClr val="D8DEDC"/>
-                      </a:solidFill>
-                      <a:prstDash val="solid"/>
-                    </a:lnL>
-                    <a:lnR w="9525" cap="flat" cmpd="sng" algn="ctr">
-                      <a:solidFill>
-                        <a:srgbClr val="D8DEDC"/>
-                      </a:solidFill>
-                      <a:prstDash val="solid"/>
-                    </a:lnR>
-                    <a:lnT w="9525" cap="flat" cmpd="sng" algn="ctr">
-                      <a:solidFill>
-                        <a:srgbClr val="D8DCDC"/>
-                      </a:solidFill>
-                      <a:prstDash val="solid"/>
-                    </a:lnT>
-                    <a:lnB w="9525" cap="flat" cmpd="sng" algn="ctr">
-                      <a:solidFill>
-                        <a:srgbClr val="D8DCDC"/>
-                      </a:solidFill>
-                      <a:prstDash val="solid"/>
-                    </a:lnB>
-                    <a:noFill/>
-                  </a:tcPr>
-                </a:tc>
-                <a:tc>
-                  <a:txBody>
-                    <a:bodyPr/>
-                    <a:lstStyle/>
-                    <a:p>
-                      <a:pPr algn="ctr" fontAlgn="b"/>
-                      <a:r>
-                        <a:rPr lang="pt-BR" sz="1400" u="none" strike="noStrike">
-                          <a:solidFill>
-                            <a:schemeClr val="tx1">
-                              <a:lumMod val="75000"/>
-                              <a:lumOff val="25000"/>
-                            </a:schemeClr>
-                          </a:solidFill>
-                          <a:effectLst/>
-                        </a:rPr>
-                        <a:t>82,5%</a:t>
-                      </a:r>
-                      <a:endParaRPr lang="pt-BR" sz="1400" b="0" i="0" u="none" strike="noStrike">
-                        <a:solidFill>
-                          <a:schemeClr val="tx1">
-                            <a:lumMod val="75000"/>
-                            <a:lumOff val="25000"/>
-                          </a:schemeClr>
-                        </a:solidFill>
-                        <a:effectLst/>
-                        <a:latin typeface="Calibri" panose="020F0502020204030204" pitchFamily="34" charset="0"/>
-                      </a:endParaRPr>
-                    </a:p>
-                  </a:txBody>
-                  <a:tcPr marL="167721" marR="15913" marT="83860" marB="83860" anchor="b">
-                    <a:lnL w="9525" cap="flat" cmpd="sng" algn="ctr">
-                      <a:solidFill>
-                        <a:srgbClr val="D8DEDC"/>
-                      </a:solidFill>
-                      <a:prstDash val="solid"/>
-                    </a:lnL>
-                    <a:lnR w="9525" cap="flat" cmpd="sng" algn="ctr">
-                      <a:solidFill>
-                        <a:srgbClr val="D8DEDC"/>
-                      </a:solidFill>
-                      <a:prstDash val="solid"/>
-                    </a:lnR>
-                    <a:lnT w="9525" cap="flat" cmpd="sng" algn="ctr">
-                      <a:solidFill>
-                        <a:srgbClr val="D8DCDC"/>
-                      </a:solidFill>
-                      <a:prstDash val="solid"/>
-                    </a:lnT>
-                    <a:lnB w="9525" cap="flat" cmpd="sng" algn="ctr">
-                      <a:solidFill>
-                        <a:srgbClr val="D8DCDC"/>
-                      </a:solidFill>
-                      <a:prstDash val="solid"/>
-                    </a:lnB>
-                    <a:noFill/>
-                  </a:tcPr>
-                </a:tc>
-                <a:tc>
-                  <a:txBody>
-                    <a:bodyPr/>
-                    <a:lstStyle/>
-                    <a:p>
-                      <a:pPr algn="ctr" fontAlgn="b"/>
-                      <a:r>
-                        <a:rPr lang="pt-BR" sz="1400" u="none" strike="noStrike">
-                          <a:solidFill>
-                            <a:schemeClr val="tx1">
-                              <a:lumMod val="75000"/>
-                              <a:lumOff val="25000"/>
-                            </a:schemeClr>
-                          </a:solidFill>
-                          <a:effectLst/>
-                        </a:rPr>
-                        <a:t>82,5%</a:t>
-                      </a:r>
-                      <a:endParaRPr lang="pt-BR" sz="1400" b="0" i="0" u="none" strike="noStrike">
-                        <a:solidFill>
-                          <a:schemeClr val="tx1">
-                            <a:lumMod val="75000"/>
-                            <a:lumOff val="25000"/>
-                          </a:schemeClr>
-                        </a:solidFill>
-                        <a:effectLst/>
-                        <a:latin typeface="Calibri" panose="020F0502020204030204" pitchFamily="34" charset="0"/>
-                      </a:endParaRPr>
-                    </a:p>
-                  </a:txBody>
-                  <a:tcPr marL="167721" marR="15913" marT="83860" marB="83860" anchor="b">
-                    <a:lnL w="9525" cap="flat" cmpd="sng" algn="ctr">
-                      <a:solidFill>
-                        <a:srgbClr val="D8DEDC"/>
-                      </a:solidFill>
-                      <a:prstDash val="solid"/>
-                    </a:lnL>
-                    <a:lnR w="9525" cap="flat" cmpd="sng" algn="ctr">
-                      <a:solidFill>
-                        <a:srgbClr val="D8DEDC"/>
-                      </a:solidFill>
-                      <a:prstDash val="solid"/>
-                    </a:lnR>
-                    <a:lnT w="9525" cap="flat" cmpd="sng" algn="ctr">
-                      <a:solidFill>
-                        <a:srgbClr val="D8DCDC"/>
-                      </a:solidFill>
-                      <a:prstDash val="solid"/>
-                    </a:lnT>
-                    <a:lnB w="9525" cap="flat" cmpd="sng" algn="ctr">
-                      <a:solidFill>
-                        <a:srgbClr val="D8DCDC"/>
-                      </a:solidFill>
-                      <a:prstDash val="solid"/>
-                    </a:lnB>
-                    <a:noFill/>
-                  </a:tcPr>
-                </a:tc>
-                <a:extLst>
-                  <a:ext uri="{0D108BD9-81ED-4DB2-BD59-A6C34878D82A}">
-                    <a16:rowId xmlns:a16="http://schemas.microsoft.com/office/drawing/2014/main" val="919929150"/>
-                  </a:ext>
-                </a:extLst>
-              </a:tr>
-              <a:tr h="410916">
-                <a:tc>
-                  <a:txBody>
-                    <a:bodyPr/>
-                    <a:lstStyle/>
-                    <a:p>
-                      <a:pPr algn="ctr" fontAlgn="b"/>
-                      <a:r>
-                        <a:rPr lang="pt-BR" sz="1400" u="none" strike="noStrike">
-                          <a:solidFill>
-                            <a:schemeClr val="tx1">
-                              <a:lumMod val="75000"/>
-                              <a:lumOff val="25000"/>
-                            </a:schemeClr>
-                          </a:solidFill>
-                          <a:effectLst/>
-                        </a:rPr>
-                        <a:t>200</a:t>
-                      </a:r>
-                      <a:endParaRPr lang="pt-BR" sz="1400" b="0" i="0" u="none" strike="noStrike">
-                        <a:solidFill>
-                          <a:schemeClr val="tx1">
-                            <a:lumMod val="75000"/>
-                            <a:lumOff val="25000"/>
-                          </a:schemeClr>
-                        </a:solidFill>
-                        <a:effectLst/>
-                        <a:latin typeface="Calibri" panose="020F0502020204030204" pitchFamily="34" charset="0"/>
-                      </a:endParaRPr>
-                    </a:p>
-                  </a:txBody>
-                  <a:tcPr marL="167721" marR="15913" marT="83860" marB="83860" anchor="b">
-                    <a:lnL w="9525" cap="flat" cmpd="sng" algn="ctr">
-                      <a:solidFill>
-                        <a:srgbClr val="D8DCDC"/>
-                      </a:solidFill>
-                      <a:prstDash val="solid"/>
-                    </a:lnL>
-                    <a:lnR w="9525" cap="flat" cmpd="sng" algn="ctr">
-                      <a:solidFill>
-                        <a:srgbClr val="D8DCDC"/>
-                      </a:solidFill>
-                      <a:prstDash val="solid"/>
-                    </a:lnR>
-                    <a:lnT w="9525" cap="flat" cmpd="sng" algn="ctr">
-                      <a:solidFill>
-                        <a:srgbClr val="D8DCDC"/>
-                      </a:solidFill>
-                      <a:prstDash val="solid"/>
-                    </a:lnT>
-                    <a:lnB w="9525" cap="flat" cmpd="sng" algn="ctr">
-                      <a:solidFill>
-                        <a:srgbClr val="D8DCDC"/>
-                      </a:solidFill>
-                      <a:prstDash val="solid"/>
-                    </a:lnB>
-                    <a:solidFill>
-                      <a:srgbClr val="D8DEDC">
-                        <a:alpha val="20000"/>
-                      </a:srgbClr>
-                    </a:solidFill>
-                  </a:tcPr>
-                </a:tc>
-                <a:tc>
-                  <a:txBody>
-                    <a:bodyPr/>
-                    <a:lstStyle/>
-                    <a:p>
-                      <a:pPr algn="ctr" fontAlgn="b"/>
-                      <a:r>
-                        <a:rPr lang="pt-BR" sz="1400" u="none" strike="noStrike">
-                          <a:solidFill>
-                            <a:schemeClr val="tx1">
-                              <a:lumMod val="75000"/>
-                              <a:lumOff val="25000"/>
-                            </a:schemeClr>
-                          </a:solidFill>
-                          <a:effectLst/>
-                        </a:rPr>
-                        <a:t>40</a:t>
-                      </a:r>
-                      <a:endParaRPr lang="pt-BR" sz="1400" b="0" i="0" u="none" strike="noStrike">
-                        <a:solidFill>
-                          <a:schemeClr val="tx1">
-                            <a:lumMod val="75000"/>
-                            <a:lumOff val="25000"/>
-                          </a:schemeClr>
-                        </a:solidFill>
-                        <a:effectLst/>
-                        <a:latin typeface="Calibri" panose="020F0502020204030204" pitchFamily="34" charset="0"/>
-                      </a:endParaRPr>
-                    </a:p>
-                  </a:txBody>
-                  <a:tcPr marL="167721" marR="15913" marT="83860" marB="83860" anchor="b">
-                    <a:lnL w="9525" cap="flat" cmpd="sng" algn="ctr">
-                      <a:solidFill>
-                        <a:srgbClr val="D8DCDC"/>
-                      </a:solidFill>
-                      <a:prstDash val="solid"/>
-                    </a:lnL>
-                    <a:lnR w="9525" cap="flat" cmpd="sng" algn="ctr">
-                      <a:solidFill>
-                        <a:srgbClr val="D8DCDC"/>
-                      </a:solidFill>
-                      <a:prstDash val="solid"/>
-                    </a:lnR>
-                    <a:lnT w="9525" cap="flat" cmpd="sng" algn="ctr">
-                      <a:solidFill>
-                        <a:srgbClr val="D8DCDC"/>
-                      </a:solidFill>
-                      <a:prstDash val="solid"/>
-                    </a:lnT>
-                    <a:lnB w="9525" cap="flat" cmpd="sng" algn="ctr">
-                      <a:solidFill>
-                        <a:srgbClr val="D8DCDC"/>
-                      </a:solidFill>
-                      <a:prstDash val="solid"/>
-                    </a:lnB>
-                    <a:solidFill>
-                      <a:srgbClr val="D8DEDC">
-                        <a:alpha val="20000"/>
-                      </a:srgbClr>
-                    </a:solidFill>
-                  </a:tcPr>
-                </a:tc>
-                <a:tc>
-                  <a:txBody>
-                    <a:bodyPr/>
-                    <a:lstStyle/>
-                    <a:p>
-                      <a:pPr algn="ctr" fontAlgn="b"/>
-                      <a:r>
-                        <a:rPr lang="pt-BR" sz="1400" u="none" strike="noStrike">
-                          <a:solidFill>
-                            <a:schemeClr val="tx1">
-                              <a:lumMod val="75000"/>
-                              <a:lumOff val="25000"/>
-                            </a:schemeClr>
-                          </a:solidFill>
-                          <a:effectLst/>
-                        </a:rPr>
-                        <a:t>82,5%</a:t>
-                      </a:r>
-                      <a:endParaRPr lang="pt-BR" sz="1400" b="0" i="0" u="none" strike="noStrike">
-                        <a:solidFill>
-                          <a:schemeClr val="tx1">
-                            <a:lumMod val="75000"/>
-                            <a:lumOff val="25000"/>
-                          </a:schemeClr>
-                        </a:solidFill>
-                        <a:effectLst/>
-                        <a:latin typeface="Calibri" panose="020F0502020204030204" pitchFamily="34" charset="0"/>
-                      </a:endParaRPr>
-                    </a:p>
-                  </a:txBody>
-                  <a:tcPr marL="167721" marR="15913" marT="83860" marB="83860" anchor="b">
-                    <a:lnL w="9525" cap="flat" cmpd="sng" algn="ctr">
-                      <a:solidFill>
-                        <a:srgbClr val="D8DCDC"/>
-                      </a:solidFill>
-                      <a:prstDash val="solid"/>
-                    </a:lnL>
-                    <a:lnR w="9525" cap="flat" cmpd="sng" algn="ctr">
-                      <a:solidFill>
-                        <a:srgbClr val="D8DCDC"/>
-                      </a:solidFill>
-                      <a:prstDash val="solid"/>
-                    </a:lnR>
-                    <a:lnT w="9525" cap="flat" cmpd="sng" algn="ctr">
-                      <a:solidFill>
-                        <a:srgbClr val="D8DCDC"/>
-                      </a:solidFill>
-                      <a:prstDash val="solid"/>
-                    </a:lnT>
-                    <a:lnB w="9525" cap="flat" cmpd="sng" algn="ctr">
-                      <a:solidFill>
-                        <a:srgbClr val="D8DCDC"/>
-                      </a:solidFill>
-                      <a:prstDash val="solid"/>
-                    </a:lnB>
-                    <a:solidFill>
-                      <a:srgbClr val="D8DEDC">
-                        <a:alpha val="20000"/>
-                      </a:srgbClr>
-                    </a:solidFill>
-                  </a:tcPr>
-                </a:tc>
-                <a:tc>
-                  <a:txBody>
-                    <a:bodyPr/>
-                    <a:lstStyle/>
-                    <a:p>
-                      <a:pPr algn="ctr" fontAlgn="b"/>
-                      <a:r>
-                        <a:rPr lang="pt-BR" sz="1400" u="none" strike="noStrike">
-                          <a:solidFill>
-                            <a:schemeClr val="tx1">
-                              <a:lumMod val="75000"/>
-                              <a:lumOff val="25000"/>
-                            </a:schemeClr>
-                          </a:solidFill>
-                          <a:effectLst/>
-                        </a:rPr>
-                        <a:t>85,0%</a:t>
-                      </a:r>
-                      <a:endParaRPr lang="pt-BR" sz="1400" b="0" i="0" u="none" strike="noStrike">
-                        <a:solidFill>
-                          <a:schemeClr val="tx1">
-                            <a:lumMod val="75000"/>
-                            <a:lumOff val="25000"/>
-                          </a:schemeClr>
-                        </a:solidFill>
-                        <a:effectLst/>
-                        <a:latin typeface="Calibri" panose="020F0502020204030204" pitchFamily="34" charset="0"/>
-                      </a:endParaRPr>
-                    </a:p>
-                  </a:txBody>
-                  <a:tcPr marL="167721" marR="15913" marT="83860" marB="83860" anchor="b">
-                    <a:lnL w="9525" cap="flat" cmpd="sng" algn="ctr">
-                      <a:solidFill>
-                        <a:srgbClr val="D8DCDC"/>
-                      </a:solidFill>
-                      <a:prstDash val="solid"/>
-                    </a:lnL>
-                    <a:lnR w="9525" cap="flat" cmpd="sng" algn="ctr">
-                      <a:solidFill>
-                        <a:srgbClr val="D8DCDC"/>
-                      </a:solidFill>
-                      <a:prstDash val="solid"/>
-                    </a:lnR>
-                    <a:lnT w="9525" cap="flat" cmpd="sng" algn="ctr">
-                      <a:solidFill>
-                        <a:srgbClr val="D8DCDC"/>
-                      </a:solidFill>
-                      <a:prstDash val="solid"/>
-                    </a:lnT>
-                    <a:lnB w="9525" cap="flat" cmpd="sng" algn="ctr">
-                      <a:solidFill>
-                        <a:srgbClr val="D8DCDC"/>
-                      </a:solidFill>
-                      <a:prstDash val="solid"/>
-                    </a:lnB>
-                    <a:solidFill>
-                      <a:srgbClr val="D8DEDC">
-                        <a:alpha val="20000"/>
-                      </a:srgbClr>
-                    </a:solidFill>
-                  </a:tcPr>
-                </a:tc>
-                <a:tc>
-                  <a:txBody>
-                    <a:bodyPr/>
-                    <a:lstStyle/>
-                    <a:p>
-                      <a:pPr algn="ctr" fontAlgn="b"/>
-                      <a:r>
-                        <a:rPr lang="pt-BR" sz="1400" u="none" strike="noStrike">
-                          <a:solidFill>
-                            <a:schemeClr val="tx1">
-                              <a:lumMod val="75000"/>
-                              <a:lumOff val="25000"/>
-                            </a:schemeClr>
-                          </a:solidFill>
-                          <a:effectLst/>
-                        </a:rPr>
-                        <a:t>80,0%</a:t>
-                      </a:r>
-                      <a:endParaRPr lang="pt-BR" sz="1400" b="0" i="0" u="none" strike="noStrike">
-                        <a:solidFill>
-                          <a:schemeClr val="tx1">
-                            <a:lumMod val="75000"/>
-                            <a:lumOff val="25000"/>
-                          </a:schemeClr>
-                        </a:solidFill>
-                        <a:effectLst/>
-                        <a:latin typeface="Calibri" panose="020F0502020204030204" pitchFamily="34" charset="0"/>
-                      </a:endParaRPr>
-                    </a:p>
-                  </a:txBody>
-                  <a:tcPr marL="167721" marR="15913" marT="83860" marB="83860" anchor="b">
-                    <a:lnL w="9525" cap="flat" cmpd="sng" algn="ctr">
-                      <a:solidFill>
-                        <a:srgbClr val="D8DCDC"/>
-                      </a:solidFill>
-                      <a:prstDash val="solid"/>
-                    </a:lnL>
-                    <a:lnR w="9525" cap="flat" cmpd="sng" algn="ctr">
-                      <a:solidFill>
-                        <a:srgbClr val="D8DCDC"/>
-                      </a:solidFill>
-                      <a:prstDash val="solid"/>
-                    </a:lnR>
-                    <a:lnT w="9525" cap="flat" cmpd="sng" algn="ctr">
-                      <a:solidFill>
-                        <a:srgbClr val="D8DCDC"/>
-                      </a:solidFill>
-                      <a:prstDash val="solid"/>
-                    </a:lnT>
-                    <a:lnB w="9525" cap="flat" cmpd="sng" algn="ctr">
-                      <a:solidFill>
-                        <a:srgbClr val="D8DCDC"/>
-                      </a:solidFill>
-                      <a:prstDash val="solid"/>
-                    </a:lnB>
-                    <a:solidFill>
-                      <a:srgbClr val="D8DEDC">
-                        <a:alpha val="20000"/>
-                      </a:srgbClr>
-                    </a:solidFill>
-                  </a:tcPr>
-                </a:tc>
-                <a:extLst>
-                  <a:ext uri="{0D108BD9-81ED-4DB2-BD59-A6C34878D82A}">
-                    <a16:rowId xmlns:a16="http://schemas.microsoft.com/office/drawing/2014/main" val="1441242549"/>
-                  </a:ext>
-                </a:extLst>
-              </a:tr>
-              <a:tr h="410916">
-                <a:tc>
-                  <a:txBody>
-                    <a:bodyPr/>
-                    <a:lstStyle/>
-                    <a:p>
-                      <a:pPr algn="ctr" fontAlgn="b"/>
-                      <a:r>
-                        <a:rPr lang="pt-BR" sz="1400" u="none" strike="noStrike">
-                          <a:solidFill>
-                            <a:schemeClr val="tx1">
-                              <a:lumMod val="75000"/>
-                              <a:lumOff val="25000"/>
-                            </a:schemeClr>
-                          </a:solidFill>
-                          <a:effectLst/>
-                        </a:rPr>
-                        <a:t>240</a:t>
-                      </a:r>
-                      <a:endParaRPr lang="pt-BR" sz="1400" b="0" i="0" u="none" strike="noStrike">
-                        <a:solidFill>
-                          <a:schemeClr val="tx1">
-                            <a:lumMod val="75000"/>
-                            <a:lumOff val="25000"/>
-                          </a:schemeClr>
-                        </a:solidFill>
-                        <a:effectLst/>
-                        <a:latin typeface="Calibri" panose="020F0502020204030204" pitchFamily="34" charset="0"/>
-                      </a:endParaRPr>
-                    </a:p>
-                  </a:txBody>
-                  <a:tcPr marL="167721" marR="15913" marT="83860" marB="83860" anchor="b">
-                    <a:lnL w="9525" cap="flat" cmpd="sng" algn="ctr">
-                      <a:solidFill>
-                        <a:srgbClr val="D8DEDC"/>
-                      </a:solidFill>
-                      <a:prstDash val="solid"/>
-                    </a:lnL>
-                    <a:lnR w="9525" cap="flat" cmpd="sng" algn="ctr">
-                      <a:solidFill>
-                        <a:srgbClr val="D8DEDC"/>
-                      </a:solidFill>
-                      <a:prstDash val="solid"/>
-                    </a:lnR>
-                    <a:lnT w="9525" cap="flat" cmpd="sng" algn="ctr">
-                      <a:solidFill>
-                        <a:srgbClr val="D8DCDC"/>
-                      </a:solidFill>
-                      <a:prstDash val="solid"/>
-                    </a:lnT>
-                    <a:lnB w="9525" cap="flat" cmpd="sng" algn="ctr">
-                      <a:solidFill>
-                        <a:srgbClr val="D8DCDC"/>
-                      </a:solidFill>
-                      <a:prstDash val="solid"/>
-                    </a:lnB>
-                    <a:noFill/>
-                  </a:tcPr>
-                </a:tc>
-                <a:tc>
-                  <a:txBody>
-                    <a:bodyPr/>
-                    <a:lstStyle/>
-                    <a:p>
-                      <a:pPr algn="ctr" fontAlgn="b"/>
-                      <a:r>
-                        <a:rPr lang="pt-BR" sz="1400" u="none" strike="noStrike">
-                          <a:solidFill>
-                            <a:schemeClr val="tx1">
-                              <a:lumMod val="75000"/>
-                              <a:lumOff val="25000"/>
-                            </a:schemeClr>
-                          </a:solidFill>
-                          <a:effectLst/>
-                        </a:rPr>
-                        <a:t>40</a:t>
-                      </a:r>
-                      <a:endParaRPr lang="pt-BR" sz="1400" b="0" i="0" u="none" strike="noStrike">
-                        <a:solidFill>
-                          <a:schemeClr val="tx1">
-                            <a:lumMod val="75000"/>
-                            <a:lumOff val="25000"/>
-                          </a:schemeClr>
-                        </a:solidFill>
-                        <a:effectLst/>
-                        <a:latin typeface="Calibri" panose="020F0502020204030204" pitchFamily="34" charset="0"/>
-                      </a:endParaRPr>
-                    </a:p>
-                  </a:txBody>
-                  <a:tcPr marL="167721" marR="15913" marT="83860" marB="83860" anchor="b">
-                    <a:lnL w="9525" cap="flat" cmpd="sng" algn="ctr">
-                      <a:solidFill>
-                        <a:srgbClr val="D8DEDC"/>
-                      </a:solidFill>
-                      <a:prstDash val="solid"/>
-                    </a:lnL>
-                    <a:lnR w="9525" cap="flat" cmpd="sng" algn="ctr">
-                      <a:solidFill>
-                        <a:srgbClr val="D8DEDC"/>
-                      </a:solidFill>
-                      <a:prstDash val="solid"/>
-                    </a:lnR>
-                    <a:lnT w="9525" cap="flat" cmpd="sng" algn="ctr">
-                      <a:solidFill>
-                        <a:srgbClr val="D8DCDC"/>
-                      </a:solidFill>
-                      <a:prstDash val="solid"/>
-                    </a:lnT>
-                    <a:lnB w="9525" cap="flat" cmpd="sng" algn="ctr">
-                      <a:solidFill>
-                        <a:srgbClr val="D8DCDC"/>
-                      </a:solidFill>
-                      <a:prstDash val="solid"/>
-                    </a:lnB>
-                    <a:noFill/>
-                  </a:tcPr>
-                </a:tc>
-                <a:tc>
-                  <a:txBody>
-                    <a:bodyPr/>
-                    <a:lstStyle/>
-                    <a:p>
-                      <a:pPr algn="ctr" fontAlgn="b"/>
-                      <a:r>
-                        <a:rPr lang="pt-BR" sz="1400" u="none" strike="noStrike">
-                          <a:solidFill>
-                            <a:schemeClr val="tx1">
-                              <a:lumMod val="75000"/>
-                              <a:lumOff val="25000"/>
-                            </a:schemeClr>
-                          </a:solidFill>
-                          <a:effectLst/>
-                        </a:rPr>
-                        <a:t>82,5%</a:t>
-                      </a:r>
-                      <a:endParaRPr lang="pt-BR" sz="1400" b="0" i="0" u="none" strike="noStrike">
-                        <a:solidFill>
-                          <a:schemeClr val="tx1">
-                            <a:lumMod val="75000"/>
-                            <a:lumOff val="25000"/>
-                          </a:schemeClr>
-                        </a:solidFill>
-                        <a:effectLst/>
-                        <a:latin typeface="Calibri" panose="020F0502020204030204" pitchFamily="34" charset="0"/>
-                      </a:endParaRPr>
-                    </a:p>
-                  </a:txBody>
-                  <a:tcPr marL="167721" marR="15913" marT="83860" marB="83860" anchor="b">
-                    <a:lnL w="9525" cap="flat" cmpd="sng" algn="ctr">
-                      <a:solidFill>
-                        <a:srgbClr val="D8DEDC"/>
-                      </a:solidFill>
-                      <a:prstDash val="solid"/>
-                    </a:lnL>
-                    <a:lnR w="9525" cap="flat" cmpd="sng" algn="ctr">
-                      <a:solidFill>
-                        <a:srgbClr val="D8DEDC"/>
-                      </a:solidFill>
-                      <a:prstDash val="solid"/>
-                    </a:lnR>
-                    <a:lnT w="9525" cap="flat" cmpd="sng" algn="ctr">
-                      <a:solidFill>
-                        <a:srgbClr val="D8DCDC"/>
-                      </a:solidFill>
-                      <a:prstDash val="solid"/>
-                    </a:lnT>
-                    <a:lnB w="9525" cap="flat" cmpd="sng" algn="ctr">
-                      <a:solidFill>
-                        <a:srgbClr val="D8DCDC"/>
-                      </a:solidFill>
-                      <a:prstDash val="solid"/>
-                    </a:lnB>
-                    <a:noFill/>
-                  </a:tcPr>
-                </a:tc>
-                <a:tc>
-                  <a:txBody>
-                    <a:bodyPr/>
-                    <a:lstStyle/>
-                    <a:p>
-                      <a:pPr algn="ctr" fontAlgn="b"/>
-                      <a:r>
-                        <a:rPr lang="pt-BR" sz="1400" u="none" strike="noStrike">
-                          <a:solidFill>
-                            <a:schemeClr val="tx1">
-                              <a:lumMod val="75000"/>
-                              <a:lumOff val="25000"/>
-                            </a:schemeClr>
-                          </a:solidFill>
-                          <a:effectLst/>
-                        </a:rPr>
-                        <a:t>82,5%</a:t>
-                      </a:r>
-                      <a:endParaRPr lang="pt-BR" sz="1400" b="0" i="0" u="none" strike="noStrike">
-                        <a:solidFill>
-                          <a:schemeClr val="tx1">
-                            <a:lumMod val="75000"/>
-                            <a:lumOff val="25000"/>
-                          </a:schemeClr>
-                        </a:solidFill>
-                        <a:effectLst/>
-                        <a:latin typeface="Calibri" panose="020F0502020204030204" pitchFamily="34" charset="0"/>
-                      </a:endParaRPr>
-                    </a:p>
-                  </a:txBody>
-                  <a:tcPr marL="167721" marR="15913" marT="83860" marB="83860" anchor="b">
-                    <a:lnL w="9525" cap="flat" cmpd="sng" algn="ctr">
-                      <a:solidFill>
-                        <a:srgbClr val="D8DEDC"/>
-                      </a:solidFill>
-                      <a:prstDash val="solid"/>
-                    </a:lnL>
-                    <a:lnR w="9525" cap="flat" cmpd="sng" algn="ctr">
-                      <a:solidFill>
-                        <a:srgbClr val="D8DEDC"/>
-                      </a:solidFill>
-                      <a:prstDash val="solid"/>
-                    </a:lnR>
-                    <a:lnT w="9525" cap="flat" cmpd="sng" algn="ctr">
-                      <a:solidFill>
-                        <a:srgbClr val="D8DCDC"/>
-                      </a:solidFill>
-                      <a:prstDash val="solid"/>
-                    </a:lnT>
-                    <a:lnB w="9525" cap="flat" cmpd="sng" algn="ctr">
-                      <a:solidFill>
-                        <a:srgbClr val="D8DCDC"/>
-                      </a:solidFill>
-                      <a:prstDash val="solid"/>
-                    </a:lnB>
-                    <a:noFill/>
-                  </a:tcPr>
-                </a:tc>
-                <a:tc>
-                  <a:txBody>
-                    <a:bodyPr/>
-                    <a:lstStyle/>
-                    <a:p>
-                      <a:pPr algn="ctr" fontAlgn="b"/>
-                      <a:r>
-                        <a:rPr lang="pt-BR" sz="1400" u="none" strike="noStrike">
-                          <a:solidFill>
-                            <a:schemeClr val="tx1">
-                              <a:lumMod val="75000"/>
-                              <a:lumOff val="25000"/>
-                            </a:schemeClr>
-                          </a:solidFill>
-                          <a:effectLst/>
-                        </a:rPr>
-                        <a:t>80,0%</a:t>
-                      </a:r>
-                      <a:endParaRPr lang="pt-BR" sz="1400" b="0" i="0" u="none" strike="noStrike">
-                        <a:solidFill>
-                          <a:schemeClr val="tx1">
-                            <a:lumMod val="75000"/>
-                            <a:lumOff val="25000"/>
-                          </a:schemeClr>
-                        </a:solidFill>
-                        <a:effectLst/>
-                        <a:latin typeface="Calibri" panose="020F0502020204030204" pitchFamily="34" charset="0"/>
-                      </a:endParaRPr>
-                    </a:p>
-                  </a:txBody>
-                  <a:tcPr marL="167721" marR="15913" marT="83860" marB="83860" anchor="b">
-                    <a:lnL w="9525" cap="flat" cmpd="sng" algn="ctr">
-                      <a:solidFill>
-                        <a:srgbClr val="D8DEDC"/>
-                      </a:solidFill>
-                      <a:prstDash val="solid"/>
-                    </a:lnL>
-                    <a:lnR w="9525" cap="flat" cmpd="sng" algn="ctr">
-                      <a:solidFill>
-                        <a:srgbClr val="D8DEDC"/>
-                      </a:solidFill>
-                      <a:prstDash val="solid"/>
-                    </a:lnR>
-                    <a:lnT w="9525" cap="flat" cmpd="sng" algn="ctr">
-                      <a:solidFill>
-                        <a:srgbClr val="D8DCDC"/>
-                      </a:solidFill>
-                      <a:prstDash val="solid"/>
-                    </a:lnT>
-                    <a:lnB w="9525" cap="flat" cmpd="sng" algn="ctr">
-                      <a:solidFill>
-                        <a:srgbClr val="D8DCDC"/>
-                      </a:solidFill>
-                      <a:prstDash val="solid"/>
-                    </a:lnB>
-                    <a:noFill/>
-                  </a:tcPr>
-                </a:tc>
-                <a:extLst>
-                  <a:ext uri="{0D108BD9-81ED-4DB2-BD59-A6C34878D82A}">
-                    <a16:rowId xmlns:a16="http://schemas.microsoft.com/office/drawing/2014/main" val="1160401593"/>
-                  </a:ext>
-                </a:extLst>
-              </a:tr>
-              <a:tr h="410916">
-                <a:tc>
-                  <a:txBody>
-                    <a:bodyPr/>
-                    <a:lstStyle/>
-                    <a:p>
-                      <a:pPr algn="ctr" fontAlgn="b"/>
-                      <a:r>
-                        <a:rPr lang="pt-BR" sz="1400" u="none" strike="noStrike">
-                          <a:solidFill>
-                            <a:schemeClr val="tx1">
-                              <a:lumMod val="75000"/>
-                              <a:lumOff val="25000"/>
-                            </a:schemeClr>
-                          </a:solidFill>
-                          <a:effectLst/>
-                        </a:rPr>
-                        <a:t>280</a:t>
-                      </a:r>
-                      <a:endParaRPr lang="pt-BR" sz="1400" b="0" i="0" u="none" strike="noStrike">
-                        <a:solidFill>
-                          <a:schemeClr val="tx1">
-                            <a:lumMod val="75000"/>
-                            <a:lumOff val="25000"/>
-                          </a:schemeClr>
-                        </a:solidFill>
-                        <a:effectLst/>
-                        <a:latin typeface="Calibri" panose="020F0502020204030204" pitchFamily="34" charset="0"/>
-                      </a:endParaRPr>
-                    </a:p>
-                  </a:txBody>
-                  <a:tcPr marL="167721" marR="15913" marT="83860" marB="83860" anchor="b">
-                    <a:lnL w="9525" cap="flat" cmpd="sng" algn="ctr">
-                      <a:solidFill>
-                        <a:srgbClr val="D8DCDC"/>
-                      </a:solidFill>
-                      <a:prstDash val="solid"/>
-                    </a:lnL>
-                    <a:lnR w="9525" cap="flat" cmpd="sng" algn="ctr">
-                      <a:solidFill>
-                        <a:srgbClr val="D8DCDC"/>
-                      </a:solidFill>
-                      <a:prstDash val="solid"/>
-                    </a:lnR>
-                    <a:lnT w="9525" cap="flat" cmpd="sng" algn="ctr">
-                      <a:solidFill>
-                        <a:srgbClr val="D8DCDC"/>
-                      </a:solidFill>
-                      <a:prstDash val="solid"/>
-                    </a:lnT>
-                    <a:lnB w="9525" cap="flat" cmpd="sng" algn="ctr">
-                      <a:solidFill>
-                        <a:srgbClr val="D8DCDC"/>
-                      </a:solidFill>
-                      <a:prstDash val="solid"/>
-                    </a:lnB>
-                    <a:solidFill>
-                      <a:srgbClr val="D8DEDC">
-                        <a:alpha val="20000"/>
-                      </a:srgbClr>
-                    </a:solidFill>
-                  </a:tcPr>
-                </a:tc>
-                <a:tc>
-                  <a:txBody>
-                    <a:bodyPr/>
-                    <a:lstStyle/>
-                    <a:p>
-                      <a:pPr algn="ctr" fontAlgn="b"/>
-                      <a:r>
-                        <a:rPr lang="pt-BR" sz="1400" u="none" strike="noStrike">
-                          <a:solidFill>
-                            <a:schemeClr val="tx1">
-                              <a:lumMod val="75000"/>
-                              <a:lumOff val="25000"/>
-                            </a:schemeClr>
-                          </a:solidFill>
-                          <a:effectLst/>
-                        </a:rPr>
-                        <a:t>40</a:t>
-                      </a:r>
-                      <a:endParaRPr lang="pt-BR" sz="1400" b="0" i="0" u="none" strike="noStrike">
-                        <a:solidFill>
-                          <a:schemeClr val="tx1">
-                            <a:lumMod val="75000"/>
-                            <a:lumOff val="25000"/>
-                          </a:schemeClr>
-                        </a:solidFill>
-                        <a:effectLst/>
-                        <a:latin typeface="Calibri" panose="020F0502020204030204" pitchFamily="34" charset="0"/>
-                      </a:endParaRPr>
-                    </a:p>
-                  </a:txBody>
-                  <a:tcPr marL="167721" marR="15913" marT="83860" marB="83860" anchor="b">
-                    <a:lnL w="9525" cap="flat" cmpd="sng" algn="ctr">
-                      <a:solidFill>
-                        <a:srgbClr val="D8DCDC"/>
-                      </a:solidFill>
-                      <a:prstDash val="solid"/>
-                    </a:lnL>
-                    <a:lnR w="9525" cap="flat" cmpd="sng" algn="ctr">
-                      <a:solidFill>
-                        <a:srgbClr val="D8DCDC"/>
-                      </a:solidFill>
-                      <a:prstDash val="solid"/>
-                    </a:lnR>
-                    <a:lnT w="9525" cap="flat" cmpd="sng" algn="ctr">
-                      <a:solidFill>
-                        <a:srgbClr val="D8DCDC"/>
-                      </a:solidFill>
-                      <a:prstDash val="solid"/>
-                    </a:lnT>
-                    <a:lnB w="9525" cap="flat" cmpd="sng" algn="ctr">
-                      <a:solidFill>
-                        <a:srgbClr val="D8DCDC"/>
-                      </a:solidFill>
-                      <a:prstDash val="solid"/>
-                    </a:lnB>
-                    <a:solidFill>
-                      <a:srgbClr val="D8DEDC">
-                        <a:alpha val="20000"/>
-                      </a:srgbClr>
-                    </a:solidFill>
-                  </a:tcPr>
-                </a:tc>
-                <a:tc>
-                  <a:txBody>
-                    <a:bodyPr/>
-                    <a:lstStyle/>
-                    <a:p>
-                      <a:pPr algn="ctr" fontAlgn="b"/>
-                      <a:r>
-                        <a:rPr lang="pt-BR" sz="1400" u="none" strike="noStrike">
-                          <a:solidFill>
-                            <a:schemeClr val="tx1">
-                              <a:lumMod val="75000"/>
-                              <a:lumOff val="25000"/>
-                            </a:schemeClr>
-                          </a:solidFill>
-                          <a:effectLst/>
-                        </a:rPr>
-                        <a:t>82,5%</a:t>
-                      </a:r>
-                      <a:endParaRPr lang="pt-BR" sz="1400" b="0" i="0" u="none" strike="noStrike">
-                        <a:solidFill>
-                          <a:schemeClr val="tx1">
-                            <a:lumMod val="75000"/>
-                            <a:lumOff val="25000"/>
-                          </a:schemeClr>
-                        </a:solidFill>
-                        <a:effectLst/>
-                        <a:latin typeface="Calibri" panose="020F0502020204030204" pitchFamily="34" charset="0"/>
-                      </a:endParaRPr>
-                    </a:p>
-                  </a:txBody>
-                  <a:tcPr marL="167721" marR="15913" marT="83860" marB="83860" anchor="b">
-                    <a:lnL w="9525" cap="flat" cmpd="sng" algn="ctr">
-                      <a:solidFill>
-                        <a:srgbClr val="D8DCDC"/>
-                      </a:solidFill>
-                      <a:prstDash val="solid"/>
-                    </a:lnL>
-                    <a:lnR w="9525" cap="flat" cmpd="sng" algn="ctr">
-                      <a:solidFill>
-                        <a:srgbClr val="D8DCDC"/>
-                      </a:solidFill>
-                      <a:prstDash val="solid"/>
-                    </a:lnR>
-                    <a:lnT w="9525" cap="flat" cmpd="sng" algn="ctr">
-                      <a:solidFill>
-                        <a:srgbClr val="D8DCDC"/>
-                      </a:solidFill>
-                      <a:prstDash val="solid"/>
-                    </a:lnT>
-                    <a:lnB w="9525" cap="flat" cmpd="sng" algn="ctr">
-                      <a:solidFill>
-                        <a:srgbClr val="D8DCDC"/>
-                      </a:solidFill>
-                      <a:prstDash val="solid"/>
-                    </a:lnB>
-                    <a:solidFill>
-                      <a:srgbClr val="D8DEDC">
-                        <a:alpha val="20000"/>
-                      </a:srgbClr>
-                    </a:solidFill>
-                  </a:tcPr>
-                </a:tc>
-                <a:tc>
-                  <a:txBody>
-                    <a:bodyPr/>
-                    <a:lstStyle/>
-                    <a:p>
-                      <a:pPr algn="ctr" fontAlgn="b"/>
-                      <a:r>
-                        <a:rPr lang="pt-BR" sz="1400" u="none" strike="noStrike">
-                          <a:solidFill>
-                            <a:schemeClr val="tx1">
-                              <a:lumMod val="75000"/>
-                              <a:lumOff val="25000"/>
-                            </a:schemeClr>
-                          </a:solidFill>
-                          <a:effectLst/>
-                        </a:rPr>
-                        <a:t>77,5%</a:t>
-                      </a:r>
-                      <a:endParaRPr lang="pt-BR" sz="1400" b="0" i="0" u="none" strike="noStrike">
-                        <a:solidFill>
-                          <a:schemeClr val="tx1">
-                            <a:lumMod val="75000"/>
-                            <a:lumOff val="25000"/>
-                          </a:schemeClr>
-                        </a:solidFill>
-                        <a:effectLst/>
-                        <a:latin typeface="Calibri" panose="020F0502020204030204" pitchFamily="34" charset="0"/>
-                      </a:endParaRPr>
-                    </a:p>
-                  </a:txBody>
-                  <a:tcPr marL="167721" marR="15913" marT="83860" marB="83860" anchor="b">
-                    <a:lnL w="9525" cap="flat" cmpd="sng" algn="ctr">
-                      <a:solidFill>
-                        <a:srgbClr val="D8DCDC"/>
-                      </a:solidFill>
-                      <a:prstDash val="solid"/>
-                    </a:lnL>
-                    <a:lnR w="9525" cap="flat" cmpd="sng" algn="ctr">
-                      <a:solidFill>
-                        <a:srgbClr val="D8DCDC"/>
-                      </a:solidFill>
-                      <a:prstDash val="solid"/>
-                    </a:lnR>
-                    <a:lnT w="9525" cap="flat" cmpd="sng" algn="ctr">
-                      <a:solidFill>
-                        <a:srgbClr val="D8DCDC"/>
-                      </a:solidFill>
-                      <a:prstDash val="solid"/>
-                    </a:lnT>
-                    <a:lnB w="9525" cap="flat" cmpd="sng" algn="ctr">
-                      <a:solidFill>
-                        <a:srgbClr val="D8DCDC"/>
-                      </a:solidFill>
-                      <a:prstDash val="solid"/>
-                    </a:lnB>
-                    <a:solidFill>
-                      <a:srgbClr val="D8DEDC">
-                        <a:alpha val="20000"/>
-                      </a:srgbClr>
-                    </a:solidFill>
-                  </a:tcPr>
-                </a:tc>
-                <a:tc>
-                  <a:txBody>
-                    <a:bodyPr/>
-                    <a:lstStyle/>
-                    <a:p>
-                      <a:pPr algn="ctr" fontAlgn="b"/>
-                      <a:r>
-                        <a:rPr lang="pt-BR" sz="1400" u="none" strike="noStrike">
-                          <a:solidFill>
-                            <a:schemeClr val="tx1">
-                              <a:lumMod val="75000"/>
-                              <a:lumOff val="25000"/>
-                            </a:schemeClr>
-                          </a:solidFill>
-                          <a:effectLst/>
-                        </a:rPr>
-                        <a:t>80,0%</a:t>
-                      </a:r>
-                      <a:endParaRPr lang="pt-BR" sz="1400" b="0" i="0" u="none" strike="noStrike">
-                        <a:solidFill>
-                          <a:schemeClr val="tx1">
-                            <a:lumMod val="75000"/>
-                            <a:lumOff val="25000"/>
-                          </a:schemeClr>
-                        </a:solidFill>
-                        <a:effectLst/>
-                        <a:latin typeface="Calibri" panose="020F0502020204030204" pitchFamily="34" charset="0"/>
-                      </a:endParaRPr>
-                    </a:p>
-                  </a:txBody>
-                  <a:tcPr marL="167721" marR="15913" marT="83860" marB="83860" anchor="b">
-                    <a:lnL w="9525" cap="flat" cmpd="sng" algn="ctr">
-                      <a:solidFill>
-                        <a:srgbClr val="D8DCDC"/>
-                      </a:solidFill>
-                      <a:prstDash val="solid"/>
-                    </a:lnL>
-                    <a:lnR w="9525" cap="flat" cmpd="sng" algn="ctr">
-                      <a:solidFill>
-                        <a:srgbClr val="D8DCDC"/>
-                      </a:solidFill>
-                      <a:prstDash val="solid"/>
-                    </a:lnR>
-                    <a:lnT w="9525" cap="flat" cmpd="sng" algn="ctr">
-                      <a:solidFill>
-                        <a:srgbClr val="D8DCDC"/>
-                      </a:solidFill>
-                      <a:prstDash val="solid"/>
-                    </a:lnT>
-                    <a:lnB w="9525" cap="flat" cmpd="sng" algn="ctr">
-                      <a:solidFill>
-                        <a:srgbClr val="D8DCDC"/>
-                      </a:solidFill>
-                      <a:prstDash val="solid"/>
-                    </a:lnB>
-                    <a:solidFill>
-                      <a:srgbClr val="D8DEDC">
-                        <a:alpha val="20000"/>
-                      </a:srgbClr>
-                    </a:solidFill>
-                  </a:tcPr>
-                </a:tc>
-                <a:extLst>
-                  <a:ext uri="{0D108BD9-81ED-4DB2-BD59-A6C34878D82A}">
-                    <a16:rowId xmlns:a16="http://schemas.microsoft.com/office/drawing/2014/main" val="1736167928"/>
-                  </a:ext>
-                </a:extLst>
-              </a:tr>
-              <a:tr h="410916">
-                <a:tc>
-                  <a:txBody>
-                    <a:bodyPr/>
-                    <a:lstStyle/>
-                    <a:p>
-                      <a:pPr algn="ctr" fontAlgn="b"/>
-                      <a:r>
-                        <a:rPr lang="pt-BR" sz="1400" u="none" strike="noStrike">
-                          <a:solidFill>
-                            <a:schemeClr val="tx1">
-                              <a:lumMod val="75000"/>
-                              <a:lumOff val="25000"/>
-                            </a:schemeClr>
-                          </a:solidFill>
-                          <a:effectLst/>
-                        </a:rPr>
-                        <a:t>320</a:t>
-                      </a:r>
-                      <a:endParaRPr lang="pt-BR" sz="1400" b="0" i="0" u="none" strike="noStrike">
-                        <a:solidFill>
-                          <a:schemeClr val="tx1">
-                            <a:lumMod val="75000"/>
-                            <a:lumOff val="25000"/>
-                          </a:schemeClr>
-                        </a:solidFill>
-                        <a:effectLst/>
-                        <a:latin typeface="Calibri" panose="020F0502020204030204" pitchFamily="34" charset="0"/>
-                      </a:endParaRPr>
-                    </a:p>
-                  </a:txBody>
-                  <a:tcPr marL="167721" marR="15913" marT="83860" marB="83860" anchor="b">
-                    <a:lnL w="9525" cap="flat" cmpd="sng" algn="ctr">
-                      <a:solidFill>
-                        <a:srgbClr val="D8DEDC"/>
-                      </a:solidFill>
-                      <a:prstDash val="solid"/>
-                    </a:lnL>
-                    <a:lnR w="9525" cap="flat" cmpd="sng" algn="ctr">
-                      <a:solidFill>
-                        <a:srgbClr val="D8DEDC"/>
-                      </a:solidFill>
-                      <a:prstDash val="solid"/>
-                    </a:lnR>
-                    <a:lnT w="9525" cap="flat" cmpd="sng" algn="ctr">
-                      <a:solidFill>
-                        <a:srgbClr val="D8DCDC"/>
-                      </a:solidFill>
-                      <a:prstDash val="solid"/>
-                    </a:lnT>
-                    <a:lnB w="9525" cap="flat" cmpd="sng" algn="ctr">
-                      <a:solidFill>
-                        <a:srgbClr val="D8DCDC"/>
-                      </a:solidFill>
-                      <a:prstDash val="solid"/>
-                    </a:lnB>
-                    <a:noFill/>
-                  </a:tcPr>
-                </a:tc>
-                <a:tc>
-                  <a:txBody>
-                    <a:bodyPr/>
-                    <a:lstStyle/>
-                    <a:p>
-                      <a:pPr algn="ctr" fontAlgn="b"/>
-                      <a:r>
-                        <a:rPr lang="pt-BR" sz="1400" u="none" strike="noStrike">
-                          <a:solidFill>
-                            <a:schemeClr val="tx1">
-                              <a:lumMod val="75000"/>
-                              <a:lumOff val="25000"/>
-                            </a:schemeClr>
-                          </a:solidFill>
-                          <a:effectLst/>
-                        </a:rPr>
-                        <a:t>40</a:t>
-                      </a:r>
-                      <a:endParaRPr lang="pt-BR" sz="1400" b="0" i="0" u="none" strike="noStrike">
-                        <a:solidFill>
-                          <a:schemeClr val="tx1">
-                            <a:lumMod val="75000"/>
-                            <a:lumOff val="25000"/>
-                          </a:schemeClr>
-                        </a:solidFill>
-                        <a:effectLst/>
-                        <a:latin typeface="Calibri" panose="020F0502020204030204" pitchFamily="34" charset="0"/>
-                      </a:endParaRPr>
-                    </a:p>
-                  </a:txBody>
-                  <a:tcPr marL="167721" marR="15913" marT="83860" marB="83860" anchor="b">
-                    <a:lnL w="9525" cap="flat" cmpd="sng" algn="ctr">
-                      <a:solidFill>
-                        <a:srgbClr val="D8DEDC"/>
-                      </a:solidFill>
-                      <a:prstDash val="solid"/>
-                    </a:lnL>
-                    <a:lnR w="9525" cap="flat" cmpd="sng" algn="ctr">
-                      <a:solidFill>
-                        <a:srgbClr val="D8DEDC"/>
-                      </a:solidFill>
-                      <a:prstDash val="solid"/>
-                    </a:lnR>
-                    <a:lnT w="9525" cap="flat" cmpd="sng" algn="ctr">
-                      <a:solidFill>
-                        <a:srgbClr val="D8DCDC"/>
-                      </a:solidFill>
-                      <a:prstDash val="solid"/>
-                    </a:lnT>
-                    <a:lnB w="9525" cap="flat" cmpd="sng" algn="ctr">
-                      <a:solidFill>
-                        <a:srgbClr val="D8DCDC"/>
-                      </a:solidFill>
-                      <a:prstDash val="solid"/>
-                    </a:lnB>
-                    <a:noFill/>
-                  </a:tcPr>
-                </a:tc>
-                <a:tc>
-                  <a:txBody>
-                    <a:bodyPr/>
-                    <a:lstStyle/>
-                    <a:p>
-                      <a:pPr algn="ctr" fontAlgn="b"/>
-                      <a:r>
-                        <a:rPr lang="pt-BR" sz="1400" u="none" strike="noStrike">
-                          <a:solidFill>
-                            <a:schemeClr val="tx1">
-                              <a:lumMod val="75000"/>
-                              <a:lumOff val="25000"/>
-                            </a:schemeClr>
-                          </a:solidFill>
-                          <a:effectLst/>
-                        </a:rPr>
-                        <a:t>90,0%</a:t>
-                      </a:r>
-                      <a:endParaRPr lang="pt-BR" sz="1400" b="0" i="0" u="none" strike="noStrike">
-                        <a:solidFill>
-                          <a:schemeClr val="tx1">
-                            <a:lumMod val="75000"/>
-                            <a:lumOff val="25000"/>
-                          </a:schemeClr>
-                        </a:solidFill>
-                        <a:effectLst/>
-                        <a:latin typeface="Calibri" panose="020F0502020204030204" pitchFamily="34" charset="0"/>
-                      </a:endParaRPr>
-                    </a:p>
-                  </a:txBody>
-                  <a:tcPr marL="167721" marR="15913" marT="83860" marB="83860" anchor="b">
-                    <a:lnL w="9525" cap="flat" cmpd="sng" algn="ctr">
-                      <a:solidFill>
-                        <a:srgbClr val="D8DEDC"/>
-                      </a:solidFill>
-                      <a:prstDash val="solid"/>
-                    </a:lnL>
-                    <a:lnR w="9525" cap="flat" cmpd="sng" algn="ctr">
-                      <a:solidFill>
-                        <a:srgbClr val="D8DEDC"/>
-                      </a:solidFill>
-                      <a:prstDash val="solid"/>
-                    </a:lnR>
-                    <a:lnT w="9525" cap="flat" cmpd="sng" algn="ctr">
-                      <a:solidFill>
-                        <a:srgbClr val="D8DCDC"/>
-                      </a:solidFill>
-                      <a:prstDash val="solid"/>
-                    </a:lnT>
-                    <a:lnB w="9525" cap="flat" cmpd="sng" algn="ctr">
-                      <a:solidFill>
-                        <a:srgbClr val="D8DCDC"/>
-                      </a:solidFill>
-                      <a:prstDash val="solid"/>
-                    </a:lnB>
-                    <a:noFill/>
-                  </a:tcPr>
-                </a:tc>
-                <a:tc>
-                  <a:txBody>
-                    <a:bodyPr/>
-                    <a:lstStyle/>
-                    <a:p>
-                      <a:pPr algn="ctr" fontAlgn="b"/>
-                      <a:r>
-                        <a:rPr lang="pt-BR" sz="1400" u="none" strike="noStrike">
-                          <a:solidFill>
-                            <a:schemeClr val="tx1">
-                              <a:lumMod val="75000"/>
-                              <a:lumOff val="25000"/>
-                            </a:schemeClr>
-                          </a:solidFill>
-                          <a:effectLst/>
-                        </a:rPr>
-                        <a:t>92,5%</a:t>
-                      </a:r>
-                      <a:endParaRPr lang="pt-BR" sz="1400" b="0" i="0" u="none" strike="noStrike">
-                        <a:solidFill>
-                          <a:schemeClr val="tx1">
-                            <a:lumMod val="75000"/>
-                            <a:lumOff val="25000"/>
-                          </a:schemeClr>
-                        </a:solidFill>
-                        <a:effectLst/>
-                        <a:latin typeface="Calibri" panose="020F0502020204030204" pitchFamily="34" charset="0"/>
-                      </a:endParaRPr>
-                    </a:p>
-                  </a:txBody>
-                  <a:tcPr marL="167721" marR="15913" marT="83860" marB="83860" anchor="b">
-                    <a:lnL w="9525" cap="flat" cmpd="sng" algn="ctr">
-                      <a:solidFill>
-                        <a:srgbClr val="D8DEDC"/>
-                      </a:solidFill>
-                      <a:prstDash val="solid"/>
-                    </a:lnL>
-                    <a:lnR w="9525" cap="flat" cmpd="sng" algn="ctr">
-                      <a:solidFill>
-                        <a:srgbClr val="D8DEDC"/>
-                      </a:solidFill>
-                      <a:prstDash val="solid"/>
-                    </a:lnR>
-                    <a:lnT w="9525" cap="flat" cmpd="sng" algn="ctr">
-                      <a:solidFill>
-                        <a:srgbClr val="D8DCDC"/>
-                      </a:solidFill>
-                      <a:prstDash val="solid"/>
-                    </a:lnT>
-                    <a:lnB w="9525" cap="flat" cmpd="sng" algn="ctr">
-                      <a:solidFill>
-                        <a:srgbClr val="D8DCDC"/>
-                      </a:solidFill>
-                      <a:prstDash val="solid"/>
-                    </a:lnB>
-                    <a:noFill/>
-                  </a:tcPr>
-                </a:tc>
-                <a:tc>
-                  <a:txBody>
-                    <a:bodyPr/>
-                    <a:lstStyle/>
-                    <a:p>
-                      <a:pPr algn="ctr" fontAlgn="b"/>
-                      <a:r>
-                        <a:rPr lang="pt-BR" sz="1400" u="none" strike="noStrike">
-                          <a:solidFill>
-                            <a:schemeClr val="tx1">
-                              <a:lumMod val="75000"/>
-                              <a:lumOff val="25000"/>
-                            </a:schemeClr>
-                          </a:solidFill>
-                          <a:effectLst/>
-                        </a:rPr>
-                        <a:t>90,0%</a:t>
-                      </a:r>
-                      <a:endParaRPr lang="pt-BR" sz="1400" b="0" i="0" u="none" strike="noStrike">
-                        <a:solidFill>
-                          <a:schemeClr val="tx1">
-                            <a:lumMod val="75000"/>
-                            <a:lumOff val="25000"/>
-                          </a:schemeClr>
-                        </a:solidFill>
-                        <a:effectLst/>
-                        <a:latin typeface="Calibri" panose="020F0502020204030204" pitchFamily="34" charset="0"/>
-                      </a:endParaRPr>
-                    </a:p>
-                  </a:txBody>
-                  <a:tcPr marL="167721" marR="15913" marT="83860" marB="83860" anchor="b">
-                    <a:lnL w="9525" cap="flat" cmpd="sng" algn="ctr">
-                      <a:solidFill>
-                        <a:srgbClr val="D8DEDC"/>
-                      </a:solidFill>
-                      <a:prstDash val="solid"/>
-                    </a:lnL>
-                    <a:lnR w="9525" cap="flat" cmpd="sng" algn="ctr">
-                      <a:solidFill>
-                        <a:srgbClr val="D8DEDC"/>
-                      </a:solidFill>
-                      <a:prstDash val="solid"/>
-                    </a:lnR>
-                    <a:lnT w="9525" cap="flat" cmpd="sng" algn="ctr">
-                      <a:solidFill>
-                        <a:srgbClr val="D8DCDC"/>
-                      </a:solidFill>
-                      <a:prstDash val="solid"/>
-                    </a:lnT>
-                    <a:lnB w="9525" cap="flat" cmpd="sng" algn="ctr">
-                      <a:solidFill>
-                        <a:srgbClr val="D8DCDC"/>
-                      </a:solidFill>
-                      <a:prstDash val="solid"/>
-                    </a:lnB>
-                    <a:noFill/>
-                  </a:tcPr>
-                </a:tc>
-                <a:extLst>
-                  <a:ext uri="{0D108BD9-81ED-4DB2-BD59-A6C34878D82A}">
-                    <a16:rowId xmlns:a16="http://schemas.microsoft.com/office/drawing/2014/main" val="733849135"/>
-                  </a:ext>
-                </a:extLst>
-              </a:tr>
-              <a:tr h="410916">
-                <a:tc>
-                  <a:txBody>
-                    <a:bodyPr/>
-                    <a:lstStyle/>
-                    <a:p>
-                      <a:pPr algn="ctr" fontAlgn="b"/>
-                      <a:r>
-                        <a:rPr lang="pt-BR" sz="1400" u="none" strike="noStrike">
-                          <a:solidFill>
-                            <a:schemeClr val="tx1">
-                              <a:lumMod val="75000"/>
-                              <a:lumOff val="25000"/>
-                            </a:schemeClr>
-                          </a:solidFill>
-                          <a:effectLst/>
-                        </a:rPr>
-                        <a:t>360</a:t>
-                      </a:r>
-                      <a:endParaRPr lang="pt-BR" sz="1400" b="0" i="0" u="none" strike="noStrike">
-                        <a:solidFill>
-                          <a:schemeClr val="tx1">
-                            <a:lumMod val="75000"/>
-                            <a:lumOff val="25000"/>
-                          </a:schemeClr>
-                        </a:solidFill>
-                        <a:effectLst/>
-                        <a:latin typeface="Calibri" panose="020F0502020204030204" pitchFamily="34" charset="0"/>
-                      </a:endParaRPr>
-                    </a:p>
-                  </a:txBody>
-                  <a:tcPr marL="167721" marR="15913" marT="83860" marB="83860" anchor="b">
-                    <a:lnL w="9525" cap="flat" cmpd="sng" algn="ctr">
-                      <a:solidFill>
-                        <a:srgbClr val="D8DCDC"/>
-                      </a:solidFill>
-                      <a:prstDash val="solid"/>
-                    </a:lnL>
-                    <a:lnR w="9525" cap="flat" cmpd="sng" algn="ctr">
-                      <a:solidFill>
-                        <a:srgbClr val="D8DCDC"/>
-                      </a:solidFill>
-                      <a:prstDash val="solid"/>
-                    </a:lnR>
-                    <a:lnT w="9525" cap="flat" cmpd="sng" algn="ctr">
-                      <a:solidFill>
-                        <a:srgbClr val="D8DCDC"/>
-                      </a:solidFill>
-                      <a:prstDash val="solid"/>
-                    </a:lnT>
-                    <a:lnB w="9525" cap="flat" cmpd="sng" algn="ctr">
-                      <a:solidFill>
-                        <a:srgbClr val="D8DCDC"/>
-                      </a:solidFill>
-                      <a:prstDash val="solid"/>
-                    </a:lnB>
-                    <a:solidFill>
-                      <a:srgbClr val="D8DEDC">
-                        <a:alpha val="20000"/>
-                      </a:srgbClr>
-                    </a:solidFill>
-                  </a:tcPr>
-                </a:tc>
-                <a:tc>
-                  <a:txBody>
-                    <a:bodyPr/>
-                    <a:lstStyle/>
-                    <a:p>
-                      <a:pPr algn="ctr" fontAlgn="b"/>
-                      <a:r>
-                        <a:rPr lang="pt-BR" sz="1400" u="none" strike="noStrike">
-                          <a:solidFill>
-                            <a:schemeClr val="tx1">
-                              <a:lumMod val="75000"/>
-                              <a:lumOff val="25000"/>
-                            </a:schemeClr>
-                          </a:solidFill>
-                          <a:effectLst/>
-                        </a:rPr>
-                        <a:t>40</a:t>
-                      </a:r>
-                      <a:endParaRPr lang="pt-BR" sz="1400" b="0" i="0" u="none" strike="noStrike">
-                        <a:solidFill>
-                          <a:schemeClr val="tx1">
-                            <a:lumMod val="75000"/>
-                            <a:lumOff val="25000"/>
-                          </a:schemeClr>
-                        </a:solidFill>
-                        <a:effectLst/>
-                        <a:latin typeface="Calibri" panose="020F0502020204030204" pitchFamily="34" charset="0"/>
-                      </a:endParaRPr>
-                    </a:p>
-                  </a:txBody>
-                  <a:tcPr marL="167721" marR="15913" marT="83860" marB="83860" anchor="b">
-                    <a:lnL w="9525" cap="flat" cmpd="sng" algn="ctr">
-                      <a:solidFill>
-                        <a:srgbClr val="D8DCDC"/>
-                      </a:solidFill>
-                      <a:prstDash val="solid"/>
-                    </a:lnL>
-                    <a:lnR w="9525" cap="flat" cmpd="sng" algn="ctr">
-                      <a:solidFill>
-                        <a:srgbClr val="D8DCDC"/>
-                      </a:solidFill>
-                      <a:prstDash val="solid"/>
-                    </a:lnR>
-                    <a:lnT w="9525" cap="flat" cmpd="sng" algn="ctr">
-                      <a:solidFill>
-                        <a:srgbClr val="D8DCDC"/>
-                      </a:solidFill>
-                      <a:prstDash val="solid"/>
-                    </a:lnT>
-                    <a:lnB w="9525" cap="flat" cmpd="sng" algn="ctr">
-                      <a:solidFill>
-                        <a:srgbClr val="D8DCDC"/>
-                      </a:solidFill>
-                      <a:prstDash val="solid"/>
-                    </a:lnB>
-                    <a:solidFill>
-                      <a:srgbClr val="D8DEDC">
-                        <a:alpha val="20000"/>
-                      </a:srgbClr>
-                    </a:solidFill>
-                  </a:tcPr>
-                </a:tc>
-                <a:tc>
-                  <a:txBody>
-                    <a:bodyPr/>
-                    <a:lstStyle/>
-                    <a:p>
-                      <a:pPr algn="ctr" fontAlgn="b"/>
-                      <a:r>
-                        <a:rPr lang="pt-BR" sz="1400" u="none" strike="noStrike">
-                          <a:solidFill>
-                            <a:schemeClr val="tx1">
-                              <a:lumMod val="75000"/>
-                              <a:lumOff val="25000"/>
-                            </a:schemeClr>
-                          </a:solidFill>
-                          <a:effectLst/>
-                        </a:rPr>
-                        <a:t>85,0%</a:t>
-                      </a:r>
-                      <a:endParaRPr lang="pt-BR" sz="1400" b="0" i="0" u="none" strike="noStrike">
-                        <a:solidFill>
-                          <a:schemeClr val="tx1">
-                            <a:lumMod val="75000"/>
-                            <a:lumOff val="25000"/>
-                          </a:schemeClr>
-                        </a:solidFill>
-                        <a:effectLst/>
-                        <a:latin typeface="Calibri" panose="020F0502020204030204" pitchFamily="34" charset="0"/>
-                      </a:endParaRPr>
-                    </a:p>
-                  </a:txBody>
-                  <a:tcPr marL="167721" marR="15913" marT="83860" marB="83860" anchor="b">
-                    <a:lnL w="9525" cap="flat" cmpd="sng" algn="ctr">
-                      <a:solidFill>
-                        <a:srgbClr val="D8DCDC"/>
-                      </a:solidFill>
-                      <a:prstDash val="solid"/>
-                    </a:lnL>
-                    <a:lnR w="9525" cap="flat" cmpd="sng" algn="ctr">
-                      <a:solidFill>
-                        <a:srgbClr val="D8DCDC"/>
-                      </a:solidFill>
-                      <a:prstDash val="solid"/>
-                    </a:lnR>
-                    <a:lnT w="9525" cap="flat" cmpd="sng" algn="ctr">
-                      <a:solidFill>
-                        <a:srgbClr val="D8DCDC"/>
-                      </a:solidFill>
-                      <a:prstDash val="solid"/>
-                    </a:lnT>
-                    <a:lnB w="9525" cap="flat" cmpd="sng" algn="ctr">
-                      <a:solidFill>
-                        <a:srgbClr val="D8DCDC"/>
-                      </a:solidFill>
-                      <a:prstDash val="solid"/>
-                    </a:lnB>
-                    <a:solidFill>
-                      <a:srgbClr val="D8DEDC">
-                        <a:alpha val="20000"/>
-                      </a:srgbClr>
-                    </a:solidFill>
-                  </a:tcPr>
-                </a:tc>
-                <a:tc>
-                  <a:txBody>
-                    <a:bodyPr/>
-                    <a:lstStyle/>
-                    <a:p>
-                      <a:pPr algn="ctr" fontAlgn="b"/>
-                      <a:r>
-                        <a:rPr lang="pt-BR" sz="1400" u="none" strike="noStrike">
-                          <a:solidFill>
-                            <a:schemeClr val="tx1">
-                              <a:lumMod val="75000"/>
-                              <a:lumOff val="25000"/>
-                            </a:schemeClr>
-                          </a:solidFill>
-                          <a:effectLst/>
-                        </a:rPr>
-                        <a:t>87,5%</a:t>
-                      </a:r>
-                      <a:endParaRPr lang="pt-BR" sz="1400" b="0" i="0" u="none" strike="noStrike">
-                        <a:solidFill>
-                          <a:schemeClr val="tx1">
-                            <a:lumMod val="75000"/>
-                            <a:lumOff val="25000"/>
-                          </a:schemeClr>
-                        </a:solidFill>
-                        <a:effectLst/>
-                        <a:latin typeface="Calibri" panose="020F0502020204030204" pitchFamily="34" charset="0"/>
-                      </a:endParaRPr>
-                    </a:p>
-                  </a:txBody>
-                  <a:tcPr marL="167721" marR="15913" marT="83860" marB="83860" anchor="b">
-                    <a:lnL w="9525" cap="flat" cmpd="sng" algn="ctr">
-                      <a:solidFill>
-                        <a:srgbClr val="D8DCDC"/>
-                      </a:solidFill>
-                      <a:prstDash val="solid"/>
-                    </a:lnL>
-                    <a:lnR w="9525" cap="flat" cmpd="sng" algn="ctr">
-                      <a:solidFill>
-                        <a:srgbClr val="D8DCDC"/>
-                      </a:solidFill>
-                      <a:prstDash val="solid"/>
-                    </a:lnR>
-                    <a:lnT w="9525" cap="flat" cmpd="sng" algn="ctr">
-                      <a:solidFill>
-                        <a:srgbClr val="D8DCDC"/>
-                      </a:solidFill>
-                      <a:prstDash val="solid"/>
-                    </a:lnT>
-                    <a:lnB w="9525" cap="flat" cmpd="sng" algn="ctr">
-                      <a:solidFill>
-                        <a:srgbClr val="D8DCDC"/>
-                      </a:solidFill>
-                      <a:prstDash val="solid"/>
-                    </a:lnB>
-                    <a:solidFill>
-                      <a:srgbClr val="D8DEDC">
-                        <a:alpha val="20000"/>
-                      </a:srgbClr>
-                    </a:solidFill>
-                  </a:tcPr>
-                </a:tc>
-                <a:tc>
-                  <a:txBody>
-                    <a:bodyPr/>
-                    <a:lstStyle/>
-                    <a:p>
-                      <a:pPr algn="ctr" fontAlgn="b"/>
-                      <a:r>
-                        <a:rPr lang="pt-BR" sz="1400" u="none" strike="noStrike">
-                          <a:solidFill>
-                            <a:schemeClr val="tx1">
-                              <a:lumMod val="75000"/>
-                              <a:lumOff val="25000"/>
-                            </a:schemeClr>
-                          </a:solidFill>
-                          <a:effectLst/>
-                        </a:rPr>
-                        <a:t>85,0%</a:t>
-                      </a:r>
-                      <a:endParaRPr lang="pt-BR" sz="1400" b="0" i="0" u="none" strike="noStrike">
-                        <a:solidFill>
-                          <a:schemeClr val="tx1">
-                            <a:lumMod val="75000"/>
-                            <a:lumOff val="25000"/>
-                          </a:schemeClr>
-                        </a:solidFill>
-                        <a:effectLst/>
-                        <a:latin typeface="Calibri" panose="020F0502020204030204" pitchFamily="34" charset="0"/>
-                      </a:endParaRPr>
-                    </a:p>
-                  </a:txBody>
-                  <a:tcPr marL="167721" marR="15913" marT="83860" marB="83860" anchor="b">
-                    <a:lnL w="9525" cap="flat" cmpd="sng" algn="ctr">
-                      <a:solidFill>
-                        <a:srgbClr val="D8DCDC"/>
-                      </a:solidFill>
-                      <a:prstDash val="solid"/>
-                    </a:lnL>
-                    <a:lnR w="9525" cap="flat" cmpd="sng" algn="ctr">
-                      <a:solidFill>
-                        <a:srgbClr val="D8DCDC"/>
-                      </a:solidFill>
-                      <a:prstDash val="solid"/>
-                    </a:lnR>
-                    <a:lnT w="9525" cap="flat" cmpd="sng" algn="ctr">
-                      <a:solidFill>
-                        <a:srgbClr val="D8DCDC"/>
-                      </a:solidFill>
-                      <a:prstDash val="solid"/>
-                    </a:lnT>
-                    <a:lnB w="9525" cap="flat" cmpd="sng" algn="ctr">
-                      <a:solidFill>
-                        <a:srgbClr val="D8DCDC"/>
-                      </a:solidFill>
-                      <a:prstDash val="solid"/>
-                    </a:lnB>
-                    <a:solidFill>
-                      <a:srgbClr val="D8DEDC">
-                        <a:alpha val="20000"/>
-                      </a:srgbClr>
-                    </a:solidFill>
-                  </a:tcPr>
-                </a:tc>
-                <a:extLst>
-                  <a:ext uri="{0D108BD9-81ED-4DB2-BD59-A6C34878D82A}">
-                    <a16:rowId xmlns:a16="http://schemas.microsoft.com/office/drawing/2014/main" val="413770654"/>
-                  </a:ext>
-                </a:extLst>
-              </a:tr>
-              <a:tr h="410916">
-                <a:tc>
-                  <a:txBody>
-                    <a:bodyPr/>
-                    <a:lstStyle/>
-                    <a:p>
-                      <a:pPr algn="ctr" fontAlgn="b"/>
-                      <a:r>
-                        <a:rPr lang="pt-BR" sz="1400" u="none" strike="noStrike">
-                          <a:solidFill>
-                            <a:schemeClr val="tx1">
-                              <a:lumMod val="75000"/>
-                              <a:lumOff val="25000"/>
-                            </a:schemeClr>
-                          </a:solidFill>
-                          <a:effectLst/>
-                        </a:rPr>
-                        <a:t>400</a:t>
-                      </a:r>
-                      <a:endParaRPr lang="pt-BR" sz="1400" b="0" i="0" u="none" strike="noStrike">
-                        <a:solidFill>
-                          <a:schemeClr val="tx1">
-                            <a:lumMod val="75000"/>
-                            <a:lumOff val="25000"/>
-                          </a:schemeClr>
-                        </a:solidFill>
-                        <a:effectLst/>
-                        <a:latin typeface="Calibri" panose="020F0502020204030204" pitchFamily="34" charset="0"/>
-                      </a:endParaRPr>
-                    </a:p>
-                  </a:txBody>
-                  <a:tcPr marL="167721" marR="15913" marT="83860" marB="83860" anchor="b">
-                    <a:lnL w="9525" cap="flat" cmpd="sng" algn="ctr">
-                      <a:solidFill>
-                        <a:srgbClr val="D8DEDC"/>
-                      </a:solidFill>
-                      <a:prstDash val="solid"/>
-                    </a:lnL>
-                    <a:lnR w="9525" cap="flat" cmpd="sng" algn="ctr">
-                      <a:solidFill>
-                        <a:srgbClr val="D8DEDC"/>
-                      </a:solidFill>
-                      <a:prstDash val="solid"/>
-                    </a:lnR>
-                    <a:lnT w="9525" cap="flat" cmpd="sng" algn="ctr">
-                      <a:solidFill>
-                        <a:srgbClr val="D8DCDC"/>
-                      </a:solidFill>
-                      <a:prstDash val="solid"/>
-                    </a:lnT>
-                    <a:lnB w="9525" cap="flat" cmpd="sng" algn="ctr">
-                      <a:solidFill>
-                        <a:srgbClr val="D8DCDC"/>
-                      </a:solidFill>
-                      <a:prstDash val="solid"/>
-                    </a:lnB>
-                    <a:noFill/>
-                  </a:tcPr>
-                </a:tc>
-                <a:tc>
-                  <a:txBody>
-                    <a:bodyPr/>
-                    <a:lstStyle/>
-                    <a:p>
-                      <a:pPr algn="ctr" fontAlgn="b"/>
-                      <a:r>
-                        <a:rPr lang="pt-BR" sz="1400" u="none" strike="noStrike">
-                          <a:solidFill>
-                            <a:schemeClr val="tx1">
-                              <a:lumMod val="75000"/>
-                              <a:lumOff val="25000"/>
-                            </a:schemeClr>
-                          </a:solidFill>
-                          <a:effectLst/>
-                        </a:rPr>
-                        <a:t>40</a:t>
-                      </a:r>
-                      <a:endParaRPr lang="pt-BR" sz="1400" b="0" i="0" u="none" strike="noStrike">
-                        <a:solidFill>
-                          <a:schemeClr val="tx1">
-                            <a:lumMod val="75000"/>
-                            <a:lumOff val="25000"/>
-                          </a:schemeClr>
-                        </a:solidFill>
-                        <a:effectLst/>
-                        <a:latin typeface="Calibri" panose="020F0502020204030204" pitchFamily="34" charset="0"/>
-                      </a:endParaRPr>
-                    </a:p>
-                  </a:txBody>
-                  <a:tcPr marL="167721" marR="15913" marT="83860" marB="83860" anchor="b">
-                    <a:lnL w="9525" cap="flat" cmpd="sng" algn="ctr">
-                      <a:solidFill>
-                        <a:srgbClr val="D8DEDC"/>
-                      </a:solidFill>
-                      <a:prstDash val="solid"/>
-                    </a:lnL>
-                    <a:lnR w="9525" cap="flat" cmpd="sng" algn="ctr">
-                      <a:solidFill>
-                        <a:srgbClr val="D8DEDC"/>
-                      </a:solidFill>
-                      <a:prstDash val="solid"/>
-                    </a:lnR>
-                    <a:lnT w="9525" cap="flat" cmpd="sng" algn="ctr">
-                      <a:solidFill>
-                        <a:srgbClr val="D8DCDC"/>
-                      </a:solidFill>
-                      <a:prstDash val="solid"/>
-                    </a:lnT>
-                    <a:lnB w="9525" cap="flat" cmpd="sng" algn="ctr">
-                      <a:solidFill>
-                        <a:srgbClr val="D8DCDC"/>
-                      </a:solidFill>
-                      <a:prstDash val="solid"/>
-                    </a:lnB>
-                    <a:noFill/>
-                  </a:tcPr>
-                </a:tc>
-                <a:tc>
-                  <a:txBody>
-                    <a:bodyPr/>
-                    <a:lstStyle/>
-                    <a:p>
-                      <a:pPr algn="ctr" fontAlgn="b"/>
-                      <a:r>
-                        <a:rPr lang="pt-BR" sz="1400" u="none" strike="noStrike">
-                          <a:solidFill>
-                            <a:schemeClr val="tx1">
-                              <a:lumMod val="75000"/>
-                              <a:lumOff val="25000"/>
-                            </a:schemeClr>
-                          </a:solidFill>
-                          <a:effectLst/>
-                        </a:rPr>
-                        <a:t>90,0%</a:t>
-                      </a:r>
-                      <a:endParaRPr lang="pt-BR" sz="1400" b="0" i="0" u="none" strike="noStrike">
-                        <a:solidFill>
-                          <a:schemeClr val="tx1">
-                            <a:lumMod val="75000"/>
-                            <a:lumOff val="25000"/>
-                          </a:schemeClr>
-                        </a:solidFill>
-                        <a:effectLst/>
-                        <a:latin typeface="Calibri" panose="020F0502020204030204" pitchFamily="34" charset="0"/>
-                      </a:endParaRPr>
-                    </a:p>
-                  </a:txBody>
-                  <a:tcPr marL="167721" marR="15913" marT="83860" marB="83860" anchor="b">
-                    <a:lnL w="9525" cap="flat" cmpd="sng" algn="ctr">
-                      <a:solidFill>
-                        <a:srgbClr val="D8DEDC"/>
-                      </a:solidFill>
-                      <a:prstDash val="solid"/>
-                    </a:lnL>
-                    <a:lnR w="9525" cap="flat" cmpd="sng" algn="ctr">
-                      <a:solidFill>
-                        <a:srgbClr val="D8DEDC"/>
-                      </a:solidFill>
-                      <a:prstDash val="solid"/>
-                    </a:lnR>
-                    <a:lnT w="9525" cap="flat" cmpd="sng" algn="ctr">
-                      <a:solidFill>
-                        <a:srgbClr val="D8DCDC"/>
-                      </a:solidFill>
-                      <a:prstDash val="solid"/>
-                    </a:lnT>
-                    <a:lnB w="9525" cap="flat" cmpd="sng" algn="ctr">
-                      <a:solidFill>
-                        <a:srgbClr val="D8DCDC"/>
-                      </a:solidFill>
-                      <a:prstDash val="solid"/>
-                    </a:lnB>
-                    <a:noFill/>
-                  </a:tcPr>
-                </a:tc>
-                <a:tc>
-                  <a:txBody>
-                    <a:bodyPr/>
-                    <a:lstStyle/>
-                    <a:p>
-                      <a:pPr algn="ctr" fontAlgn="b"/>
-                      <a:r>
-                        <a:rPr lang="pt-BR" sz="1400" u="none" strike="noStrike">
-                          <a:solidFill>
-                            <a:schemeClr val="tx1">
-                              <a:lumMod val="75000"/>
-                              <a:lumOff val="25000"/>
-                            </a:schemeClr>
-                          </a:solidFill>
-                          <a:effectLst/>
-                        </a:rPr>
-                        <a:t>90,0%</a:t>
-                      </a:r>
-                      <a:endParaRPr lang="pt-BR" sz="1400" b="0" i="0" u="none" strike="noStrike">
-                        <a:solidFill>
-                          <a:schemeClr val="tx1">
-                            <a:lumMod val="75000"/>
-                            <a:lumOff val="25000"/>
-                          </a:schemeClr>
-                        </a:solidFill>
-                        <a:effectLst/>
-                        <a:latin typeface="Calibri" panose="020F0502020204030204" pitchFamily="34" charset="0"/>
-                      </a:endParaRPr>
-                    </a:p>
-                  </a:txBody>
-                  <a:tcPr marL="167721" marR="15913" marT="83860" marB="83860" anchor="b">
-                    <a:lnL w="9525" cap="flat" cmpd="sng" algn="ctr">
-                      <a:solidFill>
-                        <a:srgbClr val="D8DEDC"/>
-                      </a:solidFill>
-                      <a:prstDash val="solid"/>
-                    </a:lnL>
-                    <a:lnR w="9525" cap="flat" cmpd="sng" algn="ctr">
-                      <a:solidFill>
-                        <a:srgbClr val="D8DEDC"/>
-                      </a:solidFill>
-                      <a:prstDash val="solid"/>
-                    </a:lnR>
-                    <a:lnT w="9525" cap="flat" cmpd="sng" algn="ctr">
-                      <a:solidFill>
-                        <a:srgbClr val="D8DCDC"/>
-                      </a:solidFill>
-                      <a:prstDash val="solid"/>
-                    </a:lnT>
-                    <a:lnB w="9525" cap="flat" cmpd="sng" algn="ctr">
-                      <a:solidFill>
-                        <a:srgbClr val="D8DCDC"/>
-                      </a:solidFill>
-                      <a:prstDash val="solid"/>
-                    </a:lnB>
-                    <a:noFill/>
-                  </a:tcPr>
-                </a:tc>
-                <a:tc>
-                  <a:txBody>
-                    <a:bodyPr/>
-                    <a:lstStyle/>
-                    <a:p>
-                      <a:pPr algn="ctr" fontAlgn="b"/>
-                      <a:r>
-                        <a:rPr lang="pt-BR" sz="1400" u="none" strike="noStrike">
-                          <a:solidFill>
-                            <a:schemeClr val="tx1">
-                              <a:lumMod val="75000"/>
-                              <a:lumOff val="25000"/>
-                            </a:schemeClr>
-                          </a:solidFill>
-                          <a:effectLst/>
-                        </a:rPr>
-                        <a:t>87,5%</a:t>
-                      </a:r>
-                      <a:endParaRPr lang="pt-BR" sz="1400" b="0" i="0" u="none" strike="noStrike">
-                        <a:solidFill>
-                          <a:schemeClr val="tx1">
-                            <a:lumMod val="75000"/>
-                            <a:lumOff val="25000"/>
-                          </a:schemeClr>
-                        </a:solidFill>
-                        <a:effectLst/>
-                        <a:latin typeface="Calibri" panose="020F0502020204030204" pitchFamily="34" charset="0"/>
-                      </a:endParaRPr>
-                    </a:p>
-                  </a:txBody>
-                  <a:tcPr marL="167721" marR="15913" marT="83860" marB="83860" anchor="b">
-                    <a:lnL w="9525" cap="flat" cmpd="sng" algn="ctr">
-                      <a:solidFill>
-                        <a:srgbClr val="D8DEDC"/>
-                      </a:solidFill>
-                      <a:prstDash val="solid"/>
-                    </a:lnL>
-                    <a:lnR w="9525" cap="flat" cmpd="sng" algn="ctr">
-                      <a:solidFill>
-                        <a:srgbClr val="D8DEDC"/>
-                      </a:solidFill>
-                      <a:prstDash val="solid"/>
-                    </a:lnR>
-                    <a:lnT w="9525" cap="flat" cmpd="sng" algn="ctr">
-                      <a:solidFill>
-                        <a:srgbClr val="D8DCDC"/>
-                      </a:solidFill>
-                      <a:prstDash val="solid"/>
-                    </a:lnT>
-                    <a:lnB w="9525" cap="flat" cmpd="sng" algn="ctr">
-                      <a:solidFill>
-                        <a:srgbClr val="D8DCDC"/>
-                      </a:solidFill>
-                      <a:prstDash val="solid"/>
-                    </a:lnB>
-                    <a:noFill/>
-                  </a:tcPr>
-                </a:tc>
-                <a:extLst>
-                  <a:ext uri="{0D108BD9-81ED-4DB2-BD59-A6C34878D82A}">
-                    <a16:rowId xmlns:a16="http://schemas.microsoft.com/office/drawing/2014/main" val="546305694"/>
-                  </a:ext>
-                </a:extLst>
-              </a:tr>
-              <a:tr h="410916">
-                <a:tc>
-                  <a:txBody>
-                    <a:bodyPr/>
-                    <a:lstStyle/>
-                    <a:p>
-                      <a:pPr algn="ctr" fontAlgn="b"/>
-                      <a:r>
-                        <a:rPr lang="pt-BR" sz="1400" u="none" strike="noStrike">
-                          <a:solidFill>
-                            <a:schemeClr val="tx1">
-                              <a:lumMod val="75000"/>
-                              <a:lumOff val="25000"/>
-                            </a:schemeClr>
-                          </a:solidFill>
-                          <a:effectLst/>
-                        </a:rPr>
-                        <a:t>440</a:t>
-                      </a:r>
-                      <a:endParaRPr lang="pt-BR" sz="1400" b="0" i="0" u="none" strike="noStrike">
-                        <a:solidFill>
-                          <a:schemeClr val="tx1">
-                            <a:lumMod val="75000"/>
-                            <a:lumOff val="25000"/>
-                          </a:schemeClr>
-                        </a:solidFill>
-                        <a:effectLst/>
-                        <a:latin typeface="Calibri" panose="020F0502020204030204" pitchFamily="34" charset="0"/>
-                      </a:endParaRPr>
-                    </a:p>
-                  </a:txBody>
-                  <a:tcPr marL="167721" marR="15913" marT="83860" marB="83860" anchor="b">
-                    <a:lnL w="9525" cap="flat" cmpd="sng" algn="ctr">
-                      <a:solidFill>
-                        <a:srgbClr val="D8DCDC"/>
-                      </a:solidFill>
-                      <a:prstDash val="solid"/>
-                    </a:lnL>
-                    <a:lnR w="9525" cap="flat" cmpd="sng" algn="ctr">
-                      <a:solidFill>
-                        <a:srgbClr val="D8DCDC"/>
-                      </a:solidFill>
-                      <a:prstDash val="solid"/>
-                    </a:lnR>
-                    <a:lnT w="9525" cap="flat" cmpd="sng" algn="ctr">
-                      <a:solidFill>
-                        <a:srgbClr val="D8DCDC"/>
-                      </a:solidFill>
-                      <a:prstDash val="solid"/>
-                    </a:lnT>
-                    <a:lnB w="9525" cap="flat" cmpd="sng" algn="ctr">
-                      <a:solidFill>
-                        <a:srgbClr val="D8DCDC"/>
-                      </a:solidFill>
-                      <a:prstDash val="solid"/>
-                    </a:lnB>
-                    <a:solidFill>
-                      <a:srgbClr val="D8DEDC">
-                        <a:alpha val="20000"/>
-                      </a:srgbClr>
-                    </a:solidFill>
-                  </a:tcPr>
-                </a:tc>
-                <a:tc>
-                  <a:txBody>
-                    <a:bodyPr/>
-                    <a:lstStyle/>
-                    <a:p>
-                      <a:pPr algn="ctr" fontAlgn="b"/>
-                      <a:r>
-                        <a:rPr lang="pt-BR" sz="1400" u="none" strike="noStrike">
-                          <a:solidFill>
-                            <a:schemeClr val="tx1">
-                              <a:lumMod val="75000"/>
-                              <a:lumOff val="25000"/>
-                            </a:schemeClr>
-                          </a:solidFill>
-                          <a:effectLst/>
-                        </a:rPr>
-                        <a:t>40</a:t>
-                      </a:r>
-                      <a:endParaRPr lang="pt-BR" sz="1400" b="0" i="0" u="none" strike="noStrike">
-                        <a:solidFill>
-                          <a:schemeClr val="tx1">
-                            <a:lumMod val="75000"/>
-                            <a:lumOff val="25000"/>
-                          </a:schemeClr>
-                        </a:solidFill>
-                        <a:effectLst/>
-                        <a:latin typeface="Calibri" panose="020F0502020204030204" pitchFamily="34" charset="0"/>
-                      </a:endParaRPr>
-                    </a:p>
-                  </a:txBody>
-                  <a:tcPr marL="167721" marR="15913" marT="83860" marB="83860" anchor="b">
-                    <a:lnL w="9525" cap="flat" cmpd="sng" algn="ctr">
-                      <a:solidFill>
-                        <a:srgbClr val="D8DCDC"/>
-                      </a:solidFill>
-                      <a:prstDash val="solid"/>
-                    </a:lnL>
-                    <a:lnR w="9525" cap="flat" cmpd="sng" algn="ctr">
-                      <a:solidFill>
-                        <a:srgbClr val="D8DCDC"/>
-                      </a:solidFill>
-                      <a:prstDash val="solid"/>
-                    </a:lnR>
-                    <a:lnT w="9525" cap="flat" cmpd="sng" algn="ctr">
-                      <a:solidFill>
-                        <a:srgbClr val="D8DCDC"/>
-                      </a:solidFill>
-                      <a:prstDash val="solid"/>
-                    </a:lnT>
-                    <a:lnB w="9525" cap="flat" cmpd="sng" algn="ctr">
-                      <a:solidFill>
-                        <a:srgbClr val="D8DCDC"/>
-                      </a:solidFill>
-                      <a:prstDash val="solid"/>
-                    </a:lnB>
-                    <a:solidFill>
-                      <a:srgbClr val="D8DEDC">
-                        <a:alpha val="20000"/>
-                      </a:srgbClr>
-                    </a:solidFill>
-                  </a:tcPr>
-                </a:tc>
-                <a:tc>
-                  <a:txBody>
-                    <a:bodyPr/>
-                    <a:lstStyle/>
-                    <a:p>
-                      <a:pPr algn="ctr" fontAlgn="b"/>
-                      <a:r>
-                        <a:rPr lang="pt-BR" sz="1400" u="none" strike="noStrike">
-                          <a:solidFill>
-                            <a:schemeClr val="tx1">
-                              <a:lumMod val="75000"/>
-                              <a:lumOff val="25000"/>
-                            </a:schemeClr>
-                          </a:solidFill>
-                          <a:effectLst/>
-                        </a:rPr>
-                        <a:t>90,0%</a:t>
-                      </a:r>
-                      <a:endParaRPr lang="pt-BR" sz="1400" b="0" i="0" u="none" strike="noStrike">
-                        <a:solidFill>
-                          <a:schemeClr val="tx1">
-                            <a:lumMod val="75000"/>
-                            <a:lumOff val="25000"/>
-                          </a:schemeClr>
-                        </a:solidFill>
-                        <a:effectLst/>
-                        <a:latin typeface="Calibri" panose="020F0502020204030204" pitchFamily="34" charset="0"/>
-                      </a:endParaRPr>
-                    </a:p>
-                  </a:txBody>
-                  <a:tcPr marL="167721" marR="15913" marT="83860" marB="83860" anchor="b">
-                    <a:lnL w="9525" cap="flat" cmpd="sng" algn="ctr">
-                      <a:solidFill>
-                        <a:srgbClr val="D8DCDC"/>
-                      </a:solidFill>
-                      <a:prstDash val="solid"/>
-                    </a:lnL>
-                    <a:lnR w="9525" cap="flat" cmpd="sng" algn="ctr">
-                      <a:solidFill>
-                        <a:srgbClr val="D8DCDC"/>
-                      </a:solidFill>
-                      <a:prstDash val="solid"/>
-                    </a:lnR>
-                    <a:lnT w="9525" cap="flat" cmpd="sng" algn="ctr">
-                      <a:solidFill>
-                        <a:srgbClr val="D8DCDC"/>
-                      </a:solidFill>
-                      <a:prstDash val="solid"/>
-                    </a:lnT>
-                    <a:lnB w="9525" cap="flat" cmpd="sng" algn="ctr">
-                      <a:solidFill>
-                        <a:srgbClr val="D8DCDC"/>
-                      </a:solidFill>
-                      <a:prstDash val="solid"/>
-                    </a:lnB>
-                    <a:solidFill>
-                      <a:srgbClr val="D8DEDC">
-                        <a:alpha val="20000"/>
-                      </a:srgbClr>
-                    </a:solidFill>
-                  </a:tcPr>
-                </a:tc>
-                <a:tc>
-                  <a:txBody>
-                    <a:bodyPr/>
-                    <a:lstStyle/>
-                    <a:p>
-                      <a:pPr algn="ctr" fontAlgn="b"/>
-                      <a:r>
-                        <a:rPr lang="pt-BR" sz="1400" u="none" strike="noStrike">
-                          <a:solidFill>
-                            <a:schemeClr val="tx1">
-                              <a:lumMod val="75000"/>
-                              <a:lumOff val="25000"/>
-                            </a:schemeClr>
-                          </a:solidFill>
-                          <a:effectLst/>
-                        </a:rPr>
-                        <a:t>90,0%</a:t>
-                      </a:r>
-                      <a:endParaRPr lang="pt-BR" sz="1400" b="0" i="0" u="none" strike="noStrike">
-                        <a:solidFill>
-                          <a:schemeClr val="tx1">
-                            <a:lumMod val="75000"/>
-                            <a:lumOff val="25000"/>
-                          </a:schemeClr>
-                        </a:solidFill>
-                        <a:effectLst/>
-                        <a:latin typeface="Calibri" panose="020F0502020204030204" pitchFamily="34" charset="0"/>
-                      </a:endParaRPr>
-                    </a:p>
-                  </a:txBody>
-                  <a:tcPr marL="167721" marR="15913" marT="83860" marB="83860" anchor="b">
-                    <a:lnL w="9525" cap="flat" cmpd="sng" algn="ctr">
-                      <a:solidFill>
-                        <a:srgbClr val="D8DCDC"/>
-                      </a:solidFill>
-                      <a:prstDash val="solid"/>
-                    </a:lnL>
-                    <a:lnR w="9525" cap="flat" cmpd="sng" algn="ctr">
-                      <a:solidFill>
-                        <a:srgbClr val="D8DCDC"/>
-                      </a:solidFill>
-                      <a:prstDash val="solid"/>
-                    </a:lnR>
-                    <a:lnT w="9525" cap="flat" cmpd="sng" algn="ctr">
-                      <a:solidFill>
-                        <a:srgbClr val="D8DCDC"/>
-                      </a:solidFill>
-                      <a:prstDash val="solid"/>
-                    </a:lnT>
-                    <a:lnB w="9525" cap="flat" cmpd="sng" algn="ctr">
-                      <a:solidFill>
-                        <a:srgbClr val="D8DCDC"/>
-                      </a:solidFill>
-                      <a:prstDash val="solid"/>
-                    </a:lnB>
-                    <a:solidFill>
-                      <a:srgbClr val="D8DEDC">
-                        <a:alpha val="20000"/>
-                      </a:srgbClr>
-                    </a:solidFill>
-                  </a:tcPr>
-                </a:tc>
-                <a:tc>
-                  <a:txBody>
-                    <a:bodyPr/>
-                    <a:lstStyle/>
-                    <a:p>
-                      <a:pPr algn="ctr" fontAlgn="b"/>
-                      <a:r>
-                        <a:rPr lang="pt-BR" sz="1400" u="none" strike="noStrike" dirty="0">
-                          <a:solidFill>
-                            <a:schemeClr val="tx1">
-                              <a:lumMod val="75000"/>
-                              <a:lumOff val="25000"/>
-                            </a:schemeClr>
-                          </a:solidFill>
-                          <a:effectLst/>
-                        </a:rPr>
-                        <a:t>87,5%</a:t>
-                      </a:r>
-                      <a:endParaRPr lang="pt-BR" sz="1400" b="0" i="0" u="none" strike="noStrike" dirty="0">
-                        <a:solidFill>
-                          <a:schemeClr val="tx1">
-                            <a:lumMod val="75000"/>
-                            <a:lumOff val="25000"/>
-                          </a:schemeClr>
-                        </a:solidFill>
-                        <a:effectLst/>
-                        <a:latin typeface="Calibri" panose="020F0502020204030204" pitchFamily="34" charset="0"/>
-                      </a:endParaRPr>
-                    </a:p>
-                  </a:txBody>
-                  <a:tcPr marL="167721" marR="15913" marT="83860" marB="83860" anchor="b">
-                    <a:lnL w="9525" cap="flat" cmpd="sng" algn="ctr">
-                      <a:solidFill>
-                        <a:srgbClr val="D8DCDC"/>
-                      </a:solidFill>
-                      <a:prstDash val="solid"/>
-                    </a:lnL>
-                    <a:lnR w="9525" cap="flat" cmpd="sng" algn="ctr">
-                      <a:solidFill>
-                        <a:srgbClr val="D8DCDC"/>
-                      </a:solidFill>
-                      <a:prstDash val="solid"/>
-                    </a:lnR>
-                    <a:lnT w="9525" cap="flat" cmpd="sng" algn="ctr">
-                      <a:solidFill>
-                        <a:srgbClr val="D8DCDC"/>
-                      </a:solidFill>
-                      <a:prstDash val="solid"/>
-                    </a:lnT>
-                    <a:lnB w="9525" cap="flat" cmpd="sng" algn="ctr">
-                      <a:solidFill>
-                        <a:srgbClr val="D8DCDC"/>
-                      </a:solidFill>
-                      <a:prstDash val="solid"/>
-                    </a:lnB>
-                    <a:solidFill>
-                      <a:srgbClr val="D8DEDC">
-                        <a:alpha val="20000"/>
-                      </a:srgbClr>
-                    </a:solidFill>
-                  </a:tcPr>
-                </a:tc>
-                <a:extLst>
-                  <a:ext uri="{0D108BD9-81ED-4DB2-BD59-A6C34878D82A}">
-                    <a16:rowId xmlns:a16="http://schemas.microsoft.com/office/drawing/2014/main" val="2087482807"/>
-                  </a:ext>
-                </a:extLst>
-              </a:tr>
-            </a:tbl>
-          </a:graphicData>
-        </a:graphic>
-      </p:graphicFrame>
-      <p:sp>
-        <p:nvSpPr>
-          <p:cNvPr id="5" name="Retângulo 4">
-            <a:extLst>
-              <a:ext uri="{FF2B5EF4-FFF2-40B4-BE49-F238E27FC236}">
-                <a16:creationId xmlns:a16="http://schemas.microsoft.com/office/drawing/2014/main" id="{D6E28982-DFFC-45D2-A04A-D3BA8D0F696E}"/>
-              </a:ext>
-            </a:extLst>
-          </p:cNvPr>
-          <p:cNvSpPr/>
-          <p:nvPr/>
-        </p:nvSpPr>
-        <p:spPr>
-          <a:xfrm>
-            <a:off x="12575636" y="0"/>
-            <a:ext cx="2812680" cy="3429000"/>
+            <a:off x="12592051" y="0"/>
+            <a:ext cx="2157412" cy="3028950"/>
           </a:xfrm>
           <a:prstGeom prst="rect">
             <a:avLst/>
@@ -7221,7 +3420,7 @@
             <a:pPr algn="ctr"/>
             <a:r>
               <a:rPr lang="pt-BR" sz="2800" dirty="0"/>
-              <a:t>Substituir os slides de resultados. Colocar as informações relevantes em um gráfico.</a:t>
+              <a:t>Incluir ano e o nome da faculdade</a:t>
             </a:r>
           </a:p>
         </p:txBody>
@@ -7229,7 +3428,73 @@
     </p:spTree>
     <p:extLst>
       <p:ext uri="{BB962C8B-B14F-4D97-AF65-F5344CB8AC3E}">
-        <p14:creationId xmlns:p14="http://schemas.microsoft.com/office/powerpoint/2010/main" val="574312717"/>
+        <p14:creationId xmlns:p14="http://schemas.microsoft.com/office/powerpoint/2010/main" val="3094018066"/>
+      </p:ext>
+    </p:extLst>
+  </p:cSld>
+  <p:clrMapOvr>
+    <a:masterClrMapping/>
+  </p:clrMapOvr>
+</p:sld>
+</file>
+
+<file path=ppt/slides/slide10.xml><?xml version="1.0" encoding="utf-8"?>
+<p:sld xmlns:a="http://schemas.openxmlformats.org/drawingml/2006/main" xmlns:r="http://schemas.openxmlformats.org/officeDocument/2006/relationships" xmlns:p="http://schemas.openxmlformats.org/presentationml/2006/main">
+  <p:cSld>
+    <p:spTree>
+      <p:nvGrpSpPr>
+        <p:cNvPr id="1" name=""/>
+        <p:cNvGrpSpPr/>
+        <p:nvPr/>
+      </p:nvGrpSpPr>
+      <p:grpSpPr>
+        <a:xfrm>
+          <a:off x="0" y="0"/>
+          <a:ext cx="0" cy="0"/>
+          <a:chOff x="0" y="0"/>
+          <a:chExt cx="0" cy="0"/>
+        </a:xfrm>
+      </p:grpSpPr>
+      <p:pic>
+        <p:nvPicPr>
+          <p:cNvPr id="3" name="Imagem 2" descr="Tela de celular com texto preto sobre fundo branco&#10;&#10;Descrição gerada automaticamente">
+            <a:extLst>
+              <a:ext uri="{FF2B5EF4-FFF2-40B4-BE49-F238E27FC236}">
+                <a16:creationId xmlns:a16="http://schemas.microsoft.com/office/drawing/2014/main" id="{E8EA9D6B-378C-4C28-A67E-A0A56F465FD0}"/>
+              </a:ext>
+            </a:extLst>
+          </p:cNvPr>
+          <p:cNvPicPr>
+            <a:picLocks noChangeAspect="1"/>
+          </p:cNvPicPr>
+          <p:nvPr/>
+        </p:nvPicPr>
+        <p:blipFill>
+          <a:blip r:embed="rId2">
+            <a:extLst>
+              <a:ext uri="{28A0092B-C50C-407E-A947-70E740481C1C}">
+                <a14:useLocalDpi xmlns:a14="http://schemas.microsoft.com/office/drawing/2010/main" val="0"/>
+              </a:ext>
+            </a:extLst>
+          </a:blip>
+          <a:stretch>
+            <a:fillRect/>
+          </a:stretch>
+        </p:blipFill>
+        <p:spPr>
+          <a:xfrm>
+            <a:off x="0" y="0"/>
+            <a:ext cx="12192000" cy="6858000"/>
+          </a:xfrm>
+          <a:prstGeom prst="rect">
+            <a:avLst/>
+          </a:prstGeom>
+        </p:spPr>
+      </p:pic>
+    </p:spTree>
+    <p:extLst>
+      <p:ext uri="{BB962C8B-B14F-4D97-AF65-F5344CB8AC3E}">
+        <p14:creationId xmlns:p14="http://schemas.microsoft.com/office/powerpoint/2010/main" val="3660585902"/>
       </p:ext>
     </p:extLst>
   </p:cSld>
@@ -7258,135 +3523,6 @@
       </p:grpSpPr>
       <p:pic>
         <p:nvPicPr>
-          <p:cNvPr id="4" name="Imagem 3" descr="Uma imagem contendo screenshot&#10;&#10;Descrição gerada automaticamente">
-            <a:extLst>
-              <a:ext uri="{FF2B5EF4-FFF2-40B4-BE49-F238E27FC236}">
-                <a16:creationId xmlns:a16="http://schemas.microsoft.com/office/drawing/2014/main" id="{FB69DDDD-7101-466B-82AC-B33AF60A9014}"/>
-              </a:ext>
-            </a:extLst>
-          </p:cNvPr>
-          <p:cNvPicPr>
-            <a:picLocks noChangeAspect="1"/>
-          </p:cNvPicPr>
-          <p:nvPr/>
-        </p:nvPicPr>
-        <p:blipFill>
-          <a:blip r:embed="rId2">
-            <a:extLst>
-              <a:ext uri="{28A0092B-C50C-407E-A947-70E740481C1C}">
-                <a14:useLocalDpi xmlns:a14="http://schemas.microsoft.com/office/drawing/2010/main" val="0"/>
-              </a:ext>
-            </a:extLst>
-          </a:blip>
-          <a:stretch>
-            <a:fillRect/>
-          </a:stretch>
-        </p:blipFill>
-        <p:spPr>
-          <a:xfrm>
-            <a:off x="0" y="0"/>
-            <a:ext cx="12192000" cy="6858000"/>
-          </a:xfrm>
-          <a:prstGeom prst="rect">
-            <a:avLst/>
-          </a:prstGeom>
-        </p:spPr>
-      </p:pic>
-      <p:sp>
-        <p:nvSpPr>
-          <p:cNvPr id="5" name="Retângulo 4">
-            <a:extLst>
-              <a:ext uri="{FF2B5EF4-FFF2-40B4-BE49-F238E27FC236}">
-                <a16:creationId xmlns:a16="http://schemas.microsoft.com/office/drawing/2014/main" id="{DAEB77D9-3086-44AE-93D8-0B768ABF7F38}"/>
-              </a:ext>
-            </a:extLst>
-          </p:cNvPr>
-          <p:cNvSpPr/>
-          <p:nvPr/>
-        </p:nvSpPr>
-        <p:spPr>
-          <a:xfrm>
-            <a:off x="12575636" y="0"/>
-            <a:ext cx="2812680" cy="5981700"/>
-          </a:xfrm>
-          <a:prstGeom prst="rect">
-            <a:avLst/>
-          </a:prstGeom>
-          <a:solidFill>
-            <a:srgbClr val="FF0000"/>
-          </a:solidFill>
-        </p:spPr>
-        <p:style>
-          <a:lnRef idx="2">
-            <a:schemeClr val="accent1">
-              <a:shade val="50000"/>
-            </a:schemeClr>
-          </a:lnRef>
-          <a:fillRef idx="1">
-            <a:schemeClr val="accent1"/>
-          </a:fillRef>
-          <a:effectRef idx="0">
-            <a:schemeClr val="accent1"/>
-          </a:effectRef>
-          <a:fontRef idx="minor">
-            <a:schemeClr val="lt1"/>
-          </a:fontRef>
-        </p:style>
-        <p:txBody>
-          <a:bodyPr rtlCol="0" anchor="ctr"/>
-          <a:lstStyle/>
-          <a:p>
-            <a:pPr algn="ctr"/>
-            <a:r>
-              <a:rPr lang="pt-BR" sz="2800" dirty="0"/>
-              <a:t>Ajustar o slide, não ficou claro. As palavras ficaram muito soltas e não conclui nada.</a:t>
-            </a:r>
-          </a:p>
-          <a:p>
-            <a:pPr algn="ctr"/>
-            <a:endParaRPr lang="pt-BR" sz="2800" dirty="0"/>
-          </a:p>
-          <a:p>
-            <a:pPr algn="ctr"/>
-            <a:r>
-              <a:rPr lang="pt-BR" sz="2800" dirty="0"/>
-              <a:t>Ter um número menor de considerações, talvez uma, e uma consideração mais forte.</a:t>
-            </a:r>
-          </a:p>
-        </p:txBody>
-      </p:sp>
-    </p:spTree>
-    <p:extLst>
-      <p:ext uri="{BB962C8B-B14F-4D97-AF65-F5344CB8AC3E}">
-        <p14:creationId xmlns:p14="http://schemas.microsoft.com/office/powerpoint/2010/main" val="3660585902"/>
-      </p:ext>
-    </p:extLst>
-  </p:cSld>
-  <p:clrMapOvr>
-    <a:masterClrMapping/>
-  </p:clrMapOvr>
-</p:sld>
-</file>
-
-<file path=ppt/slides/slide12.xml><?xml version="1.0" encoding="utf-8"?>
-<p:sld xmlns:a="http://schemas.openxmlformats.org/drawingml/2006/main" xmlns:r="http://schemas.openxmlformats.org/officeDocument/2006/relationships" xmlns:p="http://schemas.openxmlformats.org/presentationml/2006/main">
-  <p:cSld>
-    <p:spTree>
-      <p:nvGrpSpPr>
-        <p:cNvPr id="1" name=""/>
-        <p:cNvGrpSpPr/>
-        <p:nvPr/>
-      </p:nvGrpSpPr>
-      <p:grpSpPr>
-        <a:xfrm>
-          <a:off x="0" y="0"/>
-          <a:ext cx="0" cy="0"/>
-          <a:chOff x="0" y="0"/>
-          <a:chExt cx="0" cy="0"/>
-        </a:xfrm>
-      </p:grpSpPr>
-      <p:pic>
-        <p:nvPicPr>
           <p:cNvPr id="3" name="Imagem 2" descr="Tela de celular com texto preto sobre fundo branco&#10;&#10;Descrição gerada automaticamente">
             <a:extLst>
               <a:ext uri="{FF2B5EF4-FFF2-40B4-BE49-F238E27FC236}">
@@ -7434,7 +3570,7 @@
 </p:sld>
 </file>
 
-<file path=ppt/slides/slide13.xml><?xml version="1.0" encoding="utf-8"?>
+<file path=ppt/slides/slide12.xml><?xml version="1.0" encoding="utf-8"?>
 <p:sld xmlns:a="http://schemas.openxmlformats.org/drawingml/2006/main" xmlns:r="http://schemas.openxmlformats.org/officeDocument/2006/relationships" xmlns:p="http://schemas.openxmlformats.org/presentationml/2006/main">
   <p:cSld>
     <p:spTree>
@@ -7585,10 +3721,10 @@
       </p:grpSpPr>
       <p:pic>
         <p:nvPicPr>
-          <p:cNvPr id="6" name="Imagem 5" descr="Uma imagem contendo cd, frutas, comida&#10;&#10;Descrição gerada automaticamente">
-            <a:extLst>
-              <a:ext uri="{FF2B5EF4-FFF2-40B4-BE49-F238E27FC236}">
-                <a16:creationId xmlns:a16="http://schemas.microsoft.com/office/drawing/2014/main" id="{49CD1E39-C38D-460F-9B4D-A58711DFC300}"/>
+          <p:cNvPr id="3" name="Imagem 2" descr="Uma imagem contendo cd, frutas, comida&#10;&#10;Descrição gerada automaticamente">
+            <a:extLst>
+              <a:ext uri="{FF2B5EF4-FFF2-40B4-BE49-F238E27FC236}">
+                <a16:creationId xmlns:a16="http://schemas.microsoft.com/office/drawing/2014/main" id="{DC8722A8-F7E5-4A7C-B7D5-35CFE0EE6DB9}"/>
               </a:ext>
             </a:extLst>
           </p:cNvPr>
@@ -7649,42 +3785,6 @@
           <a:chExt cx="0" cy="0"/>
         </a:xfrm>
       </p:grpSpPr>
-      <p:pic>
-        <p:nvPicPr>
-          <p:cNvPr id="4" name="Imagem 3" descr="Tela de celular com publicação numa rede social&#10;&#10;Descrição gerada automaticamente">
-            <a:extLst>
-              <a:ext uri="{FF2B5EF4-FFF2-40B4-BE49-F238E27FC236}">
-                <a16:creationId xmlns:a16="http://schemas.microsoft.com/office/drawing/2014/main" id="{C5B14919-43A7-407E-987A-C08539DEBCD0}"/>
-              </a:ext>
-            </a:extLst>
-          </p:cNvPr>
-          <p:cNvPicPr>
-            <a:picLocks noChangeAspect="1"/>
-          </p:cNvPicPr>
-          <p:nvPr/>
-        </p:nvPicPr>
-        <p:blipFill>
-          <a:blip r:embed="rId2">
-            <a:extLst>
-              <a:ext uri="{28A0092B-C50C-407E-A947-70E740481C1C}">
-                <a14:useLocalDpi xmlns:a14="http://schemas.microsoft.com/office/drawing/2010/main" val="0"/>
-              </a:ext>
-            </a:extLst>
-          </a:blip>
-          <a:stretch>
-            <a:fillRect/>
-          </a:stretch>
-        </p:blipFill>
-        <p:spPr>
-          <a:xfrm>
-            <a:off x="0" y="0"/>
-            <a:ext cx="12192000" cy="6858000"/>
-          </a:xfrm>
-          <a:prstGeom prst="rect">
-            <a:avLst/>
-          </a:prstGeom>
-        </p:spPr>
-      </p:pic>
       <p:sp>
         <p:nvSpPr>
           <p:cNvPr id="3" name="Retângulo 2">
@@ -7732,11 +3832,47 @@
             <a:pPr algn="ctr"/>
             <a:r>
               <a:rPr lang="pt-BR" sz="2800" dirty="0"/>
-              <a:t>Falar brevemente, passando pelas fazes sem descrever.</a:t>
-            </a:r>
-          </a:p>
-        </p:txBody>
-      </p:sp>
+              <a:t>Falar brevemente, passando pelas fases sem descrever.</a:t>
+            </a:r>
+          </a:p>
+        </p:txBody>
+      </p:sp>
+      <p:pic>
+        <p:nvPicPr>
+          <p:cNvPr id="5" name="Imagem 4" descr="Tela de celular com publicação numa rede social&#10;&#10;Descrição gerada automaticamente">
+            <a:extLst>
+              <a:ext uri="{FF2B5EF4-FFF2-40B4-BE49-F238E27FC236}">
+                <a16:creationId xmlns:a16="http://schemas.microsoft.com/office/drawing/2014/main" id="{AEB8BD8C-911B-49E3-BFCD-E39CA54E346F}"/>
+              </a:ext>
+            </a:extLst>
+          </p:cNvPr>
+          <p:cNvPicPr>
+            <a:picLocks noChangeAspect="1"/>
+          </p:cNvPicPr>
+          <p:nvPr/>
+        </p:nvPicPr>
+        <p:blipFill>
+          <a:blip r:embed="rId2">
+            <a:extLst>
+              <a:ext uri="{28A0092B-C50C-407E-A947-70E740481C1C}">
+                <a14:useLocalDpi xmlns:a14="http://schemas.microsoft.com/office/drawing/2010/main" val="0"/>
+              </a:ext>
+            </a:extLst>
+          </a:blip>
+          <a:stretch>
+            <a:fillRect/>
+          </a:stretch>
+        </p:blipFill>
+        <p:spPr>
+          <a:xfrm>
+            <a:off x="0" y="0"/>
+            <a:ext cx="12192000" cy="6858000"/>
+          </a:xfrm>
+          <a:prstGeom prst="rect">
+            <a:avLst/>
+          </a:prstGeom>
+        </p:spPr>
+      </p:pic>
     </p:spTree>
     <p:extLst>
       <p:ext uri="{BB962C8B-B14F-4D97-AF65-F5344CB8AC3E}">
@@ -7772,229 +3908,6 @@
           <p:cNvPr id="2" name="Retângulo 1">
             <a:extLst>
               <a:ext uri="{FF2B5EF4-FFF2-40B4-BE49-F238E27FC236}">
-                <a16:creationId xmlns:a16="http://schemas.microsoft.com/office/drawing/2014/main" id="{F37C2FCE-3E7C-4831-838F-A79D3051EF3D}"/>
-              </a:ext>
-            </a:extLst>
-          </p:cNvPr>
-          <p:cNvSpPr/>
-          <p:nvPr/>
-        </p:nvSpPr>
-        <p:spPr>
-          <a:xfrm>
-            <a:off x="12515851" y="821531"/>
-            <a:ext cx="2157412" cy="2814637"/>
-          </a:xfrm>
-          <a:prstGeom prst="rect">
-            <a:avLst/>
-          </a:prstGeom>
-          <a:solidFill>
-            <a:schemeClr val="accent6"/>
-          </a:solidFill>
-        </p:spPr>
-        <p:style>
-          <a:lnRef idx="2">
-            <a:schemeClr val="accent1">
-              <a:shade val="50000"/>
-            </a:schemeClr>
-          </a:lnRef>
-          <a:fillRef idx="1">
-            <a:schemeClr val="accent1"/>
-          </a:fillRef>
-          <a:effectRef idx="0">
-            <a:schemeClr val="accent1"/>
-          </a:effectRef>
-          <a:fontRef idx="minor">
-            <a:schemeClr val="lt1"/>
-          </a:fontRef>
-        </p:style>
-        <p:txBody>
-          <a:bodyPr rtlCol="0" anchor="ctr"/>
-          <a:lstStyle/>
-          <a:p>
-            <a:pPr algn="ctr"/>
-            <a:r>
-              <a:rPr lang="pt-BR" sz="2800" dirty="0"/>
-              <a:t>Colocar dados sobre ensino superior</a:t>
-            </a:r>
-          </a:p>
-        </p:txBody>
-      </p:sp>
-      <p:sp>
-        <p:nvSpPr>
-          <p:cNvPr id="5" name="Retângulo 4">
-            <a:extLst>
-              <a:ext uri="{FF2B5EF4-FFF2-40B4-BE49-F238E27FC236}">
-                <a16:creationId xmlns:a16="http://schemas.microsoft.com/office/drawing/2014/main" id="{945C329C-BE9D-46E4-91E3-C770013A7965}"/>
-              </a:ext>
-            </a:extLst>
-          </p:cNvPr>
-          <p:cNvSpPr/>
-          <p:nvPr/>
-        </p:nvSpPr>
-        <p:spPr>
-          <a:xfrm>
-            <a:off x="12515851" y="3971926"/>
-            <a:ext cx="2157412" cy="1328738"/>
-          </a:xfrm>
-          <a:prstGeom prst="rect">
-            <a:avLst/>
-          </a:prstGeom>
-        </p:spPr>
-        <p:style>
-          <a:lnRef idx="2">
-            <a:schemeClr val="accent1">
-              <a:shade val="50000"/>
-            </a:schemeClr>
-          </a:lnRef>
-          <a:fillRef idx="1">
-            <a:schemeClr val="accent1"/>
-          </a:fillRef>
-          <a:effectRef idx="0">
-            <a:schemeClr val="accent1"/>
-          </a:effectRef>
-          <a:fontRef idx="minor">
-            <a:schemeClr val="lt1"/>
-          </a:fontRef>
-        </p:style>
-        <p:txBody>
-          <a:bodyPr rtlCol="0" anchor="ctr"/>
-          <a:lstStyle/>
-          <a:p>
-            <a:pPr algn="ctr"/>
-            <a:r>
-              <a:rPr lang="pt-BR" sz="2800" dirty="0" err="1"/>
-              <a:t>Bold</a:t>
-            </a:r>
-            <a:r>
-              <a:rPr lang="pt-BR" sz="2800" dirty="0"/>
-              <a:t> no superior</a:t>
-            </a:r>
-          </a:p>
-        </p:txBody>
-      </p:sp>
-      <p:pic>
-        <p:nvPicPr>
-          <p:cNvPr id="6" name="Imagem 5" descr="Tela de celular com texto preto sobre fundo branco&#10;&#10;Descrição gerada automaticamente">
-            <a:extLst>
-              <a:ext uri="{FF2B5EF4-FFF2-40B4-BE49-F238E27FC236}">
-                <a16:creationId xmlns:a16="http://schemas.microsoft.com/office/drawing/2014/main" id="{FC601436-2BC5-4B02-ACE5-15516D53BB09}"/>
-              </a:ext>
-            </a:extLst>
-          </p:cNvPr>
-          <p:cNvPicPr>
-            <a:picLocks noChangeAspect="1"/>
-          </p:cNvPicPr>
-          <p:nvPr/>
-        </p:nvPicPr>
-        <p:blipFill>
-          <a:blip r:embed="rId2">
-            <a:extLst>
-              <a:ext uri="{28A0092B-C50C-407E-A947-70E740481C1C}">
-                <a14:useLocalDpi xmlns:a14="http://schemas.microsoft.com/office/drawing/2010/main" val="0"/>
-              </a:ext>
-            </a:extLst>
-          </a:blip>
-          <a:stretch>
-            <a:fillRect/>
-          </a:stretch>
-        </p:blipFill>
-        <p:spPr>
-          <a:xfrm>
-            <a:off x="0" y="0"/>
-            <a:ext cx="12192000" cy="6858000"/>
-          </a:xfrm>
-          <a:prstGeom prst="rect">
-            <a:avLst/>
-          </a:prstGeom>
-        </p:spPr>
-      </p:pic>
-      <p:sp>
-        <p:nvSpPr>
-          <p:cNvPr id="7" name="Retângulo 6">
-            <a:extLst>
-              <a:ext uri="{FF2B5EF4-FFF2-40B4-BE49-F238E27FC236}">
-                <a16:creationId xmlns:a16="http://schemas.microsoft.com/office/drawing/2014/main" id="{E7D25EFF-232E-4B17-BBB0-A676237723DE}"/>
-              </a:ext>
-            </a:extLst>
-          </p:cNvPr>
-          <p:cNvSpPr/>
-          <p:nvPr/>
-        </p:nvSpPr>
-        <p:spPr>
-          <a:xfrm>
-            <a:off x="12515851" y="5636422"/>
-            <a:ext cx="2157412" cy="1328738"/>
-          </a:xfrm>
-          <a:prstGeom prst="rect">
-            <a:avLst/>
-          </a:prstGeom>
-          <a:solidFill>
-            <a:srgbClr val="FF0000"/>
-          </a:solidFill>
-        </p:spPr>
-        <p:style>
-          <a:lnRef idx="2">
-            <a:schemeClr val="accent1">
-              <a:shade val="50000"/>
-            </a:schemeClr>
-          </a:lnRef>
-          <a:fillRef idx="1">
-            <a:schemeClr val="accent1"/>
-          </a:fillRef>
-          <a:effectRef idx="0">
-            <a:schemeClr val="accent1"/>
-          </a:effectRef>
-          <a:fontRef idx="minor">
-            <a:schemeClr val="lt1"/>
-          </a:fontRef>
-        </p:style>
-        <p:txBody>
-          <a:bodyPr rtlCol="0" anchor="ctr"/>
-          <a:lstStyle/>
-          <a:p>
-            <a:pPr algn="ctr"/>
-            <a:r>
-              <a:rPr lang="pt-BR" sz="2800" dirty="0"/>
-              <a:t>Morre o slide</a:t>
-            </a:r>
-          </a:p>
-        </p:txBody>
-      </p:sp>
-    </p:spTree>
-    <p:extLst>
-      <p:ext uri="{BB962C8B-B14F-4D97-AF65-F5344CB8AC3E}">
-        <p14:creationId xmlns:p14="http://schemas.microsoft.com/office/powerpoint/2010/main" val="2943105770"/>
-      </p:ext>
-    </p:extLst>
-  </p:cSld>
-  <p:clrMapOvr>
-    <a:masterClrMapping/>
-  </p:clrMapOvr>
-</p:sld>
-</file>
-
-<file path=ppt/slides/slide5.xml><?xml version="1.0" encoding="utf-8"?>
-<p:sld xmlns:a="http://schemas.openxmlformats.org/drawingml/2006/main" xmlns:r="http://schemas.openxmlformats.org/officeDocument/2006/relationships" xmlns:p="http://schemas.openxmlformats.org/presentationml/2006/main">
-  <p:cSld>
-    <p:spTree>
-      <p:nvGrpSpPr>
-        <p:cNvPr id="1" name=""/>
-        <p:cNvGrpSpPr/>
-        <p:nvPr/>
-      </p:nvGrpSpPr>
-      <p:grpSpPr>
-        <a:xfrm>
-          <a:off x="0" y="0"/>
-          <a:ext cx="0" cy="0"/>
-          <a:chOff x="0" y="0"/>
-          <a:chExt cx="0" cy="0"/>
-        </a:xfrm>
-      </p:grpSpPr>
-      <p:sp>
-        <p:nvSpPr>
-          <p:cNvPr id="2" name="Retângulo 1">
-            <a:extLst>
-              <a:ext uri="{FF2B5EF4-FFF2-40B4-BE49-F238E27FC236}">
                 <a16:creationId xmlns:a16="http://schemas.microsoft.com/office/drawing/2014/main" id="{5DC163BA-156C-4DE0-913D-76E0A6E87244}"/>
               </a:ext>
             </a:extLst>
@@ -8044,10 +3957,10 @@
       </p:sp>
       <p:pic>
         <p:nvPicPr>
-          <p:cNvPr id="5" name="Imagem 4" descr="Tela de celular com texto preto sobre fundo branco&#10;&#10;Descrição gerada automaticamente">
-            <a:extLst>
-              <a:ext uri="{FF2B5EF4-FFF2-40B4-BE49-F238E27FC236}">
-                <a16:creationId xmlns:a16="http://schemas.microsoft.com/office/drawing/2014/main" id="{71C7EFA7-849D-4606-B0C1-083B34A5094C}"/>
+          <p:cNvPr id="4" name="Imagem 3" descr="Tela de celular com texto preto sobre fundo branco&#10;&#10;Descrição gerada automaticamente">
+            <a:extLst>
+              <a:ext uri="{FF2B5EF4-FFF2-40B4-BE49-F238E27FC236}">
+                <a16:creationId xmlns:a16="http://schemas.microsoft.com/office/drawing/2014/main" id="{4F56FC1D-FBBC-4374-A777-8BCB3E3EC9CA}"/>
               </a:ext>
             </a:extLst>
           </p:cNvPr>
@@ -8091,7 +4004,7 @@
 </p:sld>
 </file>
 
-<file path=ppt/slides/slide6.xml><?xml version="1.0" encoding="utf-8"?>
+<file path=ppt/slides/slide5.xml><?xml version="1.0" encoding="utf-8"?>
 <p:sld xmlns:a="http://schemas.openxmlformats.org/drawingml/2006/main" xmlns:r="http://schemas.openxmlformats.org/officeDocument/2006/relationships" xmlns:p="http://schemas.openxmlformats.org/presentationml/2006/main">
   <p:cSld>
     <p:spTree>
@@ -8108,42 +4021,6 @@
           <a:chExt cx="0" cy="0"/>
         </a:xfrm>
       </p:grpSpPr>
-      <p:pic>
-        <p:nvPicPr>
-          <p:cNvPr id="5" name="Imagem 4" descr="Texto preto sobre fundo branco&#10;&#10;Descrição gerada automaticamente">
-            <a:extLst>
-              <a:ext uri="{FF2B5EF4-FFF2-40B4-BE49-F238E27FC236}">
-                <a16:creationId xmlns:a16="http://schemas.microsoft.com/office/drawing/2014/main" id="{E2DD12C9-E9CB-4AE6-ABD8-3BE60A1FFE59}"/>
-              </a:ext>
-            </a:extLst>
-          </p:cNvPr>
-          <p:cNvPicPr>
-            <a:picLocks noChangeAspect="1"/>
-          </p:cNvPicPr>
-          <p:nvPr/>
-        </p:nvPicPr>
-        <p:blipFill>
-          <a:blip r:embed="rId2">
-            <a:extLst>
-              <a:ext uri="{28A0092B-C50C-407E-A947-70E740481C1C}">
-                <a14:useLocalDpi xmlns:a14="http://schemas.microsoft.com/office/drawing/2010/main" val="0"/>
-              </a:ext>
-            </a:extLst>
-          </a:blip>
-          <a:stretch>
-            <a:fillRect/>
-          </a:stretch>
-        </p:blipFill>
-        <p:spPr>
-          <a:xfrm>
-            <a:off x="0" y="0"/>
-            <a:ext cx="12192000" cy="6858000"/>
-          </a:xfrm>
-          <a:prstGeom prst="rect">
-            <a:avLst/>
-          </a:prstGeom>
-        </p:spPr>
-      </p:pic>
       <p:sp>
         <p:nvSpPr>
           <p:cNvPr id="2" name="Retângulo 1">
@@ -8255,6 +4132,42 @@
           </a:p>
         </p:txBody>
       </p:sp>
+      <p:pic>
+        <p:nvPicPr>
+          <p:cNvPr id="6" name="Imagem 5" descr="Texto preto sobre fundo branco&#10;&#10;Descrição gerada automaticamente">
+            <a:extLst>
+              <a:ext uri="{FF2B5EF4-FFF2-40B4-BE49-F238E27FC236}">
+                <a16:creationId xmlns:a16="http://schemas.microsoft.com/office/drawing/2014/main" id="{73DBAE2A-9401-4002-92A3-9AA9704D5F3C}"/>
+              </a:ext>
+            </a:extLst>
+          </p:cNvPr>
+          <p:cNvPicPr>
+            <a:picLocks noChangeAspect="1"/>
+          </p:cNvPicPr>
+          <p:nvPr/>
+        </p:nvPicPr>
+        <p:blipFill>
+          <a:blip r:embed="rId2">
+            <a:extLst>
+              <a:ext uri="{28A0092B-C50C-407E-A947-70E740481C1C}">
+                <a14:useLocalDpi xmlns:a14="http://schemas.microsoft.com/office/drawing/2010/main" val="0"/>
+              </a:ext>
+            </a:extLst>
+          </a:blip>
+          <a:stretch>
+            <a:fillRect/>
+          </a:stretch>
+        </p:blipFill>
+        <p:spPr>
+          <a:xfrm>
+            <a:off x="0" y="0"/>
+            <a:ext cx="12192000" cy="6858000"/>
+          </a:xfrm>
+          <a:prstGeom prst="rect">
+            <a:avLst/>
+          </a:prstGeom>
+        </p:spPr>
+      </p:pic>
     </p:spTree>
     <p:extLst>
       <p:ext uri="{BB962C8B-B14F-4D97-AF65-F5344CB8AC3E}">
@@ -8268,7 +4181,7 @@
 </p:sld>
 </file>
 
-<file path=ppt/slides/slide7.xml><?xml version="1.0" encoding="utf-8"?>
+<file path=ppt/slides/slide6.xml><?xml version="1.0" encoding="utf-8"?>
 <p:sld xmlns:a="http://schemas.openxmlformats.org/drawingml/2006/main" xmlns:r="http://schemas.openxmlformats.org/officeDocument/2006/relationships" xmlns:p="http://schemas.openxmlformats.org/presentationml/2006/main">
   <p:cSld>
     <p:spTree>
@@ -8339,10 +4252,10 @@
       </p:sp>
       <p:pic>
         <p:nvPicPr>
-          <p:cNvPr id="7" name="Imagem 6" descr="Uma imagem contendo texto, screenshot&#10;&#10;Descrição gerada automaticamente">
-            <a:extLst>
-              <a:ext uri="{FF2B5EF4-FFF2-40B4-BE49-F238E27FC236}">
-                <a16:creationId xmlns:a16="http://schemas.microsoft.com/office/drawing/2014/main" id="{15612ED1-52FB-4945-B499-F44A61FB9E37}"/>
+          <p:cNvPr id="4" name="Imagem 3" descr="Uma imagem contendo texto&#10;&#10;Descrição gerada automaticamente">
+            <a:extLst>
+              <a:ext uri="{FF2B5EF4-FFF2-40B4-BE49-F238E27FC236}">
+                <a16:creationId xmlns:a16="http://schemas.microsoft.com/office/drawing/2014/main" id="{CDA3B4B3-40A5-44B7-B35D-D4EBD1AB5616}"/>
               </a:ext>
             </a:extLst>
           </p:cNvPr>
@@ -8386,7 +4299,7 @@
 </p:sld>
 </file>
 
-<file path=ppt/slides/slide8.xml><?xml version="1.0" encoding="utf-8"?>
+<file path=ppt/slides/slide7.xml><?xml version="1.0" encoding="utf-8"?>
 <p:sld xmlns:a="http://schemas.openxmlformats.org/drawingml/2006/main" xmlns:r="http://schemas.openxmlformats.org/officeDocument/2006/relationships" xmlns:p="http://schemas.openxmlformats.org/presentationml/2006/main">
   <p:cSld>
     <p:spTree>
@@ -8604,6 +4517,184 @@
     <p:extLst>
       <p:ext uri="{BB962C8B-B14F-4D97-AF65-F5344CB8AC3E}">
         <p14:creationId xmlns:p14="http://schemas.microsoft.com/office/powerpoint/2010/main" val="3961196042"/>
+      </p:ext>
+    </p:extLst>
+  </p:cSld>
+  <p:clrMapOvr>
+    <a:masterClrMapping/>
+  </p:clrMapOvr>
+</p:sld>
+</file>
+
+<file path=ppt/slides/slide8.xml><?xml version="1.0" encoding="utf-8"?>
+<p:sld xmlns:a="http://schemas.openxmlformats.org/drawingml/2006/main" xmlns:r="http://schemas.openxmlformats.org/officeDocument/2006/relationships" xmlns:p="http://schemas.openxmlformats.org/presentationml/2006/main">
+  <p:cSld>
+    <p:bg>
+      <p:bgPr>
+        <a:solidFill>
+          <a:schemeClr val="bg1"/>
+        </a:solidFill>
+        <a:effectLst/>
+      </p:bgPr>
+    </p:bg>
+    <p:spTree>
+      <p:nvGrpSpPr>
+        <p:cNvPr id="1" name=""/>
+        <p:cNvGrpSpPr/>
+        <p:nvPr/>
+      </p:nvGrpSpPr>
+      <p:grpSpPr>
+        <a:xfrm>
+          <a:off x="0" y="0"/>
+          <a:ext cx="0" cy="0"/>
+          <a:chOff x="0" y="0"/>
+          <a:chExt cx="0" cy="0"/>
+        </a:xfrm>
+      </p:grpSpPr>
+      <p:pic>
+        <p:nvPicPr>
+          <p:cNvPr id="4" name="Imagem 3" descr="Uma imagem contendo screenshot, texto&#10;&#10;Descrição gerada automaticamente">
+            <a:extLst>
+              <a:ext uri="{FF2B5EF4-FFF2-40B4-BE49-F238E27FC236}">
+                <a16:creationId xmlns:a16="http://schemas.microsoft.com/office/drawing/2014/main" id="{551E6082-9058-4556-AFED-014175B76E98}"/>
+              </a:ext>
+            </a:extLst>
+          </p:cNvPr>
+          <p:cNvPicPr>
+            <a:picLocks noChangeAspect="1"/>
+          </p:cNvPicPr>
+          <p:nvPr/>
+        </p:nvPicPr>
+        <p:blipFill>
+          <a:blip r:embed="rId2">
+            <a:extLst>
+              <a:ext uri="{28A0092B-C50C-407E-A947-70E740481C1C}">
+                <a14:useLocalDpi xmlns:a14="http://schemas.microsoft.com/office/drawing/2010/main" val="0"/>
+              </a:ext>
+            </a:extLst>
+          </a:blip>
+          <a:stretch>
+            <a:fillRect/>
+          </a:stretch>
+        </p:blipFill>
+        <p:spPr>
+          <a:xfrm>
+            <a:off x="0" y="0"/>
+            <a:ext cx="12192000" cy="6858000"/>
+          </a:xfrm>
+          <a:prstGeom prst="rect">
+            <a:avLst/>
+          </a:prstGeom>
+        </p:spPr>
+      </p:pic>
+      <p:sp>
+        <p:nvSpPr>
+          <p:cNvPr id="3" name="Retângulo 2">
+            <a:extLst>
+              <a:ext uri="{FF2B5EF4-FFF2-40B4-BE49-F238E27FC236}">
+                <a16:creationId xmlns:a16="http://schemas.microsoft.com/office/drawing/2014/main" id="{D1DE7770-E496-4469-85A5-BC6359FFDD48}"/>
+              </a:ext>
+            </a:extLst>
+          </p:cNvPr>
+          <p:cNvSpPr/>
+          <p:nvPr/>
+        </p:nvSpPr>
+        <p:spPr>
+          <a:xfrm>
+            <a:off x="12698361" y="0"/>
+            <a:ext cx="2812680" cy="1257300"/>
+          </a:xfrm>
+          <a:prstGeom prst="rect">
+            <a:avLst/>
+          </a:prstGeom>
+          <a:solidFill>
+            <a:schemeClr val="accent6"/>
+          </a:solidFill>
+        </p:spPr>
+        <p:style>
+          <a:lnRef idx="2">
+            <a:schemeClr val="accent1">
+              <a:shade val="50000"/>
+            </a:schemeClr>
+          </a:lnRef>
+          <a:fillRef idx="1">
+            <a:schemeClr val="accent1"/>
+          </a:fillRef>
+          <a:effectRef idx="0">
+            <a:schemeClr val="accent1"/>
+          </a:effectRef>
+          <a:fontRef idx="minor">
+            <a:schemeClr val="lt1"/>
+          </a:fontRef>
+        </p:style>
+        <p:txBody>
+          <a:bodyPr rtlCol="0" anchor="ctr"/>
+          <a:lstStyle/>
+          <a:p>
+            <a:pPr algn="ctr"/>
+            <a:r>
+              <a:rPr lang="pt-BR" sz="2800" dirty="0"/>
+              <a:t>Processo</a:t>
+            </a:r>
+          </a:p>
+        </p:txBody>
+      </p:sp>
+      <p:sp>
+        <p:nvSpPr>
+          <p:cNvPr id="5" name="Retângulo 4">
+            <a:extLst>
+              <a:ext uri="{FF2B5EF4-FFF2-40B4-BE49-F238E27FC236}">
+                <a16:creationId xmlns:a16="http://schemas.microsoft.com/office/drawing/2014/main" id="{89F7D3A0-2F19-4570-9DAB-15899FE301A7}"/>
+              </a:ext>
+            </a:extLst>
+          </p:cNvPr>
+          <p:cNvSpPr/>
+          <p:nvPr/>
+        </p:nvSpPr>
+        <p:spPr>
+          <a:xfrm>
+            <a:off x="12698361" y="1714500"/>
+            <a:ext cx="2812680" cy="3695700"/>
+          </a:xfrm>
+          <a:prstGeom prst="rect">
+            <a:avLst/>
+          </a:prstGeom>
+          <a:solidFill>
+            <a:srgbClr val="FF0000"/>
+          </a:solidFill>
+        </p:spPr>
+        <p:style>
+          <a:lnRef idx="2">
+            <a:schemeClr val="accent1">
+              <a:shade val="50000"/>
+            </a:schemeClr>
+          </a:lnRef>
+          <a:fillRef idx="1">
+            <a:schemeClr val="accent1"/>
+          </a:fillRef>
+          <a:effectRef idx="0">
+            <a:schemeClr val="accent1"/>
+          </a:effectRef>
+          <a:fontRef idx="minor">
+            <a:schemeClr val="lt1"/>
+          </a:fontRef>
+        </p:style>
+        <p:txBody>
+          <a:bodyPr rtlCol="0" anchor="ctr"/>
+          <a:lstStyle/>
+          <a:p>
+            <a:pPr algn="ctr"/>
+            <a:r>
+              <a:rPr lang="pt-BR" sz="2800" dirty="0"/>
+              <a:t>Deixar claro a sequência dos passos. Talvez com números ou escondendo o mostrando os pedaços do fluxo.</a:t>
+            </a:r>
+          </a:p>
+        </p:txBody>
+      </p:sp>
+    </p:spTree>
+    <p:extLst>
+      <p:ext uri="{BB962C8B-B14F-4D97-AF65-F5344CB8AC3E}">
+        <p14:creationId xmlns:p14="http://schemas.microsoft.com/office/powerpoint/2010/main" val="3211799982"/>
       </p:ext>
     </p:extLst>
   </p:cSld>
@@ -8640,10 +4731,10 @@
       </p:grpSpPr>
       <p:pic>
         <p:nvPicPr>
-          <p:cNvPr id="4" name="Imagem 3" descr="Uma imagem contendo screenshot, texto&#10;&#10;Descrição gerada automaticamente">
-            <a:extLst>
-              <a:ext uri="{FF2B5EF4-FFF2-40B4-BE49-F238E27FC236}">
-                <a16:creationId xmlns:a16="http://schemas.microsoft.com/office/drawing/2014/main" id="{551E6082-9058-4556-AFED-014175B76E98}"/>
+          <p:cNvPr id="9" name="Imagem 8" descr="Tela de computador com texto preto sobre fundo branco&#10;&#10;Descrição gerada automaticamente">
+            <a:extLst>
+              <a:ext uri="{FF2B5EF4-FFF2-40B4-BE49-F238E27FC236}">
+                <a16:creationId xmlns:a16="http://schemas.microsoft.com/office/drawing/2014/main" id="{AC22E8A2-C528-49FF-BD9A-C21D8FC56E93}"/>
               </a:ext>
             </a:extLst>
           </p:cNvPr>
@@ -8674,114 +4765,10 @@
           </a:prstGeom>
         </p:spPr>
       </p:pic>
-      <p:sp>
-        <p:nvSpPr>
-          <p:cNvPr id="3" name="Retângulo 2">
-            <a:extLst>
-              <a:ext uri="{FF2B5EF4-FFF2-40B4-BE49-F238E27FC236}">
-                <a16:creationId xmlns:a16="http://schemas.microsoft.com/office/drawing/2014/main" id="{D1DE7770-E496-4469-85A5-BC6359FFDD48}"/>
-              </a:ext>
-            </a:extLst>
-          </p:cNvPr>
-          <p:cNvSpPr/>
-          <p:nvPr/>
-        </p:nvSpPr>
-        <p:spPr>
-          <a:xfrm>
-            <a:off x="12698361" y="0"/>
-            <a:ext cx="2812680" cy="1257300"/>
-          </a:xfrm>
-          <a:prstGeom prst="rect">
-            <a:avLst/>
-          </a:prstGeom>
-          <a:solidFill>
-            <a:schemeClr val="accent6"/>
-          </a:solidFill>
-        </p:spPr>
-        <p:style>
-          <a:lnRef idx="2">
-            <a:schemeClr val="accent1">
-              <a:shade val="50000"/>
-            </a:schemeClr>
-          </a:lnRef>
-          <a:fillRef idx="1">
-            <a:schemeClr val="accent1"/>
-          </a:fillRef>
-          <a:effectRef idx="0">
-            <a:schemeClr val="accent1"/>
-          </a:effectRef>
-          <a:fontRef idx="minor">
-            <a:schemeClr val="lt1"/>
-          </a:fontRef>
-        </p:style>
-        <p:txBody>
-          <a:bodyPr rtlCol="0" anchor="ctr"/>
-          <a:lstStyle/>
-          <a:p>
-            <a:pPr algn="ctr"/>
-            <a:r>
-              <a:rPr lang="pt-BR" sz="2800" dirty="0"/>
-              <a:t>Processo</a:t>
-            </a:r>
-          </a:p>
-        </p:txBody>
-      </p:sp>
-      <p:sp>
-        <p:nvSpPr>
-          <p:cNvPr id="5" name="Retângulo 4">
-            <a:extLst>
-              <a:ext uri="{FF2B5EF4-FFF2-40B4-BE49-F238E27FC236}">
-                <a16:creationId xmlns:a16="http://schemas.microsoft.com/office/drawing/2014/main" id="{89F7D3A0-2F19-4570-9DAB-15899FE301A7}"/>
-              </a:ext>
-            </a:extLst>
-          </p:cNvPr>
-          <p:cNvSpPr/>
-          <p:nvPr/>
-        </p:nvSpPr>
-        <p:spPr>
-          <a:xfrm>
-            <a:off x="12698361" y="1714500"/>
-            <a:ext cx="2812680" cy="3695700"/>
-          </a:xfrm>
-          <a:prstGeom prst="rect">
-            <a:avLst/>
-          </a:prstGeom>
-          <a:solidFill>
-            <a:srgbClr val="FF0000"/>
-          </a:solidFill>
-        </p:spPr>
-        <p:style>
-          <a:lnRef idx="2">
-            <a:schemeClr val="accent1">
-              <a:shade val="50000"/>
-            </a:schemeClr>
-          </a:lnRef>
-          <a:fillRef idx="1">
-            <a:schemeClr val="accent1"/>
-          </a:fillRef>
-          <a:effectRef idx="0">
-            <a:schemeClr val="accent1"/>
-          </a:effectRef>
-          <a:fontRef idx="minor">
-            <a:schemeClr val="lt1"/>
-          </a:fontRef>
-        </p:style>
-        <p:txBody>
-          <a:bodyPr rtlCol="0" anchor="ctr"/>
-          <a:lstStyle/>
-          <a:p>
-            <a:pPr algn="ctr"/>
-            <a:r>
-              <a:rPr lang="pt-BR" sz="2800" dirty="0"/>
-              <a:t>Deixar claro a sequência dos passos. Talvez com números ou escondendo o mostrando os pedaços do fluxo.</a:t>
-            </a:r>
-          </a:p>
-        </p:txBody>
-      </p:sp>
     </p:spTree>
     <p:extLst>
       <p:ext uri="{BB962C8B-B14F-4D97-AF65-F5344CB8AC3E}">
-        <p14:creationId xmlns:p14="http://schemas.microsoft.com/office/powerpoint/2010/main" val="3211799982"/>
+        <p14:creationId xmlns:p14="http://schemas.microsoft.com/office/powerpoint/2010/main" val="574312717"/>
       </p:ext>
     </p:extLst>
   </p:cSld>

--- a/apresentacao/apresentacao.pptx
+++ b/apresentacao/apresentacao.pptx
@@ -14,9 +14,10 @@
     <p:sldId id="260" r:id="rId8"/>
     <p:sldId id="268" r:id="rId9"/>
     <p:sldId id="269" r:id="rId10"/>
-    <p:sldId id="261" r:id="rId11"/>
-    <p:sldId id="265" r:id="rId12"/>
-    <p:sldId id="270" r:id="rId13"/>
+    <p:sldId id="271" r:id="rId11"/>
+    <p:sldId id="261" r:id="rId12"/>
+    <p:sldId id="265" r:id="rId13"/>
+    <p:sldId id="270" r:id="rId14"/>
   </p:sldIdLst>
   <p:sldSz cx="12192000" cy="6858000"/>
   <p:notesSz cx="6858000" cy="9144000"/>
@@ -270,7 +271,7 @@
           <a:p>
             <a:fld id="{1F1FAA24-82E9-47BA-A53E-AEAD71F0EE56}" type="datetimeFigureOut">
               <a:rPr lang="pt-BR" smtClean="0"/>
-              <a:t>30/06/2020</a:t>
+              <a:t>01/07/2020</a:t>
             </a:fld>
             <a:endParaRPr lang="pt-BR"/>
           </a:p>
@@ -468,7 +469,7 @@
           <a:p>
             <a:fld id="{1F1FAA24-82E9-47BA-A53E-AEAD71F0EE56}" type="datetimeFigureOut">
               <a:rPr lang="pt-BR" smtClean="0"/>
-              <a:t>30/06/2020</a:t>
+              <a:t>01/07/2020</a:t>
             </a:fld>
             <a:endParaRPr lang="pt-BR"/>
           </a:p>
@@ -676,7 +677,7 @@
           <a:p>
             <a:fld id="{1F1FAA24-82E9-47BA-A53E-AEAD71F0EE56}" type="datetimeFigureOut">
               <a:rPr lang="pt-BR" smtClean="0"/>
-              <a:t>30/06/2020</a:t>
+              <a:t>01/07/2020</a:t>
             </a:fld>
             <a:endParaRPr lang="pt-BR"/>
           </a:p>
@@ -874,7 +875,7 @@
           <a:p>
             <a:fld id="{1F1FAA24-82E9-47BA-A53E-AEAD71F0EE56}" type="datetimeFigureOut">
               <a:rPr lang="pt-BR" smtClean="0"/>
-              <a:t>30/06/2020</a:t>
+              <a:t>01/07/2020</a:t>
             </a:fld>
             <a:endParaRPr lang="pt-BR"/>
           </a:p>
@@ -1149,7 +1150,7 @@
           <a:p>
             <a:fld id="{1F1FAA24-82E9-47BA-A53E-AEAD71F0EE56}" type="datetimeFigureOut">
               <a:rPr lang="pt-BR" smtClean="0"/>
-              <a:t>30/06/2020</a:t>
+              <a:t>01/07/2020</a:t>
             </a:fld>
             <a:endParaRPr lang="pt-BR"/>
           </a:p>
@@ -1414,7 +1415,7 @@
           <a:p>
             <a:fld id="{1F1FAA24-82E9-47BA-A53E-AEAD71F0EE56}" type="datetimeFigureOut">
               <a:rPr lang="pt-BR" smtClean="0"/>
-              <a:t>30/06/2020</a:t>
+              <a:t>01/07/2020</a:t>
             </a:fld>
             <a:endParaRPr lang="pt-BR"/>
           </a:p>
@@ -1826,7 +1827,7 @@
           <a:p>
             <a:fld id="{1F1FAA24-82E9-47BA-A53E-AEAD71F0EE56}" type="datetimeFigureOut">
               <a:rPr lang="pt-BR" smtClean="0"/>
-              <a:t>30/06/2020</a:t>
+              <a:t>01/07/2020</a:t>
             </a:fld>
             <a:endParaRPr lang="pt-BR"/>
           </a:p>
@@ -1967,7 +1968,7 @@
           <a:p>
             <a:fld id="{1F1FAA24-82E9-47BA-A53E-AEAD71F0EE56}" type="datetimeFigureOut">
               <a:rPr lang="pt-BR" smtClean="0"/>
-              <a:t>30/06/2020</a:t>
+              <a:t>01/07/2020</a:t>
             </a:fld>
             <a:endParaRPr lang="pt-BR"/>
           </a:p>
@@ -2080,7 +2081,7 @@
           <a:p>
             <a:fld id="{1F1FAA24-82E9-47BA-A53E-AEAD71F0EE56}" type="datetimeFigureOut">
               <a:rPr lang="pt-BR" smtClean="0"/>
-              <a:t>30/06/2020</a:t>
+              <a:t>01/07/2020</a:t>
             </a:fld>
             <a:endParaRPr lang="pt-BR"/>
           </a:p>
@@ -2391,7 +2392,7 @@
           <a:p>
             <a:fld id="{1F1FAA24-82E9-47BA-A53E-AEAD71F0EE56}" type="datetimeFigureOut">
               <a:rPr lang="pt-BR" smtClean="0"/>
-              <a:t>30/06/2020</a:t>
+              <a:t>01/07/2020</a:t>
             </a:fld>
             <a:endParaRPr lang="pt-BR"/>
           </a:p>
@@ -2679,7 +2680,7 @@
           <a:p>
             <a:fld id="{1F1FAA24-82E9-47BA-A53E-AEAD71F0EE56}" type="datetimeFigureOut">
               <a:rPr lang="pt-BR" smtClean="0"/>
-              <a:t>30/06/2020</a:t>
+              <a:t>01/07/2020</a:t>
             </a:fld>
             <a:endParaRPr lang="pt-BR"/>
           </a:p>
@@ -2920,7 +2921,7 @@
           <a:p>
             <a:fld id="{1F1FAA24-82E9-47BA-A53E-AEAD71F0EE56}" type="datetimeFigureOut">
               <a:rPr lang="pt-BR" smtClean="0"/>
-              <a:t>30/06/2020</a:t>
+              <a:t>01/07/2020</a:t>
             </a:fld>
             <a:endParaRPr lang="pt-BR"/>
           </a:p>
@@ -3337,42 +3338,6 @@
           <a:chExt cx="0" cy="0"/>
         </a:xfrm>
       </p:grpSpPr>
-      <p:pic>
-        <p:nvPicPr>
-          <p:cNvPr id="3" name="Imagem 2">
-            <a:extLst>
-              <a:ext uri="{FF2B5EF4-FFF2-40B4-BE49-F238E27FC236}">
-                <a16:creationId xmlns:a16="http://schemas.microsoft.com/office/drawing/2014/main" id="{C6009BAA-04EE-488D-B0FE-8AB04EA4BF67}"/>
-              </a:ext>
-            </a:extLst>
-          </p:cNvPr>
-          <p:cNvPicPr>
-            <a:picLocks noChangeAspect="1"/>
-          </p:cNvPicPr>
-          <p:nvPr/>
-        </p:nvPicPr>
-        <p:blipFill>
-          <a:blip r:embed="rId2">
-            <a:extLst>
-              <a:ext uri="{28A0092B-C50C-407E-A947-70E740481C1C}">
-                <a14:useLocalDpi xmlns:a14="http://schemas.microsoft.com/office/drawing/2010/main" val="0"/>
-              </a:ext>
-            </a:extLst>
-          </a:blip>
-          <a:stretch>
-            <a:fillRect/>
-          </a:stretch>
-        </p:blipFill>
-        <p:spPr>
-          <a:xfrm>
-            <a:off x="0" y="0"/>
-            <a:ext cx="12192000" cy="6858000"/>
-          </a:xfrm>
-          <a:prstGeom prst="rect">
-            <a:avLst/>
-          </a:prstGeom>
-        </p:spPr>
-      </p:pic>
       <p:sp>
         <p:nvSpPr>
           <p:cNvPr id="5" name="Retângulo 4">
@@ -3394,7 +3359,7 @@
             <a:avLst/>
           </a:prstGeom>
           <a:solidFill>
-            <a:srgbClr val="FF0000"/>
+            <a:schemeClr val="accent6"/>
           </a:solidFill>
         </p:spPr>
         <p:style>
@@ -3425,6 +3390,42 @@
           </a:p>
         </p:txBody>
       </p:sp>
+      <p:pic>
+        <p:nvPicPr>
+          <p:cNvPr id="4" name="Imagem 3">
+            <a:extLst>
+              <a:ext uri="{FF2B5EF4-FFF2-40B4-BE49-F238E27FC236}">
+                <a16:creationId xmlns:a16="http://schemas.microsoft.com/office/drawing/2014/main" id="{EF123CA1-9C42-4261-BCE8-6E8F2216456A}"/>
+              </a:ext>
+            </a:extLst>
+          </p:cNvPr>
+          <p:cNvPicPr>
+            <a:picLocks noChangeAspect="1"/>
+          </p:cNvPicPr>
+          <p:nvPr/>
+        </p:nvPicPr>
+        <p:blipFill>
+          <a:blip r:embed="rId2">
+            <a:extLst>
+              <a:ext uri="{28A0092B-C50C-407E-A947-70E740481C1C}">
+                <a14:useLocalDpi xmlns:a14="http://schemas.microsoft.com/office/drawing/2010/main" val="0"/>
+              </a:ext>
+            </a:extLst>
+          </a:blip>
+          <a:stretch>
+            <a:fillRect/>
+          </a:stretch>
+        </p:blipFill>
+        <p:spPr>
+          <a:xfrm>
+            <a:off x="0" y="0"/>
+            <a:ext cx="12192000" cy="6858000"/>
+          </a:xfrm>
+          <a:prstGeom prst="rect">
+            <a:avLst/>
+          </a:prstGeom>
+        </p:spPr>
+      </p:pic>
     </p:spTree>
     <p:extLst>
       <p:ext uri="{BB962C8B-B14F-4D97-AF65-F5344CB8AC3E}">
@@ -3457,10 +3458,10 @@
       </p:grpSpPr>
       <p:pic>
         <p:nvPicPr>
-          <p:cNvPr id="3" name="Imagem 2" descr="Tela de celular com texto preto sobre fundo branco&#10;&#10;Descrição gerada automaticamente">
-            <a:extLst>
-              <a:ext uri="{FF2B5EF4-FFF2-40B4-BE49-F238E27FC236}">
-                <a16:creationId xmlns:a16="http://schemas.microsoft.com/office/drawing/2014/main" id="{E8EA9D6B-378C-4C28-A67E-A0A56F465FD0}"/>
+          <p:cNvPr id="5" name="Imagem 4">
+            <a:extLst>
+              <a:ext uri="{FF2B5EF4-FFF2-40B4-BE49-F238E27FC236}">
+                <a16:creationId xmlns:a16="http://schemas.microsoft.com/office/drawing/2014/main" id="{233E881E-16AA-4A79-805E-1C86FD3D801E}"/>
               </a:ext>
             </a:extLst>
           </p:cNvPr>
@@ -3494,7 +3495,7 @@
     </p:spTree>
     <p:extLst>
       <p:ext uri="{BB962C8B-B14F-4D97-AF65-F5344CB8AC3E}">
-        <p14:creationId xmlns:p14="http://schemas.microsoft.com/office/powerpoint/2010/main" val="3660585902"/>
+        <p14:creationId xmlns:p14="http://schemas.microsoft.com/office/powerpoint/2010/main" val="2034848351"/>
       </p:ext>
     </p:extLst>
   </p:cSld>
@@ -3526,6 +3527,72 @@
           <p:cNvPr id="3" name="Imagem 2" descr="Tela de celular com texto preto sobre fundo branco&#10;&#10;Descrição gerada automaticamente">
             <a:extLst>
               <a:ext uri="{FF2B5EF4-FFF2-40B4-BE49-F238E27FC236}">
+                <a16:creationId xmlns:a16="http://schemas.microsoft.com/office/drawing/2014/main" id="{E8EA9D6B-378C-4C28-A67E-A0A56F465FD0}"/>
+              </a:ext>
+            </a:extLst>
+          </p:cNvPr>
+          <p:cNvPicPr>
+            <a:picLocks noChangeAspect="1"/>
+          </p:cNvPicPr>
+          <p:nvPr/>
+        </p:nvPicPr>
+        <p:blipFill>
+          <a:blip r:embed="rId2">
+            <a:extLst>
+              <a:ext uri="{28A0092B-C50C-407E-A947-70E740481C1C}">
+                <a14:useLocalDpi xmlns:a14="http://schemas.microsoft.com/office/drawing/2010/main" val="0"/>
+              </a:ext>
+            </a:extLst>
+          </a:blip>
+          <a:stretch>
+            <a:fillRect/>
+          </a:stretch>
+        </p:blipFill>
+        <p:spPr>
+          <a:xfrm>
+            <a:off x="0" y="0"/>
+            <a:ext cx="12192000" cy="6858000"/>
+          </a:xfrm>
+          <a:prstGeom prst="rect">
+            <a:avLst/>
+          </a:prstGeom>
+        </p:spPr>
+      </p:pic>
+    </p:spTree>
+    <p:extLst>
+      <p:ext uri="{BB962C8B-B14F-4D97-AF65-F5344CB8AC3E}">
+        <p14:creationId xmlns:p14="http://schemas.microsoft.com/office/powerpoint/2010/main" val="3660585902"/>
+      </p:ext>
+    </p:extLst>
+  </p:cSld>
+  <p:clrMapOvr>
+    <a:masterClrMapping/>
+  </p:clrMapOvr>
+</p:sld>
+</file>
+
+<file path=ppt/slides/slide12.xml><?xml version="1.0" encoding="utf-8"?>
+<p:sld xmlns:a="http://schemas.openxmlformats.org/drawingml/2006/main" xmlns:r="http://schemas.openxmlformats.org/officeDocument/2006/relationships" xmlns:p="http://schemas.openxmlformats.org/presentationml/2006/main">
+  <p:cSld>
+    <p:spTree>
+      <p:nvGrpSpPr>
+        <p:cNvPr id="1" name=""/>
+        <p:cNvGrpSpPr/>
+        <p:nvPr/>
+      </p:nvGrpSpPr>
+      <p:grpSpPr>
+        <a:xfrm>
+          <a:off x="0" y="0"/>
+          <a:ext cx="0" cy="0"/>
+          <a:chOff x="0" y="0"/>
+          <a:chExt cx="0" cy="0"/>
+        </a:xfrm>
+      </p:grpSpPr>
+      <p:pic>
+        <p:nvPicPr>
+          <p:cNvPr id="3" name="Imagem 2" descr="Tela de celular com texto preto sobre fundo branco&#10;&#10;Descrição gerada automaticamente">
+            <a:extLst>
+              <a:ext uri="{FF2B5EF4-FFF2-40B4-BE49-F238E27FC236}">
                 <a16:creationId xmlns:a16="http://schemas.microsoft.com/office/drawing/2014/main" id="{9DB71A19-7736-41BF-8EE7-A23DA1E23F59}"/>
               </a:ext>
             </a:extLst>
@@ -3570,7 +3637,7 @@
 </p:sld>
 </file>
 
-<file path=ppt/slides/slide12.xml><?xml version="1.0" encoding="utf-8"?>
+<file path=ppt/slides/slide13.xml><?xml version="1.0" encoding="utf-8"?>
 <p:sld xmlns:a="http://schemas.openxmlformats.org/drawingml/2006/main" xmlns:r="http://schemas.openxmlformats.org/officeDocument/2006/relationships" xmlns:p="http://schemas.openxmlformats.org/presentationml/2006/main">
   <p:cSld>
     <p:spTree>
@@ -3957,10 +4024,10 @@
       </p:sp>
       <p:pic>
         <p:nvPicPr>
-          <p:cNvPr id="4" name="Imagem 3" descr="Tela de celular com texto preto sobre fundo branco&#10;&#10;Descrição gerada automaticamente">
-            <a:extLst>
-              <a:ext uri="{FF2B5EF4-FFF2-40B4-BE49-F238E27FC236}">
-                <a16:creationId xmlns:a16="http://schemas.microsoft.com/office/drawing/2014/main" id="{4F56FC1D-FBBC-4374-A777-8BCB3E3EC9CA}"/>
+          <p:cNvPr id="5" name="Imagem 4" descr="Tela de celular com texto preto sobre fundo branco&#10;&#10;Descrição gerada automaticamente">
+            <a:extLst>
+              <a:ext uri="{FF2B5EF4-FFF2-40B4-BE49-F238E27FC236}">
+                <a16:creationId xmlns:a16="http://schemas.microsoft.com/office/drawing/2014/main" id="{5C7AE2F8-4037-4C10-B2F7-BECC82B9900B}"/>
               </a:ext>
             </a:extLst>
           </p:cNvPr>
@@ -4101,7 +4168,7 @@
             <a:avLst/>
           </a:prstGeom>
           <a:solidFill>
-            <a:srgbClr val="FF0000"/>
+            <a:schemeClr val="accent6"/>
           </a:solidFill>
         </p:spPr>
         <p:style>
@@ -4731,10 +4798,10 @@
       </p:grpSpPr>
       <p:pic>
         <p:nvPicPr>
-          <p:cNvPr id="9" name="Imagem 8" descr="Tela de computador com texto preto sobre fundo branco&#10;&#10;Descrição gerada automaticamente">
-            <a:extLst>
-              <a:ext uri="{FF2B5EF4-FFF2-40B4-BE49-F238E27FC236}">
-                <a16:creationId xmlns:a16="http://schemas.microsoft.com/office/drawing/2014/main" id="{AC22E8A2-C528-49FF-BD9A-C21D8FC56E93}"/>
+          <p:cNvPr id="3" name="Imagem 2" descr="Tela de computador com texto preto sobre fundo branco&#10;&#10;Descrição gerada automaticamente">
+            <a:extLst>
+              <a:ext uri="{FF2B5EF4-FFF2-40B4-BE49-F238E27FC236}">
+                <a16:creationId xmlns:a16="http://schemas.microsoft.com/office/drawing/2014/main" id="{463040D8-91A8-4645-A0D1-B143371890B6}"/>
               </a:ext>
             </a:extLst>
           </p:cNvPr>

--- a/apresentacao/apresentacao.pptx
+++ b/apresentacao/apresentacao.pptx
@@ -271,7 +271,7 @@
           <a:p>
             <a:fld id="{1F1FAA24-82E9-47BA-A53E-AEAD71F0EE56}" type="datetimeFigureOut">
               <a:rPr lang="pt-BR" smtClean="0"/>
-              <a:t>01/07/2020</a:t>
+              <a:t>02/07/2020</a:t>
             </a:fld>
             <a:endParaRPr lang="pt-BR"/>
           </a:p>
@@ -469,7 +469,7 @@
           <a:p>
             <a:fld id="{1F1FAA24-82E9-47BA-A53E-AEAD71F0EE56}" type="datetimeFigureOut">
               <a:rPr lang="pt-BR" smtClean="0"/>
-              <a:t>01/07/2020</a:t>
+              <a:t>02/07/2020</a:t>
             </a:fld>
             <a:endParaRPr lang="pt-BR"/>
           </a:p>
@@ -677,7 +677,7 @@
           <a:p>
             <a:fld id="{1F1FAA24-82E9-47BA-A53E-AEAD71F0EE56}" type="datetimeFigureOut">
               <a:rPr lang="pt-BR" smtClean="0"/>
-              <a:t>01/07/2020</a:t>
+              <a:t>02/07/2020</a:t>
             </a:fld>
             <a:endParaRPr lang="pt-BR"/>
           </a:p>
@@ -875,7 +875,7 @@
           <a:p>
             <a:fld id="{1F1FAA24-82E9-47BA-A53E-AEAD71F0EE56}" type="datetimeFigureOut">
               <a:rPr lang="pt-BR" smtClean="0"/>
-              <a:t>01/07/2020</a:t>
+              <a:t>02/07/2020</a:t>
             </a:fld>
             <a:endParaRPr lang="pt-BR"/>
           </a:p>
@@ -1150,7 +1150,7 @@
           <a:p>
             <a:fld id="{1F1FAA24-82E9-47BA-A53E-AEAD71F0EE56}" type="datetimeFigureOut">
               <a:rPr lang="pt-BR" smtClean="0"/>
-              <a:t>01/07/2020</a:t>
+              <a:t>02/07/2020</a:t>
             </a:fld>
             <a:endParaRPr lang="pt-BR"/>
           </a:p>
@@ -1415,7 +1415,7 @@
           <a:p>
             <a:fld id="{1F1FAA24-82E9-47BA-A53E-AEAD71F0EE56}" type="datetimeFigureOut">
               <a:rPr lang="pt-BR" smtClean="0"/>
-              <a:t>01/07/2020</a:t>
+              <a:t>02/07/2020</a:t>
             </a:fld>
             <a:endParaRPr lang="pt-BR"/>
           </a:p>
@@ -1827,7 +1827,7 @@
           <a:p>
             <a:fld id="{1F1FAA24-82E9-47BA-A53E-AEAD71F0EE56}" type="datetimeFigureOut">
               <a:rPr lang="pt-BR" smtClean="0"/>
-              <a:t>01/07/2020</a:t>
+              <a:t>02/07/2020</a:t>
             </a:fld>
             <a:endParaRPr lang="pt-BR"/>
           </a:p>
@@ -1968,7 +1968,7 @@
           <a:p>
             <a:fld id="{1F1FAA24-82E9-47BA-A53E-AEAD71F0EE56}" type="datetimeFigureOut">
               <a:rPr lang="pt-BR" smtClean="0"/>
-              <a:t>01/07/2020</a:t>
+              <a:t>02/07/2020</a:t>
             </a:fld>
             <a:endParaRPr lang="pt-BR"/>
           </a:p>
@@ -2081,7 +2081,7 @@
           <a:p>
             <a:fld id="{1F1FAA24-82E9-47BA-A53E-AEAD71F0EE56}" type="datetimeFigureOut">
               <a:rPr lang="pt-BR" smtClean="0"/>
-              <a:t>01/07/2020</a:t>
+              <a:t>02/07/2020</a:t>
             </a:fld>
             <a:endParaRPr lang="pt-BR"/>
           </a:p>
@@ -2392,7 +2392,7 @@
           <a:p>
             <a:fld id="{1F1FAA24-82E9-47BA-A53E-AEAD71F0EE56}" type="datetimeFigureOut">
               <a:rPr lang="pt-BR" smtClean="0"/>
-              <a:t>01/07/2020</a:t>
+              <a:t>02/07/2020</a:t>
             </a:fld>
             <a:endParaRPr lang="pt-BR"/>
           </a:p>
@@ -2680,7 +2680,7 @@
           <a:p>
             <a:fld id="{1F1FAA24-82E9-47BA-A53E-AEAD71F0EE56}" type="datetimeFigureOut">
               <a:rPr lang="pt-BR" smtClean="0"/>
-              <a:t>01/07/2020</a:t>
+              <a:t>02/07/2020</a:t>
             </a:fld>
             <a:endParaRPr lang="pt-BR"/>
           </a:p>
@@ -2921,7 +2921,7 @@
           <a:p>
             <a:fld id="{1F1FAA24-82E9-47BA-A53E-AEAD71F0EE56}" type="datetimeFigureOut">
               <a:rPr lang="pt-BR" smtClean="0"/>
-              <a:t>01/07/2020</a:t>
+              <a:t>02/07/2020</a:t>
             </a:fld>
             <a:endParaRPr lang="pt-BR"/>
           </a:p>
@@ -3590,10 +3590,10 @@
       </p:grpSpPr>
       <p:pic>
         <p:nvPicPr>
-          <p:cNvPr id="3" name="Imagem 2" descr="Tela de celular com texto preto sobre fundo branco&#10;&#10;Descrição gerada automaticamente">
-            <a:extLst>
-              <a:ext uri="{FF2B5EF4-FFF2-40B4-BE49-F238E27FC236}">
-                <a16:creationId xmlns:a16="http://schemas.microsoft.com/office/drawing/2014/main" id="{9DB71A19-7736-41BF-8EE7-A23DA1E23F59}"/>
+          <p:cNvPr id="4" name="Imagem 3" descr="Tela de celular com texto preto sobre fundo branco&#10;&#10;Descrição gerada automaticamente">
+            <a:extLst>
+              <a:ext uri="{FF2B5EF4-FFF2-40B4-BE49-F238E27FC236}">
+                <a16:creationId xmlns:a16="http://schemas.microsoft.com/office/drawing/2014/main" id="{D856F365-6FB2-4CF3-ADEB-63C1CFE3211C}"/>
               </a:ext>
             </a:extLst>
           </p:cNvPr>
@@ -3656,56 +3656,6 @@
       </p:grpSpPr>
       <p:sp>
         <p:nvSpPr>
-          <p:cNvPr id="2" name="Título 1">
-            <a:extLst>
-              <a:ext uri="{FF2B5EF4-FFF2-40B4-BE49-F238E27FC236}">
-                <a16:creationId xmlns:a16="http://schemas.microsoft.com/office/drawing/2014/main" id="{E4D32EC1-7654-4E8F-944F-EE8BC1388653}"/>
-              </a:ext>
-            </a:extLst>
-          </p:cNvPr>
-          <p:cNvSpPr>
-            <a:spLocks noGrp="1"/>
-          </p:cNvSpPr>
-          <p:nvPr>
-            <p:ph type="title"/>
-          </p:nvPr>
-        </p:nvSpPr>
-        <p:spPr/>
-        <p:txBody>
-          <a:bodyPr/>
-          <a:lstStyle/>
-          <a:p>
-            <a:endParaRPr lang="pt-BR"/>
-          </a:p>
-        </p:txBody>
-      </p:sp>
-      <p:sp>
-        <p:nvSpPr>
-          <p:cNvPr id="3" name="Espaço Reservado para Conteúdo 2">
-            <a:extLst>
-              <a:ext uri="{FF2B5EF4-FFF2-40B4-BE49-F238E27FC236}">
-                <a16:creationId xmlns:a16="http://schemas.microsoft.com/office/drawing/2014/main" id="{3163D0C7-67D7-44FF-AB94-B16ED78706CD}"/>
-              </a:ext>
-            </a:extLst>
-          </p:cNvPr>
-          <p:cNvSpPr>
-            <a:spLocks noGrp="1"/>
-          </p:cNvSpPr>
-          <p:nvPr>
-            <p:ph idx="1"/>
-          </p:nvPr>
-        </p:nvSpPr>
-        <p:spPr/>
-        <p:txBody>
-          <a:bodyPr/>
-          <a:lstStyle/>
-          <a:p>
-            <a:endParaRPr lang="pt-BR"/>
-          </a:p>
-        </p:txBody>
-      </p:sp>
-      <p:sp>
-        <p:nvSpPr>
           <p:cNvPr id="4" name="Retângulo 3">
             <a:extLst>
               <a:ext uri="{FF2B5EF4-FFF2-40B4-BE49-F238E27FC236}">
@@ -3725,7 +3675,7 @@
             <a:avLst/>
           </a:prstGeom>
           <a:solidFill>
-            <a:srgbClr val="FF0000"/>
+            <a:schemeClr val="accent6"/>
           </a:solidFill>
         </p:spPr>
         <p:style>
@@ -3750,12 +3700,49 @@
           <a:p>
             <a:pPr algn="ctr"/>
             <a:r>
-              <a:rPr lang="pt-BR" sz="2800" dirty="0"/>
+              <a:rPr lang="pt-BR" sz="2800"/>
               <a:t>Incluir um slide de agradecimento.</a:t>
             </a:r>
-          </a:p>
-        </p:txBody>
-      </p:sp>
+            <a:endParaRPr lang="pt-BR" sz="2800" dirty="0"/>
+          </a:p>
+        </p:txBody>
+      </p:sp>
+      <p:pic>
+        <p:nvPicPr>
+          <p:cNvPr id="8" name="Imagem 7">
+            <a:extLst>
+              <a:ext uri="{FF2B5EF4-FFF2-40B4-BE49-F238E27FC236}">
+                <a16:creationId xmlns:a16="http://schemas.microsoft.com/office/drawing/2014/main" id="{6E46109C-0D0F-4884-812D-572673A2595F}"/>
+              </a:ext>
+            </a:extLst>
+          </p:cNvPr>
+          <p:cNvPicPr>
+            <a:picLocks noChangeAspect="1"/>
+          </p:cNvPicPr>
+          <p:nvPr/>
+        </p:nvPicPr>
+        <p:blipFill>
+          <a:blip r:embed="rId2">
+            <a:extLst>
+              <a:ext uri="{28A0092B-C50C-407E-A947-70E740481C1C}">
+                <a14:useLocalDpi xmlns:a14="http://schemas.microsoft.com/office/drawing/2010/main" val="0"/>
+              </a:ext>
+            </a:extLst>
+          </a:blip>
+          <a:stretch>
+            <a:fillRect/>
+          </a:stretch>
+        </p:blipFill>
+        <p:spPr>
+          <a:xfrm>
+            <a:off x="0" y="0"/>
+            <a:ext cx="12192000" cy="6858000"/>
+          </a:xfrm>
+          <a:prstGeom prst="rect">
+            <a:avLst/>
+          </a:prstGeom>
+        </p:spPr>
+      </p:pic>
     </p:spTree>
     <p:extLst>
       <p:ext uri="{BB962C8B-B14F-4D97-AF65-F5344CB8AC3E}">

--- a/apresentacao/apresentacao.pptx
+++ b/apresentacao/apresentacao.pptx
@@ -4011,10 +4011,10 @@
       </p:sp>
       <p:pic>
         <p:nvPicPr>
-          <p:cNvPr id="5" name="Imagem 4" descr="Tela de celular com texto preto sobre fundo branco&#10;&#10;Descrição gerada automaticamente">
-            <a:extLst>
-              <a:ext uri="{FF2B5EF4-FFF2-40B4-BE49-F238E27FC236}">
-                <a16:creationId xmlns:a16="http://schemas.microsoft.com/office/drawing/2014/main" id="{5C7AE2F8-4037-4C10-B2F7-BECC82B9900B}"/>
+          <p:cNvPr id="4" name="Imagem 3" descr="Tela de celular com texto preto sobre fundo branco&#10;&#10;Descrição gerada automaticamente">
+            <a:extLst>
+              <a:ext uri="{FF2B5EF4-FFF2-40B4-BE49-F238E27FC236}">
+                <a16:creationId xmlns:a16="http://schemas.microsoft.com/office/drawing/2014/main" id="{64131C80-BEAB-418A-8833-67013D2D735B}"/>
               </a:ext>
             </a:extLst>
           </p:cNvPr>
@@ -4422,42 +4422,6 @@
           </a:p>
         </p:txBody>
       </p:sp>
-      <p:pic>
-        <p:nvPicPr>
-          <p:cNvPr id="7" name="Imagem 6">
-            <a:extLst>
-              <a:ext uri="{FF2B5EF4-FFF2-40B4-BE49-F238E27FC236}">
-                <a16:creationId xmlns:a16="http://schemas.microsoft.com/office/drawing/2014/main" id="{2B0D47A3-48FD-4F86-AD4C-A7906810E6B7}"/>
-              </a:ext>
-            </a:extLst>
-          </p:cNvPr>
-          <p:cNvPicPr>
-            <a:picLocks noChangeAspect="1"/>
-          </p:cNvPicPr>
-          <p:nvPr/>
-        </p:nvPicPr>
-        <p:blipFill>
-          <a:blip r:embed="rId2">
-            <a:extLst>
-              <a:ext uri="{28A0092B-C50C-407E-A947-70E740481C1C}">
-                <a14:useLocalDpi xmlns:a14="http://schemas.microsoft.com/office/drawing/2010/main" val="0"/>
-              </a:ext>
-            </a:extLst>
-          </a:blip>
-          <a:stretch>
-            <a:fillRect/>
-          </a:stretch>
-        </p:blipFill>
-        <p:spPr>
-          <a:xfrm>
-            <a:off x="0" y="0"/>
-            <a:ext cx="12192000" cy="6858000"/>
-          </a:xfrm>
-          <a:prstGeom prst="rect">
-            <a:avLst/>
-          </a:prstGeom>
-        </p:spPr>
-      </p:pic>
       <p:sp>
         <p:nvSpPr>
           <p:cNvPr id="4" name="Retângulo 3">
@@ -4479,7 +4443,7 @@
             <a:avLst/>
           </a:prstGeom>
           <a:solidFill>
-            <a:srgbClr val="FF0000"/>
+            <a:schemeClr val="accent6"/>
           </a:solidFill>
         </p:spPr>
         <p:style>
@@ -4567,6 +4531,42 @@
           </a:p>
         </p:txBody>
       </p:sp>
+      <p:pic>
+        <p:nvPicPr>
+          <p:cNvPr id="11" name="Imagem 10">
+            <a:extLst>
+              <a:ext uri="{FF2B5EF4-FFF2-40B4-BE49-F238E27FC236}">
+                <a16:creationId xmlns:a16="http://schemas.microsoft.com/office/drawing/2014/main" id="{6D56F9F1-A48A-4855-BF28-B7E3BDE376FE}"/>
+              </a:ext>
+            </a:extLst>
+          </p:cNvPr>
+          <p:cNvPicPr>
+            <a:picLocks noChangeAspect="1"/>
+          </p:cNvPicPr>
+          <p:nvPr/>
+        </p:nvPicPr>
+        <p:blipFill>
+          <a:blip r:embed="rId2">
+            <a:extLst>
+              <a:ext uri="{28A0092B-C50C-407E-A947-70E740481C1C}">
+                <a14:useLocalDpi xmlns:a14="http://schemas.microsoft.com/office/drawing/2010/main" val="0"/>
+              </a:ext>
+            </a:extLst>
+          </a:blip>
+          <a:stretch>
+            <a:fillRect/>
+          </a:stretch>
+        </p:blipFill>
+        <p:spPr>
+          <a:xfrm>
+            <a:off x="0" y="0"/>
+            <a:ext cx="12192000" cy="6858000"/>
+          </a:xfrm>
+          <a:prstGeom prst="rect">
+            <a:avLst/>
+          </a:prstGeom>
+        </p:spPr>
+      </p:pic>
     </p:spTree>
     <p:extLst>
       <p:ext uri="{BB962C8B-B14F-4D97-AF65-F5344CB8AC3E}">
@@ -4605,42 +4605,6 @@
           <a:chExt cx="0" cy="0"/>
         </a:xfrm>
       </p:grpSpPr>
-      <p:pic>
-        <p:nvPicPr>
-          <p:cNvPr id="4" name="Imagem 3" descr="Uma imagem contendo screenshot, texto&#10;&#10;Descrição gerada automaticamente">
-            <a:extLst>
-              <a:ext uri="{FF2B5EF4-FFF2-40B4-BE49-F238E27FC236}">
-                <a16:creationId xmlns:a16="http://schemas.microsoft.com/office/drawing/2014/main" id="{551E6082-9058-4556-AFED-014175B76E98}"/>
-              </a:ext>
-            </a:extLst>
-          </p:cNvPr>
-          <p:cNvPicPr>
-            <a:picLocks noChangeAspect="1"/>
-          </p:cNvPicPr>
-          <p:nvPr/>
-        </p:nvPicPr>
-        <p:blipFill>
-          <a:blip r:embed="rId2">
-            <a:extLst>
-              <a:ext uri="{28A0092B-C50C-407E-A947-70E740481C1C}">
-                <a14:useLocalDpi xmlns:a14="http://schemas.microsoft.com/office/drawing/2010/main" val="0"/>
-              </a:ext>
-            </a:extLst>
-          </a:blip>
-          <a:stretch>
-            <a:fillRect/>
-          </a:stretch>
-        </p:blipFill>
-        <p:spPr>
-          <a:xfrm>
-            <a:off x="0" y="0"/>
-            <a:ext cx="12192000" cy="6858000"/>
-          </a:xfrm>
-          <a:prstGeom prst="rect">
-            <a:avLst/>
-          </a:prstGeom>
-        </p:spPr>
-      </p:pic>
       <p:sp>
         <p:nvSpPr>
           <p:cNvPr id="3" name="Retângulo 2">
@@ -4745,6 +4709,42 @@
           </a:p>
         </p:txBody>
       </p:sp>
+      <p:pic>
+        <p:nvPicPr>
+          <p:cNvPr id="6" name="Imagem 5" descr="Tela de celular&#10;&#10;Descrição gerada automaticamente">
+            <a:extLst>
+              <a:ext uri="{FF2B5EF4-FFF2-40B4-BE49-F238E27FC236}">
+                <a16:creationId xmlns:a16="http://schemas.microsoft.com/office/drawing/2014/main" id="{F741381D-4115-4CB9-A6B3-74427B192CAD}"/>
+              </a:ext>
+            </a:extLst>
+          </p:cNvPr>
+          <p:cNvPicPr>
+            <a:picLocks noChangeAspect="1"/>
+          </p:cNvPicPr>
+          <p:nvPr/>
+        </p:nvPicPr>
+        <p:blipFill>
+          <a:blip r:embed="rId2">
+            <a:extLst>
+              <a:ext uri="{28A0092B-C50C-407E-A947-70E740481C1C}">
+                <a14:useLocalDpi xmlns:a14="http://schemas.microsoft.com/office/drawing/2010/main" val="0"/>
+              </a:ext>
+            </a:extLst>
+          </a:blip>
+          <a:stretch>
+            <a:fillRect/>
+          </a:stretch>
+        </p:blipFill>
+        <p:spPr>
+          <a:xfrm>
+            <a:off x="0" y="0"/>
+            <a:ext cx="12192000" cy="6858000"/>
+          </a:xfrm>
+          <a:prstGeom prst="rect">
+            <a:avLst/>
+          </a:prstGeom>
+        </p:spPr>
+      </p:pic>
     </p:spTree>
     <p:extLst>
       <p:ext uri="{BB962C8B-B14F-4D97-AF65-F5344CB8AC3E}">
